--- a/黑克松簡報.pptx
+++ b/黑克松簡報.pptx
@@ -229,6 +229,22 @@
       </a:defRPr>
     </a:lvl9pPr>
   </p:defaultTextStyle>
+  <p:extLst>
+    <p:ext uri="{EFAFB233-063F-42B5-8137-9DF3F51BA10A}">
+      <p15:sldGuideLst xmlns:p15="http://schemas.microsoft.com/office/powerpoint/2012/main">
+        <p15:guide id="1" orient="horz" pos="1620">
+          <p15:clr>
+            <a:srgbClr val="A4A3A4"/>
+          </p15:clr>
+        </p15:guide>
+        <p15:guide id="2" pos="2880">
+          <p15:clr>
+            <a:srgbClr val="A4A3A4"/>
+          </p15:clr>
+        </p15:guide>
+      </p15:sldGuideLst>
+    </p:ext>
+  </p:extLst>
 </p:presentation>
 </file>
 
@@ -394,7 +410,7 @@
     </p:spTree>
     <p:extLst>
       <p:ext uri="{BB962C8B-B14F-4D97-AF65-F5344CB8AC3E}">
-        <p14:creationId xmlns:p14="http://schemas.microsoft.com/office/powerpoint/2010/main" xmlns="" val="1967404372"/>
+        <p14:creationId xmlns:p14="http://schemas.microsoft.com/office/powerpoint/2010/main" val="1967404372"/>
       </p:ext>
     </p:extLst>
   </p:cSld>
@@ -588,6 +604,11 @@
         </p:txBody>
       </p:sp>
     </p:spTree>
+    <p:extLst>
+      <p:ext uri="{BB962C8B-B14F-4D97-AF65-F5344CB8AC3E}">
+        <p14:creationId xmlns:p14="http://schemas.microsoft.com/office/powerpoint/2010/main" val="1327441884"/>
+      </p:ext>
+    </p:extLst>
   </p:cSld>
   <p:clrMapOvr>
     <a:masterClrMapping/>
@@ -689,6 +710,11 @@
         </p:txBody>
       </p:sp>
     </p:spTree>
+    <p:extLst>
+      <p:ext uri="{BB962C8B-B14F-4D97-AF65-F5344CB8AC3E}">
+        <p14:creationId xmlns:p14="http://schemas.microsoft.com/office/powerpoint/2010/main" val="587682046"/>
+      </p:ext>
+    </p:extLst>
   </p:cSld>
   <p:clrMapOvr>
     <a:masterClrMapping/>
@@ -790,6 +816,11 @@
         </p:txBody>
       </p:sp>
     </p:spTree>
+    <p:extLst>
+      <p:ext uri="{BB962C8B-B14F-4D97-AF65-F5344CB8AC3E}">
+        <p14:creationId xmlns:p14="http://schemas.microsoft.com/office/powerpoint/2010/main" val="965489726"/>
+      </p:ext>
+    </p:extLst>
   </p:cSld>
   <p:clrMapOvr>
     <a:masterClrMapping/>
@@ -891,6 +922,11 @@
         </p:txBody>
       </p:sp>
     </p:spTree>
+    <p:extLst>
+      <p:ext uri="{BB962C8B-B14F-4D97-AF65-F5344CB8AC3E}">
+        <p14:creationId xmlns:p14="http://schemas.microsoft.com/office/powerpoint/2010/main" val="671550221"/>
+      </p:ext>
+    </p:extLst>
   </p:cSld>
   <p:clrMapOvr>
     <a:masterClrMapping/>
@@ -992,6 +1028,11 @@
         </p:txBody>
       </p:sp>
     </p:spTree>
+    <p:extLst>
+      <p:ext uri="{BB962C8B-B14F-4D97-AF65-F5344CB8AC3E}">
+        <p14:creationId xmlns:p14="http://schemas.microsoft.com/office/powerpoint/2010/main" val="3722920104"/>
+      </p:ext>
+    </p:extLst>
   </p:cSld>
   <p:clrMapOvr>
     <a:masterClrMapping/>
@@ -1093,6 +1134,11 @@
         </p:txBody>
       </p:sp>
     </p:spTree>
+    <p:extLst>
+      <p:ext uri="{BB962C8B-B14F-4D97-AF65-F5344CB8AC3E}">
+        <p14:creationId xmlns:p14="http://schemas.microsoft.com/office/powerpoint/2010/main" val="1556164747"/>
+      </p:ext>
+    </p:extLst>
   </p:cSld>
   <p:clrMapOvr>
     <a:masterClrMapping/>
@@ -1194,6 +1240,11 @@
         </p:txBody>
       </p:sp>
     </p:spTree>
+    <p:extLst>
+      <p:ext uri="{BB962C8B-B14F-4D97-AF65-F5344CB8AC3E}">
+        <p14:creationId xmlns:p14="http://schemas.microsoft.com/office/powerpoint/2010/main" val="2333434469"/>
+      </p:ext>
+    </p:extLst>
   </p:cSld>
   <p:clrMapOvr>
     <a:masterClrMapping/>
@@ -1295,6 +1346,11 @@
         </p:txBody>
       </p:sp>
     </p:spTree>
+    <p:extLst>
+      <p:ext uri="{BB962C8B-B14F-4D97-AF65-F5344CB8AC3E}">
+        <p14:creationId xmlns:p14="http://schemas.microsoft.com/office/powerpoint/2010/main" val="1918545269"/>
+      </p:ext>
+    </p:extLst>
   </p:cSld>
   <p:clrMapOvr>
     <a:masterClrMapping/>
@@ -1396,6 +1452,11 @@
         </p:txBody>
       </p:sp>
     </p:spTree>
+    <p:extLst>
+      <p:ext uri="{BB962C8B-B14F-4D97-AF65-F5344CB8AC3E}">
+        <p14:creationId xmlns:p14="http://schemas.microsoft.com/office/powerpoint/2010/main" val="925546619"/>
+      </p:ext>
+    </p:extLst>
   </p:cSld>
   <p:clrMapOvr>
     <a:masterClrMapping/>
@@ -1497,6 +1558,11 @@
         </p:txBody>
       </p:sp>
     </p:spTree>
+    <p:extLst>
+      <p:ext uri="{BB962C8B-B14F-4D97-AF65-F5344CB8AC3E}">
+        <p14:creationId xmlns:p14="http://schemas.microsoft.com/office/powerpoint/2010/main" val="1007729040"/>
+      </p:ext>
+    </p:extLst>
   </p:cSld>
   <p:clrMapOvr>
     <a:masterClrMapping/>
@@ -1598,6 +1664,11 @@
         </p:txBody>
       </p:sp>
     </p:spTree>
+    <p:extLst>
+      <p:ext uri="{BB962C8B-B14F-4D97-AF65-F5344CB8AC3E}">
+        <p14:creationId xmlns:p14="http://schemas.microsoft.com/office/powerpoint/2010/main" val="240133472"/>
+      </p:ext>
+    </p:extLst>
   </p:cSld>
   <p:clrMapOvr>
     <a:masterClrMapping/>
@@ -1699,6 +1770,11 @@
         </p:txBody>
       </p:sp>
     </p:spTree>
+    <p:extLst>
+      <p:ext uri="{BB962C8B-B14F-4D97-AF65-F5344CB8AC3E}">
+        <p14:creationId xmlns:p14="http://schemas.microsoft.com/office/powerpoint/2010/main" val="2308691879"/>
+      </p:ext>
+    </p:extLst>
   </p:cSld>
   <p:clrMapOvr>
     <a:masterClrMapping/>
@@ -1800,6 +1876,11 @@
         </p:txBody>
       </p:sp>
     </p:spTree>
+    <p:extLst>
+      <p:ext uri="{BB962C8B-B14F-4D97-AF65-F5344CB8AC3E}">
+        <p14:creationId xmlns:p14="http://schemas.microsoft.com/office/powerpoint/2010/main" val="385403996"/>
+      </p:ext>
+    </p:extLst>
   </p:cSld>
   <p:clrMapOvr>
     <a:masterClrMapping/>
@@ -1901,6 +1982,11 @@
         </p:txBody>
       </p:sp>
     </p:spTree>
+    <p:extLst>
+      <p:ext uri="{BB962C8B-B14F-4D97-AF65-F5344CB8AC3E}">
+        <p14:creationId xmlns:p14="http://schemas.microsoft.com/office/powerpoint/2010/main" val="3215305541"/>
+      </p:ext>
+    </p:extLst>
   </p:cSld>
   <p:clrMapOvr>
     <a:masterClrMapping/>
@@ -5658,7 +5744,7 @@
     </p:spTree>
     <p:extLst>
       <p:ext uri="{BB962C8B-B14F-4D97-AF65-F5344CB8AC3E}">
-        <p14:creationId xmlns:p14="http://schemas.microsoft.com/office/powerpoint/2010/main" xmlns="" val="320341637"/>
+        <p14:creationId xmlns:p14="http://schemas.microsoft.com/office/powerpoint/2010/main" val="320341637"/>
       </p:ext>
     </p:extLst>
   </p:cSld>
@@ -6598,8 +6684,8 @@
         </p:nvSpPr>
         <p:spPr>
           <a:xfrm>
-            <a:off x="571472" y="2786064"/>
-            <a:ext cx="5671500" cy="841808"/>
+            <a:off x="-540568" y="2715766"/>
+            <a:ext cx="5671500" cy="1200138"/>
           </a:xfrm>
           <a:prstGeom prst="rect">
             <a:avLst/>
@@ -6611,9 +6697,23 @@
           </a:bodyPr>
           <a:lstStyle/>
           <a:p>
-            <a:pPr lvl="0"/>
+            <a:pPr lvl="0" algn="ctr">
+              <a:lnSpc>
+                <a:spcPct val="150000"/>
+              </a:lnSpc>
+            </a:pPr>
             <a:r>
               <a:rPr lang="zh-TW" altLang="en-US" sz="4000" dirty="0" smtClean="0">
+                <a:solidFill>
+                  <a:srgbClr val="00B050"/>
+                </a:solidFill>
+                <a:effectLst>
+                  <a:outerShdw blurRad="38100" dist="38100" dir="2700000" algn="tl">
+                    <a:srgbClr val="000000">
+                      <a:alpha val="43137"/>
+                    </a:srgbClr>
+                  </a:outerShdw>
+                </a:effectLst>
                 <a:latin typeface="華康中圓體" pitchFamily="49" charset="-120"/>
                 <a:ea typeface="華康中圓體" pitchFamily="49" charset="-120"/>
               </a:rPr>
@@ -6621,6 +6721,9 @@
             </a:r>
             <a:r>
               <a:rPr lang="en-US" altLang="zh-TW" sz="4000" dirty="0" smtClean="0">
+                <a:solidFill>
+                  <a:srgbClr val="00B050"/>
+                </a:solidFill>
                 <a:latin typeface="華康中圓體" pitchFamily="49" charset="-120"/>
                 <a:ea typeface="華康中圓體" pitchFamily="49" charset="-120"/>
               </a:rPr>
@@ -6628,18 +6731,35 @@
             </a:r>
             <a:br>
               <a:rPr lang="en-US" altLang="zh-TW" sz="4000" dirty="0" smtClean="0">
+                <a:solidFill>
+                  <a:srgbClr val="00B050"/>
+                </a:solidFill>
                 <a:latin typeface="華康中圓體" pitchFamily="49" charset="-120"/>
                 <a:ea typeface="華康中圓體" pitchFamily="49" charset="-120"/>
               </a:rPr>
             </a:br>
             <a:r>
               <a:rPr lang="zh-TW" altLang="en-US" sz="2800" dirty="0" smtClean="0">
+                <a:effectLst>
+                  <a:outerShdw blurRad="38100" dist="38100" dir="2700000" algn="tl">
+                    <a:srgbClr val="000000">
+                      <a:alpha val="43137"/>
+                    </a:srgbClr>
+                  </a:outerShdw>
+                </a:effectLst>
                 <a:latin typeface="華康中圓體" pitchFamily="49" charset="-120"/>
                 <a:ea typeface="華康中圓體" pitchFamily="49" charset="-120"/>
               </a:rPr>
               <a:t>新竹市合格食品</a:t>
             </a:r>
             <a:endParaRPr lang="en" sz="2800" dirty="0">
+              <a:effectLst>
+                <a:outerShdw blurRad="38100" dist="38100" dir="2700000" algn="tl">
+                  <a:srgbClr val="000000">
+                    <a:alpha val="43137"/>
+                  </a:srgbClr>
+                </a:outerShdw>
+              </a:effectLst>
               <a:latin typeface="華康中圓體" pitchFamily="49" charset="-120"/>
               <a:ea typeface="華康中圓體" pitchFamily="49" charset="-120"/>
             </a:endParaRPr>
@@ -6693,6 +6813,13 @@
           <a:p>
             <a:r>
               <a:rPr lang="en-US" altLang="zh-TW" sz="3200" dirty="0" smtClean="0">
+                <a:effectLst>
+                  <a:outerShdw blurRad="38100" dist="38100" dir="2700000" algn="tl">
+                    <a:srgbClr val="000000">
+                      <a:alpha val="43137"/>
+                    </a:srgbClr>
+                  </a:outerShdw>
+                </a:effectLst>
                 <a:latin typeface="華康中圓體" pitchFamily="49" charset="-120"/>
                 <a:ea typeface="華康中圓體" pitchFamily="49" charset="-120"/>
               </a:rPr>
@@ -6700,12 +6827,27 @@
             </a:r>
             <a:r>
               <a:rPr lang="zh-TW" altLang="en-US" sz="3200" dirty="0" smtClean="0">
+                <a:effectLst>
+                  <a:outerShdw blurRad="38100" dist="38100" dir="2700000" algn="tl">
+                    <a:srgbClr val="000000">
+                      <a:alpha val="43137"/>
+                    </a:srgbClr>
+                  </a:outerShdw>
+                </a:effectLst>
                 <a:latin typeface="華康中圓體" pitchFamily="49" charset="-120"/>
                 <a:ea typeface="華康中圓體" pitchFamily="49" charset="-120"/>
               </a:rPr>
               <a:t>網頁</a:t>
             </a:r>
-            <a:endParaRPr lang="zh-TW" altLang="en-US" dirty="0"/>
+            <a:endParaRPr lang="zh-TW" altLang="en-US" dirty="0">
+              <a:effectLst>
+                <a:outerShdw blurRad="38100" dist="38100" dir="2700000" algn="tl">
+                  <a:srgbClr val="000000">
+                    <a:alpha val="43137"/>
+                  </a:srgbClr>
+                </a:outerShdw>
+              </a:effectLst>
+            </a:endParaRPr>
           </a:p>
         </p:txBody>
       </p:sp>
@@ -6733,27 +6875,27 @@
               <a:buNone/>
             </a:pPr>
             <a:r>
-              <a:rPr lang="zh-TW" altLang="en-US" sz="2400" dirty="0" smtClean="0">
+              <a:rPr lang="zh-TW" altLang="en-US" sz="2400" b="1" dirty="0" smtClean="0">
                 <a:latin typeface="標楷體" pitchFamily="65" charset="-120"/>
                 <a:ea typeface="標楷體" pitchFamily="65" charset="-120"/>
               </a:rPr>
               <a:t>過去許多網頁功能因為無法達到跨平台而被</a:t>
             </a:r>
             <a:r>
-              <a:rPr lang="en-US" altLang="zh-TW" sz="2400" dirty="0" smtClean="0">
+              <a:rPr lang="en-US" altLang="zh-TW" sz="2400" b="1" dirty="0" smtClean="0">
                 <a:latin typeface="標楷體" pitchFamily="65" charset="-120"/>
                 <a:ea typeface="標楷體" pitchFamily="65" charset="-120"/>
               </a:rPr>
               <a:t>App</a:t>
             </a:r>
             <a:r>
-              <a:rPr lang="zh-TW" altLang="en-US" sz="2400" dirty="0" smtClean="0">
+              <a:rPr lang="zh-TW" altLang="en-US" sz="2400" b="1" dirty="0" smtClean="0">
                 <a:latin typeface="標楷體" pitchFamily="65" charset="-120"/>
                 <a:ea typeface="標楷體" pitchFamily="65" charset="-120"/>
               </a:rPr>
               <a:t>取代</a:t>
             </a:r>
-            <a:endParaRPr lang="en-US" altLang="zh-TW" sz="2400" dirty="0" smtClean="0">
+            <a:endParaRPr lang="en-US" altLang="zh-TW" sz="2400" b="1" dirty="0" smtClean="0">
               <a:latin typeface="標楷體" pitchFamily="65" charset="-120"/>
               <a:ea typeface="標楷體" pitchFamily="65" charset="-120"/>
             </a:endParaRPr>
@@ -6763,90 +6905,90 @@
               <a:buNone/>
             </a:pPr>
             <a:r>
-              <a:rPr lang="zh-TW" altLang="en-US" sz="2400" dirty="0" smtClean="0">
+              <a:rPr lang="zh-TW" altLang="en-US" sz="2400" b="1" dirty="0" smtClean="0">
                 <a:latin typeface="標楷體" pitchFamily="65" charset="-120"/>
                 <a:ea typeface="標楷體" pitchFamily="65" charset="-120"/>
               </a:rPr>
               <a:t>我們的程式</a:t>
             </a:r>
             <a:r>
-              <a:rPr lang="zh-TW" altLang="zh-TW" sz="2400" dirty="0" smtClean="0">
+              <a:rPr lang="zh-TW" altLang="zh-TW" sz="2400" b="1" dirty="0" smtClean="0">
                 <a:latin typeface="標楷體" pitchFamily="65" charset="-120"/>
                 <a:ea typeface="標楷體" pitchFamily="65" charset="-120"/>
               </a:rPr>
               <a:t>能</a:t>
             </a:r>
             <a:r>
-              <a:rPr lang="zh-TW" altLang="zh-TW" sz="2400" dirty="0">
+              <a:rPr lang="zh-TW" altLang="zh-TW" sz="2400" b="1" dirty="0">
                 <a:latin typeface="標楷體" pitchFamily="65" charset="-120"/>
                 <a:ea typeface="標楷體" pitchFamily="65" charset="-120"/>
               </a:rPr>
               <a:t>在</a:t>
             </a:r>
             <a:r>
-              <a:rPr lang="zh-TW" altLang="zh-TW" sz="2400" dirty="0" smtClean="0">
+              <a:rPr lang="zh-TW" altLang="zh-TW" sz="2400" b="1" dirty="0" smtClean="0">
                 <a:latin typeface="標楷體" pitchFamily="65" charset="-120"/>
                 <a:ea typeface="標楷體" pitchFamily="65" charset="-120"/>
               </a:rPr>
               <a:t>手機</a:t>
             </a:r>
             <a:r>
-              <a:rPr lang="zh-TW" altLang="en-US" sz="2400" dirty="0" smtClean="0">
+              <a:rPr lang="zh-TW" altLang="en-US" sz="2400" b="1" dirty="0" smtClean="0">
                 <a:latin typeface="標楷體" pitchFamily="65" charset="-120"/>
                 <a:ea typeface="標楷體" pitchFamily="65" charset="-120"/>
               </a:rPr>
               <a:t>、電腦等瀏覽器</a:t>
             </a:r>
             <a:r>
-              <a:rPr lang="zh-TW" altLang="zh-TW" sz="2400" dirty="0" smtClean="0">
+              <a:rPr lang="zh-TW" altLang="zh-TW" sz="2400" b="1" dirty="0" smtClean="0">
                 <a:latin typeface="標楷體" pitchFamily="65" charset="-120"/>
                 <a:ea typeface="標楷體" pitchFamily="65" charset="-120"/>
               </a:rPr>
               <a:t>上</a:t>
             </a:r>
             <a:r>
-              <a:rPr lang="zh-TW" altLang="zh-TW" sz="2400" dirty="0">
+              <a:rPr lang="zh-TW" altLang="zh-TW" sz="2400" b="1" dirty="0">
                 <a:latin typeface="標楷體" pitchFamily="65" charset="-120"/>
                 <a:ea typeface="標楷體" pitchFamily="65" charset="-120"/>
               </a:rPr>
               <a:t>流暢</a:t>
             </a:r>
             <a:r>
-              <a:rPr lang="zh-TW" altLang="zh-TW" sz="2400" dirty="0" smtClean="0">
+              <a:rPr lang="zh-TW" altLang="zh-TW" sz="2400" b="1" dirty="0" smtClean="0">
                 <a:latin typeface="標楷體" pitchFamily="65" charset="-120"/>
                 <a:ea typeface="標楷體" pitchFamily="65" charset="-120"/>
               </a:rPr>
               <a:t>運行</a:t>
             </a:r>
             <a:r>
-              <a:rPr lang="zh-TW" altLang="en-US" sz="2400" dirty="0" smtClean="0">
+              <a:rPr lang="zh-TW" altLang="en-US" sz="2400" b="1" dirty="0" smtClean="0">
                 <a:latin typeface="標楷體" pitchFamily="65" charset="-120"/>
                 <a:ea typeface="標楷體" pitchFamily="65" charset="-120"/>
               </a:rPr>
               <a:t>，免上架、免安裝、免審核，更優於現在的</a:t>
             </a:r>
             <a:r>
-              <a:rPr lang="en-US" altLang="zh-TW" sz="2400" dirty="0" smtClean="0">
+              <a:rPr lang="en-US" altLang="zh-TW" sz="2400" b="1" dirty="0" smtClean="0">
                 <a:latin typeface="標楷體" pitchFamily="65" charset="-120"/>
                 <a:ea typeface="標楷體" pitchFamily="65" charset="-120"/>
               </a:rPr>
               <a:t>App</a:t>
             </a:r>
             <a:r>
-              <a:rPr lang="zh-TW" altLang="en-US" sz="2400" dirty="0" smtClean="0">
+              <a:rPr lang="zh-TW" altLang="en-US" sz="2400" b="1" dirty="0" smtClean="0">
                 <a:latin typeface="標楷體" pitchFamily="65" charset="-120"/>
                 <a:ea typeface="標楷體" pitchFamily="65" charset="-120"/>
               </a:rPr>
               <a:t>形式</a:t>
             </a:r>
             <a:r>
-              <a:rPr lang="zh-TW" altLang="zh-TW" sz="2400" dirty="0" smtClean="0">
+              <a:rPr lang="zh-TW" altLang="zh-TW" sz="2400" b="1" dirty="0" smtClean="0">
                 <a:latin typeface="標楷體" pitchFamily="65" charset="-120"/>
                 <a:ea typeface="標楷體" pitchFamily="65" charset="-120"/>
               </a:rPr>
               <a:t>。</a:t>
             </a:r>
-            <a:endParaRPr lang="en-US" altLang="zh-TW" sz="2400" dirty="0" smtClean="0">
+            <a:endParaRPr lang="en-US" altLang="zh-TW" sz="2400" b="1" dirty="0" smtClean="0">
               <a:latin typeface="標楷體" pitchFamily="65" charset="-120"/>
               <a:ea typeface="標楷體" pitchFamily="65" charset="-120"/>
             </a:endParaRPr>
@@ -6862,7 +7004,7 @@
     </p:spTree>
     <p:extLst>
       <p:ext uri="{BB962C8B-B14F-4D97-AF65-F5344CB8AC3E}">
-        <p14:creationId xmlns:p14="http://schemas.microsoft.com/office/powerpoint/2010/main" xmlns="" val="839594851"/>
+        <p14:creationId xmlns:p14="http://schemas.microsoft.com/office/powerpoint/2010/main" val="839594851"/>
       </p:ext>
     </p:extLst>
   </p:cSld>
@@ -6910,10 +7052,26 @@
           <a:lstStyle/>
           <a:p>
             <a:r>
-              <a:rPr lang="zh-TW" altLang="en-US" dirty="0" smtClean="0"/>
+              <a:rPr lang="zh-TW" altLang="en-US" dirty="0" smtClean="0">
+                <a:effectLst>
+                  <a:outerShdw blurRad="38100" dist="38100" dir="2700000" algn="tl">
+                    <a:srgbClr val="000000">
+                      <a:alpha val="43137"/>
+                    </a:srgbClr>
+                  </a:outerShdw>
+                </a:effectLst>
+              </a:rPr>
               <a:t>更便捷的使用方式</a:t>
             </a:r>
-            <a:endParaRPr lang="zh-TW" altLang="en-US" dirty="0"/>
+            <a:endParaRPr lang="zh-TW" altLang="en-US" dirty="0">
+              <a:effectLst>
+                <a:outerShdw blurRad="38100" dist="38100" dir="2700000" algn="tl">
+                  <a:srgbClr val="000000">
+                    <a:alpha val="43137"/>
+                  </a:srgbClr>
+                </a:outerShdw>
+              </a:effectLst>
+            </a:endParaRPr>
           </a:p>
         </p:txBody>
       </p:sp>
@@ -6937,8 +7095,12 @@
           <a:bodyPr/>
           <a:lstStyle/>
           <a:p>
-            <a:pPr>
-              <a:buNone/>
+            <a:pPr marL="342900" indent="-342900">
+              <a:lnSpc>
+                <a:spcPct val="150000"/>
+              </a:lnSpc>
+              <a:buFont typeface="Wingdings" panose="05000000000000000000" pitchFamily="2" charset="2"/>
+              <a:buChar char="ü"/>
             </a:pPr>
             <a:r>
               <a:rPr lang="zh-TW" altLang="en-US" sz="2400" dirty="0" smtClean="0">
@@ -6981,8 +7143,12 @@
             </a:endParaRPr>
           </a:p>
           <a:p>
-            <a:pPr>
-              <a:buNone/>
+            <a:pPr marL="342900" indent="-342900">
+              <a:lnSpc>
+                <a:spcPct val="150000"/>
+              </a:lnSpc>
+              <a:buFont typeface="Wingdings" panose="05000000000000000000" pitchFamily="2" charset="2"/>
+              <a:buChar char="ü"/>
             </a:pPr>
             <a:r>
               <a:rPr lang="zh-TW" altLang="en-US" sz="2400" dirty="0" smtClean="0">
@@ -7025,8 +7191,12 @@
             </a:endParaRPr>
           </a:p>
           <a:p>
-            <a:pPr>
-              <a:buNone/>
+            <a:pPr marL="342900" indent="-342900">
+              <a:lnSpc>
+                <a:spcPct val="150000"/>
+              </a:lnSpc>
+              <a:buFont typeface="Wingdings" panose="05000000000000000000" pitchFamily="2" charset="2"/>
+              <a:buChar char="ü"/>
             </a:pPr>
             <a:r>
               <a:rPr lang="zh-TW" altLang="en-US" sz="2400" dirty="0" smtClean="0">
@@ -7060,7 +7230,7 @@
     </p:spTree>
     <p:extLst>
       <p:ext uri="{BB962C8B-B14F-4D97-AF65-F5344CB8AC3E}">
-        <p14:creationId xmlns:p14="http://schemas.microsoft.com/office/powerpoint/2010/main" xmlns="" val="839594851"/>
+        <p14:creationId xmlns:p14="http://schemas.microsoft.com/office/powerpoint/2010/main" val="839594851"/>
       </p:ext>
     </p:extLst>
   </p:cSld>
@@ -7800,10 +7970,17 @@
               <a:buNone/>
             </a:pPr>
             <a:r>
-              <a:rPr lang="en" sz="4800" dirty="0">
+              <a:rPr lang="en" sz="4800" b="1" dirty="0" smtClean="0">
                 <a:solidFill>
                   <a:srgbClr val="FF9900"/>
                 </a:solidFill>
+                <a:effectLst>
+                  <a:outerShdw blurRad="38100" dist="38100" dir="2700000" algn="tl">
+                    <a:srgbClr val="000000">
+                      <a:alpha val="43137"/>
+                    </a:srgbClr>
+                  </a:outerShdw>
+                </a:effectLst>
                 <a:latin typeface="Oswald"/>
                 <a:ea typeface="Oswald"/>
                 <a:cs typeface="Oswald"/>
@@ -7812,10 +7989,17 @@
               <a:t>ANDROID</a:t>
             </a:r>
             <a:r>
-              <a:rPr lang="en" sz="4800" dirty="0">
+              <a:rPr lang="en" sz="4800" b="1" dirty="0" smtClean="0">
                 <a:solidFill>
                   <a:srgbClr val="FFFFFF"/>
                 </a:solidFill>
+                <a:effectLst>
+                  <a:outerShdw blurRad="38100" dist="38100" dir="2700000" algn="tl">
+                    <a:srgbClr val="000000">
+                      <a:alpha val="43137"/>
+                    </a:srgbClr>
+                  </a:outerShdw>
+                </a:effectLst>
                 <a:latin typeface="Oswald"/>
                 <a:ea typeface="Oswald"/>
                 <a:cs typeface="Oswald"/>
@@ -7823,37 +8007,21 @@
               </a:rPr>
               <a:t> PROJECT</a:t>
             </a:r>
-          </a:p>
-          <a:p>
-            <a:pPr lvl="0">
-              <a:spcBef>
-                <a:spcPts val="0"/>
-              </a:spcBef>
-              <a:buNone/>
-            </a:pPr>
-            <a:r>
-              <a:rPr lang="zh-TW" altLang="en-US" sz="1800" b="1" dirty="0">
-                <a:solidFill>
-                  <a:srgbClr val="FF9800"/>
-                </a:solidFill>
-                <a:latin typeface="華康中圓體" pitchFamily="49" charset="-120"/>
-                <a:ea typeface="華康中圓體" pitchFamily="49" charset="-120"/>
-              </a:rPr>
-              <a:t>於安卓系統上</a:t>
-            </a:r>
-            <a:r>
-              <a:rPr lang="zh-TW" altLang="en-US" sz="1800" b="1" dirty="0" smtClean="0">
-                <a:solidFill>
-                  <a:srgbClr val="FF9800"/>
-                </a:solidFill>
-                <a:latin typeface="華康中圓體" pitchFamily="49" charset="-120"/>
-                <a:ea typeface="華康中圓體" pitchFamily="49" charset="-120"/>
-              </a:rPr>
-              <a:t>使用</a:t>
-            </a:r>
-            <a:endParaRPr lang="en" altLang="zh-TW" sz="1800" dirty="0">
-              <a:latin typeface="華康中圓體" pitchFamily="49" charset="-120"/>
-              <a:ea typeface="華康中圓體" pitchFamily="49" charset="-120"/>
+            <a:endParaRPr lang="en" sz="4800" b="1" dirty="0">
+              <a:solidFill>
+                <a:srgbClr val="FFFFFF"/>
+              </a:solidFill>
+              <a:effectLst>
+                <a:outerShdw blurRad="38100" dist="38100" dir="2700000" algn="tl">
+                  <a:srgbClr val="000000">
+                    <a:alpha val="43137"/>
+                  </a:srgbClr>
+                </a:outerShdw>
+              </a:effectLst>
+              <a:latin typeface="Oswald"/>
+              <a:ea typeface="Oswald"/>
+              <a:cs typeface="Oswald"/>
+              <a:sym typeface="Oswald"/>
             </a:endParaRPr>
           </a:p>
         </p:txBody>
@@ -7901,10 +8069,63 @@
           </a:p>
         </p:txBody>
       </p:sp>
+      <p:sp>
+        <p:nvSpPr>
+          <p:cNvPr id="2" name="矩形 1"/>
+          <p:cNvSpPr/>
+          <p:nvPr/>
+        </p:nvSpPr>
+        <p:spPr>
+          <a:xfrm>
+            <a:off x="5602490" y="2209273"/>
+            <a:ext cx="1620957" cy="307777"/>
+          </a:xfrm>
+          <a:prstGeom prst="rect">
+            <a:avLst/>
+          </a:prstGeom>
+        </p:spPr>
+        <p:txBody>
+          <a:bodyPr wrap="none">
+            <a:spAutoFit/>
+          </a:bodyPr>
+          <a:lstStyle/>
+          <a:p>
+            <a:pPr lvl="0"/>
+            <a:r>
+              <a:rPr lang="zh-TW" altLang="en-US" dirty="0">
+                <a:solidFill>
+                  <a:srgbClr val="FF9800"/>
+                </a:solidFill>
+                <a:effectLst>
+                  <a:outerShdw blurRad="38100" dist="38100" dir="2700000" algn="tl">
+                    <a:srgbClr val="000000">
+                      <a:alpha val="43137"/>
+                    </a:srgbClr>
+                  </a:outerShdw>
+                </a:effectLst>
+                <a:latin typeface="華康中圓體" pitchFamily="49" charset="-120"/>
+                <a:ea typeface="華康中圓體" pitchFamily="49" charset="-120"/>
+              </a:rPr>
+              <a:t>於安卓系統上使用</a:t>
+            </a:r>
+            <a:endParaRPr lang="en" altLang="zh-TW" dirty="0">
+              <a:effectLst>
+                <a:outerShdw blurRad="38100" dist="38100" dir="2700000" algn="tl">
+                  <a:srgbClr val="000000">
+                    <a:alpha val="43137"/>
+                  </a:srgbClr>
+                </a:outerShdw>
+              </a:effectLst>
+              <a:latin typeface="華康中圓體" pitchFamily="49" charset="-120"/>
+              <a:ea typeface="華康中圓體" pitchFamily="49" charset="-120"/>
+            </a:endParaRPr>
+          </a:p>
+        </p:txBody>
+      </p:sp>
     </p:spTree>
     <p:extLst>
       <p:ext uri="{BB962C8B-B14F-4D97-AF65-F5344CB8AC3E}">
-        <p14:creationId xmlns:p14="http://schemas.microsoft.com/office/powerpoint/2010/main" xmlns="" val="1660302027"/>
+        <p14:creationId xmlns:p14="http://schemas.microsoft.com/office/powerpoint/2010/main" val="1660302027"/>
       </p:ext>
     </p:extLst>
   </p:cSld>
@@ -8709,10 +8930,17 @@
               <a:buNone/>
             </a:pPr>
             <a:r>
-              <a:rPr lang="en" sz="4800" dirty="0">
+              <a:rPr lang="en" sz="4800" b="1" dirty="0">
                 <a:solidFill>
                   <a:srgbClr val="FF9900"/>
                 </a:solidFill>
+                <a:effectLst>
+                  <a:outerShdw blurRad="38100" dist="38100" dir="2700000" algn="tl">
+                    <a:srgbClr val="000000">
+                      <a:alpha val="43137"/>
+                    </a:srgbClr>
+                  </a:outerShdw>
+                </a:effectLst>
                 <a:latin typeface="Oswald"/>
                 <a:ea typeface="Oswald"/>
                 <a:cs typeface="Oswald"/>
@@ -8721,59 +8949,146 @@
               <a:t>iPHONE</a:t>
             </a:r>
             <a:r>
-              <a:rPr lang="en" sz="4800" dirty="0">
+              <a:rPr lang="en" sz="4800" b="1" dirty="0">
                 <a:solidFill>
                   <a:srgbClr val="FFFFFF"/>
                 </a:solidFill>
+                <a:effectLst>
+                  <a:outerShdw blurRad="38100" dist="38100" dir="2700000" algn="tl">
+                    <a:srgbClr val="000000">
+                      <a:alpha val="43137"/>
+                    </a:srgbClr>
+                  </a:outerShdw>
+                </a:effectLst>
                 <a:latin typeface="Oswald"/>
                 <a:ea typeface="Oswald"/>
                 <a:cs typeface="Oswald"/>
                 <a:sym typeface="Oswald"/>
               </a:rPr>
-              <a:t> PROJECT</a:t>
+              <a:t> </a:t>
             </a:r>
+            <a:r>
+              <a:rPr lang="en" sz="4800" b="1" dirty="0" smtClean="0">
+                <a:solidFill>
+                  <a:srgbClr val="FFFFFF"/>
+                </a:solidFill>
+                <a:effectLst>
+                  <a:outerShdw blurRad="38100" dist="38100" dir="2700000" algn="tl">
+                    <a:srgbClr val="000000">
+                      <a:alpha val="43137"/>
+                    </a:srgbClr>
+                  </a:outerShdw>
+                </a:effectLst>
+                <a:latin typeface="Oswald"/>
+                <a:ea typeface="Oswald"/>
+                <a:cs typeface="Oswald"/>
+                <a:sym typeface="Oswald"/>
+              </a:rPr>
+              <a:t>PROJECT</a:t>
+            </a:r>
+            <a:endParaRPr lang="en" sz="4800" b="1" dirty="0">
+              <a:solidFill>
+                <a:srgbClr val="FFFFFF"/>
+              </a:solidFill>
+              <a:effectLst>
+                <a:outerShdw blurRad="38100" dist="38100" dir="2700000" algn="tl">
+                  <a:srgbClr val="000000">
+                    <a:alpha val="43137"/>
+                  </a:srgbClr>
+                </a:outerShdw>
+              </a:effectLst>
+              <a:latin typeface="Oswald"/>
+              <a:ea typeface="Oswald"/>
+              <a:cs typeface="Oswald"/>
+              <a:sym typeface="Oswald"/>
+            </a:endParaRPr>
           </a:p>
+        </p:txBody>
+      </p:sp>
+      <p:sp>
+        <p:nvSpPr>
+          <p:cNvPr id="2" name="矩形 1"/>
+          <p:cNvSpPr/>
+          <p:nvPr/>
+        </p:nvSpPr>
+        <p:spPr>
+          <a:xfrm>
+            <a:off x="5724262" y="2263973"/>
+            <a:ext cx="1531188" cy="307777"/>
+          </a:xfrm>
+          <a:prstGeom prst="rect">
+            <a:avLst/>
+          </a:prstGeom>
+        </p:spPr>
+        <p:txBody>
+          <a:bodyPr wrap="none">
+            <a:spAutoFit/>
+          </a:bodyPr>
+          <a:lstStyle/>
           <a:p>
-            <a:pPr lvl="0">
-              <a:spcBef>
-                <a:spcPts val="0"/>
-              </a:spcBef>
-              <a:buNone/>
-            </a:pPr>
+            <a:pPr lvl="0"/>
             <a:r>
-              <a:rPr lang="zh-TW" altLang="en-US" sz="1800" b="1" dirty="0" smtClean="0">
+              <a:rPr lang="zh-TW" altLang="en-US" b="1" dirty="0">
                 <a:solidFill>
                   <a:srgbClr val="FF9800"/>
                 </a:solidFill>
+                <a:effectLst>
+                  <a:outerShdw blurRad="38100" dist="38100" dir="2700000" algn="tl">
+                    <a:srgbClr val="000000">
+                      <a:alpha val="43137"/>
+                    </a:srgbClr>
+                  </a:outerShdw>
+                </a:effectLst>
                 <a:latin typeface="華康中圓體" pitchFamily="49" charset="-120"/>
                 <a:ea typeface="華康中圓體" pitchFamily="49" charset="-120"/>
               </a:rPr>
               <a:t>於</a:t>
             </a:r>
             <a:r>
-              <a:rPr lang="en-US" altLang="zh-TW" sz="1800" b="1" dirty="0">
+              <a:rPr lang="en-US" altLang="zh-TW" b="1" dirty="0">
                 <a:solidFill>
                   <a:srgbClr val="FF9800"/>
                 </a:solidFill>
+                <a:effectLst>
+                  <a:outerShdw blurRad="38100" dist="38100" dir="2700000" algn="tl">
+                    <a:srgbClr val="000000">
+                      <a:alpha val="43137"/>
+                    </a:srgbClr>
+                  </a:outerShdw>
+                </a:effectLst>
                 <a:latin typeface="華康中圓體" pitchFamily="49" charset="-120"/>
                 <a:ea typeface="華康中圓體" pitchFamily="49" charset="-120"/>
               </a:rPr>
               <a:t>IOS</a:t>
             </a:r>
             <a:r>
-              <a:rPr lang="zh-TW" altLang="en-US" sz="1800" b="1" dirty="0">
+              <a:rPr lang="zh-TW" altLang="en-US" b="1" dirty="0">
                 <a:solidFill>
                   <a:srgbClr val="FF9800"/>
                 </a:solidFill>
+                <a:effectLst>
+                  <a:outerShdw blurRad="38100" dist="38100" dir="2700000" algn="tl">
+                    <a:srgbClr val="000000">
+                      <a:alpha val="43137"/>
+                    </a:srgbClr>
+                  </a:outerShdw>
+                </a:effectLst>
                 <a:latin typeface="華康中圓體" pitchFamily="49" charset="-120"/>
                 <a:ea typeface="華康中圓體" pitchFamily="49" charset="-120"/>
               </a:rPr>
               <a:t>系統上使用</a:t>
             </a:r>
-            <a:endParaRPr lang="en" sz="1800" dirty="0">
+            <a:endParaRPr lang="en" altLang="zh-TW" b="1" dirty="0">
               <a:solidFill>
                 <a:srgbClr val="FFFFFF"/>
               </a:solidFill>
+              <a:effectLst>
+                <a:outerShdw blurRad="38100" dist="38100" dir="2700000" algn="tl">
+                  <a:srgbClr val="000000">
+                    <a:alpha val="43137"/>
+                  </a:srgbClr>
+                </a:outerShdw>
+              </a:effectLst>
             </a:endParaRPr>
           </a:p>
         </p:txBody>
@@ -8781,7 +9096,7 @@
     </p:spTree>
     <p:extLst>
       <p:ext uri="{BB962C8B-B14F-4D97-AF65-F5344CB8AC3E}">
-        <p14:creationId xmlns:p14="http://schemas.microsoft.com/office/powerpoint/2010/main" xmlns="" val="2256553716"/>
+        <p14:creationId xmlns:p14="http://schemas.microsoft.com/office/powerpoint/2010/main" val="2256553716"/>
       </p:ext>
     </p:extLst>
   </p:cSld>
@@ -9569,37 +9884,65 @@
                 <a:cs typeface="Oswald"/>
                 <a:sym typeface="Oswald"/>
               </a:rPr>
-              <a:t> PROJECT</a:t>
+              <a:t> </a:t>
             </a:r>
+            <a:r>
+              <a:rPr lang="en" sz="4800" dirty="0" smtClean="0">
+                <a:solidFill>
+                  <a:srgbClr val="FFFFFF"/>
+                </a:solidFill>
+                <a:latin typeface="Oswald"/>
+                <a:ea typeface="Oswald"/>
+                <a:cs typeface="Oswald"/>
+                <a:sym typeface="Oswald"/>
+              </a:rPr>
+              <a:t>PROJECT</a:t>
+            </a:r>
+            <a:endParaRPr lang="en" sz="4800" dirty="0">
+              <a:solidFill>
+                <a:srgbClr val="FFFFFF"/>
+              </a:solidFill>
+              <a:latin typeface="Oswald"/>
+              <a:ea typeface="Oswald"/>
+              <a:cs typeface="Oswald"/>
+              <a:sym typeface="Oswald"/>
+            </a:endParaRPr>
           </a:p>
+        </p:txBody>
+      </p:sp>
+      <p:sp>
+        <p:nvSpPr>
+          <p:cNvPr id="2" name="矩形 1"/>
+          <p:cNvSpPr/>
+          <p:nvPr/>
+        </p:nvSpPr>
+        <p:spPr>
+          <a:xfrm>
+            <a:off x="5506742" y="2263973"/>
+            <a:ext cx="1441420" cy="307777"/>
+          </a:xfrm>
+          <a:prstGeom prst="rect">
+            <a:avLst/>
+          </a:prstGeom>
+        </p:spPr>
+        <p:txBody>
+          <a:bodyPr wrap="none">
+            <a:spAutoFit/>
+          </a:bodyPr>
+          <a:lstStyle/>
           <a:p>
-            <a:pPr lvl="0">
-              <a:spcBef>
-                <a:spcPts val="0"/>
-              </a:spcBef>
-              <a:buNone/>
-            </a:pPr>
+            <a:pPr lvl="0"/>
             <a:r>
-              <a:rPr lang="zh-TW" altLang="en-US" sz="1800" b="1" dirty="0">
+              <a:rPr lang="zh-TW" altLang="en-US" b="1" dirty="0">
                 <a:solidFill>
                   <a:srgbClr val="FF9800"/>
                 </a:solidFill>
                 <a:latin typeface="華康中圓體" pitchFamily="49" charset="-120"/>
                 <a:ea typeface="華康中圓體" pitchFamily="49" charset="-120"/>
               </a:rPr>
-              <a:t>於平板裝置</a:t>
+              <a:t>於平板裝置使用</a:t>
             </a:r>
-            <a:r>
-              <a:rPr lang="zh-TW" altLang="en-US" sz="1800" b="1" dirty="0" smtClean="0">
-                <a:solidFill>
-                  <a:srgbClr val="FF9800"/>
-                </a:solidFill>
-                <a:latin typeface="華康中圓體" pitchFamily="49" charset="-120"/>
-                <a:ea typeface="華康中圓體" pitchFamily="49" charset="-120"/>
-              </a:rPr>
-              <a:t>使用</a:t>
-            </a:r>
-            <a:endParaRPr lang="en-US" altLang="zh-TW" sz="1800" b="1" dirty="0">
+            <a:endParaRPr lang="en-US" altLang="zh-TW" b="1" dirty="0">
               <a:solidFill>
                 <a:srgbClr val="FF9800"/>
               </a:solidFill>
@@ -9612,7 +9955,7 @@
     </p:spTree>
     <p:extLst>
       <p:ext uri="{BB962C8B-B14F-4D97-AF65-F5344CB8AC3E}">
-        <p14:creationId xmlns:p14="http://schemas.microsoft.com/office/powerpoint/2010/main" xmlns="" val="1752260209"/>
+        <p14:creationId xmlns:p14="http://schemas.microsoft.com/office/powerpoint/2010/main" val="1752260209"/>
       </p:ext>
     </p:extLst>
   </p:cSld>
@@ -10175,37 +10518,65 @@
                 <a:cs typeface="Oswald"/>
                 <a:sym typeface="Oswald"/>
               </a:rPr>
-              <a:t> PROJECT</a:t>
+              <a:t> </a:t>
             </a:r>
+            <a:r>
+              <a:rPr lang="en" sz="4800" dirty="0" smtClean="0">
+                <a:solidFill>
+                  <a:srgbClr val="FFFFFF"/>
+                </a:solidFill>
+                <a:latin typeface="Oswald"/>
+                <a:ea typeface="Oswald"/>
+                <a:cs typeface="Oswald"/>
+                <a:sym typeface="Oswald"/>
+              </a:rPr>
+              <a:t>PROJECT</a:t>
+            </a:r>
+            <a:endParaRPr lang="en" sz="4800" dirty="0">
+              <a:solidFill>
+                <a:srgbClr val="FFFFFF"/>
+              </a:solidFill>
+              <a:latin typeface="Oswald"/>
+              <a:ea typeface="Oswald"/>
+              <a:cs typeface="Oswald"/>
+              <a:sym typeface="Oswald"/>
+            </a:endParaRPr>
           </a:p>
+        </p:txBody>
+      </p:sp>
+      <p:sp>
+        <p:nvSpPr>
+          <p:cNvPr id="2" name="矩形 1"/>
+          <p:cNvSpPr/>
+          <p:nvPr/>
+        </p:nvSpPr>
+        <p:spPr>
+          <a:xfrm>
+            <a:off x="5580112" y="2213428"/>
+            <a:ext cx="1082348" cy="307777"/>
+          </a:xfrm>
+          <a:prstGeom prst="rect">
+            <a:avLst/>
+          </a:prstGeom>
+        </p:spPr>
+        <p:txBody>
+          <a:bodyPr wrap="none">
+            <a:spAutoFit/>
+          </a:bodyPr>
+          <a:lstStyle/>
           <a:p>
-            <a:pPr lvl="0">
-              <a:spcBef>
-                <a:spcPts val="0"/>
-              </a:spcBef>
-              <a:buNone/>
-            </a:pPr>
+            <a:pPr lvl="0"/>
             <a:r>
-              <a:rPr lang="zh-TW" altLang="en-US" sz="1800" b="1" dirty="0">
+              <a:rPr lang="zh-TW" altLang="en-US" b="1" dirty="0">
                 <a:solidFill>
                   <a:srgbClr val="FF9800"/>
                 </a:solidFill>
                 <a:latin typeface="華康中圓體" pitchFamily="49" charset="-120"/>
                 <a:ea typeface="華康中圓體" pitchFamily="49" charset="-120"/>
               </a:rPr>
-              <a:t>於電腦</a:t>
+              <a:t>於電腦使用</a:t>
             </a:r>
-            <a:r>
-              <a:rPr lang="zh-TW" altLang="en-US" sz="1800" b="1" dirty="0" smtClean="0">
-                <a:solidFill>
-                  <a:srgbClr val="FF9800"/>
-                </a:solidFill>
-                <a:latin typeface="華康中圓體" pitchFamily="49" charset="-120"/>
-                <a:ea typeface="華康中圓體" pitchFamily="49" charset="-120"/>
-              </a:rPr>
-              <a:t>使用</a:t>
-            </a:r>
-            <a:endParaRPr lang="en-US" altLang="zh-TW" sz="1800" b="1" dirty="0">
+            <a:endParaRPr lang="en-US" altLang="zh-TW" b="1" dirty="0">
               <a:solidFill>
                 <a:srgbClr val="FF9800"/>
               </a:solidFill>
@@ -10218,7 +10589,7 @@
     </p:spTree>
     <p:extLst>
       <p:ext uri="{BB962C8B-B14F-4D97-AF65-F5344CB8AC3E}">
-        <p14:creationId xmlns:p14="http://schemas.microsoft.com/office/powerpoint/2010/main" xmlns="" val="3316273518"/>
+        <p14:creationId xmlns:p14="http://schemas.microsoft.com/office/powerpoint/2010/main" val="3316273518"/>
       </p:ext>
     </p:extLst>
   </p:cSld>
@@ -10277,10 +10648,17 @@
               <a:buNone/>
             </a:pPr>
             <a:r>
-              <a:rPr lang="en" sz="6000">
+              <a:rPr lang="en" sz="6000" dirty="0">
                 <a:solidFill>
                   <a:srgbClr val="FF9900"/>
                 </a:solidFill>
+                <a:effectLst>
+                  <a:outerShdw blurRad="38100" dist="38100" dir="2700000" algn="tl">
+                    <a:srgbClr val="000000">
+                      <a:alpha val="43137"/>
+                    </a:srgbClr>
+                  </a:outerShdw>
+                </a:effectLst>
               </a:rPr>
               <a:t>THANKS!</a:t>
             </a:r>
@@ -10323,6 +10701,13 @@
                 <a:solidFill>
                   <a:srgbClr val="3796BF"/>
                 </a:solidFill>
+                <a:effectLst>
+                  <a:outerShdw blurRad="38100" dist="38100" dir="2700000" algn="tl">
+                    <a:srgbClr val="000000">
+                      <a:alpha val="43137"/>
+                    </a:srgbClr>
+                  </a:outerShdw>
+                </a:effectLst>
               </a:rPr>
               <a:t>Any questions</a:t>
             </a:r>
@@ -10331,6 +10716,13 @@
                 <a:solidFill>
                   <a:srgbClr val="3796BF"/>
                 </a:solidFill>
+                <a:effectLst>
+                  <a:outerShdw blurRad="38100" dist="38100" dir="2700000" algn="tl">
+                    <a:srgbClr val="000000">
+                      <a:alpha val="43137"/>
+                    </a:srgbClr>
+                  </a:outerShdw>
+                </a:effectLst>
               </a:rPr>
               <a:t>?</a:t>
             </a:r>
@@ -10338,6 +10730,13 @@
               <a:solidFill>
                 <a:srgbClr val="3796BF"/>
               </a:solidFill>
+              <a:effectLst>
+                <a:outerShdw blurRad="38100" dist="38100" dir="2700000" algn="tl">
+                  <a:srgbClr val="000000">
+                    <a:alpha val="43137"/>
+                  </a:srgbClr>
+                </a:outerShdw>
+              </a:effectLst>
             </a:endParaRPr>
           </a:p>
         </p:txBody>
@@ -10379,7 +10778,7 @@
         </p:nvSpPr>
         <p:spPr>
           <a:xfrm>
-            <a:off x="1031425" y="1149725"/>
+            <a:off x="752575" y="957210"/>
             <a:ext cx="5760300" cy="680700"/>
           </a:xfrm>
           <a:prstGeom prst="rect">
@@ -10394,6 +10793,13 @@
           <a:p>
             <a:r>
               <a:rPr lang="zh-TW" altLang="zh-TW" dirty="0" smtClean="0">
+                <a:effectLst>
+                  <a:outerShdw blurRad="38100" dist="38100" dir="2700000" algn="tl">
+                    <a:srgbClr val="000000">
+                      <a:alpha val="43137"/>
+                    </a:srgbClr>
+                  </a:outerShdw>
+                </a:effectLst>
                 <a:latin typeface="華康中圓體" pitchFamily="49" charset="-120"/>
                 <a:ea typeface="華康中圓體" pitchFamily="49" charset="-120"/>
               </a:rPr>
@@ -10401,6 +10807,13 @@
             </a:r>
             <a:r>
               <a:rPr lang="zh-TW" altLang="zh-TW" dirty="0">
+                <a:effectLst>
+                  <a:outerShdw blurRad="38100" dist="38100" dir="2700000" algn="tl">
+                    <a:srgbClr val="000000">
+                      <a:alpha val="43137"/>
+                    </a:srgbClr>
+                  </a:outerShdw>
+                </a:effectLst>
                 <a:latin typeface="華康中圓體" pitchFamily="49" charset="-120"/>
                 <a:ea typeface="華康中圓體" pitchFamily="49" charset="-120"/>
               </a:rPr>
@@ -10408,12 +10821,26 @@
             </a:r>
             <a:r>
               <a:rPr lang="zh-TW" altLang="zh-TW" dirty="0" smtClean="0">
+                <a:effectLst>
+                  <a:outerShdw blurRad="38100" dist="38100" dir="2700000" algn="tl">
+                    <a:srgbClr val="000000">
+                      <a:alpha val="43137"/>
+                    </a:srgbClr>
+                  </a:outerShdw>
+                </a:effectLst>
                 <a:latin typeface="華康中圓體" pitchFamily="49" charset="-120"/>
                 <a:ea typeface="華康中圓體" pitchFamily="49" charset="-120"/>
               </a:rPr>
               <a:t>目標</a:t>
             </a:r>
             <a:endParaRPr lang="en" dirty="0">
+              <a:effectLst>
+                <a:outerShdw blurRad="38100" dist="38100" dir="2700000" algn="tl">
+                  <a:srgbClr val="000000">
+                    <a:alpha val="43137"/>
+                  </a:srgbClr>
+                </a:outerShdw>
+              </a:effectLst>
               <a:latin typeface="華康中圓體" pitchFamily="49" charset="-120"/>
               <a:ea typeface="華康中圓體" pitchFamily="49" charset="-120"/>
             </a:endParaRPr>
@@ -10495,8 +10922,8 @@
         </p:nvSpPr>
         <p:spPr>
           <a:xfrm>
-            <a:off x="1031424" y="1937074"/>
-            <a:ext cx="5844832" cy="2506883"/>
+            <a:off x="1060836" y="1637910"/>
+            <a:ext cx="5844832" cy="3206462"/>
           </a:xfrm>
           <a:prstGeom prst="rect">
             <a:avLst/>
@@ -10509,46 +10936,60 @@
           <a:lstStyle/>
           <a:p>
             <a:r>
-              <a:rPr lang="zh-TW" altLang="en-US" sz="1400" dirty="0">
+              <a:rPr lang="zh-TW" altLang="en-US" sz="2400" b="1" dirty="0">
                 <a:latin typeface="標楷體" pitchFamily="65" charset="-120"/>
                 <a:ea typeface="標楷體" pitchFamily="65" charset="-120"/>
               </a:rPr>
               <a:t>計畫期許</a:t>
             </a:r>
             <a:r>
-              <a:rPr lang="zh-TW" altLang="en-US" sz="1400" dirty="0" smtClean="0">
+              <a:rPr lang="zh-TW" altLang="en-US" sz="2400" b="1" dirty="0" smtClean="0">
                 <a:latin typeface="標楷體" pitchFamily="65" charset="-120"/>
                 <a:ea typeface="標楷體" pitchFamily="65" charset="-120"/>
               </a:rPr>
               <a:t>：</a:t>
             </a:r>
-            <a:endParaRPr lang="en-US" altLang="zh-TW" sz="1400" dirty="0" smtClean="0">
+            <a:endParaRPr lang="en-US" altLang="zh-TW" sz="2400" b="1" dirty="0" smtClean="0">
               <a:latin typeface="標楷體" pitchFamily="65" charset="-120"/>
               <a:ea typeface="標楷體" pitchFamily="65" charset="-120"/>
             </a:endParaRPr>
           </a:p>
           <a:p>
+            <a:pPr marL="285750" indent="-198438">
+              <a:spcBef>
+                <a:spcPts val="1200"/>
+              </a:spcBef>
+              <a:buFont typeface="Wingdings" panose="05000000000000000000" pitchFamily="2" charset="2"/>
+              <a:buChar char="Ø"/>
+            </a:pPr>
             <a:r>
-              <a:rPr lang="zh-TW" altLang="en-US" sz="1400" dirty="0" smtClean="0">
+              <a:rPr lang="zh-TW" altLang="en-US" sz="2000" dirty="0" smtClean="0">
                 <a:latin typeface="標楷體" pitchFamily="65" charset="-120"/>
                 <a:ea typeface="標楷體" pitchFamily="65" charset="-120"/>
               </a:rPr>
               <a:t>近年來食安風暴成為民眾最關心的議題之一，而開放資料中已有許多屬於食品安全相關，若能妥善運用則可使民眾更方便查詢，減少對食安問題的困擾。</a:t>
             </a:r>
-            <a:endParaRPr lang="en-US" altLang="zh-TW" sz="1400" dirty="0" smtClean="0">
+            <a:endParaRPr lang="en-US" altLang="zh-TW" sz="2000" dirty="0" smtClean="0">
               <a:latin typeface="標楷體" pitchFamily="65" charset="-120"/>
               <a:ea typeface="標楷體" pitchFamily="65" charset="-120"/>
             </a:endParaRPr>
           </a:p>
           <a:p>
+            <a:pPr marL="285750" indent="-198438">
+              <a:spcBef>
+                <a:spcPts val="1200"/>
+              </a:spcBef>
+              <a:buFont typeface="Wingdings" panose="05000000000000000000" pitchFamily="2" charset="2"/>
+              <a:buChar char="Ø"/>
+            </a:pPr>
             <a:r>
-              <a:rPr lang="zh-TW" altLang="en-US" sz="1400" dirty="0" smtClean="0">
+              <a:rPr lang="zh-TW" altLang="en-US" sz="2000" dirty="0" smtClean="0">
                 <a:latin typeface="標楷體" pitchFamily="65" charset="-120"/>
                 <a:ea typeface="標楷體" pitchFamily="65" charset="-120"/>
               </a:rPr>
               <a:t>目前食安風暴與民眾的恐慌，主要來自資訊取得的難度。食品是日常中的必需品，食品安全相關的資料若能動動手指即完全讓民眾掌握，定可減少更多食安問題。</a:t>
             </a:r>
-            <a:endParaRPr lang="zh-TW" altLang="zh-TW" sz="1400" dirty="0">
+            <a:endParaRPr lang="zh-TW" altLang="zh-TW" sz="2000" dirty="0">
               <a:latin typeface="標楷體" pitchFamily="65" charset="-120"/>
               <a:ea typeface="標楷體" pitchFamily="65" charset="-120"/>
             </a:endParaRPr>
@@ -10558,7 +10999,7 @@
     </p:spTree>
     <p:extLst>
       <p:ext uri="{BB962C8B-B14F-4D97-AF65-F5344CB8AC3E}">
-        <p14:creationId xmlns:p14="http://schemas.microsoft.com/office/powerpoint/2010/main" xmlns="" val="1599715239"/>
+        <p14:creationId xmlns:p14="http://schemas.microsoft.com/office/powerpoint/2010/main" val="1599715239"/>
       </p:ext>
     </p:extLst>
   </p:cSld>
@@ -10612,12 +11053,26 @@
           <a:p>
             <a:r>
               <a:rPr lang="zh-TW" altLang="en-US" dirty="0" smtClean="0">
+                <a:effectLst>
+                  <a:outerShdw blurRad="38100" dist="38100" dir="2700000" algn="tl">
+                    <a:srgbClr val="000000">
+                      <a:alpha val="43137"/>
+                    </a:srgbClr>
+                  </a:outerShdw>
+                </a:effectLst>
                 <a:latin typeface="華康中圓體" pitchFamily="49" charset="-120"/>
                 <a:ea typeface="華康中圓體" pitchFamily="49" charset="-120"/>
               </a:rPr>
               <a:t>待解決之目前問題</a:t>
             </a:r>
             <a:endParaRPr lang="en" dirty="0">
+              <a:effectLst>
+                <a:outerShdw blurRad="38100" dist="38100" dir="2700000" algn="tl">
+                  <a:srgbClr val="000000">
+                    <a:alpha val="43137"/>
+                  </a:srgbClr>
+                </a:outerShdw>
+              </a:effectLst>
               <a:latin typeface="華康中圓體" pitchFamily="49" charset="-120"/>
               <a:ea typeface="華康中圓體" pitchFamily="49" charset="-120"/>
             </a:endParaRPr>
@@ -10712,68 +11167,71 @@
           </a:bodyPr>
           <a:lstStyle/>
           <a:p>
+            <a:pPr marL="174625" indent="-174625"/>
             <a:r>
-              <a:rPr lang="zh-TW" altLang="en-US" sz="1400" dirty="0" smtClean="0">
+              <a:rPr lang="zh-TW" altLang="en-US" sz="2000" b="1" dirty="0" smtClean="0">
                 <a:latin typeface="標楷體" pitchFamily="65" charset="-120"/>
                 <a:ea typeface="標楷體" pitchFamily="65" charset="-120"/>
               </a:rPr>
               <a:t>遠見雜誌調查顯示，</a:t>
             </a:r>
             <a:r>
-              <a:rPr lang="en-US" altLang="zh-TW" sz="1400" dirty="0" smtClean="0">
+              <a:rPr lang="en-US" altLang="zh-TW" sz="2000" b="1" dirty="0" smtClean="0">
                 <a:latin typeface="標楷體" pitchFamily="65" charset="-120"/>
                 <a:ea typeface="標楷體" pitchFamily="65" charset="-120"/>
               </a:rPr>
               <a:t>78.7%</a:t>
             </a:r>
             <a:r>
-              <a:rPr lang="zh-TW" altLang="en-US" sz="1400" dirty="0" smtClean="0">
+              <a:rPr lang="zh-TW" altLang="en-US" sz="2000" b="1" dirty="0" smtClean="0">
                 <a:latin typeface="標楷體" pitchFamily="65" charset="-120"/>
                 <a:ea typeface="標楷體" pitchFamily="65" charset="-120"/>
               </a:rPr>
               <a:t>民眾不信任食品包裝的成分標示、且也對政府食安管理能力評價不信任。</a:t>
             </a:r>
-            <a:endParaRPr lang="en-US" altLang="zh-TW" sz="1400" dirty="0" smtClean="0">
+            <a:endParaRPr lang="en-US" altLang="zh-TW" sz="2000" b="1" dirty="0" smtClean="0">
               <a:latin typeface="標楷體" pitchFamily="65" charset="-120"/>
               <a:ea typeface="標楷體" pitchFamily="65" charset="-120"/>
             </a:endParaRPr>
           </a:p>
           <a:p>
+            <a:pPr marL="174625" indent="-174625"/>
             <a:r>
-              <a:rPr lang="zh-TW" altLang="en-US" sz="1400" dirty="0" smtClean="0">
+              <a:rPr lang="zh-TW" altLang="en-US" sz="2000" b="1" dirty="0" smtClean="0">
                 <a:latin typeface="標楷體" pitchFamily="65" charset="-120"/>
                 <a:ea typeface="標楷體" pitchFamily="65" charset="-120"/>
               </a:rPr>
               <a:t>由政府保證的食品安全資訊對於民眾而言能見度低，民眾亦不會額外下載</a:t>
             </a:r>
             <a:r>
-              <a:rPr lang="en-US" altLang="zh-TW" sz="1400" dirty="0" smtClean="0">
+              <a:rPr lang="en-US" altLang="zh-TW" sz="2000" b="1" dirty="0" smtClean="0">
                 <a:latin typeface="標楷體" pitchFamily="65" charset="-120"/>
                 <a:ea typeface="標楷體" pitchFamily="65" charset="-120"/>
               </a:rPr>
               <a:t>App</a:t>
             </a:r>
             <a:r>
-              <a:rPr lang="zh-TW" altLang="en-US" sz="1400" dirty="0" smtClean="0">
+              <a:rPr lang="zh-TW" altLang="en-US" sz="2000" b="1" dirty="0" smtClean="0">
                 <a:latin typeface="標楷體" pitchFamily="65" charset="-120"/>
                 <a:ea typeface="標楷體" pitchFamily="65" charset="-120"/>
               </a:rPr>
               <a:t>用以日常查詢食品檢驗結果。</a:t>
             </a:r>
-            <a:endParaRPr lang="en-US" altLang="zh-TW" sz="1400" dirty="0" smtClean="0">
+            <a:endParaRPr lang="en-US" altLang="zh-TW" sz="2000" b="1" dirty="0" smtClean="0">
               <a:latin typeface="標楷體" pitchFamily="65" charset="-120"/>
               <a:ea typeface="標楷體" pitchFamily="65" charset="-120"/>
             </a:endParaRPr>
           </a:p>
           <a:p>
+            <a:pPr marL="174625" indent="-174625"/>
             <a:r>
-              <a:rPr lang="zh-TW" altLang="en-US" sz="1400" dirty="0" smtClean="0">
+              <a:rPr lang="zh-TW" altLang="en-US" sz="2000" b="1" dirty="0" smtClean="0">
                 <a:latin typeface="標楷體" pitchFamily="65" charset="-120"/>
                 <a:ea typeface="標楷體" pitchFamily="65" charset="-120"/>
               </a:rPr>
               <a:t>民眾鮮少使用查詢系統，因此對食品安全的資訊不了解，進而成為對食品安全問題的恐慌。</a:t>
             </a:r>
-            <a:endParaRPr lang="zh-TW" altLang="zh-TW" sz="1400" dirty="0">
+            <a:endParaRPr lang="zh-TW" altLang="zh-TW" sz="2000" b="1" dirty="0">
               <a:latin typeface="標楷體" pitchFamily="65" charset="-120"/>
               <a:ea typeface="標楷體" pitchFamily="65" charset="-120"/>
             </a:endParaRPr>
@@ -10783,7 +11241,7 @@
     </p:spTree>
     <p:extLst>
       <p:ext uri="{BB962C8B-B14F-4D97-AF65-F5344CB8AC3E}">
-        <p14:creationId xmlns:p14="http://schemas.microsoft.com/office/powerpoint/2010/main" xmlns="" val="1599715239"/>
+        <p14:creationId xmlns:p14="http://schemas.microsoft.com/office/powerpoint/2010/main" val="1599715239"/>
       </p:ext>
     </p:extLst>
   </p:cSld>
@@ -10822,7 +11280,7 @@
         </p:nvSpPr>
         <p:spPr>
           <a:xfrm>
-            <a:off x="2285984" y="71420"/>
+            <a:off x="2195736" y="-65314"/>
             <a:ext cx="5760300" cy="680700"/>
           </a:xfrm>
           <a:prstGeom prst="rect">
@@ -10837,12 +11295,32 @@
           <a:p>
             <a:r>
               <a:rPr lang="zh-TW" altLang="en-US" dirty="0" smtClean="0">
+                <a:solidFill>
+                  <a:srgbClr val="FF0000"/>
+                </a:solidFill>
+                <a:effectLst>
+                  <a:outerShdw blurRad="38100" dist="38100" dir="2700000" algn="tl">
+                    <a:srgbClr val="000000">
+                      <a:alpha val="43137"/>
+                    </a:srgbClr>
+                  </a:outerShdw>
+                </a:effectLst>
                 <a:latin typeface="華康中圓體" pitchFamily="49" charset="-120"/>
                 <a:ea typeface="華康中圓體" pitchFamily="49" charset="-120"/>
               </a:rPr>
               <a:t>食安風暴</a:t>
             </a:r>
             <a:endParaRPr lang="en" dirty="0">
+              <a:solidFill>
+                <a:srgbClr val="FF0000"/>
+              </a:solidFill>
+              <a:effectLst>
+                <a:outerShdw blurRad="38100" dist="38100" dir="2700000" algn="tl">
+                  <a:srgbClr val="000000">
+                    <a:alpha val="43137"/>
+                  </a:srgbClr>
+                </a:outerShdw>
+              </a:effectLst>
               <a:latin typeface="華康中圓體" pitchFamily="49" charset="-120"/>
               <a:ea typeface="華康中圓體" pitchFamily="49" charset="-120"/>
             </a:endParaRPr>
@@ -10929,26 +11407,47 @@
         </p:blipFill>
         <p:spPr bwMode="auto">
           <a:xfrm>
-            <a:off x="1500166" y="1000114"/>
-            <a:ext cx="5742934" cy="3780847"/>
+            <a:off x="1331640" y="759008"/>
+            <a:ext cx="6336704" cy="4044990"/>
           </a:xfrm>
           <a:prstGeom prst="rect">
             <a:avLst/>
           </a:prstGeom>
-          <a:noFill/>
-          <a:ln w="9525">
-            <a:noFill/>
-            <a:miter lim="800000"/>
-            <a:headEnd/>
-            <a:tailEnd/>
+          <a:solidFill>
+            <a:srgbClr val="FFFFFF">
+              <a:shade val="85000"/>
+            </a:srgbClr>
+          </a:solidFill>
+          <a:ln w="19050" cap="rnd">
+            <a:solidFill>
+              <a:srgbClr val="FFFF00"/>
+            </a:solidFill>
           </a:ln>
-          <a:effectLst/>
+          <a:effectLst>
+            <a:outerShdw blurRad="50000" algn="tl" rotWithShape="0">
+              <a:srgbClr val="000000">
+                <a:alpha val="41000"/>
+              </a:srgbClr>
+            </a:outerShdw>
+          </a:effectLst>
+          <a:scene3d>
+            <a:camera prst="perspectiveLeft"/>
+            <a:lightRig rig="twoPt" dir="t">
+              <a:rot lat="0" lon="0" rev="7800000"/>
+            </a:lightRig>
+          </a:scene3d>
+          <a:sp3d contourW="6350">
+            <a:bevelT w="50800" h="16510"/>
+            <a:contourClr>
+              <a:srgbClr val="C0C0C0"/>
+            </a:contourClr>
+          </a:sp3d>
         </p:spPr>
       </p:pic>
     </p:spTree>
     <p:extLst>
       <p:ext uri="{BB962C8B-B14F-4D97-AF65-F5344CB8AC3E}">
-        <p14:creationId xmlns:p14="http://schemas.microsoft.com/office/powerpoint/2010/main" xmlns="" val="1621477033"/>
+        <p14:creationId xmlns:p14="http://schemas.microsoft.com/office/powerpoint/2010/main" val="1621477033"/>
       </p:ext>
     </p:extLst>
   </p:cSld>
@@ -11002,6 +11501,13 @@
           <a:p>
             <a:r>
               <a:rPr lang="zh-TW" altLang="en-US" dirty="0" smtClean="0">
+                <a:effectLst>
+                  <a:outerShdw blurRad="38100" dist="38100" dir="2700000" algn="tl">
+                    <a:srgbClr val="000000">
+                      <a:alpha val="43137"/>
+                    </a:srgbClr>
+                  </a:outerShdw>
+                </a:effectLst>
                 <a:latin typeface="華康中圓體" pitchFamily="49" charset="-120"/>
                 <a:ea typeface="華康中圓體" pitchFamily="49" charset="-120"/>
               </a:rPr>
@@ -11009,6 +11515,13 @@
             </a:r>
             <a:r>
               <a:rPr lang="en-US" altLang="zh-TW" dirty="0" smtClean="0">
+                <a:effectLst>
+                  <a:outerShdw blurRad="38100" dist="38100" dir="2700000" algn="tl">
+                    <a:srgbClr val="000000">
+                      <a:alpha val="43137"/>
+                    </a:srgbClr>
+                  </a:outerShdw>
+                </a:effectLst>
                 <a:latin typeface="華康中圓體" pitchFamily="49" charset="-120"/>
                 <a:ea typeface="華康中圓體" pitchFamily="49" charset="-120"/>
               </a:rPr>
@@ -11016,12 +11529,26 @@
             </a:r>
             <a:r>
               <a:rPr lang="zh-TW" altLang="en-US" dirty="0" smtClean="0">
+                <a:effectLst>
+                  <a:outerShdw blurRad="38100" dist="38100" dir="2700000" algn="tl">
+                    <a:srgbClr val="000000">
+                      <a:alpha val="43137"/>
+                    </a:srgbClr>
+                  </a:outerShdw>
+                </a:effectLst>
                 <a:latin typeface="華康中圓體" pitchFamily="49" charset="-120"/>
                 <a:ea typeface="華康中圓體" pitchFamily="49" charset="-120"/>
               </a:rPr>
               <a:t>食譜篇</a:t>
             </a:r>
             <a:endParaRPr lang="en" dirty="0">
+              <a:effectLst>
+                <a:outerShdw blurRad="38100" dist="38100" dir="2700000" algn="tl">
+                  <a:srgbClr val="000000">
+                    <a:alpha val="43137"/>
+                  </a:srgbClr>
+                </a:outerShdw>
+              </a:effectLst>
               <a:latin typeface="華康中圓體" pitchFamily="49" charset="-120"/>
               <a:ea typeface="華康中圓體" pitchFamily="49" charset="-120"/>
             </a:endParaRPr>
@@ -11103,8 +11630,8 @@
         </p:nvSpPr>
         <p:spPr>
           <a:xfrm>
-            <a:off x="928662" y="1357304"/>
-            <a:ext cx="3429024" cy="3064800"/>
+            <a:off x="683568" y="1347614"/>
+            <a:ext cx="4104456" cy="3064800"/>
           </a:xfrm>
         </p:spPr>
         <p:txBody>
@@ -11112,129 +11639,137 @@
           <a:lstStyle/>
           <a:p>
             <a:r>
-              <a:rPr lang="en-US" altLang="zh-TW" dirty="0" smtClean="0">
+              <a:rPr lang="en-US" altLang="zh-TW" sz="2200" dirty="0" smtClean="0">
                 <a:latin typeface="標楷體" pitchFamily="65" charset="-120"/>
                 <a:ea typeface="標楷體" pitchFamily="65" charset="-120"/>
               </a:rPr>
               <a:t>1.</a:t>
             </a:r>
             <a:r>
-              <a:rPr lang="zh-TW" altLang="en-US" dirty="0" smtClean="0">
+              <a:rPr lang="zh-TW" altLang="en-US" sz="2200" b="1" dirty="0" smtClean="0">
                 <a:latin typeface="標楷體" pitchFamily="65" charset="-120"/>
                 <a:ea typeface="標楷體" pitchFamily="65" charset="-120"/>
               </a:rPr>
               <a:t>查詢食譜</a:t>
             </a:r>
-            <a:endParaRPr lang="en-US" altLang="zh-TW" dirty="0" smtClean="0">
+            <a:endParaRPr lang="en-US" altLang="zh-TW" sz="2200" b="1" dirty="0" smtClean="0">
               <a:latin typeface="標楷體" pitchFamily="65" charset="-120"/>
               <a:ea typeface="標楷體" pitchFamily="65" charset="-120"/>
             </a:endParaRPr>
           </a:p>
           <a:p>
             <a:r>
-              <a:rPr lang="en-US" altLang="zh-TW" dirty="0" smtClean="0">
+              <a:rPr lang="en-US" altLang="zh-TW" sz="2200" b="1" dirty="0" smtClean="0">
                 <a:latin typeface="標楷體" pitchFamily="65" charset="-120"/>
                 <a:ea typeface="標楷體" pitchFamily="65" charset="-120"/>
               </a:rPr>
               <a:t>2.</a:t>
             </a:r>
             <a:r>
-              <a:rPr lang="zh-TW" altLang="en-US" dirty="0" smtClean="0">
+              <a:rPr lang="zh-TW" altLang="en-US" sz="2200" b="1" dirty="0" smtClean="0">
                 <a:latin typeface="標楷體" pitchFamily="65" charset="-120"/>
                 <a:ea typeface="標楷體" pitchFamily="65" charset="-120"/>
               </a:rPr>
               <a:t>選擇需要的食譜</a:t>
             </a:r>
-            <a:endParaRPr lang="en-US" altLang="zh-TW" dirty="0" smtClean="0">
+            <a:endParaRPr lang="en-US" altLang="zh-TW" sz="2200" b="1" dirty="0" smtClean="0">
               <a:latin typeface="標楷體" pitchFamily="65" charset="-120"/>
               <a:ea typeface="標楷體" pitchFamily="65" charset="-120"/>
             </a:endParaRPr>
           </a:p>
           <a:p>
             <a:r>
-              <a:rPr lang="en-US" altLang="zh-TW" dirty="0" smtClean="0">
+              <a:rPr lang="en-US" altLang="zh-TW" sz="2200" b="1" dirty="0" smtClean="0">
                 <a:latin typeface="標楷體" pitchFamily="65" charset="-120"/>
                 <a:ea typeface="標楷體" pitchFamily="65" charset="-120"/>
               </a:rPr>
               <a:t>3.</a:t>
             </a:r>
             <a:r>
-              <a:rPr lang="zh-TW" altLang="en-US" dirty="0" smtClean="0">
+              <a:rPr lang="zh-TW" altLang="en-US" sz="2200" b="1" dirty="0" smtClean="0">
                 <a:latin typeface="標楷體" pitchFamily="65" charset="-120"/>
                 <a:ea typeface="標楷體" pitchFamily="65" charset="-120"/>
               </a:rPr>
               <a:t>查看食譜的食材</a:t>
             </a:r>
-            <a:endParaRPr lang="en-US" altLang="zh-TW" dirty="0" smtClean="0">
+            <a:endParaRPr lang="en-US" altLang="zh-TW" sz="2200" b="1" dirty="0" smtClean="0">
               <a:latin typeface="標楷體" pitchFamily="65" charset="-120"/>
               <a:ea typeface="標楷體" pitchFamily="65" charset="-120"/>
             </a:endParaRPr>
           </a:p>
           <a:p>
             <a:r>
-              <a:rPr lang="en-US" altLang="zh-TW" dirty="0" smtClean="0">
+              <a:rPr lang="en-US" altLang="zh-TW" sz="2200" b="1" dirty="0" smtClean="0">
                 <a:latin typeface="標楷體" pitchFamily="65" charset="-120"/>
                 <a:ea typeface="標楷體" pitchFamily="65" charset="-120"/>
               </a:rPr>
               <a:t>4.</a:t>
             </a:r>
             <a:r>
-              <a:rPr lang="zh-TW" altLang="en-US" dirty="0" smtClean="0">
+              <a:rPr lang="zh-TW" altLang="en-US" sz="2200" b="1" dirty="0" smtClean="0">
                 <a:latin typeface="標楷體" pitchFamily="65" charset="-120"/>
                 <a:ea typeface="標楷體" pitchFamily="65" charset="-120"/>
               </a:rPr>
               <a:t>點選所需食材</a:t>
             </a:r>
-            <a:endParaRPr lang="en-US" altLang="zh-TW" dirty="0" smtClean="0">
+            <a:endParaRPr lang="en-US" altLang="zh-TW" sz="2200" b="1" dirty="0" smtClean="0">
               <a:latin typeface="標楷體" pitchFamily="65" charset="-120"/>
               <a:ea typeface="標楷體" pitchFamily="65" charset="-120"/>
             </a:endParaRPr>
           </a:p>
           <a:p>
             <a:r>
-              <a:rPr lang="en-US" altLang="zh-TW" dirty="0" smtClean="0">
+              <a:rPr lang="en-US" altLang="zh-TW" sz="2200" b="1" dirty="0" smtClean="0">
                 <a:latin typeface="標楷體" pitchFamily="65" charset="-120"/>
                 <a:ea typeface="標楷體" pitchFamily="65" charset="-120"/>
               </a:rPr>
               <a:t>5.</a:t>
             </a:r>
             <a:r>
-              <a:rPr lang="zh-TW" altLang="en-US" dirty="0" smtClean="0">
+              <a:rPr lang="zh-TW" altLang="en-US" sz="2200" b="1" dirty="0" smtClean="0">
                 <a:latin typeface="標楷體" pitchFamily="65" charset="-120"/>
                 <a:ea typeface="標楷體" pitchFamily="65" charset="-120"/>
               </a:rPr>
-              <a:t>顯示</a:t>
+              <a:t>顯示抽驗合格的相關食材</a:t>
             </a:r>
-            <a:r>
-              <a:rPr lang="zh-TW" altLang="en-US" b="1" dirty="0" smtClean="0">
-                <a:latin typeface="標楷體" pitchFamily="65" charset="-120"/>
-                <a:ea typeface="標楷體" pitchFamily="65" charset="-120"/>
-              </a:rPr>
-              <a:t>抽驗合格的相關食材</a:t>
-            </a:r>
-            <a:endParaRPr lang="en-US" altLang="zh-TW" b="1" dirty="0" smtClean="0">
+            <a:endParaRPr lang="en-US" altLang="zh-TW" sz="2200" b="1" dirty="0" smtClean="0">
               <a:latin typeface="標楷體" pitchFamily="65" charset="-120"/>
               <a:ea typeface="標楷體" pitchFamily="65" charset="-120"/>
             </a:endParaRPr>
           </a:p>
           <a:p>
+            <a:pPr marL="87313" indent="-87313"/>
             <a:r>
-              <a:rPr lang="en-US" altLang="zh-TW" b="1" dirty="0" smtClean="0">
+              <a:rPr lang="en-US" altLang="zh-TW" sz="2200" b="1" dirty="0" smtClean="0">
                 <a:latin typeface="標楷體" pitchFamily="65" charset="-120"/>
                 <a:ea typeface="標楷體" pitchFamily="65" charset="-120"/>
               </a:rPr>
               <a:t>6.</a:t>
             </a:r>
             <a:r>
-              <a:rPr lang="zh-TW" altLang="en-US" dirty="0" smtClean="0">
+              <a:rPr lang="zh-TW" altLang="en-US" sz="2200" b="1" dirty="0" smtClean="0">
                 <a:latin typeface="標楷體" pitchFamily="65" charset="-120"/>
                 <a:ea typeface="標楷體" pitchFamily="65" charset="-120"/>
               </a:rPr>
-              <a:t>詳細安心食品的廠商名稱、地址、電話、抽驗日期、地點、電話、結果 等項目</a:t>
+              <a:t>詳細安心食品的廠商名稱</a:t>
+            </a:r>
+            <a:r>
+              <a:rPr lang="zh-TW" altLang="en-US" sz="2200" b="1" dirty="0" smtClean="0">
+                <a:latin typeface="標楷體" pitchFamily="65" charset="-120"/>
+                <a:ea typeface="標楷體" pitchFamily="65" charset="-120"/>
+              </a:rPr>
+              <a:t>、地址</a:t>
+            </a:r>
+            <a:r>
+              <a:rPr lang="zh-TW" altLang="en-US" sz="2200" b="1" dirty="0" smtClean="0">
+                <a:latin typeface="標楷體" pitchFamily="65" charset="-120"/>
+                <a:ea typeface="標楷體" pitchFamily="65" charset="-120"/>
+              </a:rPr>
+              <a:t>、電話、抽驗日期、地點、電話、結果 等項目</a:t>
             </a:r>
           </a:p>
           <a:p>
-            <a:endParaRPr lang="zh-TW" altLang="en-US" dirty="0"/>
+            <a:endParaRPr lang="zh-TW" altLang="en-US" sz="2200" dirty="0"/>
           </a:p>
         </p:txBody>
       </p:sp>
@@ -11255,7 +11790,7 @@
         </p:blipFill>
         <p:spPr bwMode="auto">
           <a:xfrm>
-            <a:off x="4357686" y="928676"/>
+            <a:off x="4788024" y="1463819"/>
             <a:ext cx="3903179" cy="2143140"/>
           </a:xfrm>
           <a:prstGeom prst="rect">
@@ -11267,7 +11802,7 @@
     </p:spTree>
     <p:extLst>
       <p:ext uri="{BB962C8B-B14F-4D97-AF65-F5344CB8AC3E}">
-        <p14:creationId xmlns:p14="http://schemas.microsoft.com/office/powerpoint/2010/main" xmlns="" val="1374204482"/>
+        <p14:creationId xmlns:p14="http://schemas.microsoft.com/office/powerpoint/2010/main" val="1374204482"/>
       </p:ext>
     </p:extLst>
   </p:cSld>
@@ -11321,6 +11856,13 @@
           <a:p>
             <a:r>
               <a:rPr lang="zh-TW" altLang="en-US" dirty="0" smtClean="0">
+                <a:effectLst>
+                  <a:outerShdw blurRad="38100" dist="38100" dir="2700000" algn="tl">
+                    <a:srgbClr val="000000">
+                      <a:alpha val="43137"/>
+                    </a:srgbClr>
+                  </a:outerShdw>
+                </a:effectLst>
                 <a:latin typeface="華康中圓體" pitchFamily="49" charset="-120"/>
                 <a:ea typeface="華康中圓體" pitchFamily="49" charset="-120"/>
               </a:rPr>
@@ -11328,6 +11870,13 @@
             </a:r>
             <a:r>
               <a:rPr lang="en-US" altLang="zh-TW" dirty="0" smtClean="0">
+                <a:effectLst>
+                  <a:outerShdw blurRad="38100" dist="38100" dir="2700000" algn="tl">
+                    <a:srgbClr val="000000">
+                      <a:alpha val="43137"/>
+                    </a:srgbClr>
+                  </a:outerShdw>
+                </a:effectLst>
                 <a:latin typeface="華康中圓體" pitchFamily="49" charset="-120"/>
                 <a:ea typeface="華康中圓體" pitchFamily="49" charset="-120"/>
               </a:rPr>
@@ -11335,12 +11884,26 @@
             </a:r>
             <a:r>
               <a:rPr lang="zh-TW" altLang="en-US" dirty="0" smtClean="0">
+                <a:effectLst>
+                  <a:outerShdw blurRad="38100" dist="38100" dir="2700000" algn="tl">
+                    <a:srgbClr val="000000">
+                      <a:alpha val="43137"/>
+                    </a:srgbClr>
+                  </a:outerShdw>
+                </a:effectLst>
                 <a:latin typeface="華康中圓體" pitchFamily="49" charset="-120"/>
                 <a:ea typeface="華康中圓體" pitchFamily="49" charset="-120"/>
               </a:rPr>
               <a:t>地點食材篇</a:t>
             </a:r>
             <a:endParaRPr lang="en" dirty="0">
+              <a:effectLst>
+                <a:outerShdw blurRad="38100" dist="38100" dir="2700000" algn="tl">
+                  <a:srgbClr val="000000">
+                    <a:alpha val="43137"/>
+                  </a:srgbClr>
+                </a:outerShdw>
+              </a:effectLst>
               <a:latin typeface="華康中圓體" pitchFamily="49" charset="-120"/>
               <a:ea typeface="華康中圓體" pitchFamily="49" charset="-120"/>
             </a:endParaRPr>
@@ -11423,7 +11986,7 @@
         <p:spPr>
           <a:xfrm>
             <a:off x="928662" y="1357304"/>
-            <a:ext cx="3429024" cy="3064800"/>
+            <a:ext cx="4363418" cy="3064800"/>
           </a:xfrm>
         </p:spPr>
         <p:txBody>
@@ -11431,109 +11994,181 @@
           <a:lstStyle/>
           <a:p>
             <a:r>
-              <a:rPr lang="en-US" altLang="zh-TW" dirty="0" smtClean="0">
+              <a:rPr lang="en-US" altLang="zh-TW" sz="2400" b="1" dirty="0" smtClean="0">
+                <a:effectLst>
+                  <a:outerShdw blurRad="38100" dist="38100" dir="2700000" algn="tl">
+                    <a:srgbClr val="000000">
+                      <a:alpha val="43137"/>
+                    </a:srgbClr>
+                  </a:outerShdw>
+                </a:effectLst>
                 <a:latin typeface="標楷體" pitchFamily="65" charset="-120"/>
                 <a:ea typeface="標楷體" pitchFamily="65" charset="-120"/>
               </a:rPr>
               <a:t>1.</a:t>
             </a:r>
             <a:r>
-              <a:rPr lang="zh-TW" altLang="en-US" dirty="0" smtClean="0">
+              <a:rPr lang="zh-TW" altLang="en-US" sz="2400" b="1" dirty="0" smtClean="0">
+                <a:effectLst>
+                  <a:outerShdw blurRad="38100" dist="38100" dir="2700000" algn="tl">
+                    <a:srgbClr val="000000">
+                      <a:alpha val="43137"/>
+                    </a:srgbClr>
+                  </a:outerShdw>
+                </a:effectLst>
                 <a:latin typeface="標楷體" pitchFamily="65" charset="-120"/>
                 <a:ea typeface="標楷體" pitchFamily="65" charset="-120"/>
               </a:rPr>
               <a:t>輸入所需食材</a:t>
             </a:r>
-            <a:endParaRPr lang="en-US" altLang="zh-TW" b="1" dirty="0" smtClean="0">
+            <a:endParaRPr lang="en-US" altLang="zh-TW" sz="2400" b="1" dirty="0" smtClean="0">
+              <a:effectLst>
+                <a:outerShdw blurRad="38100" dist="38100" dir="2700000" algn="tl">
+                  <a:srgbClr val="000000">
+                    <a:alpha val="43137"/>
+                  </a:srgbClr>
+                </a:outerShdw>
+              </a:effectLst>
               <a:latin typeface="標楷體" pitchFamily="65" charset="-120"/>
               <a:ea typeface="標楷體" pitchFamily="65" charset="-120"/>
             </a:endParaRPr>
           </a:p>
           <a:p>
             <a:r>
-              <a:rPr lang="en-US" altLang="zh-TW" dirty="0" smtClean="0">
+              <a:rPr lang="en-US" altLang="zh-TW" sz="2400" b="1" dirty="0" smtClean="0">
+                <a:effectLst>
+                  <a:outerShdw blurRad="38100" dist="38100" dir="2700000" algn="tl">
+                    <a:srgbClr val="000000">
+                      <a:alpha val="43137"/>
+                    </a:srgbClr>
+                  </a:outerShdw>
+                </a:effectLst>
                 <a:latin typeface="標楷體" pitchFamily="65" charset="-120"/>
                 <a:ea typeface="標楷體" pitchFamily="65" charset="-120"/>
               </a:rPr>
               <a:t>2.</a:t>
             </a:r>
             <a:r>
-              <a:rPr lang="zh-TW" altLang="en-US" dirty="0" smtClean="0">
+              <a:rPr lang="zh-TW" altLang="en-US" sz="2400" b="1" dirty="0" smtClean="0">
+                <a:effectLst>
+                  <a:outerShdw blurRad="38100" dist="38100" dir="2700000" algn="tl">
+                    <a:srgbClr val="000000">
+                      <a:alpha val="43137"/>
+                    </a:srgbClr>
+                  </a:outerShdw>
+                </a:effectLst>
                 <a:latin typeface="標楷體" pitchFamily="65" charset="-120"/>
                 <a:ea typeface="標楷體" pitchFamily="65" charset="-120"/>
               </a:rPr>
               <a:t>使用</a:t>
             </a:r>
             <a:r>
-              <a:rPr lang="en-US" altLang="zh-TW" b="1" dirty="0" smtClean="0">
+              <a:rPr lang="en-US" altLang="zh-TW" sz="2400" b="1" dirty="0" smtClean="0">
+                <a:effectLst>
+                  <a:outerShdw blurRad="38100" dist="38100" dir="2700000" algn="tl">
+                    <a:srgbClr val="000000">
+                      <a:alpha val="43137"/>
+                    </a:srgbClr>
+                  </a:outerShdw>
+                </a:effectLst>
                 <a:latin typeface="標楷體" pitchFamily="65" charset="-120"/>
                 <a:ea typeface="標楷體" pitchFamily="65" charset="-120"/>
               </a:rPr>
               <a:t>GPS</a:t>
             </a:r>
             <a:r>
-              <a:rPr lang="zh-TW" altLang="en-US" b="1" dirty="0" smtClean="0">
+              <a:rPr lang="zh-TW" altLang="en-US" sz="2400" b="1" dirty="0" smtClean="0">
+                <a:effectLst>
+                  <a:outerShdw blurRad="38100" dist="38100" dir="2700000" algn="tl">
+                    <a:srgbClr val="000000">
+                      <a:alpha val="43137"/>
+                    </a:srgbClr>
+                  </a:outerShdw>
+                </a:effectLst>
                 <a:latin typeface="標楷體" pitchFamily="65" charset="-120"/>
                 <a:ea typeface="標楷體" pitchFamily="65" charset="-120"/>
               </a:rPr>
-              <a:t>定位</a:t>
+              <a:t>定位或是輸入地點</a:t>
             </a:r>
-            <a:r>
-              <a:rPr lang="zh-TW" altLang="en-US" dirty="0" smtClean="0">
-                <a:latin typeface="標楷體" pitchFamily="65" charset="-120"/>
-                <a:ea typeface="標楷體" pitchFamily="65" charset="-120"/>
-              </a:rPr>
-              <a:t>或是</a:t>
-            </a:r>
-            <a:r>
-              <a:rPr lang="zh-TW" altLang="en-US" b="1" dirty="0" smtClean="0">
-                <a:latin typeface="標楷體" pitchFamily="65" charset="-120"/>
-                <a:ea typeface="標楷體" pitchFamily="65" charset="-120"/>
-              </a:rPr>
-              <a:t>輸入地點</a:t>
-            </a:r>
-            <a:endParaRPr lang="en-US" altLang="zh-TW" dirty="0" smtClean="0">
+            <a:endParaRPr lang="en-US" altLang="zh-TW" sz="2400" b="1" dirty="0" smtClean="0">
+              <a:effectLst>
+                <a:outerShdw blurRad="38100" dist="38100" dir="2700000" algn="tl">
+                  <a:srgbClr val="000000">
+                    <a:alpha val="43137"/>
+                  </a:srgbClr>
+                </a:outerShdw>
+              </a:effectLst>
               <a:latin typeface="標楷體" pitchFamily="65" charset="-120"/>
               <a:ea typeface="標楷體" pitchFamily="65" charset="-120"/>
             </a:endParaRPr>
           </a:p>
           <a:p>
+            <a:pPr marL="174625" indent="-174625"/>
             <a:r>
-              <a:rPr lang="en-US" altLang="zh-TW" dirty="0" smtClean="0">
+              <a:rPr lang="en-US" altLang="zh-TW" sz="2400" b="1" dirty="0" smtClean="0">
+                <a:effectLst>
+                  <a:outerShdw blurRad="38100" dist="38100" dir="2700000" algn="tl">
+                    <a:srgbClr val="000000">
+                      <a:alpha val="43137"/>
+                    </a:srgbClr>
+                  </a:outerShdw>
+                </a:effectLst>
                 <a:latin typeface="標楷體" pitchFamily="65" charset="-120"/>
                 <a:ea typeface="標楷體" pitchFamily="65" charset="-120"/>
               </a:rPr>
               <a:t>3.</a:t>
             </a:r>
             <a:r>
-              <a:rPr lang="zh-TW" altLang="en-US" dirty="0" smtClean="0">
+              <a:rPr lang="zh-TW" altLang="en-US" sz="2400" b="1" dirty="0" smtClean="0">
+                <a:effectLst>
+                  <a:outerShdw blurRad="38100" dist="38100" dir="2700000" algn="tl">
+                    <a:srgbClr val="000000">
+                      <a:alpha val="43137"/>
+                    </a:srgbClr>
+                  </a:outerShdw>
+                </a:effectLst>
                 <a:latin typeface="標楷體" pitchFamily="65" charset="-120"/>
                 <a:ea typeface="標楷體" pitchFamily="65" charset="-120"/>
               </a:rPr>
-              <a:t>顯示地點附近</a:t>
+              <a:t>顯示地點附近抽驗合格的相關食材</a:t>
             </a:r>
-            <a:r>
-              <a:rPr lang="zh-TW" altLang="en-US" b="1" dirty="0" smtClean="0">
-                <a:latin typeface="標楷體" pitchFamily="65" charset="-120"/>
-                <a:ea typeface="標楷體" pitchFamily="65" charset="-120"/>
-              </a:rPr>
-              <a:t>抽驗合格的相關食材</a:t>
-            </a:r>
-            <a:endParaRPr lang="en-US" altLang="zh-TW" b="1" dirty="0" smtClean="0">
+            <a:endParaRPr lang="en-US" altLang="zh-TW" sz="2400" b="1" dirty="0" smtClean="0">
+              <a:effectLst>
+                <a:outerShdw blurRad="38100" dist="38100" dir="2700000" algn="tl">
+                  <a:srgbClr val="000000">
+                    <a:alpha val="43137"/>
+                  </a:srgbClr>
+                </a:outerShdw>
+              </a:effectLst>
               <a:latin typeface="標楷體" pitchFamily="65" charset="-120"/>
               <a:ea typeface="標楷體" pitchFamily="65" charset="-120"/>
             </a:endParaRPr>
           </a:p>
           <a:p>
+            <a:pPr marL="174625" indent="-174625"/>
             <a:r>
-              <a:rPr lang="en-US" altLang="zh-TW" dirty="0" smtClean="0">
+              <a:rPr lang="en-US" altLang="zh-TW" sz="2400" b="1" dirty="0" smtClean="0">
+                <a:effectLst>
+                  <a:outerShdw blurRad="38100" dist="38100" dir="2700000" algn="tl">
+                    <a:srgbClr val="000000">
+                      <a:alpha val="43137"/>
+                    </a:srgbClr>
+                  </a:outerShdw>
+                </a:effectLst>
                 <a:latin typeface="標楷體" pitchFamily="65" charset="-120"/>
                 <a:ea typeface="標楷體" pitchFamily="65" charset="-120"/>
               </a:rPr>
               <a:t>4.</a:t>
             </a:r>
             <a:r>
-              <a:rPr lang="zh-TW" altLang="en-US" dirty="0" smtClean="0">
+              <a:rPr lang="zh-TW" altLang="en-US" sz="2400" b="1" dirty="0" smtClean="0">
+                <a:effectLst>
+                  <a:outerShdw blurRad="38100" dist="38100" dir="2700000" algn="tl">
+                    <a:srgbClr val="000000">
+                      <a:alpha val="43137"/>
+                    </a:srgbClr>
+                  </a:outerShdw>
+                </a:effectLst>
                 <a:latin typeface="標楷體" pitchFamily="65" charset="-120"/>
                 <a:ea typeface="標楷體" pitchFamily="65" charset="-120"/>
               </a:rPr>
@@ -11562,7 +12197,7 @@
         </p:blipFill>
         <p:spPr bwMode="auto">
           <a:xfrm>
-            <a:off x="4357686" y="1214428"/>
+            <a:off x="5652120" y="1357304"/>
             <a:ext cx="2833479" cy="2427982"/>
           </a:xfrm>
           <a:prstGeom prst="rect">
@@ -11574,7 +12209,7 @@
     </p:spTree>
     <p:extLst>
       <p:ext uri="{BB962C8B-B14F-4D97-AF65-F5344CB8AC3E}">
-        <p14:creationId xmlns:p14="http://schemas.microsoft.com/office/powerpoint/2010/main" xmlns="" val="1374204482"/>
+        <p14:creationId xmlns:p14="http://schemas.microsoft.com/office/powerpoint/2010/main" val="1374204482"/>
       </p:ext>
     </p:extLst>
   </p:cSld>
@@ -11613,7 +12248,7 @@
         </p:nvSpPr>
         <p:spPr>
           <a:xfrm>
-            <a:off x="685800" y="2421550"/>
+            <a:off x="685800" y="2289854"/>
             <a:ext cx="5074500" cy="1159800"/>
           </a:xfrm>
           <a:prstGeom prst="rect">
@@ -11629,16 +12264,65 @@
             <a:pPr lvl="0"/>
             <a:r>
               <a:rPr lang="zh-TW" altLang="en-US" sz="4000" dirty="0" smtClean="0">
-                <a:solidFill>
-                  <a:schemeClr val="bg1"/>
-                </a:solidFill>
+                <a:ln w="12700">
+                  <a:solidFill>
+                    <a:schemeClr val="tx2">
+                      <a:lumMod val="75000"/>
+                    </a:schemeClr>
+                  </a:solidFill>
+                  <a:prstDash val="solid"/>
+                </a:ln>
+                <a:pattFill prst="dkUpDiag">
+                  <a:fgClr>
+                    <a:schemeClr val="tx2"/>
+                  </a:fgClr>
+                  <a:bgClr>
+                    <a:schemeClr val="tx2">
+                      <a:lumMod val="20000"/>
+                      <a:lumOff val="80000"/>
+                    </a:schemeClr>
+                  </a:bgClr>
+                </a:pattFill>
+                <a:effectLst>
+                  <a:outerShdw dist="38100" dir="2640000" algn="bl" rotWithShape="0">
+                    <a:schemeClr val="tx2">
+                      <a:lumMod val="75000"/>
+                    </a:schemeClr>
+                  </a:outerShdw>
+                </a:effectLst>
                 <a:latin typeface="標楷體" pitchFamily="65" charset="-120"/>
                 <a:ea typeface="標楷體" pitchFamily="65" charset="-120"/>
               </a:rPr>
               <a:t>構想</a:t>
             </a:r>
             <a:r>
-              <a:rPr lang="en-US" altLang="zh-TW" sz="4000" b="0" dirty="0" smtClean="0">
+              <a:rPr lang="en-US" altLang="zh-TW" sz="4000" dirty="0" smtClean="0">
+                <a:ln w="12700">
+                  <a:solidFill>
+                    <a:schemeClr val="tx2">
+                      <a:lumMod val="75000"/>
+                    </a:schemeClr>
+                  </a:solidFill>
+                  <a:prstDash val="solid"/>
+                </a:ln>
+                <a:pattFill prst="dkUpDiag">
+                  <a:fgClr>
+                    <a:schemeClr val="tx2"/>
+                  </a:fgClr>
+                  <a:bgClr>
+                    <a:schemeClr val="tx2">
+                      <a:lumMod val="20000"/>
+                      <a:lumOff val="80000"/>
+                    </a:schemeClr>
+                  </a:bgClr>
+                </a:pattFill>
+                <a:effectLst>
+                  <a:outerShdw dist="38100" dir="2640000" algn="bl" rotWithShape="0">
+                    <a:schemeClr val="tx2">
+                      <a:lumMod val="75000"/>
+                    </a:schemeClr>
+                  </a:outerShdw>
+                </a:effectLst>
                 <a:latin typeface="華康中圓體" pitchFamily="49" charset="-120"/>
                 <a:ea typeface="華康中圓體" pitchFamily="49" charset="-120"/>
               </a:rPr>
@@ -11646,18 +12330,64 @@
             </a:r>
             <a:r>
               <a:rPr lang="zh-TW" altLang="en-US" sz="4000" dirty="0" smtClean="0">
-                <a:solidFill>
-                  <a:schemeClr val="bg1"/>
-                </a:solidFill>
+                <a:ln w="12700">
+                  <a:solidFill>
+                    <a:schemeClr val="tx2">
+                      <a:lumMod val="75000"/>
+                    </a:schemeClr>
+                  </a:solidFill>
+                  <a:prstDash val="solid"/>
+                </a:ln>
+                <a:pattFill prst="dkUpDiag">
+                  <a:fgClr>
+                    <a:schemeClr val="tx2"/>
+                  </a:fgClr>
+                  <a:bgClr>
+                    <a:schemeClr val="tx2">
+                      <a:lumMod val="20000"/>
+                      <a:lumOff val="80000"/>
+                    </a:schemeClr>
+                  </a:bgClr>
+                </a:pattFill>
+                <a:effectLst>
+                  <a:outerShdw dist="38100" dir="2640000" algn="bl" rotWithShape="0">
+                    <a:schemeClr val="tx2">
+                      <a:lumMod val="75000"/>
+                    </a:schemeClr>
+                  </a:outerShdw>
+                </a:effectLst>
                 <a:latin typeface="標楷體" pitchFamily="65" charset="-120"/>
                 <a:ea typeface="標楷體" pitchFamily="65" charset="-120"/>
               </a:rPr>
               <a:t>演示</a:t>
             </a:r>
             <a:endParaRPr lang="en" sz="4000" dirty="0">
-              <a:solidFill>
-                <a:schemeClr val="bg1"/>
-              </a:solidFill>
+              <a:ln w="12700">
+                <a:solidFill>
+                  <a:schemeClr val="tx2">
+                    <a:lumMod val="75000"/>
+                  </a:schemeClr>
+                </a:solidFill>
+                <a:prstDash val="solid"/>
+              </a:ln>
+              <a:pattFill prst="dkUpDiag">
+                <a:fgClr>
+                  <a:schemeClr val="tx2"/>
+                </a:fgClr>
+                <a:bgClr>
+                  <a:schemeClr val="tx2">
+                    <a:lumMod val="20000"/>
+                    <a:lumOff val="80000"/>
+                  </a:schemeClr>
+                </a:bgClr>
+              </a:pattFill>
+              <a:effectLst>
+                <a:outerShdw dist="38100" dir="2640000" algn="bl" rotWithShape="0">
+                  <a:schemeClr val="tx2">
+                    <a:lumMod val="75000"/>
+                  </a:schemeClr>
+                </a:outerShdw>
+              </a:effectLst>
               <a:latin typeface="標楷體" pitchFamily="65" charset="-120"/>
               <a:ea typeface="標楷體" pitchFamily="65" charset="-120"/>
             </a:endParaRPr>
@@ -11790,20 +12520,41 @@
           <a:p>
             <a:pPr lvl="0" fontAlgn="auto"/>
             <a:r>
-              <a:rPr lang="en-US" altLang="zh-TW" b="0" dirty="0" smtClean="0">
+              <a:rPr lang="en-US" altLang="zh-TW" dirty="0" smtClean="0">
+                <a:effectLst>
+                  <a:outerShdw blurRad="38100" dist="38100" dir="2700000" algn="tl">
+                    <a:srgbClr val="000000">
+                      <a:alpha val="43137"/>
+                    </a:srgbClr>
+                  </a:outerShdw>
+                </a:effectLst>
                 <a:latin typeface="華康中圓體" pitchFamily="49" charset="-120"/>
                 <a:ea typeface="華康中圓體" pitchFamily="49" charset="-120"/>
               </a:rPr>
               <a:t>Demo</a:t>
             </a:r>
             <a:r>
-              <a:rPr lang="zh-TW" altLang="en-US" b="0" dirty="0" smtClean="0">
+              <a:rPr lang="zh-TW" altLang="en-US" dirty="0" smtClean="0">
+                <a:effectLst>
+                  <a:outerShdw blurRad="38100" dist="38100" dir="2700000" algn="tl">
+                    <a:srgbClr val="000000">
+                      <a:alpha val="43137"/>
+                    </a:srgbClr>
+                  </a:outerShdw>
+                </a:effectLst>
                 <a:latin typeface="華康中圓體" pitchFamily="49" charset="-120"/>
                 <a:ea typeface="華康中圓體" pitchFamily="49" charset="-120"/>
               </a:rPr>
               <a:t>連結：</a:t>
             </a:r>
-            <a:endParaRPr lang="zh-TW" altLang="zh-TW" b="0" dirty="0">
+            <a:endParaRPr lang="zh-TW" altLang="zh-TW" dirty="0">
+              <a:effectLst>
+                <a:outerShdw blurRad="38100" dist="38100" dir="2700000" algn="tl">
+                  <a:srgbClr val="000000">
+                    <a:alpha val="43137"/>
+                  </a:srgbClr>
+                </a:outerShdw>
+              </a:effectLst>
               <a:latin typeface="華康中圓體" pitchFamily="49" charset="-120"/>
               <a:ea typeface="華康中圓體" pitchFamily="49" charset="-120"/>
             </a:endParaRPr>
@@ -11847,7 +12598,7 @@
         </p:nvSpPr>
         <p:spPr>
           <a:xfrm>
-            <a:off x="685800" y="2421550"/>
+            <a:off x="685800" y="2289854"/>
             <a:ext cx="5074500" cy="1159800"/>
           </a:xfrm>
           <a:prstGeom prst="rect">
@@ -11882,29 +12633,50 @@
               </a:rPr>
             </a:br>
             <a:r>
-              <a:rPr lang="zh-TW" altLang="en-US" b="0" dirty="0" smtClean="0">
+              <a:rPr lang="zh-TW" altLang="en-US" dirty="0" smtClean="0">
                 <a:solidFill>
                   <a:schemeClr val="bg1"/>
                 </a:solidFill>
+                <a:effectLst>
+                  <a:outerShdw blurRad="38100" dist="38100" dir="2700000" algn="tl">
+                    <a:srgbClr val="000000">
+                      <a:alpha val="43137"/>
+                    </a:srgbClr>
+                  </a:outerShdw>
+                </a:effectLst>
                 <a:latin typeface="標楷體" pitchFamily="65" charset="-120"/>
                 <a:ea typeface="標楷體" pitchFamily="65" charset="-120"/>
               </a:rPr>
               <a:t>作品</a:t>
             </a:r>
             <a:r>
-              <a:rPr lang="zh-TW" altLang="en-US" b="0" dirty="0">
+              <a:rPr lang="zh-TW" altLang="en-US" dirty="0">
                 <a:solidFill>
                   <a:schemeClr val="bg1"/>
                 </a:solidFill>
+                <a:effectLst>
+                  <a:outerShdw blurRad="38100" dist="38100" dir="2700000" algn="tl">
+                    <a:srgbClr val="000000">
+                      <a:alpha val="43137"/>
+                    </a:srgbClr>
+                  </a:outerShdw>
+                </a:effectLst>
                 <a:latin typeface="標楷體" pitchFamily="65" charset="-120"/>
                 <a:ea typeface="標楷體" pitchFamily="65" charset="-120"/>
               </a:rPr>
               <a:t>優勢</a:t>
             </a:r>
-            <a:endParaRPr lang="en" b="0" dirty="0">
+            <a:endParaRPr lang="en" dirty="0">
               <a:solidFill>
                 <a:schemeClr val="bg1"/>
               </a:solidFill>
+              <a:effectLst>
+                <a:outerShdw blurRad="38100" dist="38100" dir="2700000" algn="tl">
+                  <a:srgbClr val="000000">
+                    <a:alpha val="43137"/>
+                  </a:srgbClr>
+                </a:outerShdw>
+              </a:effectLst>
               <a:latin typeface="標楷體" pitchFamily="65" charset="-120"/>
               <a:ea typeface="標楷體" pitchFamily="65" charset="-120"/>
             </a:endParaRPr>
@@ -11949,7 +12721,7 @@
     </p:spTree>
     <p:extLst>
       <p:ext uri="{BB962C8B-B14F-4D97-AF65-F5344CB8AC3E}">
-        <p14:creationId xmlns:p14="http://schemas.microsoft.com/office/powerpoint/2010/main" xmlns="" val="2515177650"/>
+        <p14:creationId xmlns:p14="http://schemas.microsoft.com/office/powerpoint/2010/main" val="2515177650"/>
       </p:ext>
     </p:extLst>
   </p:cSld>

--- a/黑克松簡報.pptx
+++ b/黑克松簡報.pptx
@@ -246,6 +246,7575 @@
     </p:ext>
   </p:extLst>
 </p:presentation>
+</file>
+
+<file path=ppt/diagrams/colors1.xml><?xml version="1.0" encoding="utf-8"?>
+<dgm:colorsDef xmlns:dgm="http://schemas.openxmlformats.org/drawingml/2006/diagram" xmlns:a="http://schemas.openxmlformats.org/drawingml/2006/main" uniqueId="urn:microsoft.com/office/officeart/2005/8/colors/colorful5">
+  <dgm:title val=""/>
+  <dgm:desc val=""/>
+  <dgm:catLst>
+    <dgm:cat type="colorful" pri="10500"/>
+  </dgm:catLst>
+  <dgm:styleLbl name="node0">
+    <dgm:fillClrLst meth="repeat">
+      <a:schemeClr val="accent4"/>
+    </dgm:fillClrLst>
+    <dgm:linClrLst meth="repeat">
+      <a:schemeClr val="lt1"/>
+    </dgm:linClrLst>
+    <dgm:effectClrLst/>
+    <dgm:txLinClrLst/>
+    <dgm:txFillClrLst/>
+    <dgm:txEffectClrLst/>
+  </dgm:styleLbl>
+  <dgm:styleLbl name="node1">
+    <dgm:fillClrLst>
+      <a:schemeClr val="accent5"/>
+      <a:schemeClr val="accent6"/>
+    </dgm:fillClrLst>
+    <dgm:linClrLst meth="repeat">
+      <a:schemeClr val="lt1"/>
+    </dgm:linClrLst>
+    <dgm:effectClrLst/>
+    <dgm:txLinClrLst/>
+    <dgm:txFillClrLst/>
+    <dgm:txEffectClrLst/>
+  </dgm:styleLbl>
+  <dgm:styleLbl name="alignNode1">
+    <dgm:fillClrLst>
+      <a:schemeClr val="accent5"/>
+      <a:schemeClr val="accent6"/>
+    </dgm:fillClrLst>
+    <dgm:linClrLst>
+      <a:schemeClr val="accent5"/>
+      <a:schemeClr val="accent6"/>
+    </dgm:linClrLst>
+    <dgm:effectClrLst/>
+    <dgm:txLinClrLst/>
+    <dgm:txFillClrLst/>
+    <dgm:txEffectClrLst/>
+  </dgm:styleLbl>
+  <dgm:styleLbl name="lnNode1">
+    <dgm:fillClrLst>
+      <a:schemeClr val="accent5"/>
+      <a:schemeClr val="accent6"/>
+    </dgm:fillClrLst>
+    <dgm:linClrLst meth="repeat">
+      <a:schemeClr val="lt1"/>
+    </dgm:linClrLst>
+    <dgm:effectClrLst/>
+    <dgm:txLinClrLst/>
+    <dgm:txFillClrLst/>
+    <dgm:txEffectClrLst/>
+  </dgm:styleLbl>
+  <dgm:styleLbl name="vennNode1">
+    <dgm:fillClrLst>
+      <a:schemeClr val="accent5">
+        <a:alpha val="50000"/>
+      </a:schemeClr>
+      <a:schemeClr val="accent6">
+        <a:alpha val="50000"/>
+      </a:schemeClr>
+    </dgm:fillClrLst>
+    <dgm:linClrLst meth="repeat">
+      <a:schemeClr val="lt1"/>
+    </dgm:linClrLst>
+    <dgm:effectClrLst/>
+    <dgm:txLinClrLst/>
+    <dgm:txFillClrLst/>
+    <dgm:txEffectClrLst/>
+  </dgm:styleLbl>
+  <dgm:styleLbl name="node2">
+    <dgm:fillClrLst>
+      <a:schemeClr val="accent6"/>
+    </dgm:fillClrLst>
+    <dgm:linClrLst meth="repeat">
+      <a:schemeClr val="lt1"/>
+    </dgm:linClrLst>
+    <dgm:effectClrLst/>
+    <dgm:txLinClrLst/>
+    <dgm:txFillClrLst/>
+    <dgm:txEffectClrLst/>
+  </dgm:styleLbl>
+  <dgm:styleLbl name="node3">
+    <dgm:fillClrLst>
+      <a:schemeClr val="accent1"/>
+    </dgm:fillClrLst>
+    <dgm:linClrLst meth="repeat">
+      <a:schemeClr val="lt1"/>
+    </dgm:linClrLst>
+    <dgm:effectClrLst/>
+    <dgm:txLinClrLst/>
+    <dgm:txFillClrLst/>
+    <dgm:txEffectClrLst/>
+  </dgm:styleLbl>
+  <dgm:styleLbl name="node4">
+    <dgm:fillClrLst>
+      <a:schemeClr val="accent2"/>
+    </dgm:fillClrLst>
+    <dgm:linClrLst meth="repeat">
+      <a:schemeClr val="lt1"/>
+    </dgm:linClrLst>
+    <dgm:effectClrLst/>
+    <dgm:txLinClrLst/>
+    <dgm:txFillClrLst/>
+    <dgm:txEffectClrLst/>
+  </dgm:styleLbl>
+  <dgm:styleLbl name="fgImgPlace1">
+    <dgm:fillClrLst>
+      <a:schemeClr val="accent5">
+        <a:tint val="50000"/>
+      </a:schemeClr>
+      <a:schemeClr val="accent6">
+        <a:tint val="50000"/>
+      </a:schemeClr>
+    </dgm:fillClrLst>
+    <dgm:linClrLst meth="repeat">
+      <a:schemeClr val="lt1"/>
+    </dgm:linClrLst>
+    <dgm:effectClrLst/>
+    <dgm:txLinClrLst/>
+    <dgm:txFillClrLst meth="repeat">
+      <a:schemeClr val="lt1"/>
+    </dgm:txFillClrLst>
+    <dgm:txEffectClrLst/>
+  </dgm:styleLbl>
+  <dgm:styleLbl name="alignImgPlace1">
+    <dgm:fillClrLst>
+      <a:schemeClr val="accent5">
+        <a:tint val="50000"/>
+      </a:schemeClr>
+      <a:schemeClr val="accent6">
+        <a:tint val="20000"/>
+      </a:schemeClr>
+    </dgm:fillClrLst>
+    <dgm:linClrLst meth="repeat">
+      <a:schemeClr val="lt1"/>
+    </dgm:linClrLst>
+    <dgm:effectClrLst/>
+    <dgm:txLinClrLst/>
+    <dgm:txFillClrLst meth="repeat">
+      <a:schemeClr val="lt1"/>
+    </dgm:txFillClrLst>
+    <dgm:txEffectClrLst/>
+  </dgm:styleLbl>
+  <dgm:styleLbl name="bgImgPlace1">
+    <dgm:fillClrLst>
+      <a:schemeClr val="accent5">
+        <a:tint val="50000"/>
+      </a:schemeClr>
+      <a:schemeClr val="accent6">
+        <a:tint val="20000"/>
+      </a:schemeClr>
+    </dgm:fillClrLst>
+    <dgm:linClrLst meth="repeat">
+      <a:schemeClr val="lt1"/>
+    </dgm:linClrLst>
+    <dgm:effectClrLst/>
+    <dgm:txLinClrLst/>
+    <dgm:txFillClrLst meth="repeat">
+      <a:schemeClr val="lt1"/>
+    </dgm:txFillClrLst>
+    <dgm:txEffectClrLst/>
+  </dgm:styleLbl>
+  <dgm:styleLbl name="sibTrans2D1">
+    <dgm:fillClrLst>
+      <a:schemeClr val="accent5"/>
+      <a:schemeClr val="accent6"/>
+    </dgm:fillClrLst>
+    <dgm:linClrLst meth="repeat">
+      <a:schemeClr val="lt1"/>
+    </dgm:linClrLst>
+    <dgm:effectClrLst/>
+    <dgm:txLinClrLst/>
+    <dgm:txFillClrLst/>
+    <dgm:txEffectClrLst/>
+  </dgm:styleLbl>
+  <dgm:styleLbl name="fgSibTrans2D1">
+    <dgm:fillClrLst>
+      <a:schemeClr val="accent5"/>
+      <a:schemeClr val="accent6"/>
+    </dgm:fillClrLst>
+    <dgm:linClrLst meth="repeat">
+      <a:schemeClr val="lt1"/>
+    </dgm:linClrLst>
+    <dgm:effectClrLst/>
+    <dgm:txLinClrLst/>
+    <dgm:txFillClrLst meth="repeat">
+      <a:schemeClr val="lt1"/>
+    </dgm:txFillClrLst>
+    <dgm:txEffectClrLst/>
+  </dgm:styleLbl>
+  <dgm:styleLbl name="bgSibTrans2D1">
+    <dgm:fillClrLst>
+      <a:schemeClr val="accent5"/>
+      <a:schemeClr val="accent6"/>
+    </dgm:fillClrLst>
+    <dgm:linClrLst meth="repeat">
+      <a:schemeClr val="lt1"/>
+    </dgm:linClrLst>
+    <dgm:effectClrLst/>
+    <dgm:txLinClrLst/>
+    <dgm:txFillClrLst meth="repeat">
+      <a:schemeClr val="lt1"/>
+    </dgm:txFillClrLst>
+    <dgm:txEffectClrLst/>
+  </dgm:styleLbl>
+  <dgm:styleLbl name="sibTrans1D1">
+    <dgm:fillClrLst/>
+    <dgm:linClrLst>
+      <a:schemeClr val="accent5"/>
+      <a:schemeClr val="accent6"/>
+    </dgm:linClrLst>
+    <dgm:effectClrLst/>
+    <dgm:txLinClrLst/>
+    <dgm:txFillClrLst meth="repeat">
+      <a:schemeClr val="tx1"/>
+    </dgm:txFillClrLst>
+    <dgm:txEffectClrLst/>
+  </dgm:styleLbl>
+  <dgm:styleLbl name="callout">
+    <dgm:fillClrLst meth="repeat">
+      <a:schemeClr val="accent5"/>
+    </dgm:fillClrLst>
+    <dgm:linClrLst meth="repeat">
+      <a:schemeClr val="accent5">
+        <a:tint val="50000"/>
+      </a:schemeClr>
+    </dgm:linClrLst>
+    <dgm:effectClrLst/>
+    <dgm:txLinClrLst/>
+    <dgm:txFillClrLst meth="repeat">
+      <a:schemeClr val="tx1"/>
+    </dgm:txFillClrLst>
+    <dgm:txEffectClrLst/>
+  </dgm:styleLbl>
+  <dgm:styleLbl name="asst0">
+    <dgm:fillClrLst meth="repeat">
+      <a:schemeClr val="accent5"/>
+    </dgm:fillClrLst>
+    <dgm:linClrLst meth="repeat">
+      <a:schemeClr val="lt1">
+        <a:shade val="80000"/>
+      </a:schemeClr>
+    </dgm:linClrLst>
+    <dgm:effectClrLst/>
+    <dgm:txLinClrLst/>
+    <dgm:txFillClrLst/>
+    <dgm:txEffectClrLst/>
+  </dgm:styleLbl>
+  <dgm:styleLbl name="asst1">
+    <dgm:fillClrLst meth="repeat">
+      <a:schemeClr val="accent6"/>
+    </dgm:fillClrLst>
+    <dgm:linClrLst meth="repeat">
+      <a:schemeClr val="lt1">
+        <a:shade val="80000"/>
+      </a:schemeClr>
+    </dgm:linClrLst>
+    <dgm:effectClrLst/>
+    <dgm:txLinClrLst/>
+    <dgm:txFillClrLst/>
+    <dgm:txEffectClrLst/>
+  </dgm:styleLbl>
+  <dgm:styleLbl name="asst2">
+    <dgm:fillClrLst>
+      <a:schemeClr val="accent1"/>
+    </dgm:fillClrLst>
+    <dgm:linClrLst meth="repeat">
+      <a:schemeClr val="lt1"/>
+    </dgm:linClrLst>
+    <dgm:effectClrLst/>
+    <dgm:txLinClrLst/>
+    <dgm:txFillClrLst/>
+    <dgm:txEffectClrLst/>
+  </dgm:styleLbl>
+  <dgm:styleLbl name="asst3">
+    <dgm:fillClrLst>
+      <a:schemeClr val="accent2"/>
+    </dgm:fillClrLst>
+    <dgm:linClrLst meth="repeat">
+      <a:schemeClr val="lt1"/>
+    </dgm:linClrLst>
+    <dgm:effectClrLst/>
+    <dgm:txLinClrLst/>
+    <dgm:txFillClrLst/>
+    <dgm:txEffectClrLst/>
+  </dgm:styleLbl>
+  <dgm:styleLbl name="asst4">
+    <dgm:fillClrLst>
+      <a:schemeClr val="accent3"/>
+    </dgm:fillClrLst>
+    <dgm:linClrLst meth="repeat">
+      <a:schemeClr val="lt1"/>
+    </dgm:linClrLst>
+    <dgm:effectClrLst/>
+    <dgm:txLinClrLst/>
+    <dgm:txFillClrLst/>
+    <dgm:txEffectClrLst/>
+  </dgm:styleLbl>
+  <dgm:styleLbl name="parChTrans2D1">
+    <dgm:fillClrLst meth="repeat">
+      <a:schemeClr val="accent5"/>
+    </dgm:fillClrLst>
+    <dgm:linClrLst meth="repeat">
+      <a:schemeClr val="lt1"/>
+    </dgm:linClrLst>
+    <dgm:effectClrLst/>
+    <dgm:txLinClrLst/>
+    <dgm:txFillClrLst meth="repeat">
+      <a:schemeClr val="lt1"/>
+    </dgm:txFillClrLst>
+    <dgm:txEffectClrLst/>
+  </dgm:styleLbl>
+  <dgm:styleLbl name="parChTrans2D2">
+    <dgm:fillClrLst meth="repeat">
+      <a:schemeClr val="accent6"/>
+    </dgm:fillClrLst>
+    <dgm:linClrLst meth="repeat">
+      <a:schemeClr val="lt1"/>
+    </dgm:linClrLst>
+    <dgm:effectClrLst/>
+    <dgm:txLinClrLst/>
+    <dgm:txFillClrLst/>
+    <dgm:txEffectClrLst/>
+  </dgm:styleLbl>
+  <dgm:styleLbl name="parChTrans2D3">
+    <dgm:fillClrLst meth="repeat">
+      <a:schemeClr val="accent6"/>
+    </dgm:fillClrLst>
+    <dgm:linClrLst meth="repeat">
+      <a:schemeClr val="lt1"/>
+    </dgm:linClrLst>
+    <dgm:effectClrLst/>
+    <dgm:txLinClrLst/>
+    <dgm:txFillClrLst/>
+    <dgm:txEffectClrLst/>
+  </dgm:styleLbl>
+  <dgm:styleLbl name="parChTrans2D4">
+    <dgm:fillClrLst meth="repeat">
+      <a:schemeClr val="accent1"/>
+    </dgm:fillClrLst>
+    <dgm:linClrLst meth="repeat">
+      <a:schemeClr val="lt1"/>
+    </dgm:linClrLst>
+    <dgm:effectClrLst/>
+    <dgm:txLinClrLst/>
+    <dgm:txFillClrLst meth="repeat">
+      <a:schemeClr val="lt1"/>
+    </dgm:txFillClrLst>
+    <dgm:txEffectClrLst/>
+  </dgm:styleLbl>
+  <dgm:styleLbl name="parChTrans1D1">
+    <dgm:fillClrLst meth="repeat">
+      <a:schemeClr val="accent5"/>
+    </dgm:fillClrLst>
+    <dgm:linClrLst meth="repeat">
+      <a:schemeClr val="accent5"/>
+    </dgm:linClrLst>
+    <dgm:effectClrLst/>
+    <dgm:txLinClrLst/>
+    <dgm:txFillClrLst meth="repeat">
+      <a:schemeClr val="tx1"/>
+    </dgm:txFillClrLst>
+    <dgm:txEffectClrLst/>
+  </dgm:styleLbl>
+  <dgm:styleLbl name="parChTrans1D2">
+    <dgm:fillClrLst meth="repeat">
+      <a:schemeClr val="accent6">
+        <a:tint val="90000"/>
+      </a:schemeClr>
+    </dgm:fillClrLst>
+    <dgm:linClrLst meth="repeat">
+      <a:schemeClr val="accent6"/>
+    </dgm:linClrLst>
+    <dgm:effectClrLst/>
+    <dgm:txLinClrLst/>
+    <dgm:txFillClrLst meth="repeat">
+      <a:schemeClr val="tx1"/>
+    </dgm:txFillClrLst>
+    <dgm:txEffectClrLst/>
+  </dgm:styleLbl>
+  <dgm:styleLbl name="parChTrans1D3">
+    <dgm:fillClrLst meth="repeat">
+      <a:schemeClr val="accent6">
+        <a:tint val="70000"/>
+      </a:schemeClr>
+    </dgm:fillClrLst>
+    <dgm:linClrLst meth="repeat">
+      <a:schemeClr val="accent1"/>
+    </dgm:linClrLst>
+    <dgm:effectClrLst/>
+    <dgm:txLinClrLst/>
+    <dgm:txFillClrLst meth="repeat">
+      <a:schemeClr val="tx1"/>
+    </dgm:txFillClrLst>
+    <dgm:txEffectClrLst/>
+  </dgm:styleLbl>
+  <dgm:styleLbl name="parChTrans1D4">
+    <dgm:fillClrLst meth="repeat">
+      <a:schemeClr val="accent6">
+        <a:tint val="50000"/>
+      </a:schemeClr>
+    </dgm:fillClrLst>
+    <dgm:linClrLst meth="repeat">
+      <a:schemeClr val="accent2"/>
+    </dgm:linClrLst>
+    <dgm:effectClrLst/>
+    <dgm:txLinClrLst/>
+    <dgm:txFillClrLst meth="repeat">
+      <a:schemeClr val="tx1"/>
+    </dgm:txFillClrLst>
+    <dgm:txEffectClrLst/>
+  </dgm:styleLbl>
+  <dgm:styleLbl name="fgAcc1">
+    <dgm:fillClrLst meth="repeat">
+      <a:schemeClr val="lt1">
+        <a:alpha val="90000"/>
+      </a:schemeClr>
+    </dgm:fillClrLst>
+    <dgm:linClrLst>
+      <a:schemeClr val="accent5"/>
+      <a:schemeClr val="accent6"/>
+    </dgm:linClrLst>
+    <dgm:effectClrLst/>
+    <dgm:txLinClrLst/>
+    <dgm:txFillClrLst meth="repeat">
+      <a:schemeClr val="dk1"/>
+    </dgm:txFillClrLst>
+    <dgm:txEffectClrLst/>
+  </dgm:styleLbl>
+  <dgm:styleLbl name="conFgAcc1">
+    <dgm:fillClrLst meth="repeat">
+      <a:schemeClr val="lt1">
+        <a:alpha val="90000"/>
+      </a:schemeClr>
+    </dgm:fillClrLst>
+    <dgm:linClrLst>
+      <a:schemeClr val="accent5"/>
+      <a:schemeClr val="accent6"/>
+    </dgm:linClrLst>
+    <dgm:effectClrLst/>
+    <dgm:txLinClrLst/>
+    <dgm:txFillClrLst meth="repeat">
+      <a:schemeClr val="dk1"/>
+    </dgm:txFillClrLst>
+    <dgm:txEffectClrLst/>
+  </dgm:styleLbl>
+  <dgm:styleLbl name="alignAcc1">
+    <dgm:fillClrLst meth="repeat">
+      <a:schemeClr val="lt1">
+        <a:alpha val="90000"/>
+      </a:schemeClr>
+    </dgm:fillClrLst>
+    <dgm:linClrLst>
+      <a:schemeClr val="accent5"/>
+      <a:schemeClr val="accent6"/>
+    </dgm:linClrLst>
+    <dgm:effectClrLst/>
+    <dgm:txLinClrLst/>
+    <dgm:txFillClrLst meth="repeat">
+      <a:schemeClr val="dk1"/>
+    </dgm:txFillClrLst>
+    <dgm:txEffectClrLst/>
+  </dgm:styleLbl>
+  <dgm:styleLbl name="trAlignAcc1">
+    <dgm:fillClrLst meth="repeat">
+      <a:schemeClr val="lt1">
+        <a:alpha val="40000"/>
+      </a:schemeClr>
+    </dgm:fillClrLst>
+    <dgm:linClrLst meth="repeat">
+      <a:schemeClr val="accent5"/>
+    </dgm:linClrLst>
+    <dgm:effectClrLst/>
+    <dgm:txLinClrLst/>
+    <dgm:txFillClrLst meth="repeat">
+      <a:schemeClr val="dk1"/>
+    </dgm:txFillClrLst>
+    <dgm:txEffectClrLst/>
+  </dgm:styleLbl>
+  <dgm:styleLbl name="bgAcc1">
+    <dgm:fillClrLst meth="repeat">
+      <a:schemeClr val="lt1">
+        <a:alpha val="90000"/>
+      </a:schemeClr>
+    </dgm:fillClrLst>
+    <dgm:linClrLst>
+      <a:schemeClr val="accent5"/>
+      <a:schemeClr val="accent6"/>
+    </dgm:linClrLst>
+    <dgm:effectClrLst/>
+    <dgm:txLinClrLst/>
+    <dgm:txFillClrLst meth="repeat">
+      <a:schemeClr val="dk1"/>
+    </dgm:txFillClrLst>
+    <dgm:txEffectClrLst/>
+  </dgm:styleLbl>
+  <dgm:styleLbl name="solidFgAcc1">
+    <dgm:fillClrLst meth="repeat">
+      <a:schemeClr val="lt1"/>
+    </dgm:fillClrLst>
+    <dgm:linClrLst>
+      <a:schemeClr val="accent5"/>
+      <a:schemeClr val="accent6"/>
+    </dgm:linClrLst>
+    <dgm:effectClrLst/>
+    <dgm:txLinClrLst/>
+    <dgm:txFillClrLst meth="repeat">
+      <a:schemeClr val="dk1"/>
+    </dgm:txFillClrLst>
+    <dgm:txEffectClrLst/>
+  </dgm:styleLbl>
+  <dgm:styleLbl name="solidAlignAcc1">
+    <dgm:fillClrLst meth="repeat">
+      <a:schemeClr val="lt1"/>
+    </dgm:fillClrLst>
+    <dgm:linClrLst>
+      <a:schemeClr val="accent5"/>
+      <a:schemeClr val="accent6"/>
+    </dgm:linClrLst>
+    <dgm:effectClrLst/>
+    <dgm:txLinClrLst/>
+    <dgm:txFillClrLst meth="repeat">
+      <a:schemeClr val="dk1"/>
+    </dgm:txFillClrLst>
+    <dgm:txEffectClrLst/>
+  </dgm:styleLbl>
+  <dgm:styleLbl name="solidBgAcc1">
+    <dgm:fillClrLst meth="repeat">
+      <a:schemeClr val="lt1"/>
+    </dgm:fillClrLst>
+    <dgm:linClrLst>
+      <a:schemeClr val="accent5"/>
+      <a:schemeClr val="accent6"/>
+    </dgm:linClrLst>
+    <dgm:effectClrLst/>
+    <dgm:txLinClrLst/>
+    <dgm:txFillClrLst meth="repeat">
+      <a:schemeClr val="dk1"/>
+    </dgm:txFillClrLst>
+    <dgm:txEffectClrLst/>
+  </dgm:styleLbl>
+  <dgm:styleLbl name="fgAccFollowNode1">
+    <dgm:fillClrLst>
+      <a:schemeClr val="accent5">
+        <a:tint val="40000"/>
+        <a:alpha val="90000"/>
+      </a:schemeClr>
+      <a:schemeClr val="accent6">
+        <a:tint val="40000"/>
+        <a:alpha val="90000"/>
+      </a:schemeClr>
+    </dgm:fillClrLst>
+    <dgm:linClrLst>
+      <a:schemeClr val="accent5">
+        <a:tint val="40000"/>
+        <a:alpha val="90000"/>
+      </a:schemeClr>
+      <a:schemeClr val="accent5">
+        <a:tint val="40000"/>
+        <a:alpha val="90000"/>
+      </a:schemeClr>
+    </dgm:linClrLst>
+    <dgm:effectClrLst/>
+    <dgm:txLinClrLst/>
+    <dgm:txFillClrLst meth="repeat">
+      <a:schemeClr val="dk1"/>
+    </dgm:txFillClrLst>
+    <dgm:txEffectClrLst/>
+  </dgm:styleLbl>
+  <dgm:styleLbl name="alignAccFollowNode1">
+    <dgm:fillClrLst>
+      <a:schemeClr val="accent5">
+        <a:tint val="40000"/>
+        <a:alpha val="90000"/>
+      </a:schemeClr>
+      <a:schemeClr val="accent6">
+        <a:tint val="40000"/>
+        <a:alpha val="90000"/>
+      </a:schemeClr>
+    </dgm:fillClrLst>
+    <dgm:linClrLst>
+      <a:schemeClr val="accent5">
+        <a:tint val="40000"/>
+        <a:alpha val="90000"/>
+      </a:schemeClr>
+      <a:schemeClr val="accent6">
+        <a:tint val="40000"/>
+        <a:alpha val="90000"/>
+      </a:schemeClr>
+    </dgm:linClrLst>
+    <dgm:effectClrLst/>
+    <dgm:txLinClrLst/>
+    <dgm:txFillClrLst meth="repeat">
+      <a:schemeClr val="dk1"/>
+    </dgm:txFillClrLst>
+    <dgm:txEffectClrLst/>
+  </dgm:styleLbl>
+  <dgm:styleLbl name="bgAccFollowNode1">
+    <dgm:fillClrLst>
+      <a:schemeClr val="accent5">
+        <a:tint val="40000"/>
+        <a:alpha val="90000"/>
+      </a:schemeClr>
+      <a:schemeClr val="accent6">
+        <a:tint val="40000"/>
+        <a:alpha val="90000"/>
+      </a:schemeClr>
+    </dgm:fillClrLst>
+    <dgm:linClrLst>
+      <a:schemeClr val="accent5">
+        <a:tint val="40000"/>
+        <a:alpha val="90000"/>
+      </a:schemeClr>
+      <a:schemeClr val="accent6">
+        <a:tint val="40000"/>
+        <a:alpha val="90000"/>
+      </a:schemeClr>
+    </dgm:linClrLst>
+    <dgm:effectClrLst/>
+    <dgm:txLinClrLst/>
+    <dgm:txFillClrLst meth="repeat">
+      <a:schemeClr val="dk1"/>
+    </dgm:txFillClrLst>
+    <dgm:txEffectClrLst/>
+  </dgm:styleLbl>
+  <dgm:styleLbl name="fgAcc0">
+    <dgm:fillClrLst meth="repeat">
+      <a:schemeClr val="lt1">
+        <a:alpha val="90000"/>
+      </a:schemeClr>
+    </dgm:fillClrLst>
+    <dgm:linClrLst>
+      <a:schemeClr val="accent4"/>
+    </dgm:linClrLst>
+    <dgm:effectClrLst/>
+    <dgm:txLinClrLst/>
+    <dgm:txFillClrLst meth="repeat">
+      <a:schemeClr val="dk1"/>
+    </dgm:txFillClrLst>
+    <dgm:txEffectClrLst/>
+  </dgm:styleLbl>
+  <dgm:styleLbl name="fgAcc2">
+    <dgm:fillClrLst meth="repeat">
+      <a:schemeClr val="lt1">
+        <a:alpha val="90000"/>
+      </a:schemeClr>
+    </dgm:fillClrLst>
+    <dgm:linClrLst>
+      <a:schemeClr val="accent6"/>
+    </dgm:linClrLst>
+    <dgm:effectClrLst/>
+    <dgm:txLinClrLst/>
+    <dgm:txFillClrLst meth="repeat">
+      <a:schemeClr val="dk1"/>
+    </dgm:txFillClrLst>
+    <dgm:txEffectClrLst/>
+  </dgm:styleLbl>
+  <dgm:styleLbl name="fgAcc3">
+    <dgm:fillClrLst meth="repeat">
+      <a:schemeClr val="lt1">
+        <a:alpha val="90000"/>
+      </a:schemeClr>
+    </dgm:fillClrLst>
+    <dgm:linClrLst>
+      <a:schemeClr val="accent1"/>
+    </dgm:linClrLst>
+    <dgm:effectClrLst/>
+    <dgm:txLinClrLst/>
+    <dgm:txFillClrLst meth="repeat">
+      <a:schemeClr val="dk1"/>
+    </dgm:txFillClrLst>
+    <dgm:txEffectClrLst/>
+  </dgm:styleLbl>
+  <dgm:styleLbl name="fgAcc4">
+    <dgm:fillClrLst meth="repeat">
+      <a:schemeClr val="lt1">
+        <a:alpha val="90000"/>
+      </a:schemeClr>
+    </dgm:fillClrLst>
+    <dgm:linClrLst>
+      <a:schemeClr val="accent2"/>
+    </dgm:linClrLst>
+    <dgm:effectClrLst/>
+    <dgm:txLinClrLst/>
+    <dgm:txFillClrLst meth="repeat">
+      <a:schemeClr val="dk1"/>
+    </dgm:txFillClrLst>
+    <dgm:txEffectClrLst/>
+  </dgm:styleLbl>
+  <dgm:styleLbl name="bgShp">
+    <dgm:fillClrLst meth="repeat">
+      <a:schemeClr val="accent5">
+        <a:tint val="40000"/>
+      </a:schemeClr>
+    </dgm:fillClrLst>
+    <dgm:linClrLst meth="repeat">
+      <a:schemeClr val="dk1"/>
+    </dgm:linClrLst>
+    <dgm:effectClrLst/>
+    <dgm:txLinClrLst/>
+    <dgm:txFillClrLst meth="repeat">
+      <a:schemeClr val="dk1"/>
+    </dgm:txFillClrLst>
+    <dgm:txEffectClrLst/>
+  </dgm:styleLbl>
+  <dgm:styleLbl name="dkBgShp">
+    <dgm:fillClrLst meth="repeat">
+      <a:schemeClr val="accent5">
+        <a:shade val="90000"/>
+      </a:schemeClr>
+    </dgm:fillClrLst>
+    <dgm:linClrLst meth="repeat">
+      <a:schemeClr val="dk1"/>
+    </dgm:linClrLst>
+    <dgm:effectClrLst/>
+    <dgm:txLinClrLst/>
+    <dgm:txFillClrLst meth="repeat">
+      <a:schemeClr val="lt1"/>
+    </dgm:txFillClrLst>
+    <dgm:txEffectClrLst/>
+  </dgm:styleLbl>
+  <dgm:styleLbl name="trBgShp">
+    <dgm:fillClrLst meth="repeat">
+      <a:schemeClr val="accent5">
+        <a:tint val="50000"/>
+        <a:alpha val="40000"/>
+      </a:schemeClr>
+    </dgm:fillClrLst>
+    <dgm:linClrLst meth="repeat">
+      <a:schemeClr val="accent5"/>
+    </dgm:linClrLst>
+    <dgm:effectClrLst/>
+    <dgm:txLinClrLst/>
+    <dgm:txFillClrLst meth="repeat">
+      <a:schemeClr val="lt1"/>
+    </dgm:txFillClrLst>
+    <dgm:txEffectClrLst/>
+  </dgm:styleLbl>
+  <dgm:styleLbl name="fgShp">
+    <dgm:fillClrLst meth="repeat">
+      <a:schemeClr val="accent5">
+        <a:tint val="40000"/>
+      </a:schemeClr>
+    </dgm:fillClrLst>
+    <dgm:linClrLst meth="repeat">
+      <a:schemeClr val="lt1"/>
+    </dgm:linClrLst>
+    <dgm:effectClrLst/>
+    <dgm:txLinClrLst/>
+    <dgm:txFillClrLst meth="repeat">
+      <a:schemeClr val="dk1"/>
+    </dgm:txFillClrLst>
+    <dgm:txEffectClrLst/>
+  </dgm:styleLbl>
+  <dgm:styleLbl name="revTx">
+    <dgm:fillClrLst meth="repeat">
+      <a:schemeClr val="lt1">
+        <a:alpha val="0"/>
+      </a:schemeClr>
+    </dgm:fillClrLst>
+    <dgm:linClrLst meth="repeat">
+      <a:schemeClr val="dk1">
+        <a:alpha val="0"/>
+      </a:schemeClr>
+    </dgm:linClrLst>
+    <dgm:effectClrLst/>
+    <dgm:txLinClrLst/>
+    <dgm:txFillClrLst meth="repeat">
+      <a:schemeClr val="tx1"/>
+    </dgm:txFillClrLst>
+    <dgm:txEffectClrLst/>
+  </dgm:styleLbl>
+</dgm:colorsDef>
+</file>
+
+<file path=ppt/diagrams/colors2.xml><?xml version="1.0" encoding="utf-8"?>
+<dgm:colorsDef xmlns:dgm="http://schemas.openxmlformats.org/drawingml/2006/diagram" xmlns:a="http://schemas.openxmlformats.org/drawingml/2006/main" uniqueId="urn:microsoft.com/office/officeart/2005/8/colors/colorful1">
+  <dgm:title val=""/>
+  <dgm:desc val=""/>
+  <dgm:catLst>
+    <dgm:cat type="colorful" pri="10100"/>
+  </dgm:catLst>
+  <dgm:styleLbl name="node0">
+    <dgm:fillClrLst meth="repeat">
+      <a:schemeClr val="accent1"/>
+    </dgm:fillClrLst>
+    <dgm:linClrLst meth="repeat">
+      <a:schemeClr val="lt1"/>
+    </dgm:linClrLst>
+    <dgm:effectClrLst/>
+    <dgm:txLinClrLst/>
+    <dgm:txFillClrLst/>
+    <dgm:txEffectClrLst/>
+  </dgm:styleLbl>
+  <dgm:styleLbl name="node1">
+    <dgm:fillClrLst meth="repeat">
+      <a:schemeClr val="accent2"/>
+      <a:schemeClr val="accent3"/>
+      <a:schemeClr val="accent4"/>
+      <a:schemeClr val="accent5"/>
+      <a:schemeClr val="accent6"/>
+    </dgm:fillClrLst>
+    <dgm:linClrLst meth="repeat">
+      <a:schemeClr val="lt1"/>
+    </dgm:linClrLst>
+    <dgm:effectClrLst/>
+    <dgm:txLinClrLst/>
+    <dgm:txFillClrLst/>
+    <dgm:txEffectClrLst/>
+  </dgm:styleLbl>
+  <dgm:styleLbl name="alignNode1">
+    <dgm:fillClrLst meth="repeat">
+      <a:schemeClr val="accent2"/>
+      <a:schemeClr val="accent3"/>
+      <a:schemeClr val="accent4"/>
+      <a:schemeClr val="accent5"/>
+      <a:schemeClr val="accent6"/>
+    </dgm:fillClrLst>
+    <dgm:linClrLst meth="repeat">
+      <a:schemeClr val="accent2"/>
+      <a:schemeClr val="accent3"/>
+      <a:schemeClr val="accent4"/>
+      <a:schemeClr val="accent5"/>
+      <a:schemeClr val="accent6"/>
+    </dgm:linClrLst>
+    <dgm:effectClrLst/>
+    <dgm:txLinClrLst/>
+    <dgm:txFillClrLst/>
+    <dgm:txEffectClrLst/>
+  </dgm:styleLbl>
+  <dgm:styleLbl name="lnNode1">
+    <dgm:fillClrLst meth="repeat">
+      <a:schemeClr val="accent2"/>
+      <a:schemeClr val="accent3"/>
+      <a:schemeClr val="accent4"/>
+      <a:schemeClr val="accent5"/>
+      <a:schemeClr val="accent6"/>
+    </dgm:fillClrLst>
+    <dgm:linClrLst meth="repeat">
+      <a:schemeClr val="lt1"/>
+    </dgm:linClrLst>
+    <dgm:effectClrLst/>
+    <dgm:txLinClrLst/>
+    <dgm:txFillClrLst/>
+    <dgm:txEffectClrLst/>
+  </dgm:styleLbl>
+  <dgm:styleLbl name="vennNode1">
+    <dgm:fillClrLst meth="repeat">
+      <a:schemeClr val="accent2">
+        <a:alpha val="50000"/>
+      </a:schemeClr>
+      <a:schemeClr val="accent3">
+        <a:alpha val="50000"/>
+      </a:schemeClr>
+      <a:schemeClr val="accent4">
+        <a:alpha val="50000"/>
+      </a:schemeClr>
+      <a:schemeClr val="accent5">
+        <a:alpha val="50000"/>
+      </a:schemeClr>
+      <a:schemeClr val="accent6">
+        <a:alpha val="50000"/>
+      </a:schemeClr>
+    </dgm:fillClrLst>
+    <dgm:linClrLst meth="repeat">
+      <a:schemeClr val="lt1"/>
+    </dgm:linClrLst>
+    <dgm:effectClrLst/>
+    <dgm:txLinClrLst/>
+    <dgm:txFillClrLst/>
+    <dgm:txEffectClrLst/>
+  </dgm:styleLbl>
+  <dgm:styleLbl name="node2">
+    <dgm:fillClrLst>
+      <a:schemeClr val="accent2"/>
+    </dgm:fillClrLst>
+    <dgm:linClrLst meth="repeat">
+      <a:schemeClr val="lt1"/>
+    </dgm:linClrLst>
+    <dgm:effectClrLst/>
+    <dgm:txLinClrLst/>
+    <dgm:txFillClrLst/>
+    <dgm:txEffectClrLst/>
+  </dgm:styleLbl>
+  <dgm:styleLbl name="node3">
+    <dgm:fillClrLst>
+      <a:schemeClr val="accent3"/>
+    </dgm:fillClrLst>
+    <dgm:linClrLst meth="repeat">
+      <a:schemeClr val="lt1"/>
+    </dgm:linClrLst>
+    <dgm:effectClrLst/>
+    <dgm:txLinClrLst/>
+    <dgm:txFillClrLst/>
+    <dgm:txEffectClrLst/>
+  </dgm:styleLbl>
+  <dgm:styleLbl name="node4">
+    <dgm:fillClrLst>
+      <a:schemeClr val="accent4"/>
+    </dgm:fillClrLst>
+    <dgm:linClrLst meth="repeat">
+      <a:schemeClr val="lt1"/>
+    </dgm:linClrLst>
+    <dgm:effectClrLst/>
+    <dgm:txLinClrLst/>
+    <dgm:txFillClrLst/>
+    <dgm:txEffectClrLst/>
+  </dgm:styleLbl>
+  <dgm:styleLbl name="fgImgPlace1">
+    <dgm:fillClrLst meth="repeat">
+      <a:schemeClr val="accent2">
+        <a:tint val="50000"/>
+      </a:schemeClr>
+      <a:schemeClr val="accent3">
+        <a:tint val="50000"/>
+      </a:schemeClr>
+      <a:schemeClr val="accent4">
+        <a:tint val="50000"/>
+      </a:schemeClr>
+      <a:schemeClr val="accent5">
+        <a:tint val="50000"/>
+      </a:schemeClr>
+      <a:schemeClr val="accent6">
+        <a:tint val="50000"/>
+      </a:schemeClr>
+    </dgm:fillClrLst>
+    <dgm:linClrLst meth="repeat">
+      <a:schemeClr val="lt1"/>
+    </dgm:linClrLst>
+    <dgm:effectClrLst/>
+    <dgm:txLinClrLst/>
+    <dgm:txFillClrLst meth="repeat">
+      <a:schemeClr val="lt1"/>
+    </dgm:txFillClrLst>
+    <dgm:txEffectClrLst/>
+  </dgm:styleLbl>
+  <dgm:styleLbl name="alignImgPlace1">
+    <dgm:fillClrLst>
+      <a:schemeClr val="accent1">
+        <a:tint val="50000"/>
+      </a:schemeClr>
+      <a:schemeClr val="accent2">
+        <a:tint val="20000"/>
+      </a:schemeClr>
+    </dgm:fillClrLst>
+    <dgm:linClrLst meth="repeat">
+      <a:schemeClr val="lt1"/>
+    </dgm:linClrLst>
+    <dgm:effectClrLst/>
+    <dgm:txLinClrLst/>
+    <dgm:txFillClrLst meth="repeat">
+      <a:schemeClr val="lt1"/>
+    </dgm:txFillClrLst>
+    <dgm:txEffectClrLst/>
+  </dgm:styleLbl>
+  <dgm:styleLbl name="bgImgPlace1">
+    <dgm:fillClrLst>
+      <a:schemeClr val="accent1">
+        <a:tint val="50000"/>
+      </a:schemeClr>
+      <a:schemeClr val="accent2">
+        <a:tint val="20000"/>
+      </a:schemeClr>
+    </dgm:fillClrLst>
+    <dgm:linClrLst meth="repeat">
+      <a:schemeClr val="lt1"/>
+    </dgm:linClrLst>
+    <dgm:effectClrLst/>
+    <dgm:txLinClrLst/>
+    <dgm:txFillClrLst meth="repeat">
+      <a:schemeClr val="lt1"/>
+    </dgm:txFillClrLst>
+    <dgm:txEffectClrLst/>
+  </dgm:styleLbl>
+  <dgm:styleLbl name="sibTrans2D1">
+    <dgm:fillClrLst meth="repeat">
+      <a:schemeClr val="accent2"/>
+      <a:schemeClr val="accent3"/>
+      <a:schemeClr val="accent4"/>
+      <a:schemeClr val="accent5"/>
+      <a:schemeClr val="accent6"/>
+    </dgm:fillClrLst>
+    <dgm:linClrLst meth="cycle">
+      <a:schemeClr val="lt1"/>
+    </dgm:linClrLst>
+    <dgm:effectClrLst/>
+    <dgm:txLinClrLst/>
+    <dgm:txFillClrLst/>
+    <dgm:txEffectClrLst/>
+  </dgm:styleLbl>
+  <dgm:styleLbl name="fgSibTrans2D1">
+    <dgm:fillClrLst meth="repeat">
+      <a:schemeClr val="accent2"/>
+      <a:schemeClr val="accent3"/>
+      <a:schemeClr val="accent4"/>
+      <a:schemeClr val="accent5"/>
+      <a:schemeClr val="accent6"/>
+    </dgm:fillClrLst>
+    <dgm:linClrLst meth="cycle">
+      <a:schemeClr val="lt1"/>
+    </dgm:linClrLst>
+    <dgm:effectClrLst/>
+    <dgm:txLinClrLst/>
+    <dgm:txFillClrLst meth="repeat">
+      <a:schemeClr val="lt1"/>
+    </dgm:txFillClrLst>
+    <dgm:txEffectClrLst/>
+  </dgm:styleLbl>
+  <dgm:styleLbl name="bgSibTrans2D1">
+    <dgm:fillClrLst meth="repeat">
+      <a:schemeClr val="accent2"/>
+      <a:schemeClr val="accent3"/>
+      <a:schemeClr val="accent4"/>
+      <a:schemeClr val="accent5"/>
+      <a:schemeClr val="accent6"/>
+    </dgm:fillClrLst>
+    <dgm:linClrLst meth="cycle">
+      <a:schemeClr val="lt1"/>
+    </dgm:linClrLst>
+    <dgm:effectClrLst/>
+    <dgm:txLinClrLst/>
+    <dgm:txFillClrLst meth="repeat">
+      <a:schemeClr val="lt1"/>
+    </dgm:txFillClrLst>
+    <dgm:txEffectClrLst/>
+  </dgm:styleLbl>
+  <dgm:styleLbl name="sibTrans1D1">
+    <dgm:fillClrLst meth="repeat">
+      <a:schemeClr val="accent2"/>
+      <a:schemeClr val="accent3"/>
+      <a:schemeClr val="accent4"/>
+      <a:schemeClr val="accent5"/>
+      <a:schemeClr val="accent6"/>
+    </dgm:fillClrLst>
+    <dgm:linClrLst meth="repeat">
+      <a:schemeClr val="accent2"/>
+      <a:schemeClr val="accent3"/>
+      <a:schemeClr val="accent4"/>
+      <a:schemeClr val="accent5"/>
+      <a:schemeClr val="accent6"/>
+    </dgm:linClrLst>
+    <dgm:effectClrLst/>
+    <dgm:txLinClrLst/>
+    <dgm:txFillClrLst meth="repeat">
+      <a:schemeClr val="tx1"/>
+    </dgm:txFillClrLst>
+    <dgm:txEffectClrLst/>
+  </dgm:styleLbl>
+  <dgm:styleLbl name="callout">
+    <dgm:fillClrLst meth="repeat">
+      <a:schemeClr val="accent2"/>
+    </dgm:fillClrLst>
+    <dgm:linClrLst meth="repeat">
+      <a:schemeClr val="accent2">
+        <a:tint val="50000"/>
+      </a:schemeClr>
+    </dgm:linClrLst>
+    <dgm:effectClrLst/>
+    <dgm:txLinClrLst/>
+    <dgm:txFillClrLst meth="repeat">
+      <a:schemeClr val="tx1"/>
+    </dgm:txFillClrLst>
+    <dgm:txEffectClrLst/>
+  </dgm:styleLbl>
+  <dgm:styleLbl name="asst0">
+    <dgm:fillClrLst meth="repeat">
+      <a:schemeClr val="accent1"/>
+    </dgm:fillClrLst>
+    <dgm:linClrLst meth="repeat">
+      <a:schemeClr val="lt1"/>
+    </dgm:linClrLst>
+    <dgm:effectClrLst/>
+    <dgm:txLinClrLst/>
+    <dgm:txFillClrLst/>
+    <dgm:txEffectClrLst/>
+  </dgm:styleLbl>
+  <dgm:styleLbl name="asst1">
+    <dgm:fillClrLst meth="repeat">
+      <a:schemeClr val="accent2"/>
+    </dgm:fillClrLst>
+    <dgm:linClrLst meth="repeat">
+      <a:schemeClr val="lt1"/>
+    </dgm:linClrLst>
+    <dgm:effectClrLst/>
+    <dgm:txLinClrLst/>
+    <dgm:txFillClrLst/>
+    <dgm:txEffectClrLst/>
+  </dgm:styleLbl>
+  <dgm:styleLbl name="asst2">
+    <dgm:fillClrLst>
+      <a:schemeClr val="accent3"/>
+    </dgm:fillClrLst>
+    <dgm:linClrLst meth="repeat">
+      <a:schemeClr val="lt1"/>
+    </dgm:linClrLst>
+    <dgm:effectClrLst/>
+    <dgm:txLinClrLst/>
+    <dgm:txFillClrLst/>
+    <dgm:txEffectClrLst/>
+  </dgm:styleLbl>
+  <dgm:styleLbl name="asst3">
+    <dgm:fillClrLst>
+      <a:schemeClr val="accent4"/>
+    </dgm:fillClrLst>
+    <dgm:linClrLst meth="repeat">
+      <a:schemeClr val="lt1"/>
+    </dgm:linClrLst>
+    <dgm:effectClrLst/>
+    <dgm:txLinClrLst/>
+    <dgm:txFillClrLst/>
+    <dgm:txEffectClrLst/>
+  </dgm:styleLbl>
+  <dgm:styleLbl name="asst4">
+    <dgm:fillClrLst>
+      <a:schemeClr val="accent5"/>
+    </dgm:fillClrLst>
+    <dgm:linClrLst meth="repeat">
+      <a:schemeClr val="lt1"/>
+    </dgm:linClrLst>
+    <dgm:effectClrLst/>
+    <dgm:txLinClrLst/>
+    <dgm:txFillClrLst/>
+    <dgm:txEffectClrLst/>
+  </dgm:styleLbl>
+  <dgm:styleLbl name="parChTrans2D1">
+    <dgm:fillClrLst meth="repeat">
+      <a:schemeClr val="accent2"/>
+    </dgm:fillClrLst>
+    <dgm:linClrLst meth="repeat">
+      <a:schemeClr val="lt1"/>
+    </dgm:linClrLst>
+    <dgm:effectClrLst/>
+    <dgm:txLinClrLst/>
+    <dgm:txFillClrLst meth="repeat">
+      <a:schemeClr val="lt1"/>
+    </dgm:txFillClrLst>
+    <dgm:txEffectClrLst/>
+  </dgm:styleLbl>
+  <dgm:styleLbl name="parChTrans2D2">
+    <dgm:fillClrLst meth="repeat">
+      <a:schemeClr val="accent3"/>
+    </dgm:fillClrLst>
+    <dgm:linClrLst meth="repeat">
+      <a:schemeClr val="lt1"/>
+    </dgm:linClrLst>
+    <dgm:effectClrLst/>
+    <dgm:txLinClrLst/>
+    <dgm:txFillClrLst/>
+    <dgm:txEffectClrLst/>
+  </dgm:styleLbl>
+  <dgm:styleLbl name="parChTrans2D3">
+    <dgm:fillClrLst meth="repeat">
+      <a:schemeClr val="accent4"/>
+    </dgm:fillClrLst>
+    <dgm:linClrLst meth="repeat">
+      <a:schemeClr val="lt1"/>
+    </dgm:linClrLst>
+    <dgm:effectClrLst/>
+    <dgm:txLinClrLst/>
+    <dgm:txFillClrLst/>
+    <dgm:txEffectClrLst/>
+  </dgm:styleLbl>
+  <dgm:styleLbl name="parChTrans2D4">
+    <dgm:fillClrLst meth="repeat">
+      <a:schemeClr val="accent5"/>
+    </dgm:fillClrLst>
+    <dgm:linClrLst meth="repeat">
+      <a:schemeClr val="lt1"/>
+    </dgm:linClrLst>
+    <dgm:effectClrLst/>
+    <dgm:txLinClrLst/>
+    <dgm:txFillClrLst meth="repeat">
+      <a:schemeClr val="lt1"/>
+    </dgm:txFillClrLst>
+    <dgm:txEffectClrLst/>
+  </dgm:styleLbl>
+  <dgm:styleLbl name="parChTrans1D1">
+    <dgm:fillClrLst meth="repeat">
+      <a:schemeClr val="accent2"/>
+    </dgm:fillClrLst>
+    <dgm:linClrLst meth="repeat">
+      <a:schemeClr val="accent1"/>
+    </dgm:linClrLst>
+    <dgm:effectClrLst/>
+    <dgm:txLinClrLst/>
+    <dgm:txFillClrLst meth="repeat">
+      <a:schemeClr val="tx1"/>
+    </dgm:txFillClrLst>
+    <dgm:txEffectClrLst/>
+  </dgm:styleLbl>
+  <dgm:styleLbl name="parChTrans1D2">
+    <dgm:fillClrLst meth="repeat">
+      <a:schemeClr val="accent3">
+        <a:tint val="90000"/>
+      </a:schemeClr>
+    </dgm:fillClrLst>
+    <dgm:linClrLst meth="repeat">
+      <a:schemeClr val="accent2"/>
+    </dgm:linClrLst>
+    <dgm:effectClrLst/>
+    <dgm:txLinClrLst/>
+    <dgm:txFillClrLst meth="repeat">
+      <a:schemeClr val="tx1"/>
+    </dgm:txFillClrLst>
+    <dgm:txEffectClrLst/>
+  </dgm:styleLbl>
+  <dgm:styleLbl name="parChTrans1D3">
+    <dgm:fillClrLst meth="repeat">
+      <a:schemeClr val="accent4">
+        <a:tint val="70000"/>
+      </a:schemeClr>
+    </dgm:fillClrLst>
+    <dgm:linClrLst meth="repeat">
+      <a:schemeClr val="accent3"/>
+    </dgm:linClrLst>
+    <dgm:effectClrLst/>
+    <dgm:txLinClrLst/>
+    <dgm:txFillClrLst meth="repeat">
+      <a:schemeClr val="tx1"/>
+    </dgm:txFillClrLst>
+    <dgm:txEffectClrLst/>
+  </dgm:styleLbl>
+  <dgm:styleLbl name="parChTrans1D4">
+    <dgm:fillClrLst meth="repeat">
+      <a:schemeClr val="accent5">
+        <a:tint val="50000"/>
+      </a:schemeClr>
+    </dgm:fillClrLst>
+    <dgm:linClrLst meth="repeat">
+      <a:schemeClr val="accent4"/>
+    </dgm:linClrLst>
+    <dgm:effectClrLst/>
+    <dgm:txLinClrLst/>
+    <dgm:txFillClrLst meth="repeat">
+      <a:schemeClr val="tx1"/>
+    </dgm:txFillClrLst>
+    <dgm:txEffectClrLst/>
+  </dgm:styleLbl>
+  <dgm:styleLbl name="fgAcc1">
+    <dgm:fillClrLst meth="repeat">
+      <a:schemeClr val="lt1">
+        <a:alpha val="90000"/>
+      </a:schemeClr>
+    </dgm:fillClrLst>
+    <dgm:linClrLst meth="repeat">
+      <a:schemeClr val="accent2"/>
+      <a:schemeClr val="accent3"/>
+      <a:schemeClr val="accent4"/>
+      <a:schemeClr val="accent5"/>
+      <a:schemeClr val="accent6"/>
+    </dgm:linClrLst>
+    <dgm:effectClrLst/>
+    <dgm:txLinClrLst/>
+    <dgm:txFillClrLst meth="repeat">
+      <a:schemeClr val="dk1"/>
+    </dgm:txFillClrLst>
+    <dgm:txEffectClrLst/>
+  </dgm:styleLbl>
+  <dgm:styleLbl name="conFgAcc1">
+    <dgm:fillClrLst meth="repeat">
+      <a:schemeClr val="lt1">
+        <a:alpha val="90000"/>
+      </a:schemeClr>
+    </dgm:fillClrLst>
+    <dgm:linClrLst meth="repeat">
+      <a:schemeClr val="accent2"/>
+      <a:schemeClr val="accent3"/>
+      <a:schemeClr val="accent4"/>
+      <a:schemeClr val="accent5"/>
+      <a:schemeClr val="accent6"/>
+    </dgm:linClrLst>
+    <dgm:effectClrLst/>
+    <dgm:txLinClrLst/>
+    <dgm:txFillClrLst meth="repeat">
+      <a:schemeClr val="dk1"/>
+    </dgm:txFillClrLst>
+    <dgm:txEffectClrLst/>
+  </dgm:styleLbl>
+  <dgm:styleLbl name="alignAcc1">
+    <dgm:fillClrLst meth="repeat">
+      <a:schemeClr val="lt1">
+        <a:alpha val="90000"/>
+      </a:schemeClr>
+    </dgm:fillClrLst>
+    <dgm:linClrLst meth="repeat">
+      <a:schemeClr val="accent2"/>
+      <a:schemeClr val="accent3"/>
+      <a:schemeClr val="accent4"/>
+      <a:schemeClr val="accent5"/>
+      <a:schemeClr val="accent6"/>
+    </dgm:linClrLst>
+    <dgm:effectClrLst/>
+    <dgm:txLinClrLst/>
+    <dgm:txFillClrLst meth="repeat">
+      <a:schemeClr val="dk1"/>
+    </dgm:txFillClrLst>
+    <dgm:txEffectClrLst/>
+  </dgm:styleLbl>
+  <dgm:styleLbl name="trAlignAcc1">
+    <dgm:fillClrLst meth="repeat">
+      <a:schemeClr val="lt1">
+        <a:alpha val="40000"/>
+      </a:schemeClr>
+    </dgm:fillClrLst>
+    <dgm:linClrLst meth="repeat">
+      <a:schemeClr val="accent1"/>
+    </dgm:linClrLst>
+    <dgm:effectClrLst/>
+    <dgm:txLinClrLst/>
+    <dgm:txFillClrLst meth="repeat">
+      <a:schemeClr val="dk1"/>
+    </dgm:txFillClrLst>
+    <dgm:txEffectClrLst/>
+  </dgm:styleLbl>
+  <dgm:styleLbl name="bgAcc1">
+    <dgm:fillClrLst meth="repeat">
+      <a:schemeClr val="lt1">
+        <a:alpha val="90000"/>
+      </a:schemeClr>
+    </dgm:fillClrLst>
+    <dgm:linClrLst meth="repeat">
+      <a:schemeClr val="accent2"/>
+      <a:schemeClr val="accent3"/>
+      <a:schemeClr val="accent4"/>
+      <a:schemeClr val="accent5"/>
+      <a:schemeClr val="accent6"/>
+    </dgm:linClrLst>
+    <dgm:effectClrLst/>
+    <dgm:txLinClrLst/>
+    <dgm:txFillClrLst meth="repeat">
+      <a:schemeClr val="dk1"/>
+    </dgm:txFillClrLst>
+    <dgm:txEffectClrLst/>
+  </dgm:styleLbl>
+  <dgm:styleLbl name="solidFgAcc1">
+    <dgm:fillClrLst meth="repeat">
+      <a:schemeClr val="lt1"/>
+    </dgm:fillClrLst>
+    <dgm:linClrLst meth="repeat">
+      <a:schemeClr val="accent2"/>
+      <a:schemeClr val="accent3"/>
+      <a:schemeClr val="accent4"/>
+      <a:schemeClr val="accent5"/>
+      <a:schemeClr val="accent6"/>
+    </dgm:linClrLst>
+    <dgm:effectClrLst/>
+    <dgm:txLinClrLst/>
+    <dgm:txFillClrLst meth="repeat">
+      <a:schemeClr val="dk1"/>
+    </dgm:txFillClrLst>
+    <dgm:txEffectClrLst/>
+  </dgm:styleLbl>
+  <dgm:styleLbl name="solidAlignAcc1">
+    <dgm:fillClrLst meth="repeat">
+      <a:schemeClr val="lt1"/>
+    </dgm:fillClrLst>
+    <dgm:linClrLst meth="repeat">
+      <a:schemeClr val="accent2"/>
+      <a:schemeClr val="accent3"/>
+      <a:schemeClr val="accent4"/>
+      <a:schemeClr val="accent5"/>
+      <a:schemeClr val="accent6"/>
+    </dgm:linClrLst>
+    <dgm:effectClrLst/>
+    <dgm:txLinClrLst/>
+    <dgm:txFillClrLst meth="repeat">
+      <a:schemeClr val="dk1"/>
+    </dgm:txFillClrLst>
+    <dgm:txEffectClrLst/>
+  </dgm:styleLbl>
+  <dgm:styleLbl name="solidBgAcc1">
+    <dgm:fillClrLst meth="repeat">
+      <a:schemeClr val="lt1"/>
+    </dgm:fillClrLst>
+    <dgm:linClrLst meth="repeat">
+      <a:schemeClr val="accent2"/>
+      <a:schemeClr val="accent3"/>
+      <a:schemeClr val="accent4"/>
+      <a:schemeClr val="accent5"/>
+      <a:schemeClr val="accent6"/>
+    </dgm:linClrLst>
+    <dgm:effectClrLst/>
+    <dgm:txLinClrLst/>
+    <dgm:txFillClrLst meth="repeat">
+      <a:schemeClr val="dk1"/>
+    </dgm:txFillClrLst>
+    <dgm:txEffectClrLst/>
+  </dgm:styleLbl>
+  <dgm:styleLbl name="fgAccFollowNode1">
+    <dgm:fillClrLst meth="repeat">
+      <a:schemeClr val="accent2">
+        <a:tint val="40000"/>
+        <a:alpha val="90000"/>
+      </a:schemeClr>
+      <a:schemeClr val="accent3">
+        <a:tint val="40000"/>
+        <a:alpha val="90000"/>
+      </a:schemeClr>
+      <a:schemeClr val="accent4">
+        <a:tint val="40000"/>
+        <a:alpha val="90000"/>
+      </a:schemeClr>
+      <a:schemeClr val="accent5">
+        <a:tint val="40000"/>
+        <a:alpha val="90000"/>
+      </a:schemeClr>
+      <a:schemeClr val="accent6">
+        <a:tint val="40000"/>
+        <a:alpha val="90000"/>
+      </a:schemeClr>
+    </dgm:fillClrLst>
+    <dgm:linClrLst meth="repeat">
+      <a:schemeClr val="accent2">
+        <a:tint val="40000"/>
+        <a:alpha val="90000"/>
+      </a:schemeClr>
+      <a:schemeClr val="accent3">
+        <a:tint val="40000"/>
+        <a:alpha val="90000"/>
+      </a:schemeClr>
+      <a:schemeClr val="accent4">
+        <a:tint val="40000"/>
+        <a:alpha val="90000"/>
+      </a:schemeClr>
+      <a:schemeClr val="accent5">
+        <a:tint val="40000"/>
+        <a:alpha val="90000"/>
+      </a:schemeClr>
+      <a:schemeClr val="accent6">
+        <a:tint val="40000"/>
+        <a:alpha val="90000"/>
+      </a:schemeClr>
+    </dgm:linClrLst>
+    <dgm:effectClrLst/>
+    <dgm:txLinClrLst/>
+    <dgm:txFillClrLst meth="repeat">
+      <a:schemeClr val="dk1"/>
+    </dgm:txFillClrLst>
+    <dgm:txEffectClrLst/>
+  </dgm:styleLbl>
+  <dgm:styleLbl name="alignAccFollowNode1">
+    <dgm:fillClrLst meth="repeat">
+      <a:schemeClr val="accent2">
+        <a:tint val="40000"/>
+        <a:alpha val="90000"/>
+      </a:schemeClr>
+      <a:schemeClr val="accent3">
+        <a:tint val="40000"/>
+        <a:alpha val="90000"/>
+      </a:schemeClr>
+      <a:schemeClr val="accent4">
+        <a:tint val="40000"/>
+        <a:alpha val="90000"/>
+      </a:schemeClr>
+      <a:schemeClr val="accent5">
+        <a:tint val="40000"/>
+        <a:alpha val="90000"/>
+      </a:schemeClr>
+      <a:schemeClr val="accent6">
+        <a:tint val="40000"/>
+        <a:alpha val="90000"/>
+      </a:schemeClr>
+    </dgm:fillClrLst>
+    <dgm:linClrLst meth="repeat">
+      <a:schemeClr val="accent2">
+        <a:tint val="40000"/>
+        <a:alpha val="90000"/>
+      </a:schemeClr>
+      <a:schemeClr val="accent3">
+        <a:tint val="40000"/>
+        <a:alpha val="90000"/>
+      </a:schemeClr>
+      <a:schemeClr val="accent4">
+        <a:tint val="40000"/>
+        <a:alpha val="90000"/>
+      </a:schemeClr>
+      <a:schemeClr val="accent5">
+        <a:tint val="40000"/>
+        <a:alpha val="90000"/>
+      </a:schemeClr>
+      <a:schemeClr val="accent6">
+        <a:tint val="40000"/>
+        <a:alpha val="90000"/>
+      </a:schemeClr>
+    </dgm:linClrLst>
+    <dgm:effectClrLst/>
+    <dgm:txLinClrLst/>
+    <dgm:txFillClrLst meth="repeat">
+      <a:schemeClr val="dk1"/>
+    </dgm:txFillClrLst>
+    <dgm:txEffectClrLst/>
+  </dgm:styleLbl>
+  <dgm:styleLbl name="bgAccFollowNode1">
+    <dgm:fillClrLst meth="repeat">
+      <a:schemeClr val="accent2">
+        <a:tint val="40000"/>
+        <a:alpha val="90000"/>
+      </a:schemeClr>
+      <a:schemeClr val="accent3">
+        <a:tint val="40000"/>
+        <a:alpha val="90000"/>
+      </a:schemeClr>
+      <a:schemeClr val="accent4">
+        <a:tint val="40000"/>
+        <a:alpha val="90000"/>
+      </a:schemeClr>
+      <a:schemeClr val="accent5">
+        <a:tint val="40000"/>
+        <a:alpha val="90000"/>
+      </a:schemeClr>
+      <a:schemeClr val="accent6">
+        <a:tint val="40000"/>
+        <a:alpha val="90000"/>
+      </a:schemeClr>
+    </dgm:fillClrLst>
+    <dgm:linClrLst meth="repeat">
+      <a:schemeClr val="accent2">
+        <a:tint val="40000"/>
+        <a:alpha val="90000"/>
+      </a:schemeClr>
+      <a:schemeClr val="accent3">
+        <a:tint val="40000"/>
+        <a:alpha val="90000"/>
+      </a:schemeClr>
+      <a:schemeClr val="accent4">
+        <a:tint val="40000"/>
+        <a:alpha val="90000"/>
+      </a:schemeClr>
+      <a:schemeClr val="accent5">
+        <a:tint val="40000"/>
+        <a:alpha val="90000"/>
+      </a:schemeClr>
+      <a:schemeClr val="accent6">
+        <a:tint val="40000"/>
+        <a:alpha val="90000"/>
+      </a:schemeClr>
+    </dgm:linClrLst>
+    <dgm:effectClrLst/>
+    <dgm:txLinClrLst/>
+    <dgm:txFillClrLst meth="repeat">
+      <a:schemeClr val="dk1"/>
+    </dgm:txFillClrLst>
+    <dgm:txEffectClrLst/>
+  </dgm:styleLbl>
+  <dgm:styleLbl name="fgAcc0">
+    <dgm:fillClrLst meth="repeat">
+      <a:schemeClr val="lt1">
+        <a:alpha val="90000"/>
+      </a:schemeClr>
+    </dgm:fillClrLst>
+    <dgm:linClrLst>
+      <a:schemeClr val="accent1"/>
+    </dgm:linClrLst>
+    <dgm:effectClrLst/>
+    <dgm:txLinClrLst/>
+    <dgm:txFillClrLst meth="repeat">
+      <a:schemeClr val="dk1"/>
+    </dgm:txFillClrLst>
+    <dgm:txEffectClrLst/>
+  </dgm:styleLbl>
+  <dgm:styleLbl name="fgAcc2">
+    <dgm:fillClrLst meth="repeat">
+      <a:schemeClr val="lt1">
+        <a:alpha val="90000"/>
+      </a:schemeClr>
+    </dgm:fillClrLst>
+    <dgm:linClrLst>
+      <a:schemeClr val="accent2"/>
+    </dgm:linClrLst>
+    <dgm:effectClrLst/>
+    <dgm:txLinClrLst/>
+    <dgm:txFillClrLst meth="repeat">
+      <a:schemeClr val="dk1"/>
+    </dgm:txFillClrLst>
+    <dgm:txEffectClrLst/>
+  </dgm:styleLbl>
+  <dgm:styleLbl name="fgAcc3">
+    <dgm:fillClrLst meth="repeat">
+      <a:schemeClr val="lt1">
+        <a:alpha val="90000"/>
+      </a:schemeClr>
+    </dgm:fillClrLst>
+    <dgm:linClrLst>
+      <a:schemeClr val="accent3"/>
+    </dgm:linClrLst>
+    <dgm:effectClrLst/>
+    <dgm:txLinClrLst/>
+    <dgm:txFillClrLst meth="repeat">
+      <a:schemeClr val="dk1"/>
+    </dgm:txFillClrLst>
+    <dgm:txEffectClrLst/>
+  </dgm:styleLbl>
+  <dgm:styleLbl name="fgAcc4">
+    <dgm:fillClrLst meth="repeat">
+      <a:schemeClr val="lt1">
+        <a:alpha val="90000"/>
+      </a:schemeClr>
+    </dgm:fillClrLst>
+    <dgm:linClrLst>
+      <a:schemeClr val="accent4"/>
+    </dgm:linClrLst>
+    <dgm:effectClrLst/>
+    <dgm:txLinClrLst/>
+    <dgm:txFillClrLst meth="repeat">
+      <a:schemeClr val="dk1"/>
+    </dgm:txFillClrLst>
+    <dgm:txEffectClrLst/>
+  </dgm:styleLbl>
+  <dgm:styleLbl name="bgShp">
+    <dgm:fillClrLst meth="repeat">
+      <a:schemeClr val="accent2">
+        <a:tint val="40000"/>
+      </a:schemeClr>
+    </dgm:fillClrLst>
+    <dgm:linClrLst meth="repeat">
+      <a:schemeClr val="dk1"/>
+    </dgm:linClrLst>
+    <dgm:effectClrLst/>
+    <dgm:txLinClrLst/>
+    <dgm:txFillClrLst meth="repeat">
+      <a:schemeClr val="dk1"/>
+    </dgm:txFillClrLst>
+    <dgm:txEffectClrLst/>
+  </dgm:styleLbl>
+  <dgm:styleLbl name="dkBgShp">
+    <dgm:fillClrLst meth="repeat">
+      <a:schemeClr val="accent2">
+        <a:shade val="90000"/>
+      </a:schemeClr>
+    </dgm:fillClrLst>
+    <dgm:linClrLst meth="repeat">
+      <a:schemeClr val="dk1"/>
+    </dgm:linClrLst>
+    <dgm:effectClrLst/>
+    <dgm:txLinClrLst/>
+    <dgm:txFillClrLst meth="repeat">
+      <a:schemeClr val="lt1"/>
+    </dgm:txFillClrLst>
+    <dgm:txEffectClrLst/>
+  </dgm:styleLbl>
+  <dgm:styleLbl name="trBgShp">
+    <dgm:fillClrLst meth="repeat">
+      <a:schemeClr val="accent1">
+        <a:tint val="50000"/>
+        <a:alpha val="40000"/>
+      </a:schemeClr>
+    </dgm:fillClrLst>
+    <dgm:linClrLst meth="repeat">
+      <a:schemeClr val="accent2"/>
+    </dgm:linClrLst>
+    <dgm:effectClrLst/>
+    <dgm:txLinClrLst/>
+    <dgm:txFillClrLst meth="repeat">
+      <a:schemeClr val="lt1"/>
+    </dgm:txFillClrLst>
+    <dgm:txEffectClrLst/>
+  </dgm:styleLbl>
+  <dgm:styleLbl name="fgShp">
+    <dgm:fillClrLst meth="repeat">
+      <a:schemeClr val="accent2">
+        <a:tint val="40000"/>
+      </a:schemeClr>
+    </dgm:fillClrLst>
+    <dgm:linClrLst meth="repeat">
+      <a:schemeClr val="lt1"/>
+    </dgm:linClrLst>
+    <dgm:effectClrLst/>
+    <dgm:txLinClrLst/>
+    <dgm:txFillClrLst meth="repeat">
+      <a:schemeClr val="dk1"/>
+    </dgm:txFillClrLst>
+    <dgm:txEffectClrLst/>
+  </dgm:styleLbl>
+  <dgm:styleLbl name="revTx">
+    <dgm:fillClrLst meth="repeat">
+      <a:schemeClr val="lt1">
+        <a:alpha val="0"/>
+      </a:schemeClr>
+    </dgm:fillClrLst>
+    <dgm:linClrLst meth="repeat">
+      <a:schemeClr val="dk1">
+        <a:alpha val="0"/>
+      </a:schemeClr>
+    </dgm:linClrLst>
+    <dgm:effectClrLst/>
+    <dgm:txLinClrLst/>
+    <dgm:txFillClrLst meth="repeat">
+      <a:schemeClr val="tx1"/>
+    </dgm:txFillClrLst>
+    <dgm:txEffectClrLst/>
+  </dgm:styleLbl>
+</dgm:colorsDef>
+</file>
+
+<file path=ppt/diagrams/data1.xml><?xml version="1.0" encoding="utf-8"?>
+<dgm:dataModel xmlns:dgm="http://schemas.openxmlformats.org/drawingml/2006/diagram" xmlns:a="http://schemas.openxmlformats.org/drawingml/2006/main">
+  <dgm:ptLst>
+    <dgm:pt modelId="{6F863EC8-8499-42DA-9CDA-719F7EAC3223}" type="doc">
+      <dgm:prSet loTypeId="urn:microsoft.com/office/officeart/2009/3/layout/StepUpProcess" loCatId="process" qsTypeId="urn:microsoft.com/office/officeart/2005/8/quickstyle/3d1" qsCatId="3D" csTypeId="urn:microsoft.com/office/officeart/2005/8/colors/colorful5" csCatId="colorful" phldr="1"/>
+      <dgm:spPr/>
+    </dgm:pt>
+    <dgm:pt modelId="{7F51953B-5626-429E-9B3D-300A74A5D080}">
+      <dgm:prSet phldrT="[文字]" custT="1"/>
+      <dgm:spPr/>
+      <dgm:t>
+        <a:bodyPr/>
+        <a:lstStyle/>
+        <a:p>
+          <a:r>
+            <a:rPr lang="zh-TW" altLang="en-US" sz="2000" b="1" dirty="0" smtClean="0">
+              <a:latin typeface="標楷體" pitchFamily="65" charset="-120"/>
+              <a:ea typeface="標楷體" pitchFamily="65" charset="-120"/>
+            </a:rPr>
+            <a:t>查詢食譜</a:t>
+          </a:r>
+          <a:endParaRPr lang="zh-TW" altLang="en-US" sz="2000" dirty="0"/>
+        </a:p>
+      </dgm:t>
+    </dgm:pt>
+    <dgm:pt modelId="{61CFEC76-C729-45F6-9DDE-6F6562ECC872}" type="parTrans" cxnId="{5CB5BF33-2A20-4939-B579-4AC81C1089A5}">
+      <dgm:prSet/>
+      <dgm:spPr/>
+      <dgm:t>
+        <a:bodyPr/>
+        <a:lstStyle/>
+        <a:p>
+          <a:endParaRPr lang="zh-TW" altLang="en-US"/>
+        </a:p>
+      </dgm:t>
+    </dgm:pt>
+    <dgm:pt modelId="{EC6F5AFE-0E87-429D-8E4B-CE86CCF950B2}" type="sibTrans" cxnId="{5CB5BF33-2A20-4939-B579-4AC81C1089A5}">
+      <dgm:prSet/>
+      <dgm:spPr/>
+      <dgm:t>
+        <a:bodyPr/>
+        <a:lstStyle/>
+        <a:p>
+          <a:endParaRPr lang="zh-TW" altLang="en-US"/>
+        </a:p>
+      </dgm:t>
+    </dgm:pt>
+    <dgm:pt modelId="{BEBDFE9D-3ACB-4CB7-9143-A16831666060}">
+      <dgm:prSet phldrT="[文字]" custT="1"/>
+      <dgm:spPr/>
+      <dgm:t>
+        <a:bodyPr/>
+        <a:lstStyle/>
+        <a:p>
+          <a:r>
+            <a:rPr lang="zh-TW" altLang="en-US" sz="2000" b="1" dirty="0" smtClean="0">
+              <a:latin typeface="標楷體" pitchFamily="65" charset="-120"/>
+              <a:ea typeface="標楷體" pitchFamily="65" charset="-120"/>
+            </a:rPr>
+            <a:t>選擇需要的食譜</a:t>
+          </a:r>
+          <a:endParaRPr lang="zh-TW" altLang="en-US" sz="2000" dirty="0"/>
+        </a:p>
+      </dgm:t>
+    </dgm:pt>
+    <dgm:pt modelId="{027380C5-A9CB-4169-9E54-B4FEFE52A6D9}" type="parTrans" cxnId="{D4D8FF4F-CADC-4C01-86B1-D1C8B74EB96B}">
+      <dgm:prSet/>
+      <dgm:spPr/>
+      <dgm:t>
+        <a:bodyPr/>
+        <a:lstStyle/>
+        <a:p>
+          <a:endParaRPr lang="zh-TW" altLang="en-US"/>
+        </a:p>
+      </dgm:t>
+    </dgm:pt>
+    <dgm:pt modelId="{45D1F1BA-A7FF-439F-A414-B0A6AC1BDDAB}" type="sibTrans" cxnId="{D4D8FF4F-CADC-4C01-86B1-D1C8B74EB96B}">
+      <dgm:prSet/>
+      <dgm:spPr/>
+      <dgm:t>
+        <a:bodyPr/>
+        <a:lstStyle/>
+        <a:p>
+          <a:endParaRPr lang="zh-TW" altLang="en-US"/>
+        </a:p>
+      </dgm:t>
+    </dgm:pt>
+    <dgm:pt modelId="{5EC97A28-FEFD-4E69-85ED-2AA35C5669D2}">
+      <dgm:prSet phldrT="[文字]" custT="1"/>
+      <dgm:spPr/>
+      <dgm:t>
+        <a:bodyPr/>
+        <a:lstStyle/>
+        <a:p>
+          <a:r>
+            <a:rPr lang="zh-TW" altLang="en-US" sz="2000" b="1" dirty="0" smtClean="0">
+              <a:latin typeface="標楷體" pitchFamily="65" charset="-120"/>
+              <a:ea typeface="標楷體" pitchFamily="65" charset="-120"/>
+            </a:rPr>
+            <a:t>查看食譜的食材</a:t>
+          </a:r>
+          <a:endParaRPr lang="zh-TW" altLang="en-US" sz="2000" dirty="0"/>
+        </a:p>
+      </dgm:t>
+    </dgm:pt>
+    <dgm:pt modelId="{97F42946-D51E-4C55-8265-6DEAF6A01BC8}" type="parTrans" cxnId="{A1C4DD17-141C-4678-8D4B-79605D4F8859}">
+      <dgm:prSet/>
+      <dgm:spPr/>
+      <dgm:t>
+        <a:bodyPr/>
+        <a:lstStyle/>
+        <a:p>
+          <a:endParaRPr lang="zh-TW" altLang="en-US"/>
+        </a:p>
+      </dgm:t>
+    </dgm:pt>
+    <dgm:pt modelId="{34E47B24-31DD-415D-A646-91502D8BB236}" type="sibTrans" cxnId="{A1C4DD17-141C-4678-8D4B-79605D4F8859}">
+      <dgm:prSet/>
+      <dgm:spPr/>
+      <dgm:t>
+        <a:bodyPr/>
+        <a:lstStyle/>
+        <a:p>
+          <a:endParaRPr lang="zh-TW" altLang="en-US"/>
+        </a:p>
+      </dgm:t>
+    </dgm:pt>
+    <dgm:pt modelId="{AD45F959-C584-430E-A958-9855970FECCE}">
+      <dgm:prSet phldrT="[文字]" custT="1"/>
+      <dgm:spPr/>
+      <dgm:t>
+        <a:bodyPr/>
+        <a:lstStyle/>
+        <a:p>
+          <a:r>
+            <a:rPr lang="zh-TW" altLang="en-US" sz="2000" b="1" dirty="0" smtClean="0">
+              <a:latin typeface="標楷體" pitchFamily="65" charset="-120"/>
+              <a:ea typeface="標楷體" pitchFamily="65" charset="-120"/>
+            </a:rPr>
+            <a:t>點選所需食材</a:t>
+          </a:r>
+          <a:endParaRPr lang="zh-TW" altLang="en-US" sz="2000" dirty="0"/>
+        </a:p>
+      </dgm:t>
+    </dgm:pt>
+    <dgm:pt modelId="{DB7BFF0B-900C-4508-A02D-2BE9C3E6609F}" type="parTrans" cxnId="{6F456ECD-A4E1-4268-92BE-8E2C6A70661E}">
+      <dgm:prSet/>
+      <dgm:spPr/>
+      <dgm:t>
+        <a:bodyPr/>
+        <a:lstStyle/>
+        <a:p>
+          <a:endParaRPr lang="zh-TW" altLang="en-US"/>
+        </a:p>
+      </dgm:t>
+    </dgm:pt>
+    <dgm:pt modelId="{22C9FC1D-A832-4A57-AC9F-CC91E6882C7B}" type="sibTrans" cxnId="{6F456ECD-A4E1-4268-92BE-8E2C6A70661E}">
+      <dgm:prSet/>
+      <dgm:spPr/>
+      <dgm:t>
+        <a:bodyPr/>
+        <a:lstStyle/>
+        <a:p>
+          <a:endParaRPr lang="zh-TW" altLang="en-US"/>
+        </a:p>
+      </dgm:t>
+    </dgm:pt>
+    <dgm:pt modelId="{19FABA07-2A6B-4F27-8D9F-B62C9302884F}">
+      <dgm:prSet phldrT="[文字]" custT="1"/>
+      <dgm:spPr/>
+      <dgm:t>
+        <a:bodyPr/>
+        <a:lstStyle/>
+        <a:p>
+          <a:r>
+            <a:rPr lang="zh-TW" altLang="en-US" sz="2000" b="1" dirty="0" smtClean="0">
+              <a:latin typeface="標楷體" pitchFamily="65" charset="-120"/>
+              <a:ea typeface="標楷體" pitchFamily="65" charset="-120"/>
+            </a:rPr>
+            <a:t>顯示抽驗合格的相關食材</a:t>
+          </a:r>
+          <a:endParaRPr lang="zh-TW" altLang="en-US" sz="2000" dirty="0"/>
+        </a:p>
+      </dgm:t>
+    </dgm:pt>
+    <dgm:pt modelId="{AFED3624-BD87-40DD-A811-A87153ECDA05}" type="parTrans" cxnId="{404326CF-3E78-4865-82FE-EB86F34E5822}">
+      <dgm:prSet/>
+      <dgm:spPr/>
+      <dgm:t>
+        <a:bodyPr/>
+        <a:lstStyle/>
+        <a:p>
+          <a:endParaRPr lang="zh-TW" altLang="en-US"/>
+        </a:p>
+      </dgm:t>
+    </dgm:pt>
+    <dgm:pt modelId="{8C61FC4D-FD81-425F-91C1-BAAA9C8179F9}" type="sibTrans" cxnId="{404326CF-3E78-4865-82FE-EB86F34E5822}">
+      <dgm:prSet/>
+      <dgm:spPr/>
+      <dgm:t>
+        <a:bodyPr/>
+        <a:lstStyle/>
+        <a:p>
+          <a:endParaRPr lang="zh-TW" altLang="en-US"/>
+        </a:p>
+      </dgm:t>
+    </dgm:pt>
+    <dgm:pt modelId="{0CE3A6D0-6D57-490E-8C11-315704150CC7}">
+      <dgm:prSet phldrT="[文字]" custT="1"/>
+      <dgm:spPr/>
+      <dgm:t>
+        <a:bodyPr/>
+        <a:lstStyle/>
+        <a:p>
+          <a:r>
+            <a:rPr lang="zh-TW" altLang="en-US" sz="2000" b="1" dirty="0" smtClean="0">
+              <a:latin typeface="標楷體" pitchFamily="65" charset="-120"/>
+              <a:ea typeface="標楷體" pitchFamily="65" charset="-120"/>
+            </a:rPr>
+            <a:t>詳細安心食品的廠商名稱、地址、電話、抽驗日期、地點、電話、結果 等項目</a:t>
+          </a:r>
+          <a:endParaRPr lang="zh-TW" altLang="en-US" sz="2000" dirty="0"/>
+        </a:p>
+      </dgm:t>
+    </dgm:pt>
+    <dgm:pt modelId="{725C0A4B-3980-4508-8196-14AB1462F725}" type="parTrans" cxnId="{D8C329B6-5421-4DE9-AFBA-5D63805502BF}">
+      <dgm:prSet/>
+      <dgm:spPr/>
+      <dgm:t>
+        <a:bodyPr/>
+        <a:lstStyle/>
+        <a:p>
+          <a:endParaRPr lang="zh-TW" altLang="en-US"/>
+        </a:p>
+      </dgm:t>
+    </dgm:pt>
+    <dgm:pt modelId="{19030EDB-AAC7-4335-883F-0D456D2A637F}" type="sibTrans" cxnId="{D8C329B6-5421-4DE9-AFBA-5D63805502BF}">
+      <dgm:prSet/>
+      <dgm:spPr/>
+      <dgm:t>
+        <a:bodyPr/>
+        <a:lstStyle/>
+        <a:p>
+          <a:endParaRPr lang="zh-TW" altLang="en-US"/>
+        </a:p>
+      </dgm:t>
+    </dgm:pt>
+    <dgm:pt modelId="{19B5CFE9-785C-4DFF-9BB9-668DF05BF83C}" type="pres">
+      <dgm:prSet presAssocID="{6F863EC8-8499-42DA-9CDA-719F7EAC3223}" presName="rootnode" presStyleCnt="0">
+        <dgm:presLayoutVars>
+          <dgm:chMax/>
+          <dgm:chPref/>
+          <dgm:dir/>
+          <dgm:animLvl val="lvl"/>
+        </dgm:presLayoutVars>
+      </dgm:prSet>
+      <dgm:spPr/>
+    </dgm:pt>
+    <dgm:pt modelId="{DF757156-F124-48AC-BB83-FD1FA676031E}" type="pres">
+      <dgm:prSet presAssocID="{7F51953B-5626-429E-9B3D-300A74A5D080}" presName="composite" presStyleCnt="0"/>
+      <dgm:spPr/>
+    </dgm:pt>
+    <dgm:pt modelId="{DDE4222C-5260-4141-B408-A8E874DDB9D1}" type="pres">
+      <dgm:prSet presAssocID="{7F51953B-5626-429E-9B3D-300A74A5D080}" presName="LShape" presStyleLbl="alignNode1" presStyleIdx="0" presStyleCnt="11"/>
+      <dgm:spPr/>
+    </dgm:pt>
+    <dgm:pt modelId="{F867D52C-D8B1-4722-B6F1-D840248BD607}" type="pres">
+      <dgm:prSet presAssocID="{7F51953B-5626-429E-9B3D-300A74A5D080}" presName="ParentText" presStyleLbl="revTx" presStyleIdx="0" presStyleCnt="6">
+        <dgm:presLayoutVars>
+          <dgm:chMax val="0"/>
+          <dgm:chPref val="0"/>
+          <dgm:bulletEnabled val="1"/>
+        </dgm:presLayoutVars>
+      </dgm:prSet>
+      <dgm:spPr/>
+    </dgm:pt>
+    <dgm:pt modelId="{217C7689-8AF1-4F03-A7AD-E7B3F7AB6F25}" type="pres">
+      <dgm:prSet presAssocID="{7F51953B-5626-429E-9B3D-300A74A5D080}" presName="Triangle" presStyleLbl="alignNode1" presStyleIdx="1" presStyleCnt="11"/>
+      <dgm:spPr/>
+    </dgm:pt>
+    <dgm:pt modelId="{3057FA24-B134-4B95-AA36-8918AB684B63}" type="pres">
+      <dgm:prSet presAssocID="{EC6F5AFE-0E87-429D-8E4B-CE86CCF950B2}" presName="sibTrans" presStyleCnt="0"/>
+      <dgm:spPr/>
+    </dgm:pt>
+    <dgm:pt modelId="{4226A9E7-5617-4438-B14D-9790B7628905}" type="pres">
+      <dgm:prSet presAssocID="{EC6F5AFE-0E87-429D-8E4B-CE86CCF950B2}" presName="space" presStyleCnt="0"/>
+      <dgm:spPr/>
+    </dgm:pt>
+    <dgm:pt modelId="{EE5EE4DC-907D-489E-AC2E-2BEEE138F653}" type="pres">
+      <dgm:prSet presAssocID="{BEBDFE9D-3ACB-4CB7-9143-A16831666060}" presName="composite" presStyleCnt="0"/>
+      <dgm:spPr/>
+    </dgm:pt>
+    <dgm:pt modelId="{9D9C3F2F-FF90-476C-9462-E6E220A4F8F6}" type="pres">
+      <dgm:prSet presAssocID="{BEBDFE9D-3ACB-4CB7-9143-A16831666060}" presName="LShape" presStyleLbl="alignNode1" presStyleIdx="2" presStyleCnt="11"/>
+      <dgm:spPr/>
+    </dgm:pt>
+    <dgm:pt modelId="{F6EC8E80-E333-4A11-BE20-F3AFFC3B37F5}" type="pres">
+      <dgm:prSet presAssocID="{BEBDFE9D-3ACB-4CB7-9143-A16831666060}" presName="ParentText" presStyleLbl="revTx" presStyleIdx="1" presStyleCnt="6">
+        <dgm:presLayoutVars>
+          <dgm:chMax val="0"/>
+          <dgm:chPref val="0"/>
+          <dgm:bulletEnabled val="1"/>
+        </dgm:presLayoutVars>
+      </dgm:prSet>
+      <dgm:spPr/>
+    </dgm:pt>
+    <dgm:pt modelId="{2747D39A-A6A9-4552-9148-4E14B2C59380}" type="pres">
+      <dgm:prSet presAssocID="{BEBDFE9D-3ACB-4CB7-9143-A16831666060}" presName="Triangle" presStyleLbl="alignNode1" presStyleIdx="3" presStyleCnt="11"/>
+      <dgm:spPr/>
+    </dgm:pt>
+    <dgm:pt modelId="{E516A81B-6203-4E5F-AE32-3384F4380A09}" type="pres">
+      <dgm:prSet presAssocID="{45D1F1BA-A7FF-439F-A414-B0A6AC1BDDAB}" presName="sibTrans" presStyleCnt="0"/>
+      <dgm:spPr/>
+    </dgm:pt>
+    <dgm:pt modelId="{5584C3D9-CD1E-44E9-BDD4-83E60B33DB58}" type="pres">
+      <dgm:prSet presAssocID="{45D1F1BA-A7FF-439F-A414-B0A6AC1BDDAB}" presName="space" presStyleCnt="0"/>
+      <dgm:spPr/>
+    </dgm:pt>
+    <dgm:pt modelId="{1DF8570F-305A-4F84-97B0-8CBFE681CCE7}" type="pres">
+      <dgm:prSet presAssocID="{5EC97A28-FEFD-4E69-85ED-2AA35C5669D2}" presName="composite" presStyleCnt="0"/>
+      <dgm:spPr/>
+    </dgm:pt>
+    <dgm:pt modelId="{3C7E3EDD-0430-4E2B-9D09-074D3837FAD9}" type="pres">
+      <dgm:prSet presAssocID="{5EC97A28-FEFD-4E69-85ED-2AA35C5669D2}" presName="LShape" presStyleLbl="alignNode1" presStyleIdx="4" presStyleCnt="11"/>
+      <dgm:spPr/>
+    </dgm:pt>
+    <dgm:pt modelId="{1CC17573-4528-4EA1-8E38-26D758E6DE29}" type="pres">
+      <dgm:prSet presAssocID="{5EC97A28-FEFD-4E69-85ED-2AA35C5669D2}" presName="ParentText" presStyleLbl="revTx" presStyleIdx="2" presStyleCnt="6">
+        <dgm:presLayoutVars>
+          <dgm:chMax val="0"/>
+          <dgm:chPref val="0"/>
+          <dgm:bulletEnabled val="1"/>
+        </dgm:presLayoutVars>
+      </dgm:prSet>
+      <dgm:spPr/>
+    </dgm:pt>
+    <dgm:pt modelId="{3BD55416-61F5-45AB-BF79-A6CF91CD606E}" type="pres">
+      <dgm:prSet presAssocID="{5EC97A28-FEFD-4E69-85ED-2AA35C5669D2}" presName="Triangle" presStyleLbl="alignNode1" presStyleIdx="5" presStyleCnt="11"/>
+      <dgm:spPr/>
+    </dgm:pt>
+    <dgm:pt modelId="{D5AC58F8-D741-442E-886E-8D133D90D73A}" type="pres">
+      <dgm:prSet presAssocID="{34E47B24-31DD-415D-A646-91502D8BB236}" presName="sibTrans" presStyleCnt="0"/>
+      <dgm:spPr/>
+    </dgm:pt>
+    <dgm:pt modelId="{37B70EF3-A418-46F9-8217-77389440B9C9}" type="pres">
+      <dgm:prSet presAssocID="{34E47B24-31DD-415D-A646-91502D8BB236}" presName="space" presStyleCnt="0"/>
+      <dgm:spPr/>
+    </dgm:pt>
+    <dgm:pt modelId="{A7B23824-0393-4C67-8DAD-CFB0D4BD761F}" type="pres">
+      <dgm:prSet presAssocID="{AD45F959-C584-430E-A958-9855970FECCE}" presName="composite" presStyleCnt="0"/>
+      <dgm:spPr/>
+    </dgm:pt>
+    <dgm:pt modelId="{EE7741D0-1195-482C-A213-A212C20C61B4}" type="pres">
+      <dgm:prSet presAssocID="{AD45F959-C584-430E-A958-9855970FECCE}" presName="LShape" presStyleLbl="alignNode1" presStyleIdx="6" presStyleCnt="11"/>
+      <dgm:spPr/>
+    </dgm:pt>
+    <dgm:pt modelId="{6D9058BB-E0BC-46B0-A184-CBC9025C756C}" type="pres">
+      <dgm:prSet presAssocID="{AD45F959-C584-430E-A958-9855970FECCE}" presName="ParentText" presStyleLbl="revTx" presStyleIdx="3" presStyleCnt="6">
+        <dgm:presLayoutVars>
+          <dgm:chMax val="0"/>
+          <dgm:chPref val="0"/>
+          <dgm:bulletEnabled val="1"/>
+        </dgm:presLayoutVars>
+      </dgm:prSet>
+      <dgm:spPr/>
+    </dgm:pt>
+    <dgm:pt modelId="{C9947BAB-AF93-418F-8A32-870BD4A393ED}" type="pres">
+      <dgm:prSet presAssocID="{AD45F959-C584-430E-A958-9855970FECCE}" presName="Triangle" presStyleLbl="alignNode1" presStyleIdx="7" presStyleCnt="11"/>
+      <dgm:spPr/>
+    </dgm:pt>
+    <dgm:pt modelId="{931EC7CA-3B15-4B7C-9963-3CEA205748EC}" type="pres">
+      <dgm:prSet presAssocID="{22C9FC1D-A832-4A57-AC9F-CC91E6882C7B}" presName="sibTrans" presStyleCnt="0"/>
+      <dgm:spPr/>
+    </dgm:pt>
+    <dgm:pt modelId="{4874A1A9-D99E-4A5A-B7A0-8EAAF8C1DC45}" type="pres">
+      <dgm:prSet presAssocID="{22C9FC1D-A832-4A57-AC9F-CC91E6882C7B}" presName="space" presStyleCnt="0"/>
+      <dgm:spPr/>
+    </dgm:pt>
+    <dgm:pt modelId="{142B065A-CBFE-44F5-91B7-C3BCA9E0B2ED}" type="pres">
+      <dgm:prSet presAssocID="{19FABA07-2A6B-4F27-8D9F-B62C9302884F}" presName="composite" presStyleCnt="0"/>
+      <dgm:spPr/>
+    </dgm:pt>
+    <dgm:pt modelId="{65D14330-7181-4175-8EC8-6D1E2A13BCCF}" type="pres">
+      <dgm:prSet presAssocID="{19FABA07-2A6B-4F27-8D9F-B62C9302884F}" presName="LShape" presStyleLbl="alignNode1" presStyleIdx="8" presStyleCnt="11"/>
+      <dgm:spPr/>
+    </dgm:pt>
+    <dgm:pt modelId="{C7B5E2D4-F41A-41D9-AB9D-12F1B53F572C}" type="pres">
+      <dgm:prSet presAssocID="{19FABA07-2A6B-4F27-8D9F-B62C9302884F}" presName="ParentText" presStyleLbl="revTx" presStyleIdx="4" presStyleCnt="6">
+        <dgm:presLayoutVars>
+          <dgm:chMax val="0"/>
+          <dgm:chPref val="0"/>
+          <dgm:bulletEnabled val="1"/>
+        </dgm:presLayoutVars>
+      </dgm:prSet>
+      <dgm:spPr/>
+    </dgm:pt>
+    <dgm:pt modelId="{CD7FE51E-220C-4582-88C9-C21D92BEB5A3}" type="pres">
+      <dgm:prSet presAssocID="{19FABA07-2A6B-4F27-8D9F-B62C9302884F}" presName="Triangle" presStyleLbl="alignNode1" presStyleIdx="9" presStyleCnt="11"/>
+      <dgm:spPr/>
+    </dgm:pt>
+    <dgm:pt modelId="{E811EF9F-5211-4BA0-A627-79BA790C6373}" type="pres">
+      <dgm:prSet presAssocID="{8C61FC4D-FD81-425F-91C1-BAAA9C8179F9}" presName="sibTrans" presStyleCnt="0"/>
+      <dgm:spPr/>
+    </dgm:pt>
+    <dgm:pt modelId="{92F0D23F-8451-46E4-8DAB-1DBB87F17612}" type="pres">
+      <dgm:prSet presAssocID="{8C61FC4D-FD81-425F-91C1-BAAA9C8179F9}" presName="space" presStyleCnt="0"/>
+      <dgm:spPr/>
+    </dgm:pt>
+    <dgm:pt modelId="{FBB93780-966C-4115-B387-89B93F4CE9B9}" type="pres">
+      <dgm:prSet presAssocID="{0CE3A6D0-6D57-490E-8C11-315704150CC7}" presName="composite" presStyleCnt="0"/>
+      <dgm:spPr/>
+    </dgm:pt>
+    <dgm:pt modelId="{618F15F6-D710-4F9E-8C5F-01C8DC9FBCD1}" type="pres">
+      <dgm:prSet presAssocID="{0CE3A6D0-6D57-490E-8C11-315704150CC7}" presName="LShape" presStyleLbl="alignNode1" presStyleIdx="10" presStyleCnt="11"/>
+      <dgm:spPr/>
+    </dgm:pt>
+    <dgm:pt modelId="{645E831B-3F66-4CEC-91EA-13E3FFEA0864}" type="pres">
+      <dgm:prSet presAssocID="{0CE3A6D0-6D57-490E-8C11-315704150CC7}" presName="ParentText" presStyleLbl="revTx" presStyleIdx="5" presStyleCnt="6">
+        <dgm:presLayoutVars>
+          <dgm:chMax val="0"/>
+          <dgm:chPref val="0"/>
+          <dgm:bulletEnabled val="1"/>
+        </dgm:presLayoutVars>
+      </dgm:prSet>
+      <dgm:spPr/>
+    </dgm:pt>
+  </dgm:ptLst>
+  <dgm:cxnLst>
+    <dgm:cxn modelId="{F5BA87A1-2933-4DDC-B1E4-E44560FD9F36}" type="presOf" srcId="{AD45F959-C584-430E-A958-9855970FECCE}" destId="{6D9058BB-E0BC-46B0-A184-CBC9025C756C}" srcOrd="0" destOrd="0" presId="urn:microsoft.com/office/officeart/2009/3/layout/StepUpProcess"/>
+    <dgm:cxn modelId="{EF16E4F3-56FC-4076-B4ED-5AC3098FB690}" type="presOf" srcId="{7F51953B-5626-429E-9B3D-300A74A5D080}" destId="{F867D52C-D8B1-4722-B6F1-D840248BD607}" srcOrd="0" destOrd="0" presId="urn:microsoft.com/office/officeart/2009/3/layout/StepUpProcess"/>
+    <dgm:cxn modelId="{EF79BD14-6D18-40D3-A6FB-17E8F0C5C02C}" type="presOf" srcId="{0CE3A6D0-6D57-490E-8C11-315704150CC7}" destId="{645E831B-3F66-4CEC-91EA-13E3FFEA0864}" srcOrd="0" destOrd="0" presId="urn:microsoft.com/office/officeart/2009/3/layout/StepUpProcess"/>
+    <dgm:cxn modelId="{DE2ECDAF-5B45-4DE7-8F65-054B3C874BDC}" type="presOf" srcId="{5EC97A28-FEFD-4E69-85ED-2AA35C5669D2}" destId="{1CC17573-4528-4EA1-8E38-26D758E6DE29}" srcOrd="0" destOrd="0" presId="urn:microsoft.com/office/officeart/2009/3/layout/StepUpProcess"/>
+    <dgm:cxn modelId="{5CB5BF33-2A20-4939-B579-4AC81C1089A5}" srcId="{6F863EC8-8499-42DA-9CDA-719F7EAC3223}" destId="{7F51953B-5626-429E-9B3D-300A74A5D080}" srcOrd="0" destOrd="0" parTransId="{61CFEC76-C729-45F6-9DDE-6F6562ECC872}" sibTransId="{EC6F5AFE-0E87-429D-8E4B-CE86CCF950B2}"/>
+    <dgm:cxn modelId="{67088BD2-0E14-4BA1-AC4D-66767B673DEF}" type="presOf" srcId="{6F863EC8-8499-42DA-9CDA-719F7EAC3223}" destId="{19B5CFE9-785C-4DFF-9BB9-668DF05BF83C}" srcOrd="0" destOrd="0" presId="urn:microsoft.com/office/officeart/2009/3/layout/StepUpProcess"/>
+    <dgm:cxn modelId="{A1C4DD17-141C-4678-8D4B-79605D4F8859}" srcId="{6F863EC8-8499-42DA-9CDA-719F7EAC3223}" destId="{5EC97A28-FEFD-4E69-85ED-2AA35C5669D2}" srcOrd="2" destOrd="0" parTransId="{97F42946-D51E-4C55-8265-6DEAF6A01BC8}" sibTransId="{34E47B24-31DD-415D-A646-91502D8BB236}"/>
+    <dgm:cxn modelId="{404326CF-3E78-4865-82FE-EB86F34E5822}" srcId="{6F863EC8-8499-42DA-9CDA-719F7EAC3223}" destId="{19FABA07-2A6B-4F27-8D9F-B62C9302884F}" srcOrd="4" destOrd="0" parTransId="{AFED3624-BD87-40DD-A811-A87153ECDA05}" sibTransId="{8C61FC4D-FD81-425F-91C1-BAAA9C8179F9}"/>
+    <dgm:cxn modelId="{6F456ECD-A4E1-4268-92BE-8E2C6A70661E}" srcId="{6F863EC8-8499-42DA-9CDA-719F7EAC3223}" destId="{AD45F959-C584-430E-A958-9855970FECCE}" srcOrd="3" destOrd="0" parTransId="{DB7BFF0B-900C-4508-A02D-2BE9C3E6609F}" sibTransId="{22C9FC1D-A832-4A57-AC9F-CC91E6882C7B}"/>
+    <dgm:cxn modelId="{D4D8FF4F-CADC-4C01-86B1-D1C8B74EB96B}" srcId="{6F863EC8-8499-42DA-9CDA-719F7EAC3223}" destId="{BEBDFE9D-3ACB-4CB7-9143-A16831666060}" srcOrd="1" destOrd="0" parTransId="{027380C5-A9CB-4169-9E54-B4FEFE52A6D9}" sibTransId="{45D1F1BA-A7FF-439F-A414-B0A6AC1BDDAB}"/>
+    <dgm:cxn modelId="{F0C61704-B67F-4026-9635-F3EA32CC9053}" type="presOf" srcId="{19FABA07-2A6B-4F27-8D9F-B62C9302884F}" destId="{C7B5E2D4-F41A-41D9-AB9D-12F1B53F572C}" srcOrd="0" destOrd="0" presId="urn:microsoft.com/office/officeart/2009/3/layout/StepUpProcess"/>
+    <dgm:cxn modelId="{D8C329B6-5421-4DE9-AFBA-5D63805502BF}" srcId="{6F863EC8-8499-42DA-9CDA-719F7EAC3223}" destId="{0CE3A6D0-6D57-490E-8C11-315704150CC7}" srcOrd="5" destOrd="0" parTransId="{725C0A4B-3980-4508-8196-14AB1462F725}" sibTransId="{19030EDB-AAC7-4335-883F-0D456D2A637F}"/>
+    <dgm:cxn modelId="{1344DF9C-17DE-437B-AECE-167D716B3A4B}" type="presOf" srcId="{BEBDFE9D-3ACB-4CB7-9143-A16831666060}" destId="{F6EC8E80-E333-4A11-BE20-F3AFFC3B37F5}" srcOrd="0" destOrd="0" presId="urn:microsoft.com/office/officeart/2009/3/layout/StepUpProcess"/>
+    <dgm:cxn modelId="{452DBADE-AD9D-4728-9431-E925046BE9AD}" type="presParOf" srcId="{19B5CFE9-785C-4DFF-9BB9-668DF05BF83C}" destId="{DF757156-F124-48AC-BB83-FD1FA676031E}" srcOrd="0" destOrd="0" presId="urn:microsoft.com/office/officeart/2009/3/layout/StepUpProcess"/>
+    <dgm:cxn modelId="{4C44F840-B041-4140-98B2-1B3D78573632}" type="presParOf" srcId="{DF757156-F124-48AC-BB83-FD1FA676031E}" destId="{DDE4222C-5260-4141-B408-A8E874DDB9D1}" srcOrd="0" destOrd="0" presId="urn:microsoft.com/office/officeart/2009/3/layout/StepUpProcess"/>
+    <dgm:cxn modelId="{9BE3BC4F-1559-4E4A-B21F-F7C2C07CC7C7}" type="presParOf" srcId="{DF757156-F124-48AC-BB83-FD1FA676031E}" destId="{F867D52C-D8B1-4722-B6F1-D840248BD607}" srcOrd="1" destOrd="0" presId="urn:microsoft.com/office/officeart/2009/3/layout/StepUpProcess"/>
+    <dgm:cxn modelId="{F202B7EE-96C8-46B5-86D6-C9F608C3C77C}" type="presParOf" srcId="{DF757156-F124-48AC-BB83-FD1FA676031E}" destId="{217C7689-8AF1-4F03-A7AD-E7B3F7AB6F25}" srcOrd="2" destOrd="0" presId="urn:microsoft.com/office/officeart/2009/3/layout/StepUpProcess"/>
+    <dgm:cxn modelId="{F0180C41-6790-4EDA-ACF4-3B918F06AEA1}" type="presParOf" srcId="{19B5CFE9-785C-4DFF-9BB9-668DF05BF83C}" destId="{3057FA24-B134-4B95-AA36-8918AB684B63}" srcOrd="1" destOrd="0" presId="urn:microsoft.com/office/officeart/2009/3/layout/StepUpProcess"/>
+    <dgm:cxn modelId="{AF53949F-3601-4173-A846-A1406E005787}" type="presParOf" srcId="{3057FA24-B134-4B95-AA36-8918AB684B63}" destId="{4226A9E7-5617-4438-B14D-9790B7628905}" srcOrd="0" destOrd="0" presId="urn:microsoft.com/office/officeart/2009/3/layout/StepUpProcess"/>
+    <dgm:cxn modelId="{5C3E4CA1-7493-4554-8BA4-DC88B47D4436}" type="presParOf" srcId="{19B5CFE9-785C-4DFF-9BB9-668DF05BF83C}" destId="{EE5EE4DC-907D-489E-AC2E-2BEEE138F653}" srcOrd="2" destOrd="0" presId="urn:microsoft.com/office/officeart/2009/3/layout/StepUpProcess"/>
+    <dgm:cxn modelId="{20D61846-64F9-4CCA-9B7D-5DFC1EFD3727}" type="presParOf" srcId="{EE5EE4DC-907D-489E-AC2E-2BEEE138F653}" destId="{9D9C3F2F-FF90-476C-9462-E6E220A4F8F6}" srcOrd="0" destOrd="0" presId="urn:microsoft.com/office/officeart/2009/3/layout/StepUpProcess"/>
+    <dgm:cxn modelId="{9B9F7BB0-69CC-4E4E-BA33-1AD0423267AC}" type="presParOf" srcId="{EE5EE4DC-907D-489E-AC2E-2BEEE138F653}" destId="{F6EC8E80-E333-4A11-BE20-F3AFFC3B37F5}" srcOrd="1" destOrd="0" presId="urn:microsoft.com/office/officeart/2009/3/layout/StepUpProcess"/>
+    <dgm:cxn modelId="{AFC08B7F-79A2-4372-901F-6C26EC3298FD}" type="presParOf" srcId="{EE5EE4DC-907D-489E-AC2E-2BEEE138F653}" destId="{2747D39A-A6A9-4552-9148-4E14B2C59380}" srcOrd="2" destOrd="0" presId="urn:microsoft.com/office/officeart/2009/3/layout/StepUpProcess"/>
+    <dgm:cxn modelId="{452F0DA6-E07F-41F1-9ADB-EC2748957595}" type="presParOf" srcId="{19B5CFE9-785C-4DFF-9BB9-668DF05BF83C}" destId="{E516A81B-6203-4E5F-AE32-3384F4380A09}" srcOrd="3" destOrd="0" presId="urn:microsoft.com/office/officeart/2009/3/layout/StepUpProcess"/>
+    <dgm:cxn modelId="{231797DC-E61B-41EB-A330-FE6A2E340CDC}" type="presParOf" srcId="{E516A81B-6203-4E5F-AE32-3384F4380A09}" destId="{5584C3D9-CD1E-44E9-BDD4-83E60B33DB58}" srcOrd="0" destOrd="0" presId="urn:microsoft.com/office/officeart/2009/3/layout/StepUpProcess"/>
+    <dgm:cxn modelId="{64FE35A3-9948-4828-8917-8945F5AB34C5}" type="presParOf" srcId="{19B5CFE9-785C-4DFF-9BB9-668DF05BF83C}" destId="{1DF8570F-305A-4F84-97B0-8CBFE681CCE7}" srcOrd="4" destOrd="0" presId="urn:microsoft.com/office/officeart/2009/3/layout/StepUpProcess"/>
+    <dgm:cxn modelId="{13DFEA93-0972-4569-A715-F878EE66E851}" type="presParOf" srcId="{1DF8570F-305A-4F84-97B0-8CBFE681CCE7}" destId="{3C7E3EDD-0430-4E2B-9D09-074D3837FAD9}" srcOrd="0" destOrd="0" presId="urn:microsoft.com/office/officeart/2009/3/layout/StepUpProcess"/>
+    <dgm:cxn modelId="{BAFA6569-844C-41DC-B07F-37E32AB878DE}" type="presParOf" srcId="{1DF8570F-305A-4F84-97B0-8CBFE681CCE7}" destId="{1CC17573-4528-4EA1-8E38-26D758E6DE29}" srcOrd="1" destOrd="0" presId="urn:microsoft.com/office/officeart/2009/3/layout/StepUpProcess"/>
+    <dgm:cxn modelId="{8E62A7B6-F928-40FA-81B2-96DF3689F6A1}" type="presParOf" srcId="{1DF8570F-305A-4F84-97B0-8CBFE681CCE7}" destId="{3BD55416-61F5-45AB-BF79-A6CF91CD606E}" srcOrd="2" destOrd="0" presId="urn:microsoft.com/office/officeart/2009/3/layout/StepUpProcess"/>
+    <dgm:cxn modelId="{976D76DD-AE17-4FC4-B261-BDD074950DCC}" type="presParOf" srcId="{19B5CFE9-785C-4DFF-9BB9-668DF05BF83C}" destId="{D5AC58F8-D741-442E-886E-8D133D90D73A}" srcOrd="5" destOrd="0" presId="urn:microsoft.com/office/officeart/2009/3/layout/StepUpProcess"/>
+    <dgm:cxn modelId="{A34BFC72-2572-4C54-AE1B-8E14D59EF0E9}" type="presParOf" srcId="{D5AC58F8-D741-442E-886E-8D133D90D73A}" destId="{37B70EF3-A418-46F9-8217-77389440B9C9}" srcOrd="0" destOrd="0" presId="urn:microsoft.com/office/officeart/2009/3/layout/StepUpProcess"/>
+    <dgm:cxn modelId="{9F11CA26-64AC-4BB6-AAC5-1BADB60F992F}" type="presParOf" srcId="{19B5CFE9-785C-4DFF-9BB9-668DF05BF83C}" destId="{A7B23824-0393-4C67-8DAD-CFB0D4BD761F}" srcOrd="6" destOrd="0" presId="urn:microsoft.com/office/officeart/2009/3/layout/StepUpProcess"/>
+    <dgm:cxn modelId="{6CF6FA64-EF71-4DB6-B833-E9A7F5B2D2E5}" type="presParOf" srcId="{A7B23824-0393-4C67-8DAD-CFB0D4BD761F}" destId="{EE7741D0-1195-482C-A213-A212C20C61B4}" srcOrd="0" destOrd="0" presId="urn:microsoft.com/office/officeart/2009/3/layout/StepUpProcess"/>
+    <dgm:cxn modelId="{082CECFB-1C81-4CAE-A02D-8CB5D9C363A7}" type="presParOf" srcId="{A7B23824-0393-4C67-8DAD-CFB0D4BD761F}" destId="{6D9058BB-E0BC-46B0-A184-CBC9025C756C}" srcOrd="1" destOrd="0" presId="urn:microsoft.com/office/officeart/2009/3/layout/StepUpProcess"/>
+    <dgm:cxn modelId="{964963AA-9DE1-4D02-85F7-6C12EAABB387}" type="presParOf" srcId="{A7B23824-0393-4C67-8DAD-CFB0D4BD761F}" destId="{C9947BAB-AF93-418F-8A32-870BD4A393ED}" srcOrd="2" destOrd="0" presId="urn:microsoft.com/office/officeart/2009/3/layout/StepUpProcess"/>
+    <dgm:cxn modelId="{1AC9A994-BFB2-44A0-A358-25A26064C8B0}" type="presParOf" srcId="{19B5CFE9-785C-4DFF-9BB9-668DF05BF83C}" destId="{931EC7CA-3B15-4B7C-9963-3CEA205748EC}" srcOrd="7" destOrd="0" presId="urn:microsoft.com/office/officeart/2009/3/layout/StepUpProcess"/>
+    <dgm:cxn modelId="{FA60E5EB-95CB-4D78-9E80-20916B81F704}" type="presParOf" srcId="{931EC7CA-3B15-4B7C-9963-3CEA205748EC}" destId="{4874A1A9-D99E-4A5A-B7A0-8EAAF8C1DC45}" srcOrd="0" destOrd="0" presId="urn:microsoft.com/office/officeart/2009/3/layout/StepUpProcess"/>
+    <dgm:cxn modelId="{7565B258-B845-4FB7-A2EF-CE42FFBA681E}" type="presParOf" srcId="{19B5CFE9-785C-4DFF-9BB9-668DF05BF83C}" destId="{142B065A-CBFE-44F5-91B7-C3BCA9E0B2ED}" srcOrd="8" destOrd="0" presId="urn:microsoft.com/office/officeart/2009/3/layout/StepUpProcess"/>
+    <dgm:cxn modelId="{1DE6D445-C506-4530-A0FD-6478D921B177}" type="presParOf" srcId="{142B065A-CBFE-44F5-91B7-C3BCA9E0B2ED}" destId="{65D14330-7181-4175-8EC8-6D1E2A13BCCF}" srcOrd="0" destOrd="0" presId="urn:microsoft.com/office/officeart/2009/3/layout/StepUpProcess"/>
+    <dgm:cxn modelId="{5CAF053D-0C82-4245-A204-E52812AC1971}" type="presParOf" srcId="{142B065A-CBFE-44F5-91B7-C3BCA9E0B2ED}" destId="{C7B5E2D4-F41A-41D9-AB9D-12F1B53F572C}" srcOrd="1" destOrd="0" presId="urn:microsoft.com/office/officeart/2009/3/layout/StepUpProcess"/>
+    <dgm:cxn modelId="{25C9C458-312A-4A96-BA18-FE9D72BD6B34}" type="presParOf" srcId="{142B065A-CBFE-44F5-91B7-C3BCA9E0B2ED}" destId="{CD7FE51E-220C-4582-88C9-C21D92BEB5A3}" srcOrd="2" destOrd="0" presId="urn:microsoft.com/office/officeart/2009/3/layout/StepUpProcess"/>
+    <dgm:cxn modelId="{7880690F-6D46-4460-97EE-43849FC5581E}" type="presParOf" srcId="{19B5CFE9-785C-4DFF-9BB9-668DF05BF83C}" destId="{E811EF9F-5211-4BA0-A627-79BA790C6373}" srcOrd="9" destOrd="0" presId="urn:microsoft.com/office/officeart/2009/3/layout/StepUpProcess"/>
+    <dgm:cxn modelId="{93744D00-0773-4D57-A9F6-FE3E98397F57}" type="presParOf" srcId="{E811EF9F-5211-4BA0-A627-79BA790C6373}" destId="{92F0D23F-8451-46E4-8DAB-1DBB87F17612}" srcOrd="0" destOrd="0" presId="urn:microsoft.com/office/officeart/2009/3/layout/StepUpProcess"/>
+    <dgm:cxn modelId="{F76091D5-7B96-4FAF-BBD0-E831B05BBD5E}" type="presParOf" srcId="{19B5CFE9-785C-4DFF-9BB9-668DF05BF83C}" destId="{FBB93780-966C-4115-B387-89B93F4CE9B9}" srcOrd="10" destOrd="0" presId="urn:microsoft.com/office/officeart/2009/3/layout/StepUpProcess"/>
+    <dgm:cxn modelId="{42528FC3-6BDA-4BC7-B4CA-C608D4C0D655}" type="presParOf" srcId="{FBB93780-966C-4115-B387-89B93F4CE9B9}" destId="{618F15F6-D710-4F9E-8C5F-01C8DC9FBCD1}" srcOrd="0" destOrd="0" presId="urn:microsoft.com/office/officeart/2009/3/layout/StepUpProcess"/>
+    <dgm:cxn modelId="{3AE247BC-C01A-42A6-BCCE-91CE7328846F}" type="presParOf" srcId="{FBB93780-966C-4115-B387-89B93F4CE9B9}" destId="{645E831B-3F66-4CEC-91EA-13E3FFEA0864}" srcOrd="1" destOrd="0" presId="urn:microsoft.com/office/officeart/2009/3/layout/StepUpProcess"/>
+  </dgm:cxnLst>
+  <dgm:bg/>
+  <dgm:whole/>
+  <dgm:extLst>
+    <a:ext uri="http://schemas.microsoft.com/office/drawing/2008/diagram">
+      <dsp:dataModelExt xmlns:dsp="http://schemas.microsoft.com/office/drawing/2008/diagram" relId="rId8" minVer="http://schemas.openxmlformats.org/drawingml/2006/diagram"/>
+    </a:ext>
+  </dgm:extLst>
+</dgm:dataModel>
+</file>
+
+<file path=ppt/diagrams/data2.xml><?xml version="1.0" encoding="utf-8"?>
+<dgm:dataModel xmlns:dgm="http://schemas.openxmlformats.org/drawingml/2006/diagram" xmlns:a="http://schemas.openxmlformats.org/drawingml/2006/main">
+  <dgm:ptLst>
+    <dgm:pt modelId="{6F863EC8-8499-42DA-9CDA-719F7EAC3223}" type="doc">
+      <dgm:prSet loTypeId="urn:microsoft.com/office/officeart/2009/3/layout/StepUpProcess" loCatId="process" qsTypeId="urn:microsoft.com/office/officeart/2005/8/quickstyle/3d1" qsCatId="3D" csTypeId="urn:microsoft.com/office/officeart/2005/8/colors/colorful1" csCatId="colorful" phldr="1"/>
+      <dgm:spPr/>
+    </dgm:pt>
+    <dgm:pt modelId="{7F51953B-5626-429E-9B3D-300A74A5D080}">
+      <dgm:prSet phldrT="[文字]" custT="1"/>
+      <dgm:spPr/>
+      <dgm:t>
+        <a:bodyPr/>
+        <a:lstStyle/>
+        <a:p>
+          <a:r>
+            <a:rPr lang="zh-TW" altLang="en-US" sz="2000" b="1" smtClean="0">
+              <a:effectLst>
+                <a:outerShdw blurRad="38100" dist="38100" dir="2700000" algn="tl">
+                  <a:srgbClr val="000000">
+                    <a:alpha val="43137"/>
+                  </a:srgbClr>
+                </a:outerShdw>
+              </a:effectLst>
+              <a:latin typeface="標楷體" pitchFamily="65" charset="-120"/>
+              <a:ea typeface="標楷體" pitchFamily="65" charset="-120"/>
+            </a:rPr>
+            <a:t>輸入所需食材</a:t>
+          </a:r>
+          <a:endParaRPr lang="zh-TW" altLang="en-US" sz="2000" dirty="0"/>
+        </a:p>
+      </dgm:t>
+    </dgm:pt>
+    <dgm:pt modelId="{61CFEC76-C729-45F6-9DDE-6F6562ECC872}" type="parTrans" cxnId="{5CB5BF33-2A20-4939-B579-4AC81C1089A5}">
+      <dgm:prSet/>
+      <dgm:spPr/>
+      <dgm:t>
+        <a:bodyPr/>
+        <a:lstStyle/>
+        <a:p>
+          <a:endParaRPr lang="zh-TW" altLang="en-US"/>
+        </a:p>
+      </dgm:t>
+    </dgm:pt>
+    <dgm:pt modelId="{EC6F5AFE-0E87-429D-8E4B-CE86CCF950B2}" type="sibTrans" cxnId="{5CB5BF33-2A20-4939-B579-4AC81C1089A5}">
+      <dgm:prSet/>
+      <dgm:spPr/>
+      <dgm:t>
+        <a:bodyPr/>
+        <a:lstStyle/>
+        <a:p>
+          <a:endParaRPr lang="zh-TW" altLang="en-US"/>
+        </a:p>
+      </dgm:t>
+    </dgm:pt>
+    <dgm:pt modelId="{9D99A6A5-150B-47AD-BA70-AC3BE35D6B5E}">
+      <dgm:prSet phldrT="[文字]" custT="1"/>
+      <dgm:spPr/>
+      <dgm:t>
+        <a:bodyPr/>
+        <a:lstStyle/>
+        <a:p>
+          <a:r>
+            <a:rPr lang="zh-TW" altLang="en-US" sz="2000" b="1" dirty="0" smtClean="0">
+              <a:effectLst>
+                <a:outerShdw blurRad="38100" dist="38100" dir="2700000" algn="tl">
+                  <a:srgbClr val="000000">
+                    <a:alpha val="43137"/>
+                  </a:srgbClr>
+                </a:outerShdw>
+              </a:effectLst>
+              <a:latin typeface="標楷體" pitchFamily="65" charset="-120"/>
+              <a:ea typeface="標楷體" pitchFamily="65" charset="-120"/>
+            </a:rPr>
+            <a:t>使用</a:t>
+          </a:r>
+          <a:r>
+            <a:rPr lang="en-US" altLang="zh-TW" sz="2000" b="1" dirty="0" smtClean="0">
+              <a:effectLst>
+                <a:outerShdw blurRad="38100" dist="38100" dir="2700000" algn="tl">
+                  <a:srgbClr val="000000">
+                    <a:alpha val="43137"/>
+                  </a:srgbClr>
+                </a:outerShdw>
+              </a:effectLst>
+              <a:latin typeface="標楷體" pitchFamily="65" charset="-120"/>
+              <a:ea typeface="標楷體" pitchFamily="65" charset="-120"/>
+            </a:rPr>
+            <a:t>GPS</a:t>
+          </a:r>
+          <a:r>
+            <a:rPr lang="zh-TW" altLang="en-US" sz="2000" b="1" dirty="0" smtClean="0">
+              <a:effectLst>
+                <a:outerShdw blurRad="38100" dist="38100" dir="2700000" algn="tl">
+                  <a:srgbClr val="000000">
+                    <a:alpha val="43137"/>
+                  </a:srgbClr>
+                </a:outerShdw>
+              </a:effectLst>
+              <a:latin typeface="標楷體" pitchFamily="65" charset="-120"/>
+              <a:ea typeface="標楷體" pitchFamily="65" charset="-120"/>
+            </a:rPr>
+            <a:t>定位或是輸入地點</a:t>
+          </a:r>
+          <a:endParaRPr lang="zh-TW" altLang="en-US" sz="2000" dirty="0"/>
+        </a:p>
+      </dgm:t>
+    </dgm:pt>
+    <dgm:pt modelId="{61B02D49-61AC-4461-9995-C13175BE8E35}" type="parTrans" cxnId="{7FDD6584-88D7-40CB-8203-5C2A0EB7EC36}">
+      <dgm:prSet/>
+      <dgm:spPr/>
+      <dgm:t>
+        <a:bodyPr/>
+        <a:lstStyle/>
+        <a:p>
+          <a:endParaRPr lang="zh-TW" altLang="en-US"/>
+        </a:p>
+      </dgm:t>
+    </dgm:pt>
+    <dgm:pt modelId="{06F12F0C-EF44-4FBB-B682-EC167EF1836A}" type="sibTrans" cxnId="{7FDD6584-88D7-40CB-8203-5C2A0EB7EC36}">
+      <dgm:prSet/>
+      <dgm:spPr/>
+      <dgm:t>
+        <a:bodyPr/>
+        <a:lstStyle/>
+        <a:p>
+          <a:endParaRPr lang="zh-TW" altLang="en-US"/>
+        </a:p>
+      </dgm:t>
+    </dgm:pt>
+    <dgm:pt modelId="{A2E068F4-24FE-4AC0-B3A7-F37805BB8C90}">
+      <dgm:prSet phldrT="[文字]" custT="1"/>
+      <dgm:spPr/>
+      <dgm:t>
+        <a:bodyPr/>
+        <a:lstStyle/>
+        <a:p>
+          <a:r>
+            <a:rPr lang="zh-TW" altLang="en-US" sz="2000" b="1" dirty="0" smtClean="0">
+              <a:effectLst>
+                <a:outerShdw blurRad="38100" dist="38100" dir="2700000" algn="tl">
+                  <a:srgbClr val="000000">
+                    <a:alpha val="43137"/>
+                  </a:srgbClr>
+                </a:outerShdw>
+              </a:effectLst>
+              <a:latin typeface="標楷體" pitchFamily="65" charset="-120"/>
+              <a:ea typeface="標楷體" pitchFamily="65" charset="-120"/>
+            </a:rPr>
+            <a:t>顯示地點附近抽驗合格的相關食材</a:t>
+          </a:r>
+          <a:endParaRPr lang="zh-TW" altLang="en-US" sz="2000" dirty="0"/>
+        </a:p>
+      </dgm:t>
+    </dgm:pt>
+    <dgm:pt modelId="{A1751232-64E1-46B6-92D9-42928F697659}" type="parTrans" cxnId="{C1BD7772-214C-4809-A994-AF2BB4384F2F}">
+      <dgm:prSet/>
+      <dgm:spPr/>
+      <dgm:t>
+        <a:bodyPr/>
+        <a:lstStyle/>
+        <a:p>
+          <a:endParaRPr lang="zh-TW" altLang="en-US"/>
+        </a:p>
+      </dgm:t>
+    </dgm:pt>
+    <dgm:pt modelId="{B903D52D-9827-4F79-8A18-2D530603BF2B}" type="sibTrans" cxnId="{C1BD7772-214C-4809-A994-AF2BB4384F2F}">
+      <dgm:prSet/>
+      <dgm:spPr/>
+      <dgm:t>
+        <a:bodyPr/>
+        <a:lstStyle/>
+        <a:p>
+          <a:endParaRPr lang="zh-TW" altLang="en-US"/>
+        </a:p>
+      </dgm:t>
+    </dgm:pt>
+    <dgm:pt modelId="{6F01E1C7-28FD-449D-A78B-EF62C1B8FE1D}">
+      <dgm:prSet phldrT="[文字]" custT="1"/>
+      <dgm:spPr/>
+      <dgm:t>
+        <a:bodyPr/>
+        <a:lstStyle/>
+        <a:p>
+          <a:r>
+            <a:rPr lang="zh-TW" altLang="en-US" sz="2000" b="1" dirty="0" smtClean="0">
+              <a:effectLst>
+                <a:outerShdw blurRad="38100" dist="38100" dir="2700000" algn="tl">
+                  <a:srgbClr val="000000">
+                    <a:alpha val="43137"/>
+                  </a:srgbClr>
+                </a:outerShdw>
+              </a:effectLst>
+              <a:latin typeface="標楷體" pitchFamily="65" charset="-120"/>
+              <a:ea typeface="標楷體" pitchFamily="65" charset="-120"/>
+            </a:rPr>
+            <a:t>詳細安心食品的廠商名稱、地址、電話、抽驗日期、地點、電話、結果 等項目</a:t>
+          </a:r>
+          <a:endParaRPr lang="zh-TW" altLang="en-US" sz="2000" dirty="0"/>
+        </a:p>
+      </dgm:t>
+    </dgm:pt>
+    <dgm:pt modelId="{0C1F8C4C-8602-40C5-94B7-939D45B3C34B}" type="parTrans" cxnId="{6D6DDC7D-8F6E-4E4B-BE18-640C3F1DBA30}">
+      <dgm:prSet/>
+      <dgm:spPr/>
+      <dgm:t>
+        <a:bodyPr/>
+        <a:lstStyle/>
+        <a:p>
+          <a:endParaRPr lang="zh-TW" altLang="en-US"/>
+        </a:p>
+      </dgm:t>
+    </dgm:pt>
+    <dgm:pt modelId="{27B5CEAD-6004-495A-9C94-12E61285E68B}" type="sibTrans" cxnId="{6D6DDC7D-8F6E-4E4B-BE18-640C3F1DBA30}">
+      <dgm:prSet/>
+      <dgm:spPr/>
+      <dgm:t>
+        <a:bodyPr/>
+        <a:lstStyle/>
+        <a:p>
+          <a:endParaRPr lang="zh-TW" altLang="en-US"/>
+        </a:p>
+      </dgm:t>
+    </dgm:pt>
+    <dgm:pt modelId="{19B5CFE9-785C-4DFF-9BB9-668DF05BF83C}" type="pres">
+      <dgm:prSet presAssocID="{6F863EC8-8499-42DA-9CDA-719F7EAC3223}" presName="rootnode" presStyleCnt="0">
+        <dgm:presLayoutVars>
+          <dgm:chMax/>
+          <dgm:chPref/>
+          <dgm:dir/>
+          <dgm:animLvl val="lvl"/>
+        </dgm:presLayoutVars>
+      </dgm:prSet>
+      <dgm:spPr/>
+    </dgm:pt>
+    <dgm:pt modelId="{DF757156-F124-48AC-BB83-FD1FA676031E}" type="pres">
+      <dgm:prSet presAssocID="{7F51953B-5626-429E-9B3D-300A74A5D080}" presName="composite" presStyleCnt="0"/>
+      <dgm:spPr/>
+    </dgm:pt>
+    <dgm:pt modelId="{DDE4222C-5260-4141-B408-A8E874DDB9D1}" type="pres">
+      <dgm:prSet presAssocID="{7F51953B-5626-429E-9B3D-300A74A5D080}" presName="LShape" presStyleLbl="alignNode1" presStyleIdx="0" presStyleCnt="7"/>
+      <dgm:spPr/>
+    </dgm:pt>
+    <dgm:pt modelId="{F867D52C-D8B1-4722-B6F1-D840248BD607}" type="pres">
+      <dgm:prSet presAssocID="{7F51953B-5626-429E-9B3D-300A74A5D080}" presName="ParentText" presStyleLbl="revTx" presStyleIdx="0" presStyleCnt="4">
+        <dgm:presLayoutVars>
+          <dgm:chMax val="0"/>
+          <dgm:chPref val="0"/>
+          <dgm:bulletEnabled val="1"/>
+        </dgm:presLayoutVars>
+      </dgm:prSet>
+      <dgm:spPr/>
+      <dgm:t>
+        <a:bodyPr/>
+        <a:lstStyle/>
+        <a:p>
+          <a:endParaRPr lang="zh-TW" altLang="en-US"/>
+        </a:p>
+      </dgm:t>
+    </dgm:pt>
+    <dgm:pt modelId="{217C7689-8AF1-4F03-A7AD-E7B3F7AB6F25}" type="pres">
+      <dgm:prSet presAssocID="{7F51953B-5626-429E-9B3D-300A74A5D080}" presName="Triangle" presStyleLbl="alignNode1" presStyleIdx="1" presStyleCnt="7"/>
+      <dgm:spPr/>
+    </dgm:pt>
+    <dgm:pt modelId="{3057FA24-B134-4B95-AA36-8918AB684B63}" type="pres">
+      <dgm:prSet presAssocID="{EC6F5AFE-0E87-429D-8E4B-CE86CCF950B2}" presName="sibTrans" presStyleCnt="0"/>
+      <dgm:spPr/>
+    </dgm:pt>
+    <dgm:pt modelId="{4226A9E7-5617-4438-B14D-9790B7628905}" type="pres">
+      <dgm:prSet presAssocID="{EC6F5AFE-0E87-429D-8E4B-CE86CCF950B2}" presName="space" presStyleCnt="0"/>
+      <dgm:spPr/>
+    </dgm:pt>
+    <dgm:pt modelId="{70C9724A-7BBB-4841-BEF3-36DB1B57A3DF}" type="pres">
+      <dgm:prSet presAssocID="{9D99A6A5-150B-47AD-BA70-AC3BE35D6B5E}" presName="composite" presStyleCnt="0"/>
+      <dgm:spPr/>
+    </dgm:pt>
+    <dgm:pt modelId="{2C9C59F1-E23B-4A08-AF79-C121EF43331A}" type="pres">
+      <dgm:prSet presAssocID="{9D99A6A5-150B-47AD-BA70-AC3BE35D6B5E}" presName="LShape" presStyleLbl="alignNode1" presStyleIdx="2" presStyleCnt="7"/>
+      <dgm:spPr/>
+    </dgm:pt>
+    <dgm:pt modelId="{3257873F-9C9E-4FBF-B2ED-20083FDF7C21}" type="pres">
+      <dgm:prSet presAssocID="{9D99A6A5-150B-47AD-BA70-AC3BE35D6B5E}" presName="ParentText" presStyleLbl="revTx" presStyleIdx="1" presStyleCnt="4">
+        <dgm:presLayoutVars>
+          <dgm:chMax val="0"/>
+          <dgm:chPref val="0"/>
+          <dgm:bulletEnabled val="1"/>
+        </dgm:presLayoutVars>
+      </dgm:prSet>
+      <dgm:spPr/>
+      <dgm:t>
+        <a:bodyPr/>
+        <a:lstStyle/>
+        <a:p>
+          <a:endParaRPr lang="zh-TW" altLang="en-US"/>
+        </a:p>
+      </dgm:t>
+    </dgm:pt>
+    <dgm:pt modelId="{24D17AD7-7F14-4BF4-9EDD-74F2CEF5DBD2}" type="pres">
+      <dgm:prSet presAssocID="{9D99A6A5-150B-47AD-BA70-AC3BE35D6B5E}" presName="Triangle" presStyleLbl="alignNode1" presStyleIdx="3" presStyleCnt="7"/>
+      <dgm:spPr/>
+    </dgm:pt>
+    <dgm:pt modelId="{49D06AB6-7E8A-4ED6-AB46-BF1C4D0C38A5}" type="pres">
+      <dgm:prSet presAssocID="{06F12F0C-EF44-4FBB-B682-EC167EF1836A}" presName="sibTrans" presStyleCnt="0"/>
+      <dgm:spPr/>
+    </dgm:pt>
+    <dgm:pt modelId="{AB4D28AB-7167-4469-B6AB-1737FD62811F}" type="pres">
+      <dgm:prSet presAssocID="{06F12F0C-EF44-4FBB-B682-EC167EF1836A}" presName="space" presStyleCnt="0"/>
+      <dgm:spPr/>
+    </dgm:pt>
+    <dgm:pt modelId="{24AC5E31-3F3D-4EEB-B64B-5D4088FD8DB1}" type="pres">
+      <dgm:prSet presAssocID="{A2E068F4-24FE-4AC0-B3A7-F37805BB8C90}" presName="composite" presStyleCnt="0"/>
+      <dgm:spPr/>
+    </dgm:pt>
+    <dgm:pt modelId="{4E36F85D-F216-4E6C-BFC1-882AA2CEEC03}" type="pres">
+      <dgm:prSet presAssocID="{A2E068F4-24FE-4AC0-B3A7-F37805BB8C90}" presName="LShape" presStyleLbl="alignNode1" presStyleIdx="4" presStyleCnt="7" custLinFactNeighborX="-3355" custLinFactNeighborY="430"/>
+      <dgm:spPr/>
+    </dgm:pt>
+    <dgm:pt modelId="{C2BC058C-26C0-4CA7-B72C-5822AE322F52}" type="pres">
+      <dgm:prSet presAssocID="{A2E068F4-24FE-4AC0-B3A7-F37805BB8C90}" presName="ParentText" presStyleLbl="revTx" presStyleIdx="2" presStyleCnt="4">
+        <dgm:presLayoutVars>
+          <dgm:chMax val="0"/>
+          <dgm:chPref val="0"/>
+          <dgm:bulletEnabled val="1"/>
+        </dgm:presLayoutVars>
+      </dgm:prSet>
+      <dgm:spPr/>
+      <dgm:t>
+        <a:bodyPr/>
+        <a:lstStyle/>
+        <a:p>
+          <a:endParaRPr lang="zh-TW" altLang="en-US"/>
+        </a:p>
+      </dgm:t>
+    </dgm:pt>
+    <dgm:pt modelId="{C572B888-8DCB-4796-8604-149AB6003104}" type="pres">
+      <dgm:prSet presAssocID="{A2E068F4-24FE-4AC0-B3A7-F37805BB8C90}" presName="Triangle" presStyleLbl="alignNode1" presStyleIdx="5" presStyleCnt="7"/>
+      <dgm:spPr/>
+    </dgm:pt>
+    <dgm:pt modelId="{42D74003-2FCE-4F8B-8838-101D65DFCE8C}" type="pres">
+      <dgm:prSet presAssocID="{B903D52D-9827-4F79-8A18-2D530603BF2B}" presName="sibTrans" presStyleCnt="0"/>
+      <dgm:spPr/>
+    </dgm:pt>
+    <dgm:pt modelId="{D7CD884F-887D-49BF-9414-15CBBC81E323}" type="pres">
+      <dgm:prSet presAssocID="{B903D52D-9827-4F79-8A18-2D530603BF2B}" presName="space" presStyleCnt="0"/>
+      <dgm:spPr/>
+    </dgm:pt>
+    <dgm:pt modelId="{2BF066B5-DC61-4660-9166-51DBC04891D0}" type="pres">
+      <dgm:prSet presAssocID="{6F01E1C7-28FD-449D-A78B-EF62C1B8FE1D}" presName="composite" presStyleCnt="0"/>
+      <dgm:spPr/>
+    </dgm:pt>
+    <dgm:pt modelId="{D0A3191D-8B88-430A-A687-2A82E7891E0B}" type="pres">
+      <dgm:prSet presAssocID="{6F01E1C7-28FD-449D-A78B-EF62C1B8FE1D}" presName="LShape" presStyleLbl="alignNode1" presStyleIdx="6" presStyleCnt="7"/>
+      <dgm:spPr/>
+    </dgm:pt>
+    <dgm:pt modelId="{F0D91889-6CAA-4364-9421-951B41C98604}" type="pres">
+      <dgm:prSet presAssocID="{6F01E1C7-28FD-449D-A78B-EF62C1B8FE1D}" presName="ParentText" presStyleLbl="revTx" presStyleIdx="3" presStyleCnt="4">
+        <dgm:presLayoutVars>
+          <dgm:chMax val="0"/>
+          <dgm:chPref val="0"/>
+          <dgm:bulletEnabled val="1"/>
+        </dgm:presLayoutVars>
+      </dgm:prSet>
+      <dgm:spPr/>
+      <dgm:t>
+        <a:bodyPr/>
+        <a:lstStyle/>
+        <a:p>
+          <a:endParaRPr lang="zh-TW" altLang="en-US"/>
+        </a:p>
+      </dgm:t>
+    </dgm:pt>
+  </dgm:ptLst>
+  <dgm:cxnLst>
+    <dgm:cxn modelId="{C1BD7772-214C-4809-A994-AF2BB4384F2F}" srcId="{6F863EC8-8499-42DA-9CDA-719F7EAC3223}" destId="{A2E068F4-24FE-4AC0-B3A7-F37805BB8C90}" srcOrd="2" destOrd="0" parTransId="{A1751232-64E1-46B6-92D9-42928F697659}" sibTransId="{B903D52D-9827-4F79-8A18-2D530603BF2B}"/>
+    <dgm:cxn modelId="{7FDD6584-88D7-40CB-8203-5C2A0EB7EC36}" srcId="{6F863EC8-8499-42DA-9CDA-719F7EAC3223}" destId="{9D99A6A5-150B-47AD-BA70-AC3BE35D6B5E}" srcOrd="1" destOrd="0" parTransId="{61B02D49-61AC-4461-9995-C13175BE8E35}" sibTransId="{06F12F0C-EF44-4FBB-B682-EC167EF1836A}"/>
+    <dgm:cxn modelId="{F7FAF28F-2F63-4F5A-AD8F-C8BF69A07AC5}" type="presOf" srcId="{A2E068F4-24FE-4AC0-B3A7-F37805BB8C90}" destId="{C2BC058C-26C0-4CA7-B72C-5822AE322F52}" srcOrd="0" destOrd="0" presId="urn:microsoft.com/office/officeart/2009/3/layout/StepUpProcess"/>
+    <dgm:cxn modelId="{7DD71BC0-5C07-4CE6-85BA-01AE8E3A8058}" type="presOf" srcId="{7F51953B-5626-429E-9B3D-300A74A5D080}" destId="{F867D52C-D8B1-4722-B6F1-D840248BD607}" srcOrd="0" destOrd="0" presId="urn:microsoft.com/office/officeart/2009/3/layout/StepUpProcess"/>
+    <dgm:cxn modelId="{6D6DDC7D-8F6E-4E4B-BE18-640C3F1DBA30}" srcId="{6F863EC8-8499-42DA-9CDA-719F7EAC3223}" destId="{6F01E1C7-28FD-449D-A78B-EF62C1B8FE1D}" srcOrd="3" destOrd="0" parTransId="{0C1F8C4C-8602-40C5-94B7-939D45B3C34B}" sibTransId="{27B5CEAD-6004-495A-9C94-12E61285E68B}"/>
+    <dgm:cxn modelId="{F8346367-3638-4D44-A8C1-C1C386B236B3}" type="presOf" srcId="{6F863EC8-8499-42DA-9CDA-719F7EAC3223}" destId="{19B5CFE9-785C-4DFF-9BB9-668DF05BF83C}" srcOrd="0" destOrd="0" presId="urn:microsoft.com/office/officeart/2009/3/layout/StepUpProcess"/>
+    <dgm:cxn modelId="{5CB5BF33-2A20-4939-B579-4AC81C1089A5}" srcId="{6F863EC8-8499-42DA-9CDA-719F7EAC3223}" destId="{7F51953B-5626-429E-9B3D-300A74A5D080}" srcOrd="0" destOrd="0" parTransId="{61CFEC76-C729-45F6-9DDE-6F6562ECC872}" sibTransId="{EC6F5AFE-0E87-429D-8E4B-CE86CCF950B2}"/>
+    <dgm:cxn modelId="{369E272A-3F10-4778-B901-7ECAAE892114}" type="presOf" srcId="{9D99A6A5-150B-47AD-BA70-AC3BE35D6B5E}" destId="{3257873F-9C9E-4FBF-B2ED-20083FDF7C21}" srcOrd="0" destOrd="0" presId="urn:microsoft.com/office/officeart/2009/3/layout/StepUpProcess"/>
+    <dgm:cxn modelId="{BB96889C-30C8-4365-B373-F5BC56855E5C}" type="presOf" srcId="{6F01E1C7-28FD-449D-A78B-EF62C1B8FE1D}" destId="{F0D91889-6CAA-4364-9421-951B41C98604}" srcOrd="0" destOrd="0" presId="urn:microsoft.com/office/officeart/2009/3/layout/StepUpProcess"/>
+    <dgm:cxn modelId="{C9BA4C65-11D3-4AA7-A356-9E9858C4CA6F}" type="presParOf" srcId="{19B5CFE9-785C-4DFF-9BB9-668DF05BF83C}" destId="{DF757156-F124-48AC-BB83-FD1FA676031E}" srcOrd="0" destOrd="0" presId="urn:microsoft.com/office/officeart/2009/3/layout/StepUpProcess"/>
+    <dgm:cxn modelId="{9EC49BE5-AA49-4B99-8DF8-492FA4214FF8}" type="presParOf" srcId="{DF757156-F124-48AC-BB83-FD1FA676031E}" destId="{DDE4222C-5260-4141-B408-A8E874DDB9D1}" srcOrd="0" destOrd="0" presId="urn:microsoft.com/office/officeart/2009/3/layout/StepUpProcess"/>
+    <dgm:cxn modelId="{0194AEE9-B731-47DC-81AE-2415541B28D7}" type="presParOf" srcId="{DF757156-F124-48AC-BB83-FD1FA676031E}" destId="{F867D52C-D8B1-4722-B6F1-D840248BD607}" srcOrd="1" destOrd="0" presId="urn:microsoft.com/office/officeart/2009/3/layout/StepUpProcess"/>
+    <dgm:cxn modelId="{7E3D2DDC-2846-4347-AB30-82EB412A77D0}" type="presParOf" srcId="{DF757156-F124-48AC-BB83-FD1FA676031E}" destId="{217C7689-8AF1-4F03-A7AD-E7B3F7AB6F25}" srcOrd="2" destOrd="0" presId="urn:microsoft.com/office/officeart/2009/3/layout/StepUpProcess"/>
+    <dgm:cxn modelId="{2434EA17-1CE0-4CDF-9DFD-31252C4D5384}" type="presParOf" srcId="{19B5CFE9-785C-4DFF-9BB9-668DF05BF83C}" destId="{3057FA24-B134-4B95-AA36-8918AB684B63}" srcOrd="1" destOrd="0" presId="urn:microsoft.com/office/officeart/2009/3/layout/StepUpProcess"/>
+    <dgm:cxn modelId="{19C4ED4E-6AF4-4529-B014-A0893BD714EE}" type="presParOf" srcId="{3057FA24-B134-4B95-AA36-8918AB684B63}" destId="{4226A9E7-5617-4438-B14D-9790B7628905}" srcOrd="0" destOrd="0" presId="urn:microsoft.com/office/officeart/2009/3/layout/StepUpProcess"/>
+    <dgm:cxn modelId="{4DCC08FD-E5AD-4258-B566-D33898F5E746}" type="presParOf" srcId="{19B5CFE9-785C-4DFF-9BB9-668DF05BF83C}" destId="{70C9724A-7BBB-4841-BEF3-36DB1B57A3DF}" srcOrd="2" destOrd="0" presId="urn:microsoft.com/office/officeart/2009/3/layout/StepUpProcess"/>
+    <dgm:cxn modelId="{B3CDC95D-C119-4D58-A531-44C305330707}" type="presParOf" srcId="{70C9724A-7BBB-4841-BEF3-36DB1B57A3DF}" destId="{2C9C59F1-E23B-4A08-AF79-C121EF43331A}" srcOrd="0" destOrd="0" presId="urn:microsoft.com/office/officeart/2009/3/layout/StepUpProcess"/>
+    <dgm:cxn modelId="{12E84E7A-9BCE-4655-90A8-B9D6C195392E}" type="presParOf" srcId="{70C9724A-7BBB-4841-BEF3-36DB1B57A3DF}" destId="{3257873F-9C9E-4FBF-B2ED-20083FDF7C21}" srcOrd="1" destOrd="0" presId="urn:microsoft.com/office/officeart/2009/3/layout/StepUpProcess"/>
+    <dgm:cxn modelId="{D5C07D97-9CD7-4CF1-A4A4-0F7371381425}" type="presParOf" srcId="{70C9724A-7BBB-4841-BEF3-36DB1B57A3DF}" destId="{24D17AD7-7F14-4BF4-9EDD-74F2CEF5DBD2}" srcOrd="2" destOrd="0" presId="urn:microsoft.com/office/officeart/2009/3/layout/StepUpProcess"/>
+    <dgm:cxn modelId="{66199D62-248F-45E8-B0BC-150F6B9FC36B}" type="presParOf" srcId="{19B5CFE9-785C-4DFF-9BB9-668DF05BF83C}" destId="{49D06AB6-7E8A-4ED6-AB46-BF1C4D0C38A5}" srcOrd="3" destOrd="0" presId="urn:microsoft.com/office/officeart/2009/3/layout/StepUpProcess"/>
+    <dgm:cxn modelId="{FCD9FE4A-A954-46D5-8325-9AE9B497FF48}" type="presParOf" srcId="{49D06AB6-7E8A-4ED6-AB46-BF1C4D0C38A5}" destId="{AB4D28AB-7167-4469-B6AB-1737FD62811F}" srcOrd="0" destOrd="0" presId="urn:microsoft.com/office/officeart/2009/3/layout/StepUpProcess"/>
+    <dgm:cxn modelId="{CE78D58F-43BC-4968-B0A8-234E13A0AABA}" type="presParOf" srcId="{19B5CFE9-785C-4DFF-9BB9-668DF05BF83C}" destId="{24AC5E31-3F3D-4EEB-B64B-5D4088FD8DB1}" srcOrd="4" destOrd="0" presId="urn:microsoft.com/office/officeart/2009/3/layout/StepUpProcess"/>
+    <dgm:cxn modelId="{CF5072D3-CEB9-4971-A364-10928289CC4B}" type="presParOf" srcId="{24AC5E31-3F3D-4EEB-B64B-5D4088FD8DB1}" destId="{4E36F85D-F216-4E6C-BFC1-882AA2CEEC03}" srcOrd="0" destOrd="0" presId="urn:microsoft.com/office/officeart/2009/3/layout/StepUpProcess"/>
+    <dgm:cxn modelId="{720D74A2-3556-4755-8FA4-D4A1420C7F4A}" type="presParOf" srcId="{24AC5E31-3F3D-4EEB-B64B-5D4088FD8DB1}" destId="{C2BC058C-26C0-4CA7-B72C-5822AE322F52}" srcOrd="1" destOrd="0" presId="urn:microsoft.com/office/officeart/2009/3/layout/StepUpProcess"/>
+    <dgm:cxn modelId="{C8A9627F-DC46-40BA-8E48-F0B40965B675}" type="presParOf" srcId="{24AC5E31-3F3D-4EEB-B64B-5D4088FD8DB1}" destId="{C572B888-8DCB-4796-8604-149AB6003104}" srcOrd="2" destOrd="0" presId="urn:microsoft.com/office/officeart/2009/3/layout/StepUpProcess"/>
+    <dgm:cxn modelId="{B5607AFF-71BB-4EC2-B784-48292A0C0FCC}" type="presParOf" srcId="{19B5CFE9-785C-4DFF-9BB9-668DF05BF83C}" destId="{42D74003-2FCE-4F8B-8838-101D65DFCE8C}" srcOrd="5" destOrd="0" presId="urn:microsoft.com/office/officeart/2009/3/layout/StepUpProcess"/>
+    <dgm:cxn modelId="{CD9D82C7-1717-4140-BEAF-FE96FE3B0332}" type="presParOf" srcId="{42D74003-2FCE-4F8B-8838-101D65DFCE8C}" destId="{D7CD884F-887D-49BF-9414-15CBBC81E323}" srcOrd="0" destOrd="0" presId="urn:microsoft.com/office/officeart/2009/3/layout/StepUpProcess"/>
+    <dgm:cxn modelId="{D512CA44-E82E-4942-9D7A-37F3411D943F}" type="presParOf" srcId="{19B5CFE9-785C-4DFF-9BB9-668DF05BF83C}" destId="{2BF066B5-DC61-4660-9166-51DBC04891D0}" srcOrd="6" destOrd="0" presId="urn:microsoft.com/office/officeart/2009/3/layout/StepUpProcess"/>
+    <dgm:cxn modelId="{8ED9A7F7-275D-4FA4-833E-74AD44092973}" type="presParOf" srcId="{2BF066B5-DC61-4660-9166-51DBC04891D0}" destId="{D0A3191D-8B88-430A-A687-2A82E7891E0B}" srcOrd="0" destOrd="0" presId="urn:microsoft.com/office/officeart/2009/3/layout/StepUpProcess"/>
+    <dgm:cxn modelId="{2C1E3CD2-FAD8-4F84-BB90-2C6212D2FCD1}" type="presParOf" srcId="{2BF066B5-DC61-4660-9166-51DBC04891D0}" destId="{F0D91889-6CAA-4364-9421-951B41C98604}" srcOrd="1" destOrd="0" presId="urn:microsoft.com/office/officeart/2009/3/layout/StepUpProcess"/>
+  </dgm:cxnLst>
+  <dgm:bg/>
+  <dgm:whole/>
+  <dgm:extLst>
+    <a:ext uri="http://schemas.microsoft.com/office/drawing/2008/diagram">
+      <dsp:dataModelExt xmlns:dsp="http://schemas.microsoft.com/office/drawing/2008/diagram" relId="rId7" minVer="http://schemas.openxmlformats.org/drawingml/2006/diagram"/>
+    </a:ext>
+  </dgm:extLst>
+</dgm:dataModel>
+</file>
+
+<file path=ppt/diagrams/drawing1.xml><?xml version="1.0" encoding="utf-8"?>
+<dsp:drawing xmlns:dgm="http://schemas.openxmlformats.org/drawingml/2006/diagram" xmlns:dsp="http://schemas.microsoft.com/office/drawing/2008/diagram" xmlns:a="http://schemas.openxmlformats.org/drawingml/2006/main">
+  <dsp:spTree>
+    <dsp:nvGrpSpPr>
+      <dsp:cNvPr id="0" name=""/>
+      <dsp:cNvGrpSpPr/>
+    </dsp:nvGrpSpPr>
+    <dsp:grpSpPr/>
+    <dsp:sp modelId="{DDE4222C-5260-4141-B408-A8E874DDB9D1}">
+      <dsp:nvSpPr>
+        <dsp:cNvPr id="0" name=""/>
+        <dsp:cNvSpPr/>
+      </dsp:nvSpPr>
+      <dsp:spPr>
+        <a:xfrm rot="5400000">
+          <a:off x="270227" y="2083846"/>
+          <a:ext cx="801339" cy="1333411"/>
+        </a:xfrm>
+        <a:prstGeom prst="corner">
+          <a:avLst>
+            <a:gd name="adj1" fmla="val 16120"/>
+            <a:gd name="adj2" fmla="val 16110"/>
+          </a:avLst>
+        </a:prstGeom>
+        <a:gradFill rotWithShape="0">
+          <a:gsLst>
+            <a:gs pos="0">
+              <a:schemeClr val="accent5">
+                <a:hueOff val="0"/>
+                <a:satOff val="0"/>
+                <a:lumOff val="0"/>
+                <a:alphaOff val="0"/>
+                <a:tint val="100000"/>
+                <a:shade val="100000"/>
+                <a:satMod val="130000"/>
+              </a:schemeClr>
+            </a:gs>
+            <a:gs pos="100000">
+              <a:schemeClr val="accent5">
+                <a:hueOff val="0"/>
+                <a:satOff val="0"/>
+                <a:lumOff val="0"/>
+                <a:alphaOff val="0"/>
+                <a:tint val="50000"/>
+                <a:shade val="100000"/>
+                <a:satMod val="350000"/>
+              </a:schemeClr>
+            </a:gs>
+          </a:gsLst>
+          <a:lin ang="16200000" scaled="0"/>
+        </a:gradFill>
+        <a:ln w="9525" cap="flat" cmpd="sng" algn="ctr">
+          <a:solidFill>
+            <a:schemeClr val="accent5">
+              <a:hueOff val="0"/>
+              <a:satOff val="0"/>
+              <a:lumOff val="0"/>
+              <a:alphaOff val="0"/>
+            </a:schemeClr>
+          </a:solidFill>
+          <a:prstDash val="solid"/>
+        </a:ln>
+        <a:effectLst>
+          <a:outerShdw blurRad="40000" dist="23000" dir="5400000" rotWithShape="0">
+            <a:srgbClr val="000000">
+              <a:alpha val="35000"/>
+            </a:srgbClr>
+          </a:outerShdw>
+        </a:effectLst>
+        <a:scene3d>
+          <a:camera prst="orthographicFront"/>
+          <a:lightRig rig="flat" dir="t"/>
+        </a:scene3d>
+        <a:sp3d prstMaterial="plastic">
+          <a:bevelT w="120900" h="88900"/>
+          <a:bevelB w="88900" h="31750" prst="angle"/>
+        </a:sp3d>
+      </dsp:spPr>
+      <dsp:style>
+        <a:lnRef idx="1">
+          <a:scrgbClr r="0" g="0" b="0"/>
+        </a:lnRef>
+        <a:fillRef idx="3">
+          <a:scrgbClr r="0" g="0" b="0"/>
+        </a:fillRef>
+        <a:effectRef idx="2">
+          <a:scrgbClr r="0" g="0" b="0"/>
+        </a:effectRef>
+        <a:fontRef idx="minor">
+          <a:schemeClr val="lt1"/>
+        </a:fontRef>
+      </dsp:style>
+    </dsp:sp>
+    <dsp:sp modelId="{F867D52C-D8B1-4722-B6F1-D840248BD607}">
+      <dsp:nvSpPr>
+        <dsp:cNvPr id="0" name=""/>
+        <dsp:cNvSpPr/>
+      </dsp:nvSpPr>
+      <dsp:spPr>
+        <a:xfrm>
+          <a:off x="136463" y="2482249"/>
+          <a:ext cx="1203811" cy="1055211"/>
+        </a:xfrm>
+        <a:prstGeom prst="rect">
+          <a:avLst/>
+        </a:prstGeom>
+        <a:noFill/>
+        <a:ln>
+          <a:noFill/>
+        </a:ln>
+        <a:effectLst/>
+      </dsp:spPr>
+      <dsp:style>
+        <a:lnRef idx="0">
+          <a:scrgbClr r="0" g="0" b="0"/>
+        </a:lnRef>
+        <a:fillRef idx="0">
+          <a:scrgbClr r="0" g="0" b="0"/>
+        </a:fillRef>
+        <a:effectRef idx="0">
+          <a:scrgbClr r="0" g="0" b="0"/>
+        </a:effectRef>
+        <a:fontRef idx="minor"/>
+      </dsp:style>
+      <dsp:txBody>
+        <a:bodyPr spcFirstLastPara="0" vert="horz" wrap="square" lIns="76200" tIns="76200" rIns="76200" bIns="76200" numCol="1" spcCol="1270" anchor="t" anchorCtr="0">
+          <a:noAutofit/>
+        </a:bodyPr>
+        <a:lstStyle/>
+        <a:p>
+          <a:pPr lvl="0" algn="l" defTabSz="889000">
+            <a:lnSpc>
+              <a:spcPct val="90000"/>
+            </a:lnSpc>
+            <a:spcBef>
+              <a:spcPct val="0"/>
+            </a:spcBef>
+            <a:spcAft>
+              <a:spcPct val="35000"/>
+            </a:spcAft>
+          </a:pPr>
+          <a:r>
+            <a:rPr lang="zh-TW" altLang="en-US" sz="2000" b="1" kern="1200" dirty="0" smtClean="0">
+              <a:latin typeface="標楷體" pitchFamily="65" charset="-120"/>
+              <a:ea typeface="標楷體" pitchFamily="65" charset="-120"/>
+            </a:rPr>
+            <a:t>查詢食譜</a:t>
+          </a:r>
+          <a:endParaRPr lang="zh-TW" altLang="en-US" sz="2000" kern="1200" dirty="0"/>
+        </a:p>
+      </dsp:txBody>
+      <dsp:txXfrm>
+        <a:off x="136463" y="2482249"/>
+        <a:ext cx="1203811" cy="1055211"/>
+      </dsp:txXfrm>
+    </dsp:sp>
+    <dsp:sp modelId="{217C7689-8AF1-4F03-A7AD-E7B3F7AB6F25}">
+      <dsp:nvSpPr>
+        <dsp:cNvPr id="0" name=""/>
+        <dsp:cNvSpPr/>
+      </dsp:nvSpPr>
+      <dsp:spPr>
+        <a:xfrm>
+          <a:off x="1113140" y="1985679"/>
+          <a:ext cx="227134" cy="227134"/>
+        </a:xfrm>
+        <a:prstGeom prst="triangle">
+          <a:avLst>
+            <a:gd name="adj" fmla="val 100000"/>
+          </a:avLst>
+        </a:prstGeom>
+        <a:gradFill rotWithShape="0">
+          <a:gsLst>
+            <a:gs pos="0">
+              <a:schemeClr val="accent5">
+                <a:hueOff val="671912"/>
+                <a:satOff val="189"/>
+                <a:lumOff val="-2706"/>
+                <a:alphaOff val="0"/>
+                <a:tint val="100000"/>
+                <a:shade val="100000"/>
+                <a:satMod val="130000"/>
+              </a:schemeClr>
+            </a:gs>
+            <a:gs pos="100000">
+              <a:schemeClr val="accent5">
+                <a:hueOff val="671912"/>
+                <a:satOff val="189"/>
+                <a:lumOff val="-2706"/>
+                <a:alphaOff val="0"/>
+                <a:tint val="50000"/>
+                <a:shade val="100000"/>
+                <a:satMod val="350000"/>
+              </a:schemeClr>
+            </a:gs>
+          </a:gsLst>
+          <a:lin ang="16200000" scaled="0"/>
+        </a:gradFill>
+        <a:ln w="9525" cap="flat" cmpd="sng" algn="ctr">
+          <a:solidFill>
+            <a:schemeClr val="accent5">
+              <a:hueOff val="671912"/>
+              <a:satOff val="189"/>
+              <a:lumOff val="-2706"/>
+              <a:alphaOff val="0"/>
+            </a:schemeClr>
+          </a:solidFill>
+          <a:prstDash val="solid"/>
+        </a:ln>
+        <a:effectLst>
+          <a:outerShdw blurRad="40000" dist="23000" dir="5400000" rotWithShape="0">
+            <a:srgbClr val="000000">
+              <a:alpha val="35000"/>
+            </a:srgbClr>
+          </a:outerShdw>
+        </a:effectLst>
+        <a:scene3d>
+          <a:camera prst="orthographicFront"/>
+          <a:lightRig rig="flat" dir="t"/>
+        </a:scene3d>
+        <a:sp3d prstMaterial="plastic">
+          <a:bevelT w="120900" h="88900"/>
+          <a:bevelB w="88900" h="31750" prst="angle"/>
+        </a:sp3d>
+      </dsp:spPr>
+      <dsp:style>
+        <a:lnRef idx="1">
+          <a:scrgbClr r="0" g="0" b="0"/>
+        </a:lnRef>
+        <a:fillRef idx="3">
+          <a:scrgbClr r="0" g="0" b="0"/>
+        </a:fillRef>
+        <a:effectRef idx="2">
+          <a:scrgbClr r="0" g="0" b="0"/>
+        </a:effectRef>
+        <a:fontRef idx="minor">
+          <a:schemeClr val="lt1"/>
+        </a:fontRef>
+      </dsp:style>
+    </dsp:sp>
+    <dsp:sp modelId="{9D9C3F2F-FF90-476C-9462-E6E220A4F8F6}">
+      <dsp:nvSpPr>
+        <dsp:cNvPr id="0" name=""/>
+        <dsp:cNvSpPr/>
+      </dsp:nvSpPr>
+      <dsp:spPr>
+        <a:xfrm rot="5400000">
+          <a:off x="1743927" y="1719177"/>
+          <a:ext cx="801339" cy="1333411"/>
+        </a:xfrm>
+        <a:prstGeom prst="corner">
+          <a:avLst>
+            <a:gd name="adj1" fmla="val 16120"/>
+            <a:gd name="adj2" fmla="val 16110"/>
+          </a:avLst>
+        </a:prstGeom>
+        <a:gradFill rotWithShape="0">
+          <a:gsLst>
+            <a:gs pos="0">
+              <a:schemeClr val="accent5">
+                <a:hueOff val="1343823"/>
+                <a:satOff val="378"/>
+                <a:lumOff val="-5412"/>
+                <a:alphaOff val="0"/>
+                <a:tint val="100000"/>
+                <a:shade val="100000"/>
+                <a:satMod val="130000"/>
+              </a:schemeClr>
+            </a:gs>
+            <a:gs pos="100000">
+              <a:schemeClr val="accent5">
+                <a:hueOff val="1343823"/>
+                <a:satOff val="378"/>
+                <a:lumOff val="-5412"/>
+                <a:alphaOff val="0"/>
+                <a:tint val="50000"/>
+                <a:shade val="100000"/>
+                <a:satMod val="350000"/>
+              </a:schemeClr>
+            </a:gs>
+          </a:gsLst>
+          <a:lin ang="16200000" scaled="0"/>
+        </a:gradFill>
+        <a:ln w="9525" cap="flat" cmpd="sng" algn="ctr">
+          <a:solidFill>
+            <a:schemeClr val="accent5">
+              <a:hueOff val="1343823"/>
+              <a:satOff val="378"/>
+              <a:lumOff val="-5412"/>
+              <a:alphaOff val="0"/>
+            </a:schemeClr>
+          </a:solidFill>
+          <a:prstDash val="solid"/>
+        </a:ln>
+        <a:effectLst>
+          <a:outerShdw blurRad="40000" dist="23000" dir="5400000" rotWithShape="0">
+            <a:srgbClr val="000000">
+              <a:alpha val="35000"/>
+            </a:srgbClr>
+          </a:outerShdw>
+        </a:effectLst>
+        <a:scene3d>
+          <a:camera prst="orthographicFront"/>
+          <a:lightRig rig="flat" dir="t"/>
+        </a:scene3d>
+        <a:sp3d prstMaterial="plastic">
+          <a:bevelT w="120900" h="88900"/>
+          <a:bevelB w="88900" h="31750" prst="angle"/>
+        </a:sp3d>
+      </dsp:spPr>
+      <dsp:style>
+        <a:lnRef idx="1">
+          <a:scrgbClr r="0" g="0" b="0"/>
+        </a:lnRef>
+        <a:fillRef idx="3">
+          <a:scrgbClr r="0" g="0" b="0"/>
+        </a:fillRef>
+        <a:effectRef idx="2">
+          <a:scrgbClr r="0" g="0" b="0"/>
+        </a:effectRef>
+        <a:fontRef idx="minor">
+          <a:schemeClr val="lt1"/>
+        </a:fontRef>
+      </dsp:style>
+    </dsp:sp>
+    <dsp:sp modelId="{F6EC8E80-E333-4A11-BE20-F3AFFC3B37F5}">
+      <dsp:nvSpPr>
+        <dsp:cNvPr id="0" name=""/>
+        <dsp:cNvSpPr/>
+      </dsp:nvSpPr>
+      <dsp:spPr>
+        <a:xfrm>
+          <a:off x="1610164" y="2117580"/>
+          <a:ext cx="1203811" cy="1055211"/>
+        </a:xfrm>
+        <a:prstGeom prst="rect">
+          <a:avLst/>
+        </a:prstGeom>
+        <a:noFill/>
+        <a:ln>
+          <a:noFill/>
+        </a:ln>
+        <a:effectLst/>
+      </dsp:spPr>
+      <dsp:style>
+        <a:lnRef idx="0">
+          <a:scrgbClr r="0" g="0" b="0"/>
+        </a:lnRef>
+        <a:fillRef idx="0">
+          <a:scrgbClr r="0" g="0" b="0"/>
+        </a:fillRef>
+        <a:effectRef idx="0">
+          <a:scrgbClr r="0" g="0" b="0"/>
+        </a:effectRef>
+        <a:fontRef idx="minor"/>
+      </dsp:style>
+      <dsp:txBody>
+        <a:bodyPr spcFirstLastPara="0" vert="horz" wrap="square" lIns="76200" tIns="76200" rIns="76200" bIns="76200" numCol="1" spcCol="1270" anchor="t" anchorCtr="0">
+          <a:noAutofit/>
+        </a:bodyPr>
+        <a:lstStyle/>
+        <a:p>
+          <a:pPr lvl="0" algn="l" defTabSz="889000">
+            <a:lnSpc>
+              <a:spcPct val="90000"/>
+            </a:lnSpc>
+            <a:spcBef>
+              <a:spcPct val="0"/>
+            </a:spcBef>
+            <a:spcAft>
+              <a:spcPct val="35000"/>
+            </a:spcAft>
+          </a:pPr>
+          <a:r>
+            <a:rPr lang="zh-TW" altLang="en-US" sz="2000" b="1" kern="1200" dirty="0" smtClean="0">
+              <a:latin typeface="標楷體" pitchFamily="65" charset="-120"/>
+              <a:ea typeface="標楷體" pitchFamily="65" charset="-120"/>
+            </a:rPr>
+            <a:t>選擇需要的食譜</a:t>
+          </a:r>
+          <a:endParaRPr lang="zh-TW" altLang="en-US" sz="2000" kern="1200" dirty="0"/>
+        </a:p>
+      </dsp:txBody>
+      <dsp:txXfrm>
+        <a:off x="1610164" y="2117580"/>
+        <a:ext cx="1203811" cy="1055211"/>
+      </dsp:txXfrm>
+    </dsp:sp>
+    <dsp:sp modelId="{2747D39A-A6A9-4552-9148-4E14B2C59380}">
+      <dsp:nvSpPr>
+        <dsp:cNvPr id="0" name=""/>
+        <dsp:cNvSpPr/>
+      </dsp:nvSpPr>
+      <dsp:spPr>
+        <a:xfrm>
+          <a:off x="2586841" y="1621010"/>
+          <a:ext cx="227134" cy="227134"/>
+        </a:xfrm>
+        <a:prstGeom prst="triangle">
+          <a:avLst>
+            <a:gd name="adj" fmla="val 100000"/>
+          </a:avLst>
+        </a:prstGeom>
+        <a:gradFill rotWithShape="0">
+          <a:gsLst>
+            <a:gs pos="0">
+              <a:schemeClr val="accent5">
+                <a:hueOff val="2015735"/>
+                <a:satOff val="567"/>
+                <a:lumOff val="-8118"/>
+                <a:alphaOff val="0"/>
+                <a:tint val="100000"/>
+                <a:shade val="100000"/>
+                <a:satMod val="130000"/>
+              </a:schemeClr>
+            </a:gs>
+            <a:gs pos="100000">
+              <a:schemeClr val="accent5">
+                <a:hueOff val="2015735"/>
+                <a:satOff val="567"/>
+                <a:lumOff val="-8118"/>
+                <a:alphaOff val="0"/>
+                <a:tint val="50000"/>
+                <a:shade val="100000"/>
+                <a:satMod val="350000"/>
+              </a:schemeClr>
+            </a:gs>
+          </a:gsLst>
+          <a:lin ang="16200000" scaled="0"/>
+        </a:gradFill>
+        <a:ln w="9525" cap="flat" cmpd="sng" algn="ctr">
+          <a:solidFill>
+            <a:schemeClr val="accent5">
+              <a:hueOff val="2015735"/>
+              <a:satOff val="567"/>
+              <a:lumOff val="-8118"/>
+              <a:alphaOff val="0"/>
+            </a:schemeClr>
+          </a:solidFill>
+          <a:prstDash val="solid"/>
+        </a:ln>
+        <a:effectLst>
+          <a:outerShdw blurRad="40000" dist="23000" dir="5400000" rotWithShape="0">
+            <a:srgbClr val="000000">
+              <a:alpha val="35000"/>
+            </a:srgbClr>
+          </a:outerShdw>
+        </a:effectLst>
+        <a:scene3d>
+          <a:camera prst="orthographicFront"/>
+          <a:lightRig rig="flat" dir="t"/>
+        </a:scene3d>
+        <a:sp3d prstMaterial="plastic">
+          <a:bevelT w="120900" h="88900"/>
+          <a:bevelB w="88900" h="31750" prst="angle"/>
+        </a:sp3d>
+      </dsp:spPr>
+      <dsp:style>
+        <a:lnRef idx="1">
+          <a:scrgbClr r="0" g="0" b="0"/>
+        </a:lnRef>
+        <a:fillRef idx="3">
+          <a:scrgbClr r="0" g="0" b="0"/>
+        </a:fillRef>
+        <a:effectRef idx="2">
+          <a:scrgbClr r="0" g="0" b="0"/>
+        </a:effectRef>
+        <a:fontRef idx="minor">
+          <a:schemeClr val="lt1"/>
+        </a:fontRef>
+      </dsp:style>
+    </dsp:sp>
+    <dsp:sp modelId="{3C7E3EDD-0430-4E2B-9D09-074D3837FAD9}">
+      <dsp:nvSpPr>
+        <dsp:cNvPr id="0" name=""/>
+        <dsp:cNvSpPr/>
+      </dsp:nvSpPr>
+      <dsp:spPr>
+        <a:xfrm rot="5400000">
+          <a:off x="3217627" y="1354509"/>
+          <a:ext cx="801339" cy="1333411"/>
+        </a:xfrm>
+        <a:prstGeom prst="corner">
+          <a:avLst>
+            <a:gd name="adj1" fmla="val 16120"/>
+            <a:gd name="adj2" fmla="val 16110"/>
+          </a:avLst>
+        </a:prstGeom>
+        <a:gradFill rotWithShape="0">
+          <a:gsLst>
+            <a:gs pos="0">
+              <a:schemeClr val="accent5">
+                <a:hueOff val="2687647"/>
+                <a:satOff val="756"/>
+                <a:lumOff val="-10824"/>
+                <a:alphaOff val="0"/>
+                <a:tint val="100000"/>
+                <a:shade val="100000"/>
+                <a:satMod val="130000"/>
+              </a:schemeClr>
+            </a:gs>
+            <a:gs pos="100000">
+              <a:schemeClr val="accent5">
+                <a:hueOff val="2687647"/>
+                <a:satOff val="756"/>
+                <a:lumOff val="-10824"/>
+                <a:alphaOff val="0"/>
+                <a:tint val="50000"/>
+                <a:shade val="100000"/>
+                <a:satMod val="350000"/>
+              </a:schemeClr>
+            </a:gs>
+          </a:gsLst>
+          <a:lin ang="16200000" scaled="0"/>
+        </a:gradFill>
+        <a:ln w="9525" cap="flat" cmpd="sng" algn="ctr">
+          <a:solidFill>
+            <a:schemeClr val="accent5">
+              <a:hueOff val="2687647"/>
+              <a:satOff val="756"/>
+              <a:lumOff val="-10824"/>
+              <a:alphaOff val="0"/>
+            </a:schemeClr>
+          </a:solidFill>
+          <a:prstDash val="solid"/>
+        </a:ln>
+        <a:effectLst>
+          <a:outerShdw blurRad="40000" dist="23000" dir="5400000" rotWithShape="0">
+            <a:srgbClr val="000000">
+              <a:alpha val="35000"/>
+            </a:srgbClr>
+          </a:outerShdw>
+        </a:effectLst>
+        <a:scene3d>
+          <a:camera prst="orthographicFront"/>
+          <a:lightRig rig="flat" dir="t"/>
+        </a:scene3d>
+        <a:sp3d prstMaterial="plastic">
+          <a:bevelT w="120900" h="88900"/>
+          <a:bevelB w="88900" h="31750" prst="angle"/>
+        </a:sp3d>
+      </dsp:spPr>
+      <dsp:style>
+        <a:lnRef idx="1">
+          <a:scrgbClr r="0" g="0" b="0"/>
+        </a:lnRef>
+        <a:fillRef idx="3">
+          <a:scrgbClr r="0" g="0" b="0"/>
+        </a:fillRef>
+        <a:effectRef idx="2">
+          <a:scrgbClr r="0" g="0" b="0"/>
+        </a:effectRef>
+        <a:fontRef idx="minor">
+          <a:schemeClr val="lt1"/>
+        </a:fontRef>
+      </dsp:style>
+    </dsp:sp>
+    <dsp:sp modelId="{1CC17573-4528-4EA1-8E38-26D758E6DE29}">
+      <dsp:nvSpPr>
+        <dsp:cNvPr id="0" name=""/>
+        <dsp:cNvSpPr/>
+      </dsp:nvSpPr>
+      <dsp:spPr>
+        <a:xfrm>
+          <a:off x="3083864" y="1752912"/>
+          <a:ext cx="1203811" cy="1055211"/>
+        </a:xfrm>
+        <a:prstGeom prst="rect">
+          <a:avLst/>
+        </a:prstGeom>
+        <a:noFill/>
+        <a:ln>
+          <a:noFill/>
+        </a:ln>
+        <a:effectLst/>
+      </dsp:spPr>
+      <dsp:style>
+        <a:lnRef idx="0">
+          <a:scrgbClr r="0" g="0" b="0"/>
+        </a:lnRef>
+        <a:fillRef idx="0">
+          <a:scrgbClr r="0" g="0" b="0"/>
+        </a:fillRef>
+        <a:effectRef idx="0">
+          <a:scrgbClr r="0" g="0" b="0"/>
+        </a:effectRef>
+        <a:fontRef idx="minor"/>
+      </dsp:style>
+      <dsp:txBody>
+        <a:bodyPr spcFirstLastPara="0" vert="horz" wrap="square" lIns="76200" tIns="76200" rIns="76200" bIns="76200" numCol="1" spcCol="1270" anchor="t" anchorCtr="0">
+          <a:noAutofit/>
+        </a:bodyPr>
+        <a:lstStyle/>
+        <a:p>
+          <a:pPr lvl="0" algn="l" defTabSz="889000">
+            <a:lnSpc>
+              <a:spcPct val="90000"/>
+            </a:lnSpc>
+            <a:spcBef>
+              <a:spcPct val="0"/>
+            </a:spcBef>
+            <a:spcAft>
+              <a:spcPct val="35000"/>
+            </a:spcAft>
+          </a:pPr>
+          <a:r>
+            <a:rPr lang="zh-TW" altLang="en-US" sz="2000" b="1" kern="1200" dirty="0" smtClean="0">
+              <a:latin typeface="標楷體" pitchFamily="65" charset="-120"/>
+              <a:ea typeface="標楷體" pitchFamily="65" charset="-120"/>
+            </a:rPr>
+            <a:t>查看食譜的食材</a:t>
+          </a:r>
+          <a:endParaRPr lang="zh-TW" altLang="en-US" sz="2000" kern="1200" dirty="0"/>
+        </a:p>
+      </dsp:txBody>
+      <dsp:txXfrm>
+        <a:off x="3083864" y="1752912"/>
+        <a:ext cx="1203811" cy="1055211"/>
+      </dsp:txXfrm>
+    </dsp:sp>
+    <dsp:sp modelId="{3BD55416-61F5-45AB-BF79-A6CF91CD606E}">
+      <dsp:nvSpPr>
+        <dsp:cNvPr id="0" name=""/>
+        <dsp:cNvSpPr/>
+      </dsp:nvSpPr>
+      <dsp:spPr>
+        <a:xfrm>
+          <a:off x="4060541" y="1256342"/>
+          <a:ext cx="227134" cy="227134"/>
+        </a:xfrm>
+        <a:prstGeom prst="triangle">
+          <a:avLst>
+            <a:gd name="adj" fmla="val 100000"/>
+          </a:avLst>
+        </a:prstGeom>
+        <a:gradFill rotWithShape="0">
+          <a:gsLst>
+            <a:gs pos="0">
+              <a:schemeClr val="accent5">
+                <a:hueOff val="3359558"/>
+                <a:satOff val="945"/>
+                <a:lumOff val="-13530"/>
+                <a:alphaOff val="0"/>
+                <a:tint val="100000"/>
+                <a:shade val="100000"/>
+                <a:satMod val="130000"/>
+              </a:schemeClr>
+            </a:gs>
+            <a:gs pos="100000">
+              <a:schemeClr val="accent5">
+                <a:hueOff val="3359558"/>
+                <a:satOff val="945"/>
+                <a:lumOff val="-13530"/>
+                <a:alphaOff val="0"/>
+                <a:tint val="50000"/>
+                <a:shade val="100000"/>
+                <a:satMod val="350000"/>
+              </a:schemeClr>
+            </a:gs>
+          </a:gsLst>
+          <a:lin ang="16200000" scaled="0"/>
+        </a:gradFill>
+        <a:ln w="9525" cap="flat" cmpd="sng" algn="ctr">
+          <a:solidFill>
+            <a:schemeClr val="accent5">
+              <a:hueOff val="3359558"/>
+              <a:satOff val="945"/>
+              <a:lumOff val="-13530"/>
+              <a:alphaOff val="0"/>
+            </a:schemeClr>
+          </a:solidFill>
+          <a:prstDash val="solid"/>
+        </a:ln>
+        <a:effectLst>
+          <a:outerShdw blurRad="40000" dist="23000" dir="5400000" rotWithShape="0">
+            <a:srgbClr val="000000">
+              <a:alpha val="35000"/>
+            </a:srgbClr>
+          </a:outerShdw>
+        </a:effectLst>
+        <a:scene3d>
+          <a:camera prst="orthographicFront"/>
+          <a:lightRig rig="flat" dir="t"/>
+        </a:scene3d>
+        <a:sp3d prstMaterial="plastic">
+          <a:bevelT w="120900" h="88900"/>
+          <a:bevelB w="88900" h="31750" prst="angle"/>
+        </a:sp3d>
+      </dsp:spPr>
+      <dsp:style>
+        <a:lnRef idx="1">
+          <a:scrgbClr r="0" g="0" b="0"/>
+        </a:lnRef>
+        <a:fillRef idx="3">
+          <a:scrgbClr r="0" g="0" b="0"/>
+        </a:fillRef>
+        <a:effectRef idx="2">
+          <a:scrgbClr r="0" g="0" b="0"/>
+        </a:effectRef>
+        <a:fontRef idx="minor">
+          <a:schemeClr val="lt1"/>
+        </a:fontRef>
+      </dsp:style>
+    </dsp:sp>
+    <dsp:sp modelId="{EE7741D0-1195-482C-A213-A212C20C61B4}">
+      <dsp:nvSpPr>
+        <dsp:cNvPr id="0" name=""/>
+        <dsp:cNvSpPr/>
+      </dsp:nvSpPr>
+      <dsp:spPr>
+        <a:xfrm rot="5400000">
+          <a:off x="4691328" y="989840"/>
+          <a:ext cx="801339" cy="1333411"/>
+        </a:xfrm>
+        <a:prstGeom prst="corner">
+          <a:avLst>
+            <a:gd name="adj1" fmla="val 16120"/>
+            <a:gd name="adj2" fmla="val 16110"/>
+          </a:avLst>
+        </a:prstGeom>
+        <a:gradFill rotWithShape="0">
+          <a:gsLst>
+            <a:gs pos="0">
+              <a:schemeClr val="accent5">
+                <a:hueOff val="4031470"/>
+                <a:satOff val="1133"/>
+                <a:lumOff val="-16236"/>
+                <a:alphaOff val="0"/>
+                <a:tint val="100000"/>
+                <a:shade val="100000"/>
+                <a:satMod val="130000"/>
+              </a:schemeClr>
+            </a:gs>
+            <a:gs pos="100000">
+              <a:schemeClr val="accent5">
+                <a:hueOff val="4031470"/>
+                <a:satOff val="1133"/>
+                <a:lumOff val="-16236"/>
+                <a:alphaOff val="0"/>
+                <a:tint val="50000"/>
+                <a:shade val="100000"/>
+                <a:satMod val="350000"/>
+              </a:schemeClr>
+            </a:gs>
+          </a:gsLst>
+          <a:lin ang="16200000" scaled="0"/>
+        </a:gradFill>
+        <a:ln w="9525" cap="flat" cmpd="sng" algn="ctr">
+          <a:solidFill>
+            <a:schemeClr val="accent5">
+              <a:hueOff val="4031470"/>
+              <a:satOff val="1133"/>
+              <a:lumOff val="-16236"/>
+              <a:alphaOff val="0"/>
+            </a:schemeClr>
+          </a:solidFill>
+          <a:prstDash val="solid"/>
+        </a:ln>
+        <a:effectLst>
+          <a:outerShdw blurRad="40000" dist="23000" dir="5400000" rotWithShape="0">
+            <a:srgbClr val="000000">
+              <a:alpha val="35000"/>
+            </a:srgbClr>
+          </a:outerShdw>
+        </a:effectLst>
+        <a:scene3d>
+          <a:camera prst="orthographicFront"/>
+          <a:lightRig rig="flat" dir="t"/>
+        </a:scene3d>
+        <a:sp3d prstMaterial="plastic">
+          <a:bevelT w="120900" h="88900"/>
+          <a:bevelB w="88900" h="31750" prst="angle"/>
+        </a:sp3d>
+      </dsp:spPr>
+      <dsp:style>
+        <a:lnRef idx="1">
+          <a:scrgbClr r="0" g="0" b="0"/>
+        </a:lnRef>
+        <a:fillRef idx="3">
+          <a:scrgbClr r="0" g="0" b="0"/>
+        </a:fillRef>
+        <a:effectRef idx="2">
+          <a:scrgbClr r="0" g="0" b="0"/>
+        </a:effectRef>
+        <a:fontRef idx="minor">
+          <a:schemeClr val="lt1"/>
+        </a:fontRef>
+      </dsp:style>
+    </dsp:sp>
+    <dsp:sp modelId="{6D9058BB-E0BC-46B0-A184-CBC9025C756C}">
+      <dsp:nvSpPr>
+        <dsp:cNvPr id="0" name=""/>
+        <dsp:cNvSpPr/>
+      </dsp:nvSpPr>
+      <dsp:spPr>
+        <a:xfrm>
+          <a:off x="4557564" y="1388243"/>
+          <a:ext cx="1203811" cy="1055211"/>
+        </a:xfrm>
+        <a:prstGeom prst="rect">
+          <a:avLst/>
+        </a:prstGeom>
+        <a:noFill/>
+        <a:ln>
+          <a:noFill/>
+        </a:ln>
+        <a:effectLst/>
+      </dsp:spPr>
+      <dsp:style>
+        <a:lnRef idx="0">
+          <a:scrgbClr r="0" g="0" b="0"/>
+        </a:lnRef>
+        <a:fillRef idx="0">
+          <a:scrgbClr r="0" g="0" b="0"/>
+        </a:fillRef>
+        <a:effectRef idx="0">
+          <a:scrgbClr r="0" g="0" b="0"/>
+        </a:effectRef>
+        <a:fontRef idx="minor"/>
+      </dsp:style>
+      <dsp:txBody>
+        <a:bodyPr spcFirstLastPara="0" vert="horz" wrap="square" lIns="76200" tIns="76200" rIns="76200" bIns="76200" numCol="1" spcCol="1270" anchor="t" anchorCtr="0">
+          <a:noAutofit/>
+        </a:bodyPr>
+        <a:lstStyle/>
+        <a:p>
+          <a:pPr lvl="0" algn="l" defTabSz="889000">
+            <a:lnSpc>
+              <a:spcPct val="90000"/>
+            </a:lnSpc>
+            <a:spcBef>
+              <a:spcPct val="0"/>
+            </a:spcBef>
+            <a:spcAft>
+              <a:spcPct val="35000"/>
+            </a:spcAft>
+          </a:pPr>
+          <a:r>
+            <a:rPr lang="zh-TW" altLang="en-US" sz="2000" b="1" kern="1200" dirty="0" smtClean="0">
+              <a:latin typeface="標楷體" pitchFamily="65" charset="-120"/>
+              <a:ea typeface="標楷體" pitchFamily="65" charset="-120"/>
+            </a:rPr>
+            <a:t>點選所需食材</a:t>
+          </a:r>
+          <a:endParaRPr lang="zh-TW" altLang="en-US" sz="2000" kern="1200" dirty="0"/>
+        </a:p>
+      </dsp:txBody>
+      <dsp:txXfrm>
+        <a:off x="4557564" y="1388243"/>
+        <a:ext cx="1203811" cy="1055211"/>
+      </dsp:txXfrm>
+    </dsp:sp>
+    <dsp:sp modelId="{C9947BAB-AF93-418F-8A32-870BD4A393ED}">
+      <dsp:nvSpPr>
+        <dsp:cNvPr id="0" name=""/>
+        <dsp:cNvSpPr/>
+      </dsp:nvSpPr>
+      <dsp:spPr>
+        <a:xfrm>
+          <a:off x="5534241" y="891673"/>
+          <a:ext cx="227134" cy="227134"/>
+        </a:xfrm>
+        <a:prstGeom prst="triangle">
+          <a:avLst>
+            <a:gd name="adj" fmla="val 100000"/>
+          </a:avLst>
+        </a:prstGeom>
+        <a:gradFill rotWithShape="0">
+          <a:gsLst>
+            <a:gs pos="0">
+              <a:schemeClr val="accent5">
+                <a:hueOff val="4703382"/>
+                <a:satOff val="1322"/>
+                <a:lumOff val="-18942"/>
+                <a:alphaOff val="0"/>
+                <a:tint val="100000"/>
+                <a:shade val="100000"/>
+                <a:satMod val="130000"/>
+              </a:schemeClr>
+            </a:gs>
+            <a:gs pos="100000">
+              <a:schemeClr val="accent5">
+                <a:hueOff val="4703382"/>
+                <a:satOff val="1322"/>
+                <a:lumOff val="-18942"/>
+                <a:alphaOff val="0"/>
+                <a:tint val="50000"/>
+                <a:shade val="100000"/>
+                <a:satMod val="350000"/>
+              </a:schemeClr>
+            </a:gs>
+          </a:gsLst>
+          <a:lin ang="16200000" scaled="0"/>
+        </a:gradFill>
+        <a:ln w="9525" cap="flat" cmpd="sng" algn="ctr">
+          <a:solidFill>
+            <a:schemeClr val="accent5">
+              <a:hueOff val="4703382"/>
+              <a:satOff val="1322"/>
+              <a:lumOff val="-18942"/>
+              <a:alphaOff val="0"/>
+            </a:schemeClr>
+          </a:solidFill>
+          <a:prstDash val="solid"/>
+        </a:ln>
+        <a:effectLst>
+          <a:outerShdw blurRad="40000" dist="23000" dir="5400000" rotWithShape="0">
+            <a:srgbClr val="000000">
+              <a:alpha val="35000"/>
+            </a:srgbClr>
+          </a:outerShdw>
+        </a:effectLst>
+        <a:scene3d>
+          <a:camera prst="orthographicFront"/>
+          <a:lightRig rig="flat" dir="t"/>
+        </a:scene3d>
+        <a:sp3d prstMaterial="plastic">
+          <a:bevelT w="120900" h="88900"/>
+          <a:bevelB w="88900" h="31750" prst="angle"/>
+        </a:sp3d>
+      </dsp:spPr>
+      <dsp:style>
+        <a:lnRef idx="1">
+          <a:scrgbClr r="0" g="0" b="0"/>
+        </a:lnRef>
+        <a:fillRef idx="3">
+          <a:scrgbClr r="0" g="0" b="0"/>
+        </a:fillRef>
+        <a:effectRef idx="2">
+          <a:scrgbClr r="0" g="0" b="0"/>
+        </a:effectRef>
+        <a:fontRef idx="minor">
+          <a:schemeClr val="lt1"/>
+        </a:fontRef>
+      </dsp:style>
+    </dsp:sp>
+    <dsp:sp modelId="{65D14330-7181-4175-8EC8-6D1E2A13BCCF}">
+      <dsp:nvSpPr>
+        <dsp:cNvPr id="0" name=""/>
+        <dsp:cNvSpPr/>
+      </dsp:nvSpPr>
+      <dsp:spPr>
+        <a:xfrm rot="5400000">
+          <a:off x="6165028" y="625172"/>
+          <a:ext cx="801339" cy="1333411"/>
+        </a:xfrm>
+        <a:prstGeom prst="corner">
+          <a:avLst>
+            <a:gd name="adj1" fmla="val 16120"/>
+            <a:gd name="adj2" fmla="val 16110"/>
+          </a:avLst>
+        </a:prstGeom>
+        <a:gradFill rotWithShape="0">
+          <a:gsLst>
+            <a:gs pos="0">
+              <a:schemeClr val="accent5">
+                <a:hueOff val="5375293"/>
+                <a:satOff val="1511"/>
+                <a:lumOff val="-21648"/>
+                <a:alphaOff val="0"/>
+                <a:tint val="100000"/>
+                <a:shade val="100000"/>
+                <a:satMod val="130000"/>
+              </a:schemeClr>
+            </a:gs>
+            <a:gs pos="100000">
+              <a:schemeClr val="accent5">
+                <a:hueOff val="5375293"/>
+                <a:satOff val="1511"/>
+                <a:lumOff val="-21648"/>
+                <a:alphaOff val="0"/>
+                <a:tint val="50000"/>
+                <a:shade val="100000"/>
+                <a:satMod val="350000"/>
+              </a:schemeClr>
+            </a:gs>
+          </a:gsLst>
+          <a:lin ang="16200000" scaled="0"/>
+        </a:gradFill>
+        <a:ln w="9525" cap="flat" cmpd="sng" algn="ctr">
+          <a:solidFill>
+            <a:schemeClr val="accent5">
+              <a:hueOff val="5375293"/>
+              <a:satOff val="1511"/>
+              <a:lumOff val="-21648"/>
+              <a:alphaOff val="0"/>
+            </a:schemeClr>
+          </a:solidFill>
+          <a:prstDash val="solid"/>
+        </a:ln>
+        <a:effectLst>
+          <a:outerShdw blurRad="40000" dist="23000" dir="5400000" rotWithShape="0">
+            <a:srgbClr val="000000">
+              <a:alpha val="35000"/>
+            </a:srgbClr>
+          </a:outerShdw>
+        </a:effectLst>
+        <a:scene3d>
+          <a:camera prst="orthographicFront"/>
+          <a:lightRig rig="flat" dir="t"/>
+        </a:scene3d>
+        <a:sp3d prstMaterial="plastic">
+          <a:bevelT w="120900" h="88900"/>
+          <a:bevelB w="88900" h="31750" prst="angle"/>
+        </a:sp3d>
+      </dsp:spPr>
+      <dsp:style>
+        <a:lnRef idx="1">
+          <a:scrgbClr r="0" g="0" b="0"/>
+        </a:lnRef>
+        <a:fillRef idx="3">
+          <a:scrgbClr r="0" g="0" b="0"/>
+        </a:fillRef>
+        <a:effectRef idx="2">
+          <a:scrgbClr r="0" g="0" b="0"/>
+        </a:effectRef>
+        <a:fontRef idx="minor">
+          <a:schemeClr val="lt1"/>
+        </a:fontRef>
+      </dsp:style>
+    </dsp:sp>
+    <dsp:sp modelId="{C7B5E2D4-F41A-41D9-AB9D-12F1B53F572C}">
+      <dsp:nvSpPr>
+        <dsp:cNvPr id="0" name=""/>
+        <dsp:cNvSpPr/>
+      </dsp:nvSpPr>
+      <dsp:spPr>
+        <a:xfrm>
+          <a:off x="6031264" y="1023574"/>
+          <a:ext cx="1203811" cy="1055211"/>
+        </a:xfrm>
+        <a:prstGeom prst="rect">
+          <a:avLst/>
+        </a:prstGeom>
+        <a:noFill/>
+        <a:ln>
+          <a:noFill/>
+        </a:ln>
+        <a:effectLst/>
+      </dsp:spPr>
+      <dsp:style>
+        <a:lnRef idx="0">
+          <a:scrgbClr r="0" g="0" b="0"/>
+        </a:lnRef>
+        <a:fillRef idx="0">
+          <a:scrgbClr r="0" g="0" b="0"/>
+        </a:fillRef>
+        <a:effectRef idx="0">
+          <a:scrgbClr r="0" g="0" b="0"/>
+        </a:effectRef>
+        <a:fontRef idx="minor"/>
+      </dsp:style>
+      <dsp:txBody>
+        <a:bodyPr spcFirstLastPara="0" vert="horz" wrap="square" lIns="76200" tIns="76200" rIns="76200" bIns="76200" numCol="1" spcCol="1270" anchor="t" anchorCtr="0">
+          <a:noAutofit/>
+        </a:bodyPr>
+        <a:lstStyle/>
+        <a:p>
+          <a:pPr lvl="0" algn="l" defTabSz="889000">
+            <a:lnSpc>
+              <a:spcPct val="90000"/>
+            </a:lnSpc>
+            <a:spcBef>
+              <a:spcPct val="0"/>
+            </a:spcBef>
+            <a:spcAft>
+              <a:spcPct val="35000"/>
+            </a:spcAft>
+          </a:pPr>
+          <a:r>
+            <a:rPr lang="zh-TW" altLang="en-US" sz="2000" b="1" kern="1200" dirty="0" smtClean="0">
+              <a:latin typeface="標楷體" pitchFamily="65" charset="-120"/>
+              <a:ea typeface="標楷體" pitchFamily="65" charset="-120"/>
+            </a:rPr>
+            <a:t>顯示抽驗合格的相關食材</a:t>
+          </a:r>
+          <a:endParaRPr lang="zh-TW" altLang="en-US" sz="2000" kern="1200" dirty="0"/>
+        </a:p>
+      </dsp:txBody>
+      <dsp:txXfrm>
+        <a:off x="6031264" y="1023574"/>
+        <a:ext cx="1203811" cy="1055211"/>
+      </dsp:txXfrm>
+    </dsp:sp>
+    <dsp:sp modelId="{CD7FE51E-220C-4582-88C9-C21D92BEB5A3}">
+      <dsp:nvSpPr>
+        <dsp:cNvPr id="0" name=""/>
+        <dsp:cNvSpPr/>
+      </dsp:nvSpPr>
+      <dsp:spPr>
+        <a:xfrm>
+          <a:off x="7007942" y="527004"/>
+          <a:ext cx="227134" cy="227134"/>
+        </a:xfrm>
+        <a:prstGeom prst="triangle">
+          <a:avLst>
+            <a:gd name="adj" fmla="val 100000"/>
+          </a:avLst>
+        </a:prstGeom>
+        <a:gradFill rotWithShape="0">
+          <a:gsLst>
+            <a:gs pos="0">
+              <a:schemeClr val="accent5">
+                <a:hueOff val="6047205"/>
+                <a:satOff val="1700"/>
+                <a:lumOff val="-24354"/>
+                <a:alphaOff val="0"/>
+                <a:tint val="100000"/>
+                <a:shade val="100000"/>
+                <a:satMod val="130000"/>
+              </a:schemeClr>
+            </a:gs>
+            <a:gs pos="100000">
+              <a:schemeClr val="accent5">
+                <a:hueOff val="6047205"/>
+                <a:satOff val="1700"/>
+                <a:lumOff val="-24354"/>
+                <a:alphaOff val="0"/>
+                <a:tint val="50000"/>
+                <a:shade val="100000"/>
+                <a:satMod val="350000"/>
+              </a:schemeClr>
+            </a:gs>
+          </a:gsLst>
+          <a:lin ang="16200000" scaled="0"/>
+        </a:gradFill>
+        <a:ln w="9525" cap="flat" cmpd="sng" algn="ctr">
+          <a:solidFill>
+            <a:schemeClr val="accent5">
+              <a:hueOff val="6047205"/>
+              <a:satOff val="1700"/>
+              <a:lumOff val="-24354"/>
+              <a:alphaOff val="0"/>
+            </a:schemeClr>
+          </a:solidFill>
+          <a:prstDash val="solid"/>
+        </a:ln>
+        <a:effectLst>
+          <a:outerShdw blurRad="40000" dist="23000" dir="5400000" rotWithShape="0">
+            <a:srgbClr val="000000">
+              <a:alpha val="35000"/>
+            </a:srgbClr>
+          </a:outerShdw>
+        </a:effectLst>
+        <a:scene3d>
+          <a:camera prst="orthographicFront"/>
+          <a:lightRig rig="flat" dir="t"/>
+        </a:scene3d>
+        <a:sp3d prstMaterial="plastic">
+          <a:bevelT w="120900" h="88900"/>
+          <a:bevelB w="88900" h="31750" prst="angle"/>
+        </a:sp3d>
+      </dsp:spPr>
+      <dsp:style>
+        <a:lnRef idx="1">
+          <a:scrgbClr r="0" g="0" b="0"/>
+        </a:lnRef>
+        <a:fillRef idx="3">
+          <a:scrgbClr r="0" g="0" b="0"/>
+        </a:fillRef>
+        <a:effectRef idx="2">
+          <a:scrgbClr r="0" g="0" b="0"/>
+        </a:effectRef>
+        <a:fontRef idx="minor">
+          <a:schemeClr val="lt1"/>
+        </a:fontRef>
+      </dsp:style>
+    </dsp:sp>
+    <dsp:sp modelId="{618F15F6-D710-4F9E-8C5F-01C8DC9FBCD1}">
+      <dsp:nvSpPr>
+        <dsp:cNvPr id="0" name=""/>
+        <dsp:cNvSpPr/>
+      </dsp:nvSpPr>
+      <dsp:spPr>
+        <a:xfrm rot="5400000">
+          <a:off x="7638728" y="260503"/>
+          <a:ext cx="801339" cy="1333411"/>
+        </a:xfrm>
+        <a:prstGeom prst="corner">
+          <a:avLst>
+            <a:gd name="adj1" fmla="val 16120"/>
+            <a:gd name="adj2" fmla="val 16110"/>
+          </a:avLst>
+        </a:prstGeom>
+        <a:gradFill rotWithShape="0">
+          <a:gsLst>
+            <a:gs pos="0">
+              <a:schemeClr val="accent5">
+                <a:hueOff val="6719117"/>
+                <a:satOff val="1889"/>
+                <a:lumOff val="-27060"/>
+                <a:alphaOff val="0"/>
+                <a:tint val="100000"/>
+                <a:shade val="100000"/>
+                <a:satMod val="130000"/>
+              </a:schemeClr>
+            </a:gs>
+            <a:gs pos="100000">
+              <a:schemeClr val="accent5">
+                <a:hueOff val="6719117"/>
+                <a:satOff val="1889"/>
+                <a:lumOff val="-27060"/>
+                <a:alphaOff val="0"/>
+                <a:tint val="50000"/>
+                <a:shade val="100000"/>
+                <a:satMod val="350000"/>
+              </a:schemeClr>
+            </a:gs>
+          </a:gsLst>
+          <a:lin ang="16200000" scaled="0"/>
+        </a:gradFill>
+        <a:ln w="9525" cap="flat" cmpd="sng" algn="ctr">
+          <a:solidFill>
+            <a:schemeClr val="accent5">
+              <a:hueOff val="6719117"/>
+              <a:satOff val="1889"/>
+              <a:lumOff val="-27060"/>
+              <a:alphaOff val="0"/>
+            </a:schemeClr>
+          </a:solidFill>
+          <a:prstDash val="solid"/>
+        </a:ln>
+        <a:effectLst>
+          <a:outerShdw blurRad="40000" dist="23000" dir="5400000" rotWithShape="0">
+            <a:srgbClr val="000000">
+              <a:alpha val="35000"/>
+            </a:srgbClr>
+          </a:outerShdw>
+        </a:effectLst>
+        <a:scene3d>
+          <a:camera prst="orthographicFront"/>
+          <a:lightRig rig="flat" dir="t"/>
+        </a:scene3d>
+        <a:sp3d prstMaterial="plastic">
+          <a:bevelT w="120900" h="88900"/>
+          <a:bevelB w="88900" h="31750" prst="angle"/>
+        </a:sp3d>
+      </dsp:spPr>
+      <dsp:style>
+        <a:lnRef idx="1">
+          <a:scrgbClr r="0" g="0" b="0"/>
+        </a:lnRef>
+        <a:fillRef idx="3">
+          <a:scrgbClr r="0" g="0" b="0"/>
+        </a:fillRef>
+        <a:effectRef idx="2">
+          <a:scrgbClr r="0" g="0" b="0"/>
+        </a:effectRef>
+        <a:fontRef idx="minor">
+          <a:schemeClr val="lt1"/>
+        </a:fontRef>
+      </dsp:style>
+    </dsp:sp>
+    <dsp:sp modelId="{645E831B-3F66-4CEC-91EA-13E3FFEA0864}">
+      <dsp:nvSpPr>
+        <dsp:cNvPr id="0" name=""/>
+        <dsp:cNvSpPr/>
+      </dsp:nvSpPr>
+      <dsp:spPr>
+        <a:xfrm>
+          <a:off x="7504965" y="658906"/>
+          <a:ext cx="1203811" cy="1055211"/>
+        </a:xfrm>
+        <a:prstGeom prst="rect">
+          <a:avLst/>
+        </a:prstGeom>
+        <a:noFill/>
+        <a:ln>
+          <a:noFill/>
+        </a:ln>
+        <a:effectLst/>
+      </dsp:spPr>
+      <dsp:style>
+        <a:lnRef idx="0">
+          <a:scrgbClr r="0" g="0" b="0"/>
+        </a:lnRef>
+        <a:fillRef idx="0">
+          <a:scrgbClr r="0" g="0" b="0"/>
+        </a:fillRef>
+        <a:effectRef idx="0">
+          <a:scrgbClr r="0" g="0" b="0"/>
+        </a:effectRef>
+        <a:fontRef idx="minor"/>
+      </dsp:style>
+      <dsp:txBody>
+        <a:bodyPr spcFirstLastPara="0" vert="horz" wrap="square" lIns="76200" tIns="76200" rIns="76200" bIns="76200" numCol="1" spcCol="1270" anchor="t" anchorCtr="0">
+          <a:noAutofit/>
+        </a:bodyPr>
+        <a:lstStyle/>
+        <a:p>
+          <a:pPr lvl="0" algn="l" defTabSz="889000">
+            <a:lnSpc>
+              <a:spcPct val="90000"/>
+            </a:lnSpc>
+            <a:spcBef>
+              <a:spcPct val="0"/>
+            </a:spcBef>
+            <a:spcAft>
+              <a:spcPct val="35000"/>
+            </a:spcAft>
+          </a:pPr>
+          <a:r>
+            <a:rPr lang="zh-TW" altLang="en-US" sz="2000" b="1" kern="1200" dirty="0" smtClean="0">
+              <a:latin typeface="標楷體" pitchFamily="65" charset="-120"/>
+              <a:ea typeface="標楷體" pitchFamily="65" charset="-120"/>
+            </a:rPr>
+            <a:t>詳細安心食品的廠商名稱、地址、電話、抽驗日期、地點、電話、結果 等項目</a:t>
+          </a:r>
+          <a:endParaRPr lang="zh-TW" altLang="en-US" sz="2000" kern="1200" dirty="0"/>
+        </a:p>
+      </dsp:txBody>
+      <dsp:txXfrm>
+        <a:off x="7504965" y="658906"/>
+        <a:ext cx="1203811" cy="1055211"/>
+      </dsp:txXfrm>
+    </dsp:sp>
+  </dsp:spTree>
+</dsp:drawing>
+</file>
+
+<file path=ppt/diagrams/drawing2.xml><?xml version="1.0" encoding="utf-8"?>
+<dsp:drawing xmlns:dgm="http://schemas.openxmlformats.org/drawingml/2006/diagram" xmlns:dsp="http://schemas.microsoft.com/office/drawing/2008/diagram" xmlns:a="http://schemas.openxmlformats.org/drawingml/2006/main">
+  <dsp:spTree>
+    <dsp:nvGrpSpPr>
+      <dsp:cNvPr id="0" name=""/>
+      <dsp:cNvGrpSpPr/>
+    </dsp:nvGrpSpPr>
+    <dsp:grpSpPr/>
+    <dsp:sp modelId="{DDE4222C-5260-4141-B408-A8E874DDB9D1}">
+      <dsp:nvSpPr>
+        <dsp:cNvPr id="0" name=""/>
+        <dsp:cNvSpPr/>
+      </dsp:nvSpPr>
+      <dsp:spPr>
+        <a:xfrm rot="5400000">
+          <a:off x="407581" y="1559166"/>
+          <a:ext cx="1211232" cy="2015463"/>
+        </a:xfrm>
+        <a:prstGeom prst="corner">
+          <a:avLst>
+            <a:gd name="adj1" fmla="val 16120"/>
+            <a:gd name="adj2" fmla="val 16110"/>
+          </a:avLst>
+        </a:prstGeom>
+        <a:gradFill rotWithShape="0">
+          <a:gsLst>
+            <a:gs pos="0">
+              <a:schemeClr val="accent2">
+                <a:hueOff val="0"/>
+                <a:satOff val="0"/>
+                <a:lumOff val="0"/>
+                <a:alphaOff val="0"/>
+                <a:tint val="100000"/>
+                <a:shade val="100000"/>
+                <a:satMod val="130000"/>
+              </a:schemeClr>
+            </a:gs>
+            <a:gs pos="100000">
+              <a:schemeClr val="accent2">
+                <a:hueOff val="0"/>
+                <a:satOff val="0"/>
+                <a:lumOff val="0"/>
+                <a:alphaOff val="0"/>
+                <a:tint val="50000"/>
+                <a:shade val="100000"/>
+                <a:satMod val="350000"/>
+              </a:schemeClr>
+            </a:gs>
+          </a:gsLst>
+          <a:lin ang="16200000" scaled="0"/>
+        </a:gradFill>
+        <a:ln w="9525" cap="flat" cmpd="sng" algn="ctr">
+          <a:solidFill>
+            <a:schemeClr val="accent2">
+              <a:hueOff val="0"/>
+              <a:satOff val="0"/>
+              <a:lumOff val="0"/>
+              <a:alphaOff val="0"/>
+            </a:schemeClr>
+          </a:solidFill>
+          <a:prstDash val="solid"/>
+        </a:ln>
+        <a:effectLst>
+          <a:outerShdw blurRad="40000" dist="23000" dir="5400000" rotWithShape="0">
+            <a:srgbClr val="000000">
+              <a:alpha val="35000"/>
+            </a:srgbClr>
+          </a:outerShdw>
+        </a:effectLst>
+        <a:scene3d>
+          <a:camera prst="orthographicFront"/>
+          <a:lightRig rig="flat" dir="t"/>
+        </a:scene3d>
+        <a:sp3d prstMaterial="plastic">
+          <a:bevelT w="120900" h="88900"/>
+          <a:bevelB w="88900" h="31750" prst="angle"/>
+        </a:sp3d>
+      </dsp:spPr>
+      <dsp:style>
+        <a:lnRef idx="1">
+          <a:scrgbClr r="0" g="0" b="0"/>
+        </a:lnRef>
+        <a:fillRef idx="3">
+          <a:scrgbClr r="0" g="0" b="0"/>
+        </a:fillRef>
+        <a:effectRef idx="2">
+          <a:scrgbClr r="0" g="0" b="0"/>
+        </a:effectRef>
+        <a:fontRef idx="minor">
+          <a:schemeClr val="lt1"/>
+        </a:fontRef>
+      </dsp:style>
+    </dsp:sp>
+    <dsp:sp modelId="{F867D52C-D8B1-4722-B6F1-D840248BD607}">
+      <dsp:nvSpPr>
+        <dsp:cNvPr id="0" name=""/>
+        <dsp:cNvSpPr/>
+      </dsp:nvSpPr>
+      <dsp:spPr>
+        <a:xfrm>
+          <a:off x="205396" y="2161356"/>
+          <a:ext cx="1819571" cy="1594961"/>
+        </a:xfrm>
+        <a:prstGeom prst="rect">
+          <a:avLst/>
+        </a:prstGeom>
+        <a:noFill/>
+        <a:ln>
+          <a:noFill/>
+        </a:ln>
+        <a:effectLst/>
+      </dsp:spPr>
+      <dsp:style>
+        <a:lnRef idx="0">
+          <a:scrgbClr r="0" g="0" b="0"/>
+        </a:lnRef>
+        <a:fillRef idx="0">
+          <a:scrgbClr r="0" g="0" b="0"/>
+        </a:fillRef>
+        <a:effectRef idx="0">
+          <a:scrgbClr r="0" g="0" b="0"/>
+        </a:effectRef>
+        <a:fontRef idx="minor"/>
+      </dsp:style>
+      <dsp:txBody>
+        <a:bodyPr spcFirstLastPara="0" vert="horz" wrap="square" lIns="76200" tIns="76200" rIns="76200" bIns="76200" numCol="1" spcCol="1270" anchor="t" anchorCtr="0">
+          <a:noAutofit/>
+        </a:bodyPr>
+        <a:lstStyle/>
+        <a:p>
+          <a:pPr lvl="0" algn="l" defTabSz="889000">
+            <a:lnSpc>
+              <a:spcPct val="90000"/>
+            </a:lnSpc>
+            <a:spcBef>
+              <a:spcPct val="0"/>
+            </a:spcBef>
+            <a:spcAft>
+              <a:spcPct val="35000"/>
+            </a:spcAft>
+          </a:pPr>
+          <a:r>
+            <a:rPr lang="zh-TW" altLang="en-US" sz="2000" b="1" kern="1200" smtClean="0">
+              <a:effectLst>
+                <a:outerShdw blurRad="38100" dist="38100" dir="2700000" algn="tl">
+                  <a:srgbClr val="000000">
+                    <a:alpha val="43137"/>
+                  </a:srgbClr>
+                </a:outerShdw>
+              </a:effectLst>
+              <a:latin typeface="標楷體" pitchFamily="65" charset="-120"/>
+              <a:ea typeface="標楷體" pitchFamily="65" charset="-120"/>
+            </a:rPr>
+            <a:t>輸入所需食材</a:t>
+          </a:r>
+          <a:endParaRPr lang="zh-TW" altLang="en-US" sz="2000" kern="1200" dirty="0"/>
+        </a:p>
+      </dsp:txBody>
+      <dsp:txXfrm>
+        <a:off x="205396" y="2161356"/>
+        <a:ext cx="1819571" cy="1594961"/>
+      </dsp:txXfrm>
+    </dsp:sp>
+    <dsp:sp modelId="{217C7689-8AF1-4F03-A7AD-E7B3F7AB6F25}">
+      <dsp:nvSpPr>
+        <dsp:cNvPr id="0" name=""/>
+        <dsp:cNvSpPr/>
+      </dsp:nvSpPr>
+      <dsp:spPr>
+        <a:xfrm>
+          <a:off x="1681653" y="1410786"/>
+          <a:ext cx="343315" cy="343315"/>
+        </a:xfrm>
+        <a:prstGeom prst="triangle">
+          <a:avLst>
+            <a:gd name="adj" fmla="val 100000"/>
+          </a:avLst>
+        </a:prstGeom>
+        <a:gradFill rotWithShape="0">
+          <a:gsLst>
+            <a:gs pos="0">
+              <a:schemeClr val="accent3">
+                <a:hueOff val="0"/>
+                <a:satOff val="0"/>
+                <a:lumOff val="0"/>
+                <a:alphaOff val="0"/>
+                <a:tint val="100000"/>
+                <a:shade val="100000"/>
+                <a:satMod val="130000"/>
+              </a:schemeClr>
+            </a:gs>
+            <a:gs pos="100000">
+              <a:schemeClr val="accent3">
+                <a:hueOff val="0"/>
+                <a:satOff val="0"/>
+                <a:lumOff val="0"/>
+                <a:alphaOff val="0"/>
+                <a:tint val="50000"/>
+                <a:shade val="100000"/>
+                <a:satMod val="350000"/>
+              </a:schemeClr>
+            </a:gs>
+          </a:gsLst>
+          <a:lin ang="16200000" scaled="0"/>
+        </a:gradFill>
+        <a:ln w="9525" cap="flat" cmpd="sng" algn="ctr">
+          <a:solidFill>
+            <a:schemeClr val="accent3">
+              <a:hueOff val="0"/>
+              <a:satOff val="0"/>
+              <a:lumOff val="0"/>
+              <a:alphaOff val="0"/>
+            </a:schemeClr>
+          </a:solidFill>
+          <a:prstDash val="solid"/>
+        </a:ln>
+        <a:effectLst>
+          <a:outerShdw blurRad="40000" dist="23000" dir="5400000" rotWithShape="0">
+            <a:srgbClr val="000000">
+              <a:alpha val="35000"/>
+            </a:srgbClr>
+          </a:outerShdw>
+        </a:effectLst>
+        <a:scene3d>
+          <a:camera prst="orthographicFront"/>
+          <a:lightRig rig="flat" dir="t"/>
+        </a:scene3d>
+        <a:sp3d prstMaterial="plastic">
+          <a:bevelT w="120900" h="88900"/>
+          <a:bevelB w="88900" h="31750" prst="angle"/>
+        </a:sp3d>
+      </dsp:spPr>
+      <dsp:style>
+        <a:lnRef idx="1">
+          <a:scrgbClr r="0" g="0" b="0"/>
+        </a:lnRef>
+        <a:fillRef idx="3">
+          <a:scrgbClr r="0" g="0" b="0"/>
+        </a:fillRef>
+        <a:effectRef idx="2">
+          <a:scrgbClr r="0" g="0" b="0"/>
+        </a:effectRef>
+        <a:fontRef idx="minor">
+          <a:schemeClr val="lt1"/>
+        </a:fontRef>
+      </dsp:style>
+    </dsp:sp>
+    <dsp:sp modelId="{2C9C59F1-E23B-4A08-AF79-C121EF43331A}">
+      <dsp:nvSpPr>
+        <dsp:cNvPr id="0" name=""/>
+        <dsp:cNvSpPr/>
+      </dsp:nvSpPr>
+      <dsp:spPr>
+        <a:xfrm rot="5400000">
+          <a:off x="2635092" y="1007966"/>
+          <a:ext cx="1211232" cy="2015463"/>
+        </a:xfrm>
+        <a:prstGeom prst="corner">
+          <a:avLst>
+            <a:gd name="adj1" fmla="val 16120"/>
+            <a:gd name="adj2" fmla="val 16110"/>
+          </a:avLst>
+        </a:prstGeom>
+        <a:gradFill rotWithShape="0">
+          <a:gsLst>
+            <a:gs pos="0">
+              <a:schemeClr val="accent4">
+                <a:hueOff val="0"/>
+                <a:satOff val="0"/>
+                <a:lumOff val="0"/>
+                <a:alphaOff val="0"/>
+                <a:tint val="100000"/>
+                <a:shade val="100000"/>
+                <a:satMod val="130000"/>
+              </a:schemeClr>
+            </a:gs>
+            <a:gs pos="100000">
+              <a:schemeClr val="accent4">
+                <a:hueOff val="0"/>
+                <a:satOff val="0"/>
+                <a:lumOff val="0"/>
+                <a:alphaOff val="0"/>
+                <a:tint val="50000"/>
+                <a:shade val="100000"/>
+                <a:satMod val="350000"/>
+              </a:schemeClr>
+            </a:gs>
+          </a:gsLst>
+          <a:lin ang="16200000" scaled="0"/>
+        </a:gradFill>
+        <a:ln w="9525" cap="flat" cmpd="sng" algn="ctr">
+          <a:solidFill>
+            <a:schemeClr val="accent4">
+              <a:hueOff val="0"/>
+              <a:satOff val="0"/>
+              <a:lumOff val="0"/>
+              <a:alphaOff val="0"/>
+            </a:schemeClr>
+          </a:solidFill>
+          <a:prstDash val="solid"/>
+        </a:ln>
+        <a:effectLst>
+          <a:outerShdw blurRad="40000" dist="23000" dir="5400000" rotWithShape="0">
+            <a:srgbClr val="000000">
+              <a:alpha val="35000"/>
+            </a:srgbClr>
+          </a:outerShdw>
+        </a:effectLst>
+        <a:scene3d>
+          <a:camera prst="orthographicFront"/>
+          <a:lightRig rig="flat" dir="t"/>
+        </a:scene3d>
+        <a:sp3d prstMaterial="plastic">
+          <a:bevelT w="120900" h="88900"/>
+          <a:bevelB w="88900" h="31750" prst="angle"/>
+        </a:sp3d>
+      </dsp:spPr>
+      <dsp:style>
+        <a:lnRef idx="1">
+          <a:scrgbClr r="0" g="0" b="0"/>
+        </a:lnRef>
+        <a:fillRef idx="3">
+          <a:scrgbClr r="0" g="0" b="0"/>
+        </a:fillRef>
+        <a:effectRef idx="2">
+          <a:scrgbClr r="0" g="0" b="0"/>
+        </a:effectRef>
+        <a:fontRef idx="minor">
+          <a:schemeClr val="lt1"/>
+        </a:fontRef>
+      </dsp:style>
+    </dsp:sp>
+    <dsp:sp modelId="{3257873F-9C9E-4FBF-B2ED-20083FDF7C21}">
+      <dsp:nvSpPr>
+        <dsp:cNvPr id="0" name=""/>
+        <dsp:cNvSpPr/>
+      </dsp:nvSpPr>
+      <dsp:spPr>
+        <a:xfrm>
+          <a:off x="2432907" y="1610156"/>
+          <a:ext cx="1819571" cy="1594961"/>
+        </a:xfrm>
+        <a:prstGeom prst="rect">
+          <a:avLst/>
+        </a:prstGeom>
+        <a:noFill/>
+        <a:ln>
+          <a:noFill/>
+        </a:ln>
+        <a:effectLst/>
+      </dsp:spPr>
+      <dsp:style>
+        <a:lnRef idx="0">
+          <a:scrgbClr r="0" g="0" b="0"/>
+        </a:lnRef>
+        <a:fillRef idx="0">
+          <a:scrgbClr r="0" g="0" b="0"/>
+        </a:fillRef>
+        <a:effectRef idx="0">
+          <a:scrgbClr r="0" g="0" b="0"/>
+        </a:effectRef>
+        <a:fontRef idx="minor"/>
+      </dsp:style>
+      <dsp:txBody>
+        <a:bodyPr spcFirstLastPara="0" vert="horz" wrap="square" lIns="76200" tIns="76200" rIns="76200" bIns="76200" numCol="1" spcCol="1270" anchor="t" anchorCtr="0">
+          <a:noAutofit/>
+        </a:bodyPr>
+        <a:lstStyle/>
+        <a:p>
+          <a:pPr lvl="0" algn="l" defTabSz="889000">
+            <a:lnSpc>
+              <a:spcPct val="90000"/>
+            </a:lnSpc>
+            <a:spcBef>
+              <a:spcPct val="0"/>
+            </a:spcBef>
+            <a:spcAft>
+              <a:spcPct val="35000"/>
+            </a:spcAft>
+          </a:pPr>
+          <a:r>
+            <a:rPr lang="zh-TW" altLang="en-US" sz="2000" b="1" kern="1200" dirty="0" smtClean="0">
+              <a:effectLst>
+                <a:outerShdw blurRad="38100" dist="38100" dir="2700000" algn="tl">
+                  <a:srgbClr val="000000">
+                    <a:alpha val="43137"/>
+                  </a:srgbClr>
+                </a:outerShdw>
+              </a:effectLst>
+              <a:latin typeface="標楷體" pitchFamily="65" charset="-120"/>
+              <a:ea typeface="標楷體" pitchFamily="65" charset="-120"/>
+            </a:rPr>
+            <a:t>使用</a:t>
+          </a:r>
+          <a:r>
+            <a:rPr lang="en-US" altLang="zh-TW" sz="2000" b="1" kern="1200" dirty="0" smtClean="0">
+              <a:effectLst>
+                <a:outerShdw blurRad="38100" dist="38100" dir="2700000" algn="tl">
+                  <a:srgbClr val="000000">
+                    <a:alpha val="43137"/>
+                  </a:srgbClr>
+                </a:outerShdw>
+              </a:effectLst>
+              <a:latin typeface="標楷體" pitchFamily="65" charset="-120"/>
+              <a:ea typeface="標楷體" pitchFamily="65" charset="-120"/>
+            </a:rPr>
+            <a:t>GPS</a:t>
+          </a:r>
+          <a:r>
+            <a:rPr lang="zh-TW" altLang="en-US" sz="2000" b="1" kern="1200" dirty="0" smtClean="0">
+              <a:effectLst>
+                <a:outerShdw blurRad="38100" dist="38100" dir="2700000" algn="tl">
+                  <a:srgbClr val="000000">
+                    <a:alpha val="43137"/>
+                  </a:srgbClr>
+                </a:outerShdw>
+              </a:effectLst>
+              <a:latin typeface="標楷體" pitchFamily="65" charset="-120"/>
+              <a:ea typeface="標楷體" pitchFamily="65" charset="-120"/>
+            </a:rPr>
+            <a:t>定位或是輸入地點</a:t>
+          </a:r>
+          <a:endParaRPr lang="zh-TW" altLang="en-US" sz="2000" kern="1200" dirty="0"/>
+        </a:p>
+      </dsp:txBody>
+      <dsp:txXfrm>
+        <a:off x="2432907" y="1610156"/>
+        <a:ext cx="1819571" cy="1594961"/>
+      </dsp:txXfrm>
+    </dsp:sp>
+    <dsp:sp modelId="{24D17AD7-7F14-4BF4-9EDD-74F2CEF5DBD2}">
+      <dsp:nvSpPr>
+        <dsp:cNvPr id="0" name=""/>
+        <dsp:cNvSpPr/>
+      </dsp:nvSpPr>
+      <dsp:spPr>
+        <a:xfrm>
+          <a:off x="3909164" y="859586"/>
+          <a:ext cx="343315" cy="343315"/>
+        </a:xfrm>
+        <a:prstGeom prst="triangle">
+          <a:avLst>
+            <a:gd name="adj" fmla="val 100000"/>
+          </a:avLst>
+        </a:prstGeom>
+        <a:gradFill rotWithShape="0">
+          <a:gsLst>
+            <a:gs pos="0">
+              <a:schemeClr val="accent5">
+                <a:hueOff val="0"/>
+                <a:satOff val="0"/>
+                <a:lumOff val="0"/>
+                <a:alphaOff val="0"/>
+                <a:tint val="100000"/>
+                <a:shade val="100000"/>
+                <a:satMod val="130000"/>
+              </a:schemeClr>
+            </a:gs>
+            <a:gs pos="100000">
+              <a:schemeClr val="accent5">
+                <a:hueOff val="0"/>
+                <a:satOff val="0"/>
+                <a:lumOff val="0"/>
+                <a:alphaOff val="0"/>
+                <a:tint val="50000"/>
+                <a:shade val="100000"/>
+                <a:satMod val="350000"/>
+              </a:schemeClr>
+            </a:gs>
+          </a:gsLst>
+          <a:lin ang="16200000" scaled="0"/>
+        </a:gradFill>
+        <a:ln w="9525" cap="flat" cmpd="sng" algn="ctr">
+          <a:solidFill>
+            <a:schemeClr val="accent5">
+              <a:hueOff val="0"/>
+              <a:satOff val="0"/>
+              <a:lumOff val="0"/>
+              <a:alphaOff val="0"/>
+            </a:schemeClr>
+          </a:solidFill>
+          <a:prstDash val="solid"/>
+        </a:ln>
+        <a:effectLst>
+          <a:outerShdw blurRad="40000" dist="23000" dir="5400000" rotWithShape="0">
+            <a:srgbClr val="000000">
+              <a:alpha val="35000"/>
+            </a:srgbClr>
+          </a:outerShdw>
+        </a:effectLst>
+        <a:scene3d>
+          <a:camera prst="orthographicFront"/>
+          <a:lightRig rig="flat" dir="t"/>
+        </a:scene3d>
+        <a:sp3d prstMaterial="plastic">
+          <a:bevelT w="120900" h="88900"/>
+          <a:bevelB w="88900" h="31750" prst="angle"/>
+        </a:sp3d>
+      </dsp:spPr>
+      <dsp:style>
+        <a:lnRef idx="1">
+          <a:scrgbClr r="0" g="0" b="0"/>
+        </a:lnRef>
+        <a:fillRef idx="3">
+          <a:scrgbClr r="0" g="0" b="0"/>
+        </a:fillRef>
+        <a:effectRef idx="2">
+          <a:scrgbClr r="0" g="0" b="0"/>
+        </a:effectRef>
+        <a:fontRef idx="minor">
+          <a:schemeClr val="lt1"/>
+        </a:fontRef>
+      </dsp:style>
+    </dsp:sp>
+    <dsp:sp modelId="{4E36F85D-F216-4E6C-BFC1-882AA2CEEC03}">
+      <dsp:nvSpPr>
+        <dsp:cNvPr id="0" name=""/>
+        <dsp:cNvSpPr/>
+      </dsp:nvSpPr>
+      <dsp:spPr>
+        <a:xfrm rot="5400000">
+          <a:off x="4794985" y="461975"/>
+          <a:ext cx="1211232" cy="2015463"/>
+        </a:xfrm>
+        <a:prstGeom prst="corner">
+          <a:avLst>
+            <a:gd name="adj1" fmla="val 16120"/>
+            <a:gd name="adj2" fmla="val 16110"/>
+          </a:avLst>
+        </a:prstGeom>
+        <a:gradFill rotWithShape="0">
+          <a:gsLst>
+            <a:gs pos="0">
+              <a:schemeClr val="accent6">
+                <a:hueOff val="0"/>
+                <a:satOff val="0"/>
+                <a:lumOff val="0"/>
+                <a:alphaOff val="0"/>
+                <a:tint val="100000"/>
+                <a:shade val="100000"/>
+                <a:satMod val="130000"/>
+              </a:schemeClr>
+            </a:gs>
+            <a:gs pos="100000">
+              <a:schemeClr val="accent6">
+                <a:hueOff val="0"/>
+                <a:satOff val="0"/>
+                <a:lumOff val="0"/>
+                <a:alphaOff val="0"/>
+                <a:tint val="50000"/>
+                <a:shade val="100000"/>
+                <a:satMod val="350000"/>
+              </a:schemeClr>
+            </a:gs>
+          </a:gsLst>
+          <a:lin ang="16200000" scaled="0"/>
+        </a:gradFill>
+        <a:ln w="9525" cap="flat" cmpd="sng" algn="ctr">
+          <a:solidFill>
+            <a:schemeClr val="accent6">
+              <a:hueOff val="0"/>
+              <a:satOff val="0"/>
+              <a:lumOff val="0"/>
+              <a:alphaOff val="0"/>
+            </a:schemeClr>
+          </a:solidFill>
+          <a:prstDash val="solid"/>
+        </a:ln>
+        <a:effectLst>
+          <a:outerShdw blurRad="40000" dist="23000" dir="5400000" rotWithShape="0">
+            <a:srgbClr val="000000">
+              <a:alpha val="35000"/>
+            </a:srgbClr>
+          </a:outerShdw>
+        </a:effectLst>
+        <a:scene3d>
+          <a:camera prst="orthographicFront"/>
+          <a:lightRig rig="flat" dir="t"/>
+        </a:scene3d>
+        <a:sp3d prstMaterial="plastic">
+          <a:bevelT w="120900" h="88900"/>
+          <a:bevelB w="88900" h="31750" prst="angle"/>
+        </a:sp3d>
+      </dsp:spPr>
+      <dsp:style>
+        <a:lnRef idx="1">
+          <a:scrgbClr r="0" g="0" b="0"/>
+        </a:lnRef>
+        <a:fillRef idx="3">
+          <a:scrgbClr r="0" g="0" b="0"/>
+        </a:fillRef>
+        <a:effectRef idx="2">
+          <a:scrgbClr r="0" g="0" b="0"/>
+        </a:effectRef>
+        <a:fontRef idx="minor">
+          <a:schemeClr val="lt1"/>
+        </a:fontRef>
+      </dsp:style>
+    </dsp:sp>
+    <dsp:sp modelId="{C2BC058C-26C0-4CA7-B72C-5822AE322F52}">
+      <dsp:nvSpPr>
+        <dsp:cNvPr id="0" name=""/>
+        <dsp:cNvSpPr/>
+      </dsp:nvSpPr>
+      <dsp:spPr>
+        <a:xfrm>
+          <a:off x="4660419" y="1058956"/>
+          <a:ext cx="1819571" cy="1594961"/>
+        </a:xfrm>
+        <a:prstGeom prst="rect">
+          <a:avLst/>
+        </a:prstGeom>
+        <a:noFill/>
+        <a:ln>
+          <a:noFill/>
+        </a:ln>
+        <a:effectLst/>
+      </dsp:spPr>
+      <dsp:style>
+        <a:lnRef idx="0">
+          <a:scrgbClr r="0" g="0" b="0"/>
+        </a:lnRef>
+        <a:fillRef idx="0">
+          <a:scrgbClr r="0" g="0" b="0"/>
+        </a:fillRef>
+        <a:effectRef idx="0">
+          <a:scrgbClr r="0" g="0" b="0"/>
+        </a:effectRef>
+        <a:fontRef idx="minor"/>
+      </dsp:style>
+      <dsp:txBody>
+        <a:bodyPr spcFirstLastPara="0" vert="horz" wrap="square" lIns="76200" tIns="76200" rIns="76200" bIns="76200" numCol="1" spcCol="1270" anchor="t" anchorCtr="0">
+          <a:noAutofit/>
+        </a:bodyPr>
+        <a:lstStyle/>
+        <a:p>
+          <a:pPr lvl="0" algn="l" defTabSz="889000">
+            <a:lnSpc>
+              <a:spcPct val="90000"/>
+            </a:lnSpc>
+            <a:spcBef>
+              <a:spcPct val="0"/>
+            </a:spcBef>
+            <a:spcAft>
+              <a:spcPct val="35000"/>
+            </a:spcAft>
+          </a:pPr>
+          <a:r>
+            <a:rPr lang="zh-TW" altLang="en-US" sz="2000" b="1" kern="1200" dirty="0" smtClean="0">
+              <a:effectLst>
+                <a:outerShdw blurRad="38100" dist="38100" dir="2700000" algn="tl">
+                  <a:srgbClr val="000000">
+                    <a:alpha val="43137"/>
+                  </a:srgbClr>
+                </a:outerShdw>
+              </a:effectLst>
+              <a:latin typeface="標楷體" pitchFamily="65" charset="-120"/>
+              <a:ea typeface="標楷體" pitchFamily="65" charset="-120"/>
+            </a:rPr>
+            <a:t>顯示地點附近抽驗合格的相關食材</a:t>
+          </a:r>
+          <a:endParaRPr lang="zh-TW" altLang="en-US" sz="2000" kern="1200" dirty="0"/>
+        </a:p>
+      </dsp:txBody>
+      <dsp:txXfrm>
+        <a:off x="4660419" y="1058956"/>
+        <a:ext cx="1819571" cy="1594961"/>
+      </dsp:txXfrm>
+    </dsp:sp>
+    <dsp:sp modelId="{C572B888-8DCB-4796-8604-149AB6003104}">
+      <dsp:nvSpPr>
+        <dsp:cNvPr id="0" name=""/>
+        <dsp:cNvSpPr/>
+      </dsp:nvSpPr>
+      <dsp:spPr>
+        <a:xfrm>
+          <a:off x="6136675" y="308386"/>
+          <a:ext cx="343315" cy="343315"/>
+        </a:xfrm>
+        <a:prstGeom prst="triangle">
+          <a:avLst>
+            <a:gd name="adj" fmla="val 100000"/>
+          </a:avLst>
+        </a:prstGeom>
+        <a:gradFill rotWithShape="0">
+          <a:gsLst>
+            <a:gs pos="0">
+              <a:schemeClr val="accent2">
+                <a:hueOff val="0"/>
+                <a:satOff val="0"/>
+                <a:lumOff val="0"/>
+                <a:alphaOff val="0"/>
+                <a:tint val="100000"/>
+                <a:shade val="100000"/>
+                <a:satMod val="130000"/>
+              </a:schemeClr>
+            </a:gs>
+            <a:gs pos="100000">
+              <a:schemeClr val="accent2">
+                <a:hueOff val="0"/>
+                <a:satOff val="0"/>
+                <a:lumOff val="0"/>
+                <a:alphaOff val="0"/>
+                <a:tint val="50000"/>
+                <a:shade val="100000"/>
+                <a:satMod val="350000"/>
+              </a:schemeClr>
+            </a:gs>
+          </a:gsLst>
+          <a:lin ang="16200000" scaled="0"/>
+        </a:gradFill>
+        <a:ln w="9525" cap="flat" cmpd="sng" algn="ctr">
+          <a:solidFill>
+            <a:schemeClr val="accent2">
+              <a:hueOff val="0"/>
+              <a:satOff val="0"/>
+              <a:lumOff val="0"/>
+              <a:alphaOff val="0"/>
+            </a:schemeClr>
+          </a:solidFill>
+          <a:prstDash val="solid"/>
+        </a:ln>
+        <a:effectLst>
+          <a:outerShdw blurRad="40000" dist="23000" dir="5400000" rotWithShape="0">
+            <a:srgbClr val="000000">
+              <a:alpha val="35000"/>
+            </a:srgbClr>
+          </a:outerShdw>
+        </a:effectLst>
+        <a:scene3d>
+          <a:camera prst="orthographicFront"/>
+          <a:lightRig rig="flat" dir="t"/>
+        </a:scene3d>
+        <a:sp3d prstMaterial="plastic">
+          <a:bevelT w="120900" h="88900"/>
+          <a:bevelB w="88900" h="31750" prst="angle"/>
+        </a:sp3d>
+      </dsp:spPr>
+      <dsp:style>
+        <a:lnRef idx="1">
+          <a:scrgbClr r="0" g="0" b="0"/>
+        </a:lnRef>
+        <a:fillRef idx="3">
+          <a:scrgbClr r="0" g="0" b="0"/>
+        </a:fillRef>
+        <a:effectRef idx="2">
+          <a:scrgbClr r="0" g="0" b="0"/>
+        </a:effectRef>
+        <a:fontRef idx="minor">
+          <a:schemeClr val="lt1"/>
+        </a:fontRef>
+      </dsp:style>
+    </dsp:sp>
+    <dsp:sp modelId="{D0A3191D-8B88-430A-A687-2A82E7891E0B}">
+      <dsp:nvSpPr>
+        <dsp:cNvPr id="0" name=""/>
+        <dsp:cNvSpPr/>
+      </dsp:nvSpPr>
+      <dsp:spPr>
+        <a:xfrm rot="5400000">
+          <a:off x="7090115" y="-94432"/>
+          <a:ext cx="1211232" cy="2015463"/>
+        </a:xfrm>
+        <a:prstGeom prst="corner">
+          <a:avLst>
+            <a:gd name="adj1" fmla="val 16120"/>
+            <a:gd name="adj2" fmla="val 16110"/>
+          </a:avLst>
+        </a:prstGeom>
+        <a:gradFill rotWithShape="0">
+          <a:gsLst>
+            <a:gs pos="0">
+              <a:schemeClr val="accent3">
+                <a:hueOff val="0"/>
+                <a:satOff val="0"/>
+                <a:lumOff val="0"/>
+                <a:alphaOff val="0"/>
+                <a:tint val="100000"/>
+                <a:shade val="100000"/>
+                <a:satMod val="130000"/>
+              </a:schemeClr>
+            </a:gs>
+            <a:gs pos="100000">
+              <a:schemeClr val="accent3">
+                <a:hueOff val="0"/>
+                <a:satOff val="0"/>
+                <a:lumOff val="0"/>
+                <a:alphaOff val="0"/>
+                <a:tint val="50000"/>
+                <a:shade val="100000"/>
+                <a:satMod val="350000"/>
+              </a:schemeClr>
+            </a:gs>
+          </a:gsLst>
+          <a:lin ang="16200000" scaled="0"/>
+        </a:gradFill>
+        <a:ln w="9525" cap="flat" cmpd="sng" algn="ctr">
+          <a:solidFill>
+            <a:schemeClr val="accent3">
+              <a:hueOff val="0"/>
+              <a:satOff val="0"/>
+              <a:lumOff val="0"/>
+              <a:alphaOff val="0"/>
+            </a:schemeClr>
+          </a:solidFill>
+          <a:prstDash val="solid"/>
+        </a:ln>
+        <a:effectLst>
+          <a:outerShdw blurRad="40000" dist="23000" dir="5400000" rotWithShape="0">
+            <a:srgbClr val="000000">
+              <a:alpha val="35000"/>
+            </a:srgbClr>
+          </a:outerShdw>
+        </a:effectLst>
+        <a:scene3d>
+          <a:camera prst="orthographicFront"/>
+          <a:lightRig rig="flat" dir="t"/>
+        </a:scene3d>
+        <a:sp3d prstMaterial="plastic">
+          <a:bevelT w="120900" h="88900"/>
+          <a:bevelB w="88900" h="31750" prst="angle"/>
+        </a:sp3d>
+      </dsp:spPr>
+      <dsp:style>
+        <a:lnRef idx="1">
+          <a:scrgbClr r="0" g="0" b="0"/>
+        </a:lnRef>
+        <a:fillRef idx="3">
+          <a:scrgbClr r="0" g="0" b="0"/>
+        </a:fillRef>
+        <a:effectRef idx="2">
+          <a:scrgbClr r="0" g="0" b="0"/>
+        </a:effectRef>
+        <a:fontRef idx="minor">
+          <a:schemeClr val="lt1"/>
+        </a:fontRef>
+      </dsp:style>
+    </dsp:sp>
+    <dsp:sp modelId="{F0D91889-6CAA-4364-9421-951B41C98604}">
+      <dsp:nvSpPr>
+        <dsp:cNvPr id="0" name=""/>
+        <dsp:cNvSpPr/>
+      </dsp:nvSpPr>
+      <dsp:spPr>
+        <a:xfrm>
+          <a:off x="6887930" y="507756"/>
+          <a:ext cx="1819571" cy="1594961"/>
+        </a:xfrm>
+        <a:prstGeom prst="rect">
+          <a:avLst/>
+        </a:prstGeom>
+        <a:noFill/>
+        <a:ln>
+          <a:noFill/>
+        </a:ln>
+        <a:effectLst/>
+      </dsp:spPr>
+      <dsp:style>
+        <a:lnRef idx="0">
+          <a:scrgbClr r="0" g="0" b="0"/>
+        </a:lnRef>
+        <a:fillRef idx="0">
+          <a:scrgbClr r="0" g="0" b="0"/>
+        </a:fillRef>
+        <a:effectRef idx="0">
+          <a:scrgbClr r="0" g="0" b="0"/>
+        </a:effectRef>
+        <a:fontRef idx="minor"/>
+      </dsp:style>
+      <dsp:txBody>
+        <a:bodyPr spcFirstLastPara="0" vert="horz" wrap="square" lIns="76200" tIns="76200" rIns="76200" bIns="76200" numCol="1" spcCol="1270" anchor="t" anchorCtr="0">
+          <a:noAutofit/>
+        </a:bodyPr>
+        <a:lstStyle/>
+        <a:p>
+          <a:pPr lvl="0" algn="l" defTabSz="889000">
+            <a:lnSpc>
+              <a:spcPct val="90000"/>
+            </a:lnSpc>
+            <a:spcBef>
+              <a:spcPct val="0"/>
+            </a:spcBef>
+            <a:spcAft>
+              <a:spcPct val="35000"/>
+            </a:spcAft>
+          </a:pPr>
+          <a:r>
+            <a:rPr lang="zh-TW" altLang="en-US" sz="2000" b="1" kern="1200" dirty="0" smtClean="0">
+              <a:effectLst>
+                <a:outerShdw blurRad="38100" dist="38100" dir="2700000" algn="tl">
+                  <a:srgbClr val="000000">
+                    <a:alpha val="43137"/>
+                  </a:srgbClr>
+                </a:outerShdw>
+              </a:effectLst>
+              <a:latin typeface="標楷體" pitchFamily="65" charset="-120"/>
+              <a:ea typeface="標楷體" pitchFamily="65" charset="-120"/>
+            </a:rPr>
+            <a:t>詳細安心食品的廠商名稱、地址、電話、抽驗日期、地點、電話、結果 等項目</a:t>
+          </a:r>
+          <a:endParaRPr lang="zh-TW" altLang="en-US" sz="2000" kern="1200" dirty="0"/>
+        </a:p>
+      </dsp:txBody>
+      <dsp:txXfrm>
+        <a:off x="6887930" y="507756"/>
+        <a:ext cx="1819571" cy="1594961"/>
+      </dsp:txXfrm>
+    </dsp:sp>
+  </dsp:spTree>
+</dsp:drawing>
+</file>
+
+<file path=ppt/diagrams/layout1.xml><?xml version="1.0" encoding="utf-8"?>
+<dgm:layoutDef xmlns:dgm="http://schemas.openxmlformats.org/drawingml/2006/diagram" xmlns:a="http://schemas.openxmlformats.org/drawingml/2006/main" uniqueId="urn:microsoft.com/office/officeart/2009/3/layout/StepUpProcess">
+  <dgm:title val=""/>
+  <dgm:desc val=""/>
+  <dgm:catLst>
+    <dgm:cat type="process" pri="1300"/>
+  </dgm:catLst>
+  <dgm:sampData>
+    <dgm:dataModel>
+      <dgm:ptLst>
+        <dgm:pt modelId="0" type="doc"/>
+        <dgm:pt modelId="10">
+          <dgm:prSet phldr="1"/>
+        </dgm:pt>
+        <dgm:pt modelId="20">
+          <dgm:prSet phldr="1"/>
+        </dgm:pt>
+        <dgm:pt modelId="30">
+          <dgm:prSet phldr="1"/>
+        </dgm:pt>
+      </dgm:ptLst>
+      <dgm:cxnLst>
+        <dgm:cxn modelId="60" srcId="0" destId="10" srcOrd="0" destOrd="0"/>
+        <dgm:cxn modelId="70" srcId="0" destId="20" srcOrd="1" destOrd="0"/>
+        <dgm:cxn modelId="80" srcId="0" destId="30" srcOrd="2" destOrd="0"/>
+      </dgm:cxnLst>
+      <dgm:bg/>
+      <dgm:whole/>
+    </dgm:dataModel>
+  </dgm:sampData>
+  <dgm:styleData>
+    <dgm:dataModel>
+      <dgm:ptLst>
+        <dgm:pt modelId="0" type="doc"/>
+        <dgm:pt modelId="10">
+          <dgm:prSet phldr="1"/>
+        </dgm:pt>
+        <dgm:pt modelId="20">
+          <dgm:prSet phldr="1"/>
+        </dgm:pt>
+      </dgm:ptLst>
+      <dgm:cxnLst>
+        <dgm:cxn modelId="60" srcId="0" destId="10" srcOrd="0" destOrd="0"/>
+        <dgm:cxn modelId="70" srcId="0" destId="20" srcOrd="1" destOrd="0"/>
+      </dgm:cxnLst>
+      <dgm:bg/>
+      <dgm:whole/>
+    </dgm:dataModel>
+  </dgm:styleData>
+  <dgm:clrData>
+    <dgm:dataModel>
+      <dgm:ptLst>
+        <dgm:pt modelId="0" type="doc"/>
+        <dgm:pt modelId="10">
+          <dgm:prSet phldr="1"/>
+        </dgm:pt>
+        <dgm:pt modelId="20">
+          <dgm:prSet phldr="1"/>
+        </dgm:pt>
+        <dgm:pt modelId="30">
+          <dgm:prSet phldr="1"/>
+        </dgm:pt>
+        <dgm:pt modelId="40">
+          <dgm:prSet phldr="1"/>
+        </dgm:pt>
+      </dgm:ptLst>
+      <dgm:cxnLst>
+        <dgm:cxn modelId="60" srcId="0" destId="10" srcOrd="0" destOrd="0"/>
+        <dgm:cxn modelId="70" srcId="0" destId="20" srcOrd="1" destOrd="0"/>
+        <dgm:cxn modelId="80" srcId="0" destId="30" srcOrd="2" destOrd="0"/>
+        <dgm:cxn modelId="90" srcId="0" destId="40" srcOrd="3" destOrd="0"/>
+      </dgm:cxnLst>
+      <dgm:bg/>
+      <dgm:whole/>
+    </dgm:dataModel>
+  </dgm:clrData>
+  <dgm:layoutNode name="rootnode">
+    <dgm:varLst>
+      <dgm:chMax/>
+      <dgm:chPref/>
+      <dgm:dir/>
+      <dgm:animLvl val="lvl"/>
+    </dgm:varLst>
+    <dgm:choose name="Name0">
+      <dgm:if name="Name1" func="var" arg="dir" op="equ" val="norm">
+        <dgm:alg type="snake">
+          <dgm:param type="grDir" val="bL"/>
+          <dgm:param type="flowDir" val="row"/>
+          <dgm:param type="off" val="off"/>
+          <dgm:param type="bkpt" val="fixed"/>
+          <dgm:param type="bkPtFixedVal" val="1"/>
+        </dgm:alg>
+      </dgm:if>
+      <dgm:else name="Name2">
+        <dgm:alg type="snake">
+          <dgm:param type="grDir" val="bR"/>
+          <dgm:param type="flowDir" val="row"/>
+          <dgm:param type="off" val="off"/>
+          <dgm:param type="bkpt" val="fixed"/>
+          <dgm:param type="bkPtFixedVal" val="1"/>
+        </dgm:alg>
+      </dgm:else>
+    </dgm:choose>
+    <dgm:shape xmlns:r="http://schemas.openxmlformats.org/officeDocument/2006/relationships" r:blip="">
+      <dgm:adjLst/>
+    </dgm:shape>
+    <dgm:constrLst>
+      <dgm:constr type="alignOff" forName="rootnode" val="1"/>
+      <dgm:constr type="primFontSz" for="des" ptType="node" op="equ" val="65"/>
+      <dgm:constr type="w" for="ch" forName="composite" refType="w"/>
+      <dgm:constr type="h" for="ch" forName="composite" refType="h"/>
+      <dgm:constr type="sp" refType="h" refFor="ch" refForName="composite" op="equ" fact="-0.765"/>
+      <dgm:constr type="w" for="ch" forName="sibTrans" refType="w" fact="0.103"/>
+      <dgm:constr type="h" for="ch" forName="sibTrans" refType="h" fact="0.103"/>
+    </dgm:constrLst>
+    <dgm:forEach name="nodesForEach" axis="ch" ptType="node">
+      <dgm:layoutNode name="composite">
+        <dgm:alg type="composite">
+          <dgm:param type="ar" val="0.861"/>
+        </dgm:alg>
+        <dgm:shape xmlns:r="http://schemas.openxmlformats.org/officeDocument/2006/relationships" r:blip="">
+          <dgm:adjLst/>
+        </dgm:shape>
+        <dgm:choose name="Name3">
+          <dgm:if name="Name4" func="var" arg="dir" op="equ" val="norm">
+            <dgm:constrLst>
+              <dgm:constr type="l" for="ch" forName="LShape" refType="w" fact="0"/>
+              <dgm:constr type="t" for="ch" forName="LShape" refType="h" fact="0.2347"/>
+              <dgm:constr type="w" for="ch" forName="LShape" refType="w" fact="0.998"/>
+              <dgm:constr type="h" for="ch" forName="LShape" refType="h" fact="0.5164"/>
+              <dgm:constr type="r" for="ch" forName="ParentText" refType="w"/>
+              <dgm:constr type="t" for="ch" forName="ParentText" refType="h" fact="0.32"/>
+              <dgm:constr type="w" for="ch" forName="ParentText" refType="w" fact="0.901"/>
+              <dgm:constr type="h" for="ch" forName="ParentText" refType="h" fact="0.68"/>
+              <dgm:constr type="l" for="ch" forName="Triangle" refType="w" fact="0.83"/>
+              <dgm:constr type="t" for="ch" forName="Triangle" refType="h" fact="0"/>
+              <dgm:constr type="w" for="ch" forName="Triangle" refType="w" fact="0.17"/>
+              <dgm:constr type="h" for="ch" forName="Triangle" refType="w" refFor="ch" refForName="Triangle"/>
+            </dgm:constrLst>
+          </dgm:if>
+          <dgm:else name="Name5">
+            <dgm:constrLst>
+              <dgm:constr type="l" for="ch" forName="LShape" refType="w" fact="0.002"/>
+              <dgm:constr type="t" for="ch" forName="LShape" refType="h" fact="0.2347"/>
+              <dgm:constr type="w" for="ch" forName="LShape" refType="w"/>
+              <dgm:constr type="h" for="ch" forName="LShape" refType="h" fact="0.5164"/>
+              <dgm:constr type="l" for="ch" forName="ParentText" refType="w" fact="0"/>
+              <dgm:constr type="t" for="ch" forName="ParentText" refType="h" fact="0.32"/>
+              <dgm:constr type="w" for="ch" forName="ParentText" refType="w" fact="0.902"/>
+              <dgm:constr type="h" for="ch" forName="ParentText" refType="h" fact="0.68"/>
+              <dgm:constr type="l" for="ch" forName="Triangle" refType="w" fact="0"/>
+              <dgm:constr type="t" for="ch" forName="Triangle" refType="h" fact="0"/>
+              <dgm:constr type="w" for="ch" forName="Triangle" refType="w" fact="0.17"/>
+              <dgm:constr type="h" for="ch" forName="Triangle" refType="w" refFor="ch" refForName="Triangle"/>
+            </dgm:constrLst>
+          </dgm:else>
+        </dgm:choose>
+        <dgm:layoutNode name="LShape" styleLbl="alignNode1">
+          <dgm:alg type="sp"/>
+          <dgm:choose name="Name6">
+            <dgm:if name="Name7" func="var" arg="dir" op="equ" val="norm">
+              <dgm:shape xmlns:r="http://schemas.openxmlformats.org/officeDocument/2006/relationships" rot="90" type="corner" r:blip="">
+                <dgm:adjLst>
+                  <dgm:adj idx="1" val="0.1612"/>
+                  <dgm:adj idx="2" val="0.1611"/>
+                </dgm:adjLst>
+              </dgm:shape>
+            </dgm:if>
+            <dgm:else name="Name8">
+              <dgm:shape xmlns:r="http://schemas.openxmlformats.org/officeDocument/2006/relationships" rot="180" type="corner" r:blip="">
+                <dgm:adjLst>
+                  <dgm:adj idx="1" val="0.1612"/>
+                  <dgm:adj idx="2" val="0.1611"/>
+                </dgm:adjLst>
+              </dgm:shape>
+            </dgm:else>
+          </dgm:choose>
+          <dgm:presOf/>
+        </dgm:layoutNode>
+        <dgm:layoutNode name="ParentText" styleLbl="revTx">
+          <dgm:varLst>
+            <dgm:chMax val="0"/>
+            <dgm:chPref val="0"/>
+            <dgm:bulletEnabled val="1"/>
+          </dgm:varLst>
+          <dgm:alg type="tx">
+            <dgm:param type="parTxLTRAlign" val="l"/>
+            <dgm:param type="txAnchorVert" val="t"/>
+          </dgm:alg>
+          <dgm:shape xmlns:r="http://schemas.openxmlformats.org/officeDocument/2006/relationships" type="rect" r:blip="">
+            <dgm:adjLst/>
+          </dgm:shape>
+          <dgm:presOf axis="desOrSelf" ptType="node"/>
+          <dgm:constrLst>
+            <dgm:constr type="lMarg" refType="primFontSz" fact="0.3"/>
+            <dgm:constr type="rMarg" refType="primFontSz" fact="0.3"/>
+            <dgm:constr type="tMarg" refType="primFontSz" fact="0.3"/>
+            <dgm:constr type="bMarg" refType="primFontSz" fact="0.3"/>
+          </dgm:constrLst>
+          <dgm:ruleLst>
+            <dgm:rule type="primFontSz" val="5" fact="NaN" max="NaN"/>
+          </dgm:ruleLst>
+        </dgm:layoutNode>
+        <dgm:choose name="Name9">
+          <dgm:if name="Name10" axis="followSib" ptType="node" func="cnt" op="gte" val="1">
+            <dgm:layoutNode name="Triangle" styleLbl="alignNode1">
+              <dgm:alg type="sp"/>
+              <dgm:choose name="Name11">
+                <dgm:if name="Name12" func="var" arg="dir" op="equ" val="norm">
+                  <dgm:shape xmlns:r="http://schemas.openxmlformats.org/officeDocument/2006/relationships" type="triangle" r:blip="">
+                    <dgm:adjLst>
+                      <dgm:adj idx="1" val="1"/>
+                    </dgm:adjLst>
+                  </dgm:shape>
+                </dgm:if>
+                <dgm:else name="Name13">
+                  <dgm:shape xmlns:r="http://schemas.openxmlformats.org/officeDocument/2006/relationships" rot="90" type="triangle" r:blip="">
+                    <dgm:adjLst>
+                      <dgm:adj idx="1" val="1"/>
+                    </dgm:adjLst>
+                  </dgm:shape>
+                </dgm:else>
+              </dgm:choose>
+              <dgm:presOf/>
+            </dgm:layoutNode>
+          </dgm:if>
+          <dgm:else name="Name14"/>
+        </dgm:choose>
+      </dgm:layoutNode>
+      <dgm:forEach name="sibTransForEach" axis="followSib" ptType="sibTrans" cnt="1">
+        <dgm:layoutNode name="sibTrans">
+          <dgm:alg type="composite">
+            <dgm:param type="ar" val="0.861"/>
+          </dgm:alg>
+          <dgm:constrLst>
+            <dgm:constr type="w" for="ch" forName="space" refType="w"/>
+            <dgm:constr type="h" for="ch" forName="space" refType="w"/>
+          </dgm:constrLst>
+          <dgm:layoutNode name="space" styleLbl="alignNode1">
+            <dgm:alg type="sp"/>
+            <dgm:shape xmlns:r="http://schemas.openxmlformats.org/officeDocument/2006/relationships" r:blip="">
+              <dgm:adjLst/>
+            </dgm:shape>
+            <dgm:presOf/>
+          </dgm:layoutNode>
+        </dgm:layoutNode>
+      </dgm:forEach>
+    </dgm:forEach>
+  </dgm:layoutNode>
+</dgm:layoutDef>
+</file>
+
+<file path=ppt/diagrams/layout2.xml><?xml version="1.0" encoding="utf-8"?>
+<dgm:layoutDef xmlns:dgm="http://schemas.openxmlformats.org/drawingml/2006/diagram" xmlns:a="http://schemas.openxmlformats.org/drawingml/2006/main" uniqueId="urn:microsoft.com/office/officeart/2009/3/layout/StepUpProcess">
+  <dgm:title val=""/>
+  <dgm:desc val=""/>
+  <dgm:catLst>
+    <dgm:cat type="process" pri="1300"/>
+  </dgm:catLst>
+  <dgm:sampData>
+    <dgm:dataModel>
+      <dgm:ptLst>
+        <dgm:pt modelId="0" type="doc"/>
+        <dgm:pt modelId="10">
+          <dgm:prSet phldr="1"/>
+        </dgm:pt>
+        <dgm:pt modelId="20">
+          <dgm:prSet phldr="1"/>
+        </dgm:pt>
+        <dgm:pt modelId="30">
+          <dgm:prSet phldr="1"/>
+        </dgm:pt>
+      </dgm:ptLst>
+      <dgm:cxnLst>
+        <dgm:cxn modelId="60" srcId="0" destId="10" srcOrd="0" destOrd="0"/>
+        <dgm:cxn modelId="70" srcId="0" destId="20" srcOrd="1" destOrd="0"/>
+        <dgm:cxn modelId="80" srcId="0" destId="30" srcOrd="2" destOrd="0"/>
+      </dgm:cxnLst>
+      <dgm:bg/>
+      <dgm:whole/>
+    </dgm:dataModel>
+  </dgm:sampData>
+  <dgm:styleData>
+    <dgm:dataModel>
+      <dgm:ptLst>
+        <dgm:pt modelId="0" type="doc"/>
+        <dgm:pt modelId="10">
+          <dgm:prSet phldr="1"/>
+        </dgm:pt>
+        <dgm:pt modelId="20">
+          <dgm:prSet phldr="1"/>
+        </dgm:pt>
+      </dgm:ptLst>
+      <dgm:cxnLst>
+        <dgm:cxn modelId="60" srcId="0" destId="10" srcOrd="0" destOrd="0"/>
+        <dgm:cxn modelId="70" srcId="0" destId="20" srcOrd="1" destOrd="0"/>
+      </dgm:cxnLst>
+      <dgm:bg/>
+      <dgm:whole/>
+    </dgm:dataModel>
+  </dgm:styleData>
+  <dgm:clrData>
+    <dgm:dataModel>
+      <dgm:ptLst>
+        <dgm:pt modelId="0" type="doc"/>
+        <dgm:pt modelId="10">
+          <dgm:prSet phldr="1"/>
+        </dgm:pt>
+        <dgm:pt modelId="20">
+          <dgm:prSet phldr="1"/>
+        </dgm:pt>
+        <dgm:pt modelId="30">
+          <dgm:prSet phldr="1"/>
+        </dgm:pt>
+        <dgm:pt modelId="40">
+          <dgm:prSet phldr="1"/>
+        </dgm:pt>
+      </dgm:ptLst>
+      <dgm:cxnLst>
+        <dgm:cxn modelId="60" srcId="0" destId="10" srcOrd="0" destOrd="0"/>
+        <dgm:cxn modelId="70" srcId="0" destId="20" srcOrd="1" destOrd="0"/>
+        <dgm:cxn modelId="80" srcId="0" destId="30" srcOrd="2" destOrd="0"/>
+        <dgm:cxn modelId="90" srcId="0" destId="40" srcOrd="3" destOrd="0"/>
+      </dgm:cxnLst>
+      <dgm:bg/>
+      <dgm:whole/>
+    </dgm:dataModel>
+  </dgm:clrData>
+  <dgm:layoutNode name="rootnode">
+    <dgm:varLst>
+      <dgm:chMax/>
+      <dgm:chPref/>
+      <dgm:dir/>
+      <dgm:animLvl val="lvl"/>
+    </dgm:varLst>
+    <dgm:choose name="Name0">
+      <dgm:if name="Name1" func="var" arg="dir" op="equ" val="norm">
+        <dgm:alg type="snake">
+          <dgm:param type="grDir" val="bL"/>
+          <dgm:param type="flowDir" val="row"/>
+          <dgm:param type="off" val="off"/>
+          <dgm:param type="bkpt" val="fixed"/>
+          <dgm:param type="bkPtFixedVal" val="1"/>
+        </dgm:alg>
+      </dgm:if>
+      <dgm:else name="Name2">
+        <dgm:alg type="snake">
+          <dgm:param type="grDir" val="bR"/>
+          <dgm:param type="flowDir" val="row"/>
+          <dgm:param type="off" val="off"/>
+          <dgm:param type="bkpt" val="fixed"/>
+          <dgm:param type="bkPtFixedVal" val="1"/>
+        </dgm:alg>
+      </dgm:else>
+    </dgm:choose>
+    <dgm:shape xmlns:r="http://schemas.openxmlformats.org/officeDocument/2006/relationships" r:blip="">
+      <dgm:adjLst/>
+    </dgm:shape>
+    <dgm:constrLst>
+      <dgm:constr type="alignOff" forName="rootnode" val="1"/>
+      <dgm:constr type="primFontSz" for="des" ptType="node" op="equ" val="65"/>
+      <dgm:constr type="w" for="ch" forName="composite" refType="w"/>
+      <dgm:constr type="h" for="ch" forName="composite" refType="h"/>
+      <dgm:constr type="sp" refType="h" refFor="ch" refForName="composite" op="equ" fact="-0.765"/>
+      <dgm:constr type="w" for="ch" forName="sibTrans" refType="w" fact="0.103"/>
+      <dgm:constr type="h" for="ch" forName="sibTrans" refType="h" fact="0.103"/>
+    </dgm:constrLst>
+    <dgm:forEach name="nodesForEach" axis="ch" ptType="node">
+      <dgm:layoutNode name="composite">
+        <dgm:alg type="composite">
+          <dgm:param type="ar" val="0.861"/>
+        </dgm:alg>
+        <dgm:shape xmlns:r="http://schemas.openxmlformats.org/officeDocument/2006/relationships" r:blip="">
+          <dgm:adjLst/>
+        </dgm:shape>
+        <dgm:choose name="Name3">
+          <dgm:if name="Name4" func="var" arg="dir" op="equ" val="norm">
+            <dgm:constrLst>
+              <dgm:constr type="l" for="ch" forName="LShape" refType="w" fact="0"/>
+              <dgm:constr type="t" for="ch" forName="LShape" refType="h" fact="0.2347"/>
+              <dgm:constr type="w" for="ch" forName="LShape" refType="w" fact="0.998"/>
+              <dgm:constr type="h" for="ch" forName="LShape" refType="h" fact="0.5164"/>
+              <dgm:constr type="r" for="ch" forName="ParentText" refType="w"/>
+              <dgm:constr type="t" for="ch" forName="ParentText" refType="h" fact="0.32"/>
+              <dgm:constr type="w" for="ch" forName="ParentText" refType="w" fact="0.901"/>
+              <dgm:constr type="h" for="ch" forName="ParentText" refType="h" fact="0.68"/>
+              <dgm:constr type="l" for="ch" forName="Triangle" refType="w" fact="0.83"/>
+              <dgm:constr type="t" for="ch" forName="Triangle" refType="h" fact="0"/>
+              <dgm:constr type="w" for="ch" forName="Triangle" refType="w" fact="0.17"/>
+              <dgm:constr type="h" for="ch" forName="Triangle" refType="w" refFor="ch" refForName="Triangle"/>
+            </dgm:constrLst>
+          </dgm:if>
+          <dgm:else name="Name5">
+            <dgm:constrLst>
+              <dgm:constr type="l" for="ch" forName="LShape" refType="w" fact="0.002"/>
+              <dgm:constr type="t" for="ch" forName="LShape" refType="h" fact="0.2347"/>
+              <dgm:constr type="w" for="ch" forName="LShape" refType="w"/>
+              <dgm:constr type="h" for="ch" forName="LShape" refType="h" fact="0.5164"/>
+              <dgm:constr type="l" for="ch" forName="ParentText" refType="w" fact="0"/>
+              <dgm:constr type="t" for="ch" forName="ParentText" refType="h" fact="0.32"/>
+              <dgm:constr type="w" for="ch" forName="ParentText" refType="w" fact="0.902"/>
+              <dgm:constr type="h" for="ch" forName="ParentText" refType="h" fact="0.68"/>
+              <dgm:constr type="l" for="ch" forName="Triangle" refType="w" fact="0"/>
+              <dgm:constr type="t" for="ch" forName="Triangle" refType="h" fact="0"/>
+              <dgm:constr type="w" for="ch" forName="Triangle" refType="w" fact="0.17"/>
+              <dgm:constr type="h" for="ch" forName="Triangle" refType="w" refFor="ch" refForName="Triangle"/>
+            </dgm:constrLst>
+          </dgm:else>
+        </dgm:choose>
+        <dgm:layoutNode name="LShape" styleLbl="alignNode1">
+          <dgm:alg type="sp"/>
+          <dgm:choose name="Name6">
+            <dgm:if name="Name7" func="var" arg="dir" op="equ" val="norm">
+              <dgm:shape xmlns:r="http://schemas.openxmlformats.org/officeDocument/2006/relationships" rot="90" type="corner" r:blip="">
+                <dgm:adjLst>
+                  <dgm:adj idx="1" val="0.1612"/>
+                  <dgm:adj idx="2" val="0.1611"/>
+                </dgm:adjLst>
+              </dgm:shape>
+            </dgm:if>
+            <dgm:else name="Name8">
+              <dgm:shape xmlns:r="http://schemas.openxmlformats.org/officeDocument/2006/relationships" rot="180" type="corner" r:blip="">
+                <dgm:adjLst>
+                  <dgm:adj idx="1" val="0.1612"/>
+                  <dgm:adj idx="2" val="0.1611"/>
+                </dgm:adjLst>
+              </dgm:shape>
+            </dgm:else>
+          </dgm:choose>
+          <dgm:presOf/>
+        </dgm:layoutNode>
+        <dgm:layoutNode name="ParentText" styleLbl="revTx">
+          <dgm:varLst>
+            <dgm:chMax val="0"/>
+            <dgm:chPref val="0"/>
+            <dgm:bulletEnabled val="1"/>
+          </dgm:varLst>
+          <dgm:alg type="tx">
+            <dgm:param type="parTxLTRAlign" val="l"/>
+            <dgm:param type="txAnchorVert" val="t"/>
+          </dgm:alg>
+          <dgm:shape xmlns:r="http://schemas.openxmlformats.org/officeDocument/2006/relationships" type="rect" r:blip="">
+            <dgm:adjLst/>
+          </dgm:shape>
+          <dgm:presOf axis="desOrSelf" ptType="node"/>
+          <dgm:constrLst>
+            <dgm:constr type="lMarg" refType="primFontSz" fact="0.3"/>
+            <dgm:constr type="rMarg" refType="primFontSz" fact="0.3"/>
+            <dgm:constr type="tMarg" refType="primFontSz" fact="0.3"/>
+            <dgm:constr type="bMarg" refType="primFontSz" fact="0.3"/>
+          </dgm:constrLst>
+          <dgm:ruleLst>
+            <dgm:rule type="primFontSz" val="5" fact="NaN" max="NaN"/>
+          </dgm:ruleLst>
+        </dgm:layoutNode>
+        <dgm:choose name="Name9">
+          <dgm:if name="Name10" axis="followSib" ptType="node" func="cnt" op="gte" val="1">
+            <dgm:layoutNode name="Triangle" styleLbl="alignNode1">
+              <dgm:alg type="sp"/>
+              <dgm:choose name="Name11">
+                <dgm:if name="Name12" func="var" arg="dir" op="equ" val="norm">
+                  <dgm:shape xmlns:r="http://schemas.openxmlformats.org/officeDocument/2006/relationships" type="triangle" r:blip="">
+                    <dgm:adjLst>
+                      <dgm:adj idx="1" val="1"/>
+                    </dgm:adjLst>
+                  </dgm:shape>
+                </dgm:if>
+                <dgm:else name="Name13">
+                  <dgm:shape xmlns:r="http://schemas.openxmlformats.org/officeDocument/2006/relationships" rot="90" type="triangle" r:blip="">
+                    <dgm:adjLst>
+                      <dgm:adj idx="1" val="1"/>
+                    </dgm:adjLst>
+                  </dgm:shape>
+                </dgm:else>
+              </dgm:choose>
+              <dgm:presOf/>
+            </dgm:layoutNode>
+          </dgm:if>
+          <dgm:else name="Name14"/>
+        </dgm:choose>
+      </dgm:layoutNode>
+      <dgm:forEach name="sibTransForEach" axis="followSib" ptType="sibTrans" cnt="1">
+        <dgm:layoutNode name="sibTrans">
+          <dgm:alg type="composite">
+            <dgm:param type="ar" val="0.861"/>
+          </dgm:alg>
+          <dgm:constrLst>
+            <dgm:constr type="w" for="ch" forName="space" refType="w"/>
+            <dgm:constr type="h" for="ch" forName="space" refType="w"/>
+          </dgm:constrLst>
+          <dgm:layoutNode name="space" styleLbl="alignNode1">
+            <dgm:alg type="sp"/>
+            <dgm:shape xmlns:r="http://schemas.openxmlformats.org/officeDocument/2006/relationships" r:blip="">
+              <dgm:adjLst/>
+            </dgm:shape>
+            <dgm:presOf/>
+          </dgm:layoutNode>
+        </dgm:layoutNode>
+      </dgm:forEach>
+    </dgm:forEach>
+  </dgm:layoutNode>
+</dgm:layoutDef>
+</file>
+
+<file path=ppt/diagrams/quickStyle1.xml><?xml version="1.0" encoding="utf-8"?>
+<dgm:styleDef xmlns:dgm="http://schemas.openxmlformats.org/drawingml/2006/diagram" xmlns:a="http://schemas.openxmlformats.org/drawingml/2006/main" uniqueId="urn:microsoft.com/office/officeart/2005/8/quickstyle/3d1">
+  <dgm:title val=""/>
+  <dgm:desc val=""/>
+  <dgm:catLst>
+    <dgm:cat type="3D" pri="11100"/>
+  </dgm:catLst>
+  <dgm:scene3d>
+    <a:camera prst="orthographicFront"/>
+    <a:lightRig rig="threePt" dir="t"/>
+  </dgm:scene3d>
+  <dgm:styleLbl name="node0">
+    <dgm:scene3d>
+      <a:camera prst="orthographicFront"/>
+      <a:lightRig rig="flat" dir="t"/>
+    </dgm:scene3d>
+    <dgm:sp3d prstMaterial="plastic">
+      <a:bevelT w="120900" h="88900"/>
+      <a:bevelB w="88900" h="31750" prst="angle"/>
+    </dgm:sp3d>
+    <dgm:txPr/>
+    <dgm:style>
+      <a:lnRef idx="0">
+        <a:scrgbClr r="0" g="0" b="0"/>
+      </a:lnRef>
+      <a:fillRef idx="3">
+        <a:scrgbClr r="0" g="0" b="0"/>
+      </a:fillRef>
+      <a:effectRef idx="2">
+        <a:scrgbClr r="0" g="0" b="0"/>
+      </a:effectRef>
+      <a:fontRef idx="minor">
+        <a:schemeClr val="lt1"/>
+      </a:fontRef>
+    </dgm:style>
+  </dgm:styleLbl>
+  <dgm:styleLbl name="lnNode1">
+    <dgm:scene3d>
+      <a:camera prst="orthographicFront"/>
+      <a:lightRig rig="flat" dir="t"/>
+    </dgm:scene3d>
+    <dgm:sp3d prstMaterial="plastic">
+      <a:bevelT w="120900" h="88900"/>
+      <a:bevelB w="88900" h="31750" prst="angle"/>
+    </dgm:sp3d>
+    <dgm:txPr/>
+    <dgm:style>
+      <a:lnRef idx="0">
+        <a:scrgbClr r="0" g="0" b="0"/>
+      </a:lnRef>
+      <a:fillRef idx="3">
+        <a:scrgbClr r="0" g="0" b="0"/>
+      </a:fillRef>
+      <a:effectRef idx="1">
+        <a:scrgbClr r="0" g="0" b="0"/>
+      </a:effectRef>
+      <a:fontRef idx="minor">
+        <a:schemeClr val="lt1"/>
+      </a:fontRef>
+    </dgm:style>
+  </dgm:styleLbl>
+  <dgm:styleLbl name="vennNode1">
+    <dgm:scene3d>
+      <a:camera prst="orthographicFront"/>
+      <a:lightRig rig="flat" dir="t"/>
+    </dgm:scene3d>
+    <dgm:sp3d prstMaterial="plastic">
+      <a:bevelT w="120900" h="88900"/>
+      <a:bevelB w="88900" h="31750" prst="angle"/>
+    </dgm:sp3d>
+    <dgm:txPr/>
+    <dgm:style>
+      <a:lnRef idx="0">
+        <a:scrgbClr r="0" g="0" b="0"/>
+      </a:lnRef>
+      <a:fillRef idx="1">
+        <a:scrgbClr r="0" g="0" b="0"/>
+      </a:fillRef>
+      <a:effectRef idx="1">
+        <a:scrgbClr r="0" g="0" b="0"/>
+      </a:effectRef>
+      <a:fontRef idx="minor">
+        <a:schemeClr val="tx1"/>
+      </a:fontRef>
+    </dgm:style>
+  </dgm:styleLbl>
+  <dgm:styleLbl name="alignNode1">
+    <dgm:scene3d>
+      <a:camera prst="orthographicFront"/>
+      <a:lightRig rig="flat" dir="t"/>
+    </dgm:scene3d>
+    <dgm:sp3d prstMaterial="plastic">
+      <a:bevelT w="120900" h="88900"/>
+      <a:bevelB w="88900" h="31750" prst="angle"/>
+    </dgm:sp3d>
+    <dgm:txPr/>
+    <dgm:style>
+      <a:lnRef idx="1">
+        <a:scrgbClr r="0" g="0" b="0"/>
+      </a:lnRef>
+      <a:fillRef idx="3">
+        <a:scrgbClr r="0" g="0" b="0"/>
+      </a:fillRef>
+      <a:effectRef idx="2">
+        <a:scrgbClr r="0" g="0" b="0"/>
+      </a:effectRef>
+      <a:fontRef idx="minor">
+        <a:schemeClr val="lt1"/>
+      </a:fontRef>
+    </dgm:style>
+  </dgm:styleLbl>
+  <dgm:styleLbl name="node1">
+    <dgm:scene3d>
+      <a:camera prst="orthographicFront"/>
+      <a:lightRig rig="flat" dir="t"/>
+    </dgm:scene3d>
+    <dgm:sp3d prstMaterial="plastic">
+      <a:bevelT w="120900" h="88900"/>
+      <a:bevelB w="88900" h="31750" prst="angle"/>
+    </dgm:sp3d>
+    <dgm:txPr/>
+    <dgm:style>
+      <a:lnRef idx="0">
+        <a:scrgbClr r="0" g="0" b="0"/>
+      </a:lnRef>
+      <a:fillRef idx="3">
+        <a:scrgbClr r="0" g="0" b="0"/>
+      </a:fillRef>
+      <a:effectRef idx="2">
+        <a:scrgbClr r="0" g="0" b="0"/>
+      </a:effectRef>
+      <a:fontRef idx="minor">
+        <a:schemeClr val="lt1"/>
+      </a:fontRef>
+    </dgm:style>
+  </dgm:styleLbl>
+  <dgm:styleLbl name="node2">
+    <dgm:scene3d>
+      <a:camera prst="orthographicFront"/>
+      <a:lightRig rig="flat" dir="t"/>
+    </dgm:scene3d>
+    <dgm:sp3d prstMaterial="plastic">
+      <a:bevelT w="120900" h="88900"/>
+      <a:bevelB w="88900" h="31750" prst="angle"/>
+    </dgm:sp3d>
+    <dgm:txPr/>
+    <dgm:style>
+      <a:lnRef idx="0">
+        <a:scrgbClr r="0" g="0" b="0"/>
+      </a:lnRef>
+      <a:fillRef idx="3">
+        <a:scrgbClr r="0" g="0" b="0"/>
+      </a:fillRef>
+      <a:effectRef idx="1">
+        <a:scrgbClr r="0" g="0" b="0"/>
+      </a:effectRef>
+      <a:fontRef idx="minor">
+        <a:schemeClr val="lt1"/>
+      </a:fontRef>
+    </dgm:style>
+  </dgm:styleLbl>
+  <dgm:styleLbl name="node3">
+    <dgm:scene3d>
+      <a:camera prst="orthographicFront"/>
+      <a:lightRig rig="flat" dir="t"/>
+    </dgm:scene3d>
+    <dgm:sp3d prstMaterial="plastic">
+      <a:bevelT w="120900" h="88900"/>
+      <a:bevelB w="88900" h="31750" prst="angle"/>
+    </dgm:sp3d>
+    <dgm:txPr/>
+    <dgm:style>
+      <a:lnRef idx="0">
+        <a:scrgbClr r="0" g="0" b="0"/>
+      </a:lnRef>
+      <a:fillRef idx="3">
+        <a:scrgbClr r="0" g="0" b="0"/>
+      </a:fillRef>
+      <a:effectRef idx="1">
+        <a:scrgbClr r="0" g="0" b="0"/>
+      </a:effectRef>
+      <a:fontRef idx="minor">
+        <a:schemeClr val="lt1"/>
+      </a:fontRef>
+    </dgm:style>
+  </dgm:styleLbl>
+  <dgm:styleLbl name="node4">
+    <dgm:scene3d>
+      <a:camera prst="orthographicFront"/>
+      <a:lightRig rig="flat" dir="t"/>
+    </dgm:scene3d>
+    <dgm:sp3d prstMaterial="plastic">
+      <a:bevelT w="120900" h="88900"/>
+      <a:bevelB w="88900" h="31750" prst="angle"/>
+    </dgm:sp3d>
+    <dgm:txPr/>
+    <dgm:style>
+      <a:lnRef idx="0">
+        <a:scrgbClr r="0" g="0" b="0"/>
+      </a:lnRef>
+      <a:fillRef idx="3">
+        <a:scrgbClr r="0" g="0" b="0"/>
+      </a:fillRef>
+      <a:effectRef idx="1">
+        <a:scrgbClr r="0" g="0" b="0"/>
+      </a:effectRef>
+      <a:fontRef idx="minor">
+        <a:schemeClr val="lt1"/>
+      </a:fontRef>
+    </dgm:style>
+  </dgm:styleLbl>
+  <dgm:styleLbl name="fgImgPlace1">
+    <dgm:scene3d>
+      <a:camera prst="orthographicFront"/>
+      <a:lightRig rig="flat" dir="t"/>
+    </dgm:scene3d>
+    <dgm:sp3d z="127000" prstMaterial="plastic">
+      <a:bevelT w="88900" h="88900"/>
+      <a:bevelB w="88900" h="31750" prst="angle"/>
+    </dgm:sp3d>
+    <dgm:txPr/>
+    <dgm:style>
+      <a:lnRef idx="0">
+        <a:scrgbClr r="0" g="0" b="0"/>
+      </a:lnRef>
+      <a:fillRef idx="3">
+        <a:scrgbClr r="0" g="0" b="0"/>
+      </a:fillRef>
+      <a:effectRef idx="2">
+        <a:scrgbClr r="0" g="0" b="0"/>
+      </a:effectRef>
+      <a:fontRef idx="minor"/>
+    </dgm:style>
+  </dgm:styleLbl>
+  <dgm:styleLbl name="alignImgPlace1">
+    <dgm:scene3d>
+      <a:camera prst="orthographicFront"/>
+      <a:lightRig rig="flat" dir="t"/>
+    </dgm:scene3d>
+    <dgm:sp3d prstMaterial="plastic">
+      <a:bevelT w="88900" h="88900"/>
+      <a:bevelB w="88900" h="31750" prst="angle"/>
+    </dgm:sp3d>
+    <dgm:txPr/>
+    <dgm:style>
+      <a:lnRef idx="0">
+        <a:scrgbClr r="0" g="0" b="0"/>
+      </a:lnRef>
+      <a:fillRef idx="3">
+        <a:scrgbClr r="0" g="0" b="0"/>
+      </a:fillRef>
+      <a:effectRef idx="2">
+        <a:scrgbClr r="0" g="0" b="0"/>
+      </a:effectRef>
+      <a:fontRef idx="minor"/>
+    </dgm:style>
+  </dgm:styleLbl>
+  <dgm:styleLbl name="bgImgPlace1">
+    <dgm:scene3d>
+      <a:camera prst="orthographicFront"/>
+      <a:lightRig rig="flat" dir="t"/>
+    </dgm:scene3d>
+    <dgm:sp3d z="-190500" prstMaterial="plastic">
+      <a:bevelT w="88900" h="88900"/>
+      <a:bevelB w="88900" h="31750" prst="angle"/>
+    </dgm:sp3d>
+    <dgm:txPr/>
+    <dgm:style>
+      <a:lnRef idx="0">
+        <a:scrgbClr r="0" g="0" b="0"/>
+      </a:lnRef>
+      <a:fillRef idx="3">
+        <a:scrgbClr r="0" g="0" b="0"/>
+      </a:fillRef>
+      <a:effectRef idx="2">
+        <a:scrgbClr r="0" g="0" b="0"/>
+      </a:effectRef>
+      <a:fontRef idx="minor"/>
+    </dgm:style>
+  </dgm:styleLbl>
+  <dgm:styleLbl name="sibTrans2D1">
+    <dgm:scene3d>
+      <a:camera prst="orthographicFront"/>
+      <a:lightRig rig="flat" dir="t"/>
+    </dgm:scene3d>
+    <dgm:sp3d z="-80000" prstMaterial="plastic">
+      <a:bevelT w="50800" h="50800"/>
+      <a:bevelB w="25400" h="25400" prst="angle"/>
+    </dgm:sp3d>
+    <dgm:txPr/>
+    <dgm:style>
+      <a:lnRef idx="0">
+        <a:scrgbClr r="0" g="0" b="0"/>
+      </a:lnRef>
+      <a:fillRef idx="3">
+        <a:scrgbClr r="0" g="0" b="0"/>
+      </a:fillRef>
+      <a:effectRef idx="2">
+        <a:scrgbClr r="0" g="0" b="0"/>
+      </a:effectRef>
+      <a:fontRef idx="minor">
+        <a:schemeClr val="lt1"/>
+      </a:fontRef>
+    </dgm:style>
+  </dgm:styleLbl>
+  <dgm:styleLbl name="fgSibTrans2D1">
+    <dgm:scene3d>
+      <a:camera prst="orthographicFront"/>
+      <a:lightRig rig="flat" dir="t"/>
+    </dgm:scene3d>
+    <dgm:sp3d z="127000" prstMaterial="plastic">
+      <a:bevelT w="50800" h="50800"/>
+      <a:bevelB w="25400" h="25400" prst="angle"/>
+    </dgm:sp3d>
+    <dgm:txPr/>
+    <dgm:style>
+      <a:lnRef idx="0">
+        <a:scrgbClr r="0" g="0" b="0"/>
+      </a:lnRef>
+      <a:fillRef idx="3">
+        <a:scrgbClr r="0" g="0" b="0"/>
+      </a:fillRef>
+      <a:effectRef idx="2">
+        <a:scrgbClr r="0" g="0" b="0"/>
+      </a:effectRef>
+      <a:fontRef idx="minor">
+        <a:schemeClr val="lt1"/>
+      </a:fontRef>
+    </dgm:style>
+  </dgm:styleLbl>
+  <dgm:styleLbl name="bgSibTrans2D1">
+    <dgm:scene3d>
+      <a:camera prst="orthographicFront"/>
+      <a:lightRig rig="flat" dir="t"/>
+    </dgm:scene3d>
+    <dgm:sp3d z="-190500" prstMaterial="plastic">
+      <a:bevelT w="50800" h="50800"/>
+      <a:bevelB w="25400" h="25400" prst="angle"/>
+    </dgm:sp3d>
+    <dgm:txPr/>
+    <dgm:style>
+      <a:lnRef idx="0">
+        <a:scrgbClr r="0" g="0" b="0"/>
+      </a:lnRef>
+      <a:fillRef idx="3">
+        <a:scrgbClr r="0" g="0" b="0"/>
+      </a:fillRef>
+      <a:effectRef idx="2">
+        <a:scrgbClr r="0" g="0" b="0"/>
+      </a:effectRef>
+      <a:fontRef idx="minor">
+        <a:schemeClr val="lt1"/>
+      </a:fontRef>
+    </dgm:style>
+  </dgm:styleLbl>
+  <dgm:styleLbl name="sibTrans1D1">
+    <dgm:scene3d>
+      <a:camera prst="orthographicFront"/>
+      <a:lightRig rig="flat" dir="t"/>
+    </dgm:scene3d>
+    <dgm:sp3d z="-40000" prstMaterial="matte"/>
+    <dgm:txPr/>
+    <dgm:style>
+      <a:lnRef idx="1">
+        <a:scrgbClr r="0" g="0" b="0"/>
+      </a:lnRef>
+      <a:fillRef idx="0">
+        <a:scrgbClr r="0" g="0" b="0"/>
+      </a:fillRef>
+      <a:effectRef idx="0">
+        <a:scrgbClr r="0" g="0" b="0"/>
+      </a:effectRef>
+      <a:fontRef idx="minor"/>
+    </dgm:style>
+  </dgm:styleLbl>
+  <dgm:styleLbl name="callout">
+    <dgm:scene3d>
+      <a:camera prst="orthographicFront"/>
+      <a:lightRig rig="threePt" dir="t"/>
+    </dgm:scene3d>
+    <dgm:sp3d z="127000" prstMaterial="matte"/>
+    <dgm:txPr/>
+    <dgm:style>
+      <a:lnRef idx="2">
+        <a:scrgbClr r="0" g="0" b="0"/>
+      </a:lnRef>
+      <a:fillRef idx="1">
+        <a:scrgbClr r="0" g="0" b="0"/>
+      </a:fillRef>
+      <a:effectRef idx="0">
+        <a:scrgbClr r="0" g="0" b="0"/>
+      </a:effectRef>
+      <a:fontRef idx="minor"/>
+    </dgm:style>
+  </dgm:styleLbl>
+  <dgm:styleLbl name="asst0">
+    <dgm:scene3d>
+      <a:camera prst="orthographicFront"/>
+      <a:lightRig rig="flat" dir="t"/>
+    </dgm:scene3d>
+    <dgm:sp3d prstMaterial="plastic">
+      <a:bevelT w="120900" h="88900"/>
+      <a:bevelB w="88900" h="31750" prst="angle"/>
+    </dgm:sp3d>
+    <dgm:txPr/>
+    <dgm:style>
+      <a:lnRef idx="0">
+        <a:scrgbClr r="0" g="0" b="0"/>
+      </a:lnRef>
+      <a:fillRef idx="3">
+        <a:scrgbClr r="0" g="0" b="0"/>
+      </a:fillRef>
+      <a:effectRef idx="1">
+        <a:scrgbClr r="0" g="0" b="0"/>
+      </a:effectRef>
+      <a:fontRef idx="minor">
+        <a:schemeClr val="lt1"/>
+      </a:fontRef>
+    </dgm:style>
+  </dgm:styleLbl>
+  <dgm:styleLbl name="asst1">
+    <dgm:scene3d>
+      <a:camera prst="orthographicFront"/>
+      <a:lightRig rig="flat" dir="t"/>
+    </dgm:scene3d>
+    <dgm:sp3d prstMaterial="plastic">
+      <a:bevelT w="120900" h="88900"/>
+      <a:bevelB w="88900" h="31750" prst="angle"/>
+    </dgm:sp3d>
+    <dgm:txPr/>
+    <dgm:style>
+      <a:lnRef idx="0">
+        <a:scrgbClr r="0" g="0" b="0"/>
+      </a:lnRef>
+      <a:fillRef idx="3">
+        <a:scrgbClr r="0" g="0" b="0"/>
+      </a:fillRef>
+      <a:effectRef idx="1">
+        <a:scrgbClr r="0" g="0" b="0"/>
+      </a:effectRef>
+      <a:fontRef idx="minor">
+        <a:schemeClr val="lt1"/>
+      </a:fontRef>
+    </dgm:style>
+  </dgm:styleLbl>
+  <dgm:styleLbl name="asst2">
+    <dgm:scene3d>
+      <a:camera prst="orthographicFront"/>
+      <a:lightRig rig="flat" dir="t"/>
+    </dgm:scene3d>
+    <dgm:sp3d prstMaterial="plastic">
+      <a:bevelT w="120900" h="88900"/>
+      <a:bevelB w="88900" h="31750" prst="angle"/>
+    </dgm:sp3d>
+    <dgm:txPr/>
+    <dgm:style>
+      <a:lnRef idx="0">
+        <a:scrgbClr r="0" g="0" b="0"/>
+      </a:lnRef>
+      <a:fillRef idx="3">
+        <a:scrgbClr r="0" g="0" b="0"/>
+      </a:fillRef>
+      <a:effectRef idx="1">
+        <a:scrgbClr r="0" g="0" b="0"/>
+      </a:effectRef>
+      <a:fontRef idx="minor">
+        <a:schemeClr val="lt1"/>
+      </a:fontRef>
+    </dgm:style>
+  </dgm:styleLbl>
+  <dgm:styleLbl name="asst3">
+    <dgm:scene3d>
+      <a:camera prst="orthographicFront"/>
+      <a:lightRig rig="flat" dir="t"/>
+    </dgm:scene3d>
+    <dgm:sp3d prstMaterial="plastic">
+      <a:bevelT w="120900" h="88900"/>
+      <a:bevelB w="88900" h="31750" prst="angle"/>
+    </dgm:sp3d>
+    <dgm:txPr/>
+    <dgm:style>
+      <a:lnRef idx="0">
+        <a:scrgbClr r="0" g="0" b="0"/>
+      </a:lnRef>
+      <a:fillRef idx="3">
+        <a:scrgbClr r="0" g="0" b="0"/>
+      </a:fillRef>
+      <a:effectRef idx="1">
+        <a:scrgbClr r="0" g="0" b="0"/>
+      </a:effectRef>
+      <a:fontRef idx="minor">
+        <a:schemeClr val="lt1"/>
+      </a:fontRef>
+    </dgm:style>
+  </dgm:styleLbl>
+  <dgm:styleLbl name="parChTrans2D1">
+    <dgm:scene3d>
+      <a:camera prst="orthographicFront"/>
+      <a:lightRig rig="flat" dir="t"/>
+    </dgm:scene3d>
+    <dgm:sp3d z="-100000" prstMaterial="plastic">
+      <a:bevelT w="120900" h="88900"/>
+      <a:bevelB w="88900" h="31750" prst="angle"/>
+    </dgm:sp3d>
+    <dgm:txPr/>
+    <dgm:style>
+      <a:lnRef idx="0">
+        <a:scrgbClr r="0" g="0" b="0"/>
+      </a:lnRef>
+      <a:fillRef idx="3">
+        <a:scrgbClr r="0" g="0" b="0"/>
+      </a:fillRef>
+      <a:effectRef idx="1">
+        <a:scrgbClr r="0" g="0" b="0"/>
+      </a:effectRef>
+      <a:fontRef idx="minor">
+        <a:schemeClr val="lt1"/>
+      </a:fontRef>
+    </dgm:style>
+  </dgm:styleLbl>
+  <dgm:styleLbl name="parChTrans2D2">
+    <dgm:scene3d>
+      <a:camera prst="orthographicFront"/>
+      <a:lightRig rig="flat" dir="t"/>
+    </dgm:scene3d>
+    <dgm:sp3d z="-60000" prstMaterial="plastic">
+      <a:bevelT w="120900" h="88900"/>
+      <a:bevelB w="88900" h="31750" prst="angle"/>
+    </dgm:sp3d>
+    <dgm:txPr/>
+    <dgm:style>
+      <a:lnRef idx="0">
+        <a:scrgbClr r="0" g="0" b="0"/>
+      </a:lnRef>
+      <a:fillRef idx="3">
+        <a:scrgbClr r="0" g="0" b="0"/>
+      </a:fillRef>
+      <a:effectRef idx="1">
+        <a:scrgbClr r="0" g="0" b="0"/>
+      </a:effectRef>
+      <a:fontRef idx="minor">
+        <a:schemeClr val="lt1"/>
+      </a:fontRef>
+    </dgm:style>
+  </dgm:styleLbl>
+  <dgm:styleLbl name="parChTrans2D3">
+    <dgm:scene3d>
+      <a:camera prst="orthographicFront"/>
+      <a:lightRig rig="flat" dir="t"/>
+    </dgm:scene3d>
+    <dgm:sp3d z="-60000" prstMaterial="plastic">
+      <a:bevelT w="120900" h="88900"/>
+      <a:bevelB w="88900" h="31750" prst="angle"/>
+    </dgm:sp3d>
+    <dgm:txPr/>
+    <dgm:style>
+      <a:lnRef idx="0">
+        <a:scrgbClr r="0" g="0" b="0"/>
+      </a:lnRef>
+      <a:fillRef idx="3">
+        <a:scrgbClr r="0" g="0" b="0"/>
+      </a:fillRef>
+      <a:effectRef idx="1">
+        <a:scrgbClr r="0" g="0" b="0"/>
+      </a:effectRef>
+      <a:fontRef idx="minor">
+        <a:schemeClr val="lt1"/>
+      </a:fontRef>
+    </dgm:style>
+  </dgm:styleLbl>
+  <dgm:styleLbl name="parChTrans2D4">
+    <dgm:scene3d>
+      <a:camera prst="orthographicFront"/>
+      <a:lightRig rig="flat" dir="t"/>
+    </dgm:scene3d>
+    <dgm:sp3d z="-60000" prstMaterial="plastic">
+      <a:bevelT w="120900" h="88900"/>
+      <a:bevelB w="88900" h="31750" prst="angle"/>
+    </dgm:sp3d>
+    <dgm:txPr/>
+    <dgm:style>
+      <a:lnRef idx="0">
+        <a:scrgbClr r="0" g="0" b="0"/>
+      </a:lnRef>
+      <a:fillRef idx="3">
+        <a:scrgbClr r="0" g="0" b="0"/>
+      </a:fillRef>
+      <a:effectRef idx="1">
+        <a:scrgbClr r="0" g="0" b="0"/>
+      </a:effectRef>
+      <a:fontRef idx="minor">
+        <a:schemeClr val="lt1"/>
+      </a:fontRef>
+    </dgm:style>
+  </dgm:styleLbl>
+  <dgm:styleLbl name="parChTrans1D1">
+    <dgm:scene3d>
+      <a:camera prst="orthographicFront"/>
+      <a:lightRig rig="flat" dir="t"/>
+    </dgm:scene3d>
+    <dgm:sp3d prstMaterial="matte"/>
+    <dgm:txPr/>
+    <dgm:style>
+      <a:lnRef idx="2">
+        <a:scrgbClr r="0" g="0" b="0"/>
+      </a:lnRef>
+      <a:fillRef idx="0">
+        <a:scrgbClr r="0" g="0" b="0"/>
+      </a:fillRef>
+      <a:effectRef idx="0">
+        <a:scrgbClr r="0" g="0" b="0"/>
+      </a:effectRef>
+      <a:fontRef idx="minor"/>
+    </dgm:style>
+  </dgm:styleLbl>
+  <dgm:styleLbl name="parChTrans1D2">
+    <dgm:scene3d>
+      <a:camera prst="orthographicFront"/>
+      <a:lightRig rig="flat" dir="t"/>
+    </dgm:scene3d>
+    <dgm:sp3d prstMaterial="matte"/>
+    <dgm:txPr/>
+    <dgm:style>
+      <a:lnRef idx="2">
+        <a:scrgbClr r="0" g="0" b="0"/>
+      </a:lnRef>
+      <a:fillRef idx="0">
+        <a:scrgbClr r="0" g="0" b="0"/>
+      </a:fillRef>
+      <a:effectRef idx="0">
+        <a:scrgbClr r="0" g="0" b="0"/>
+      </a:effectRef>
+      <a:fontRef idx="minor"/>
+    </dgm:style>
+  </dgm:styleLbl>
+  <dgm:styleLbl name="parChTrans1D3">
+    <dgm:scene3d>
+      <a:camera prst="orthographicFront"/>
+      <a:lightRig rig="flat" dir="t"/>
+    </dgm:scene3d>
+    <dgm:sp3d prstMaterial="matte"/>
+    <dgm:txPr/>
+    <dgm:style>
+      <a:lnRef idx="2">
+        <a:scrgbClr r="0" g="0" b="0"/>
+      </a:lnRef>
+      <a:fillRef idx="0">
+        <a:scrgbClr r="0" g="0" b="0"/>
+      </a:fillRef>
+      <a:effectRef idx="0">
+        <a:scrgbClr r="0" g="0" b="0"/>
+      </a:effectRef>
+      <a:fontRef idx="minor"/>
+    </dgm:style>
+  </dgm:styleLbl>
+  <dgm:styleLbl name="parChTrans1D4">
+    <dgm:scene3d>
+      <a:camera prst="orthographicFront"/>
+      <a:lightRig rig="flat" dir="t"/>
+    </dgm:scene3d>
+    <dgm:sp3d prstMaterial="matte"/>
+    <dgm:txPr/>
+    <dgm:style>
+      <a:lnRef idx="2">
+        <a:scrgbClr r="0" g="0" b="0"/>
+      </a:lnRef>
+      <a:fillRef idx="0">
+        <a:scrgbClr r="0" g="0" b="0"/>
+      </a:fillRef>
+      <a:effectRef idx="0">
+        <a:scrgbClr r="0" g="0" b="0"/>
+      </a:effectRef>
+      <a:fontRef idx="minor"/>
+    </dgm:style>
+  </dgm:styleLbl>
+  <dgm:styleLbl name="fgAcc1">
+    <dgm:scene3d>
+      <a:camera prst="orthographicFront"/>
+      <a:lightRig rig="flat" dir="t"/>
+    </dgm:scene3d>
+    <dgm:sp3d z="190500" extrusionH="12700" prstMaterial="plastic">
+      <a:bevelT w="50800" h="50800"/>
+    </dgm:sp3d>
+    <dgm:txPr/>
+    <dgm:style>
+      <a:lnRef idx="1">
+        <a:scrgbClr r="0" g="0" b="0"/>
+      </a:lnRef>
+      <a:fillRef idx="1">
+        <a:scrgbClr r="0" g="0" b="0"/>
+      </a:fillRef>
+      <a:effectRef idx="2">
+        <a:scrgbClr r="0" g="0" b="0"/>
+      </a:effectRef>
+      <a:fontRef idx="minor"/>
+    </dgm:style>
+  </dgm:styleLbl>
+  <dgm:styleLbl name="conFgAcc1">
+    <dgm:scene3d>
+      <a:camera prst="orthographicFront"/>
+      <a:lightRig rig="flat" dir="t"/>
+    </dgm:scene3d>
+    <dgm:sp3d z="190500" extrusionH="12700" prstMaterial="plastic">
+      <a:bevelT w="50800" h="50800"/>
+    </dgm:sp3d>
+    <dgm:txPr/>
+    <dgm:style>
+      <a:lnRef idx="1">
+        <a:scrgbClr r="0" g="0" b="0"/>
+      </a:lnRef>
+      <a:fillRef idx="1">
+        <a:scrgbClr r="0" g="0" b="0"/>
+      </a:fillRef>
+      <a:effectRef idx="2">
+        <a:scrgbClr r="0" g="0" b="0"/>
+      </a:effectRef>
+      <a:fontRef idx="minor"/>
+    </dgm:style>
+  </dgm:styleLbl>
+  <dgm:styleLbl name="alignAcc1">
+    <dgm:scene3d>
+      <a:camera prst="orthographicFront"/>
+      <a:lightRig rig="flat" dir="t"/>
+    </dgm:scene3d>
+    <dgm:sp3d extrusionH="12700" prstMaterial="plastic">
+      <a:bevelT w="50800" h="50800"/>
+    </dgm:sp3d>
+    <dgm:txPr/>
+    <dgm:style>
+      <a:lnRef idx="1">
+        <a:scrgbClr r="0" g="0" b="0"/>
+      </a:lnRef>
+      <a:fillRef idx="1">
+        <a:scrgbClr r="0" g="0" b="0"/>
+      </a:fillRef>
+      <a:effectRef idx="2">
+        <a:scrgbClr r="0" g="0" b="0"/>
+      </a:effectRef>
+      <a:fontRef idx="minor"/>
+    </dgm:style>
+  </dgm:styleLbl>
+  <dgm:styleLbl name="trAlignAcc1">
+    <dgm:scene3d>
+      <a:camera prst="orthographicFront"/>
+      <a:lightRig rig="flat" dir="t"/>
+    </dgm:scene3d>
+    <dgm:sp3d extrusionH="12700" prstMaterial="plastic">
+      <a:bevelT w="50800" h="50800"/>
+    </dgm:sp3d>
+    <dgm:txPr/>
+    <dgm:style>
+      <a:lnRef idx="1">
+        <a:scrgbClr r="0" g="0" b="0"/>
+      </a:lnRef>
+      <a:fillRef idx="1">
+        <a:scrgbClr r="0" g="0" b="0"/>
+      </a:fillRef>
+      <a:effectRef idx="2">
+        <a:scrgbClr r="0" g="0" b="0"/>
+      </a:effectRef>
+      <a:fontRef idx="minor"/>
+    </dgm:style>
+  </dgm:styleLbl>
+  <dgm:styleLbl name="bgAcc1">
+    <dgm:scene3d>
+      <a:camera prst="orthographicFront"/>
+      <a:lightRig rig="flat" dir="t"/>
+    </dgm:scene3d>
+    <dgm:sp3d z="-190500" extrusionH="12700" prstMaterial="plastic">
+      <a:bevelT w="50800" h="50800"/>
+    </dgm:sp3d>
+    <dgm:txPr/>
+    <dgm:style>
+      <a:lnRef idx="1">
+        <a:scrgbClr r="0" g="0" b="0"/>
+      </a:lnRef>
+      <a:fillRef idx="1">
+        <a:scrgbClr r="0" g="0" b="0"/>
+      </a:fillRef>
+      <a:effectRef idx="2">
+        <a:scrgbClr r="0" g="0" b="0"/>
+      </a:effectRef>
+      <a:fontRef idx="minor"/>
+    </dgm:style>
+  </dgm:styleLbl>
+  <dgm:styleLbl name="solidFgAcc1">
+    <dgm:scene3d>
+      <a:camera prst="orthographicFront"/>
+      <a:lightRig rig="flat" dir="t"/>
+    </dgm:scene3d>
+    <dgm:sp3d z="190500" extrusionH="12700" prstMaterial="plastic">
+      <a:bevelT w="50800" h="50800"/>
+    </dgm:sp3d>
+    <dgm:txPr/>
+    <dgm:style>
+      <a:lnRef idx="1">
+        <a:scrgbClr r="0" g="0" b="0"/>
+      </a:lnRef>
+      <a:fillRef idx="1">
+        <a:scrgbClr r="0" g="0" b="0"/>
+      </a:fillRef>
+      <a:effectRef idx="2">
+        <a:scrgbClr r="0" g="0" b="0"/>
+      </a:effectRef>
+      <a:fontRef idx="minor"/>
+    </dgm:style>
+  </dgm:styleLbl>
+  <dgm:styleLbl name="solidAlignAcc1">
+    <dgm:scene3d>
+      <a:camera prst="orthographicFront"/>
+      <a:lightRig rig="flat" dir="t"/>
+    </dgm:scene3d>
+    <dgm:sp3d extrusionH="12700" prstMaterial="plastic">
+      <a:bevelT w="50800" h="50800"/>
+    </dgm:sp3d>
+    <dgm:txPr/>
+    <dgm:style>
+      <a:lnRef idx="1">
+        <a:scrgbClr r="0" g="0" b="0"/>
+      </a:lnRef>
+      <a:fillRef idx="1">
+        <a:scrgbClr r="0" g="0" b="0"/>
+      </a:fillRef>
+      <a:effectRef idx="2">
+        <a:scrgbClr r="0" g="0" b="0"/>
+      </a:effectRef>
+      <a:fontRef idx="minor"/>
+    </dgm:style>
+  </dgm:styleLbl>
+  <dgm:styleLbl name="solidBgAcc1">
+    <dgm:scene3d>
+      <a:camera prst="orthographicFront"/>
+      <a:lightRig rig="flat" dir="t"/>
+    </dgm:scene3d>
+    <dgm:sp3d z="-190500" extrusionH="12700" prstMaterial="plastic">
+      <a:bevelT w="50800" h="50800"/>
+    </dgm:sp3d>
+    <dgm:txPr/>
+    <dgm:style>
+      <a:lnRef idx="1">
+        <a:scrgbClr r="0" g="0" b="0"/>
+      </a:lnRef>
+      <a:fillRef idx="1">
+        <a:scrgbClr r="0" g="0" b="0"/>
+      </a:fillRef>
+      <a:effectRef idx="2">
+        <a:scrgbClr r="0" g="0" b="0"/>
+      </a:effectRef>
+      <a:fontRef idx="minor"/>
+    </dgm:style>
+  </dgm:styleLbl>
+  <dgm:styleLbl name="fgAccFollowNode1">
+    <dgm:scene3d>
+      <a:camera prst="orthographicFront"/>
+      <a:lightRig rig="flat" dir="t"/>
+    </dgm:scene3d>
+    <dgm:sp3d z="190500" extrusionH="12700" prstMaterial="plastic">
+      <a:bevelT w="50800" h="50800"/>
+    </dgm:sp3d>
+    <dgm:txPr/>
+    <dgm:style>
+      <a:lnRef idx="1">
+        <a:scrgbClr r="0" g="0" b="0"/>
+      </a:lnRef>
+      <a:fillRef idx="1">
+        <a:scrgbClr r="0" g="0" b="0"/>
+      </a:fillRef>
+      <a:effectRef idx="2">
+        <a:scrgbClr r="0" g="0" b="0"/>
+      </a:effectRef>
+      <a:fontRef idx="minor"/>
+    </dgm:style>
+  </dgm:styleLbl>
+  <dgm:styleLbl name="alignAccFollowNode1">
+    <dgm:scene3d>
+      <a:camera prst="orthographicFront"/>
+      <a:lightRig rig="flat" dir="t"/>
+    </dgm:scene3d>
+    <dgm:sp3d extrusionH="12700" prstMaterial="plastic">
+      <a:bevelT w="50800" h="50800"/>
+    </dgm:sp3d>
+    <dgm:txPr/>
+    <dgm:style>
+      <a:lnRef idx="1">
+        <a:scrgbClr r="0" g="0" b="0"/>
+      </a:lnRef>
+      <a:fillRef idx="1">
+        <a:scrgbClr r="0" g="0" b="0"/>
+      </a:fillRef>
+      <a:effectRef idx="2">
+        <a:scrgbClr r="0" g="0" b="0"/>
+      </a:effectRef>
+      <a:fontRef idx="minor"/>
+    </dgm:style>
+  </dgm:styleLbl>
+  <dgm:styleLbl name="bgAccFollowNode1">
+    <dgm:scene3d>
+      <a:camera prst="orthographicFront"/>
+      <a:lightRig rig="flat" dir="t"/>
+    </dgm:scene3d>
+    <dgm:sp3d z="-190500" extrusionH="12700" prstMaterial="plastic">
+      <a:bevelT w="50800" h="50800"/>
+    </dgm:sp3d>
+    <dgm:txPr/>
+    <dgm:style>
+      <a:lnRef idx="1">
+        <a:scrgbClr r="0" g="0" b="0"/>
+      </a:lnRef>
+      <a:fillRef idx="1">
+        <a:scrgbClr r="0" g="0" b="0"/>
+      </a:fillRef>
+      <a:effectRef idx="2">
+        <a:scrgbClr r="0" g="0" b="0"/>
+      </a:effectRef>
+      <a:fontRef idx="minor"/>
+    </dgm:style>
+  </dgm:styleLbl>
+  <dgm:styleLbl name="fgAcc0">
+    <dgm:scene3d>
+      <a:camera prst="orthographicFront"/>
+      <a:lightRig rig="flat" dir="t"/>
+    </dgm:scene3d>
+    <dgm:sp3d z="190500" extrusionH="12700" prstMaterial="plastic">
+      <a:bevelT w="50800" h="50800"/>
+    </dgm:sp3d>
+    <dgm:txPr/>
+    <dgm:style>
+      <a:lnRef idx="1">
+        <a:scrgbClr r="0" g="0" b="0"/>
+      </a:lnRef>
+      <a:fillRef idx="1">
+        <a:scrgbClr r="0" g="0" b="0"/>
+      </a:fillRef>
+      <a:effectRef idx="2">
+        <a:scrgbClr r="0" g="0" b="0"/>
+      </a:effectRef>
+      <a:fontRef idx="minor"/>
+    </dgm:style>
+  </dgm:styleLbl>
+  <dgm:styleLbl name="fgAcc2">
+    <dgm:scene3d>
+      <a:camera prst="orthographicFront"/>
+      <a:lightRig rig="flat" dir="t"/>
+    </dgm:scene3d>
+    <dgm:sp3d z="190500" extrusionH="12700" prstMaterial="plastic">
+      <a:bevelT w="50800" h="50800"/>
+    </dgm:sp3d>
+    <dgm:txPr/>
+    <dgm:style>
+      <a:lnRef idx="1">
+        <a:scrgbClr r="0" g="0" b="0"/>
+      </a:lnRef>
+      <a:fillRef idx="1">
+        <a:scrgbClr r="0" g="0" b="0"/>
+      </a:fillRef>
+      <a:effectRef idx="2">
+        <a:scrgbClr r="0" g="0" b="0"/>
+      </a:effectRef>
+      <a:fontRef idx="minor"/>
+    </dgm:style>
+  </dgm:styleLbl>
+  <dgm:styleLbl name="fgAcc3">
+    <dgm:scene3d>
+      <a:camera prst="orthographicFront"/>
+      <a:lightRig rig="flat" dir="t"/>
+    </dgm:scene3d>
+    <dgm:sp3d z="190500" extrusionH="12700" prstMaterial="plastic">
+      <a:bevelT w="50800" h="50800"/>
+    </dgm:sp3d>
+    <dgm:txPr/>
+    <dgm:style>
+      <a:lnRef idx="1">
+        <a:scrgbClr r="0" g="0" b="0"/>
+      </a:lnRef>
+      <a:fillRef idx="1">
+        <a:scrgbClr r="0" g="0" b="0"/>
+      </a:fillRef>
+      <a:effectRef idx="2">
+        <a:scrgbClr r="0" g="0" b="0"/>
+      </a:effectRef>
+      <a:fontRef idx="minor"/>
+    </dgm:style>
+  </dgm:styleLbl>
+  <dgm:styleLbl name="fgAcc4">
+    <dgm:scene3d>
+      <a:camera prst="orthographicFront"/>
+      <a:lightRig rig="flat" dir="t"/>
+    </dgm:scene3d>
+    <dgm:sp3d z="190500" extrusionH="12700" prstMaterial="plastic">
+      <a:bevelT w="50800" h="50800"/>
+    </dgm:sp3d>
+    <dgm:txPr/>
+    <dgm:style>
+      <a:lnRef idx="1">
+        <a:scrgbClr r="0" g="0" b="0"/>
+      </a:lnRef>
+      <a:fillRef idx="1">
+        <a:scrgbClr r="0" g="0" b="0"/>
+      </a:fillRef>
+      <a:effectRef idx="2">
+        <a:scrgbClr r="0" g="0" b="0"/>
+      </a:effectRef>
+      <a:fontRef idx="minor"/>
+    </dgm:style>
+  </dgm:styleLbl>
+  <dgm:styleLbl name="bgShp">
+    <dgm:scene3d>
+      <a:camera prst="orthographicFront"/>
+      <a:lightRig rig="flat" dir="t"/>
+    </dgm:scene3d>
+    <dgm:sp3d z="-190500" extrusionH="12700" prstMaterial="plastic">
+      <a:bevelT w="50800" h="50800"/>
+    </dgm:sp3d>
+    <dgm:txPr/>
+    <dgm:style>
+      <a:lnRef idx="0">
+        <a:scrgbClr r="0" g="0" b="0"/>
+      </a:lnRef>
+      <a:fillRef idx="3">
+        <a:scrgbClr r="0" g="0" b="0"/>
+      </a:fillRef>
+      <a:effectRef idx="0">
+        <a:scrgbClr r="0" g="0" b="0"/>
+      </a:effectRef>
+      <a:fontRef idx="minor"/>
+    </dgm:style>
+  </dgm:styleLbl>
+  <dgm:styleLbl name="dkBgShp">
+    <dgm:scene3d>
+      <a:camera prst="orthographicFront"/>
+      <a:lightRig rig="flat" dir="t"/>
+    </dgm:scene3d>
+    <dgm:sp3d z="-190500" extrusionH="12700" prstMaterial="plastic">
+      <a:bevelT w="50800" h="50800"/>
+    </dgm:sp3d>
+    <dgm:txPr/>
+    <dgm:style>
+      <a:lnRef idx="0">
+        <a:scrgbClr r="0" g="0" b="0"/>
+      </a:lnRef>
+      <a:fillRef idx="2">
+        <a:scrgbClr r="0" g="0" b="0"/>
+      </a:fillRef>
+      <a:effectRef idx="0">
+        <a:scrgbClr r="0" g="0" b="0"/>
+      </a:effectRef>
+      <a:fontRef idx="minor"/>
+    </dgm:style>
+  </dgm:styleLbl>
+  <dgm:styleLbl name="trBgShp">
+    <dgm:scene3d>
+      <a:camera prst="orthographicFront"/>
+      <a:lightRig rig="flat" dir="t"/>
+    </dgm:scene3d>
+    <dgm:sp3d z="-190500" extrusionH="12700" prstMaterial="matte"/>
+    <dgm:txPr/>
+    <dgm:style>
+      <a:lnRef idx="0">
+        <a:scrgbClr r="0" g="0" b="0"/>
+      </a:lnRef>
+      <a:fillRef idx="1">
+        <a:scrgbClr r="0" g="0" b="0"/>
+      </a:fillRef>
+      <a:effectRef idx="0">
+        <a:scrgbClr r="0" g="0" b="0"/>
+      </a:effectRef>
+      <a:fontRef idx="minor"/>
+    </dgm:style>
+  </dgm:styleLbl>
+  <dgm:styleLbl name="fgShp">
+    <dgm:scene3d>
+      <a:camera prst="orthographicFront"/>
+      <a:lightRig rig="flat" dir="t"/>
+    </dgm:scene3d>
+    <dgm:sp3d z="190500" prstMaterial="plastic">
+      <a:bevelT w="120900" h="88900"/>
+      <a:bevelB w="88900" h="31750" prst="angle"/>
+    </dgm:sp3d>
+    <dgm:txPr/>
+    <dgm:style>
+      <a:lnRef idx="0">
+        <a:scrgbClr r="0" g="0" b="0"/>
+      </a:lnRef>
+      <a:fillRef idx="1">
+        <a:scrgbClr r="0" g="0" b="0"/>
+      </a:fillRef>
+      <a:effectRef idx="3">
+        <a:scrgbClr r="0" g="0" b="0"/>
+      </a:effectRef>
+      <a:fontRef idx="minor">
+        <a:schemeClr val="lt1"/>
+      </a:fontRef>
+    </dgm:style>
+  </dgm:styleLbl>
+  <dgm:styleLbl name="revTx">
+    <dgm:scene3d>
+      <a:camera prst="orthographicFront"/>
+      <a:lightRig rig="threePt" dir="t"/>
+    </dgm:scene3d>
+    <dgm:sp3d/>
+    <dgm:txPr/>
+    <dgm:style>
+      <a:lnRef idx="0">
+        <a:scrgbClr r="0" g="0" b="0"/>
+      </a:lnRef>
+      <a:fillRef idx="0">
+        <a:scrgbClr r="0" g="0" b="0"/>
+      </a:fillRef>
+      <a:effectRef idx="0">
+        <a:scrgbClr r="0" g="0" b="0"/>
+      </a:effectRef>
+      <a:fontRef idx="minor"/>
+    </dgm:style>
+  </dgm:styleLbl>
+</dgm:styleDef>
+</file>
+
+<file path=ppt/diagrams/quickStyle2.xml><?xml version="1.0" encoding="utf-8"?>
+<dgm:styleDef xmlns:dgm="http://schemas.openxmlformats.org/drawingml/2006/diagram" xmlns:a="http://schemas.openxmlformats.org/drawingml/2006/main" uniqueId="urn:microsoft.com/office/officeart/2005/8/quickstyle/3d1">
+  <dgm:title val=""/>
+  <dgm:desc val=""/>
+  <dgm:catLst>
+    <dgm:cat type="3D" pri="11100"/>
+  </dgm:catLst>
+  <dgm:scene3d>
+    <a:camera prst="orthographicFront"/>
+    <a:lightRig rig="threePt" dir="t"/>
+  </dgm:scene3d>
+  <dgm:styleLbl name="node0">
+    <dgm:scene3d>
+      <a:camera prst="orthographicFront"/>
+      <a:lightRig rig="flat" dir="t"/>
+    </dgm:scene3d>
+    <dgm:sp3d prstMaterial="plastic">
+      <a:bevelT w="120900" h="88900"/>
+      <a:bevelB w="88900" h="31750" prst="angle"/>
+    </dgm:sp3d>
+    <dgm:txPr/>
+    <dgm:style>
+      <a:lnRef idx="0">
+        <a:scrgbClr r="0" g="0" b="0"/>
+      </a:lnRef>
+      <a:fillRef idx="3">
+        <a:scrgbClr r="0" g="0" b="0"/>
+      </a:fillRef>
+      <a:effectRef idx="2">
+        <a:scrgbClr r="0" g="0" b="0"/>
+      </a:effectRef>
+      <a:fontRef idx="minor">
+        <a:schemeClr val="lt1"/>
+      </a:fontRef>
+    </dgm:style>
+  </dgm:styleLbl>
+  <dgm:styleLbl name="lnNode1">
+    <dgm:scene3d>
+      <a:camera prst="orthographicFront"/>
+      <a:lightRig rig="flat" dir="t"/>
+    </dgm:scene3d>
+    <dgm:sp3d prstMaterial="plastic">
+      <a:bevelT w="120900" h="88900"/>
+      <a:bevelB w="88900" h="31750" prst="angle"/>
+    </dgm:sp3d>
+    <dgm:txPr/>
+    <dgm:style>
+      <a:lnRef idx="0">
+        <a:scrgbClr r="0" g="0" b="0"/>
+      </a:lnRef>
+      <a:fillRef idx="3">
+        <a:scrgbClr r="0" g="0" b="0"/>
+      </a:fillRef>
+      <a:effectRef idx="1">
+        <a:scrgbClr r="0" g="0" b="0"/>
+      </a:effectRef>
+      <a:fontRef idx="minor">
+        <a:schemeClr val="lt1"/>
+      </a:fontRef>
+    </dgm:style>
+  </dgm:styleLbl>
+  <dgm:styleLbl name="vennNode1">
+    <dgm:scene3d>
+      <a:camera prst="orthographicFront"/>
+      <a:lightRig rig="flat" dir="t"/>
+    </dgm:scene3d>
+    <dgm:sp3d prstMaterial="plastic">
+      <a:bevelT w="120900" h="88900"/>
+      <a:bevelB w="88900" h="31750" prst="angle"/>
+    </dgm:sp3d>
+    <dgm:txPr/>
+    <dgm:style>
+      <a:lnRef idx="0">
+        <a:scrgbClr r="0" g="0" b="0"/>
+      </a:lnRef>
+      <a:fillRef idx="1">
+        <a:scrgbClr r="0" g="0" b="0"/>
+      </a:fillRef>
+      <a:effectRef idx="1">
+        <a:scrgbClr r="0" g="0" b="0"/>
+      </a:effectRef>
+      <a:fontRef idx="minor">
+        <a:schemeClr val="tx1"/>
+      </a:fontRef>
+    </dgm:style>
+  </dgm:styleLbl>
+  <dgm:styleLbl name="alignNode1">
+    <dgm:scene3d>
+      <a:camera prst="orthographicFront"/>
+      <a:lightRig rig="flat" dir="t"/>
+    </dgm:scene3d>
+    <dgm:sp3d prstMaterial="plastic">
+      <a:bevelT w="120900" h="88900"/>
+      <a:bevelB w="88900" h="31750" prst="angle"/>
+    </dgm:sp3d>
+    <dgm:txPr/>
+    <dgm:style>
+      <a:lnRef idx="1">
+        <a:scrgbClr r="0" g="0" b="0"/>
+      </a:lnRef>
+      <a:fillRef idx="3">
+        <a:scrgbClr r="0" g="0" b="0"/>
+      </a:fillRef>
+      <a:effectRef idx="2">
+        <a:scrgbClr r="0" g="0" b="0"/>
+      </a:effectRef>
+      <a:fontRef idx="minor">
+        <a:schemeClr val="lt1"/>
+      </a:fontRef>
+    </dgm:style>
+  </dgm:styleLbl>
+  <dgm:styleLbl name="node1">
+    <dgm:scene3d>
+      <a:camera prst="orthographicFront"/>
+      <a:lightRig rig="flat" dir="t"/>
+    </dgm:scene3d>
+    <dgm:sp3d prstMaterial="plastic">
+      <a:bevelT w="120900" h="88900"/>
+      <a:bevelB w="88900" h="31750" prst="angle"/>
+    </dgm:sp3d>
+    <dgm:txPr/>
+    <dgm:style>
+      <a:lnRef idx="0">
+        <a:scrgbClr r="0" g="0" b="0"/>
+      </a:lnRef>
+      <a:fillRef idx="3">
+        <a:scrgbClr r="0" g="0" b="0"/>
+      </a:fillRef>
+      <a:effectRef idx="2">
+        <a:scrgbClr r="0" g="0" b="0"/>
+      </a:effectRef>
+      <a:fontRef idx="minor">
+        <a:schemeClr val="lt1"/>
+      </a:fontRef>
+    </dgm:style>
+  </dgm:styleLbl>
+  <dgm:styleLbl name="node2">
+    <dgm:scene3d>
+      <a:camera prst="orthographicFront"/>
+      <a:lightRig rig="flat" dir="t"/>
+    </dgm:scene3d>
+    <dgm:sp3d prstMaterial="plastic">
+      <a:bevelT w="120900" h="88900"/>
+      <a:bevelB w="88900" h="31750" prst="angle"/>
+    </dgm:sp3d>
+    <dgm:txPr/>
+    <dgm:style>
+      <a:lnRef idx="0">
+        <a:scrgbClr r="0" g="0" b="0"/>
+      </a:lnRef>
+      <a:fillRef idx="3">
+        <a:scrgbClr r="0" g="0" b="0"/>
+      </a:fillRef>
+      <a:effectRef idx="1">
+        <a:scrgbClr r="0" g="0" b="0"/>
+      </a:effectRef>
+      <a:fontRef idx="minor">
+        <a:schemeClr val="lt1"/>
+      </a:fontRef>
+    </dgm:style>
+  </dgm:styleLbl>
+  <dgm:styleLbl name="node3">
+    <dgm:scene3d>
+      <a:camera prst="orthographicFront"/>
+      <a:lightRig rig="flat" dir="t"/>
+    </dgm:scene3d>
+    <dgm:sp3d prstMaterial="plastic">
+      <a:bevelT w="120900" h="88900"/>
+      <a:bevelB w="88900" h="31750" prst="angle"/>
+    </dgm:sp3d>
+    <dgm:txPr/>
+    <dgm:style>
+      <a:lnRef idx="0">
+        <a:scrgbClr r="0" g="0" b="0"/>
+      </a:lnRef>
+      <a:fillRef idx="3">
+        <a:scrgbClr r="0" g="0" b="0"/>
+      </a:fillRef>
+      <a:effectRef idx="1">
+        <a:scrgbClr r="0" g="0" b="0"/>
+      </a:effectRef>
+      <a:fontRef idx="minor">
+        <a:schemeClr val="lt1"/>
+      </a:fontRef>
+    </dgm:style>
+  </dgm:styleLbl>
+  <dgm:styleLbl name="node4">
+    <dgm:scene3d>
+      <a:camera prst="orthographicFront"/>
+      <a:lightRig rig="flat" dir="t"/>
+    </dgm:scene3d>
+    <dgm:sp3d prstMaterial="plastic">
+      <a:bevelT w="120900" h="88900"/>
+      <a:bevelB w="88900" h="31750" prst="angle"/>
+    </dgm:sp3d>
+    <dgm:txPr/>
+    <dgm:style>
+      <a:lnRef idx="0">
+        <a:scrgbClr r="0" g="0" b="0"/>
+      </a:lnRef>
+      <a:fillRef idx="3">
+        <a:scrgbClr r="0" g="0" b="0"/>
+      </a:fillRef>
+      <a:effectRef idx="1">
+        <a:scrgbClr r="0" g="0" b="0"/>
+      </a:effectRef>
+      <a:fontRef idx="minor">
+        <a:schemeClr val="lt1"/>
+      </a:fontRef>
+    </dgm:style>
+  </dgm:styleLbl>
+  <dgm:styleLbl name="fgImgPlace1">
+    <dgm:scene3d>
+      <a:camera prst="orthographicFront"/>
+      <a:lightRig rig="flat" dir="t"/>
+    </dgm:scene3d>
+    <dgm:sp3d z="127000" prstMaterial="plastic">
+      <a:bevelT w="88900" h="88900"/>
+      <a:bevelB w="88900" h="31750" prst="angle"/>
+    </dgm:sp3d>
+    <dgm:txPr/>
+    <dgm:style>
+      <a:lnRef idx="0">
+        <a:scrgbClr r="0" g="0" b="0"/>
+      </a:lnRef>
+      <a:fillRef idx="3">
+        <a:scrgbClr r="0" g="0" b="0"/>
+      </a:fillRef>
+      <a:effectRef idx="2">
+        <a:scrgbClr r="0" g="0" b="0"/>
+      </a:effectRef>
+      <a:fontRef idx="minor"/>
+    </dgm:style>
+  </dgm:styleLbl>
+  <dgm:styleLbl name="alignImgPlace1">
+    <dgm:scene3d>
+      <a:camera prst="orthographicFront"/>
+      <a:lightRig rig="flat" dir="t"/>
+    </dgm:scene3d>
+    <dgm:sp3d prstMaterial="plastic">
+      <a:bevelT w="88900" h="88900"/>
+      <a:bevelB w="88900" h="31750" prst="angle"/>
+    </dgm:sp3d>
+    <dgm:txPr/>
+    <dgm:style>
+      <a:lnRef idx="0">
+        <a:scrgbClr r="0" g="0" b="0"/>
+      </a:lnRef>
+      <a:fillRef idx="3">
+        <a:scrgbClr r="0" g="0" b="0"/>
+      </a:fillRef>
+      <a:effectRef idx="2">
+        <a:scrgbClr r="0" g="0" b="0"/>
+      </a:effectRef>
+      <a:fontRef idx="minor"/>
+    </dgm:style>
+  </dgm:styleLbl>
+  <dgm:styleLbl name="bgImgPlace1">
+    <dgm:scene3d>
+      <a:camera prst="orthographicFront"/>
+      <a:lightRig rig="flat" dir="t"/>
+    </dgm:scene3d>
+    <dgm:sp3d z="-190500" prstMaterial="plastic">
+      <a:bevelT w="88900" h="88900"/>
+      <a:bevelB w="88900" h="31750" prst="angle"/>
+    </dgm:sp3d>
+    <dgm:txPr/>
+    <dgm:style>
+      <a:lnRef idx="0">
+        <a:scrgbClr r="0" g="0" b="0"/>
+      </a:lnRef>
+      <a:fillRef idx="3">
+        <a:scrgbClr r="0" g="0" b="0"/>
+      </a:fillRef>
+      <a:effectRef idx="2">
+        <a:scrgbClr r="0" g="0" b="0"/>
+      </a:effectRef>
+      <a:fontRef idx="minor"/>
+    </dgm:style>
+  </dgm:styleLbl>
+  <dgm:styleLbl name="sibTrans2D1">
+    <dgm:scene3d>
+      <a:camera prst="orthographicFront"/>
+      <a:lightRig rig="flat" dir="t"/>
+    </dgm:scene3d>
+    <dgm:sp3d z="-80000" prstMaterial="plastic">
+      <a:bevelT w="50800" h="50800"/>
+      <a:bevelB w="25400" h="25400" prst="angle"/>
+    </dgm:sp3d>
+    <dgm:txPr/>
+    <dgm:style>
+      <a:lnRef idx="0">
+        <a:scrgbClr r="0" g="0" b="0"/>
+      </a:lnRef>
+      <a:fillRef idx="3">
+        <a:scrgbClr r="0" g="0" b="0"/>
+      </a:fillRef>
+      <a:effectRef idx="2">
+        <a:scrgbClr r="0" g="0" b="0"/>
+      </a:effectRef>
+      <a:fontRef idx="minor">
+        <a:schemeClr val="lt1"/>
+      </a:fontRef>
+    </dgm:style>
+  </dgm:styleLbl>
+  <dgm:styleLbl name="fgSibTrans2D1">
+    <dgm:scene3d>
+      <a:camera prst="orthographicFront"/>
+      <a:lightRig rig="flat" dir="t"/>
+    </dgm:scene3d>
+    <dgm:sp3d z="127000" prstMaterial="plastic">
+      <a:bevelT w="50800" h="50800"/>
+      <a:bevelB w="25400" h="25400" prst="angle"/>
+    </dgm:sp3d>
+    <dgm:txPr/>
+    <dgm:style>
+      <a:lnRef idx="0">
+        <a:scrgbClr r="0" g="0" b="0"/>
+      </a:lnRef>
+      <a:fillRef idx="3">
+        <a:scrgbClr r="0" g="0" b="0"/>
+      </a:fillRef>
+      <a:effectRef idx="2">
+        <a:scrgbClr r="0" g="0" b="0"/>
+      </a:effectRef>
+      <a:fontRef idx="minor">
+        <a:schemeClr val="lt1"/>
+      </a:fontRef>
+    </dgm:style>
+  </dgm:styleLbl>
+  <dgm:styleLbl name="bgSibTrans2D1">
+    <dgm:scene3d>
+      <a:camera prst="orthographicFront"/>
+      <a:lightRig rig="flat" dir="t"/>
+    </dgm:scene3d>
+    <dgm:sp3d z="-190500" prstMaterial="plastic">
+      <a:bevelT w="50800" h="50800"/>
+      <a:bevelB w="25400" h="25400" prst="angle"/>
+    </dgm:sp3d>
+    <dgm:txPr/>
+    <dgm:style>
+      <a:lnRef idx="0">
+        <a:scrgbClr r="0" g="0" b="0"/>
+      </a:lnRef>
+      <a:fillRef idx="3">
+        <a:scrgbClr r="0" g="0" b="0"/>
+      </a:fillRef>
+      <a:effectRef idx="2">
+        <a:scrgbClr r="0" g="0" b="0"/>
+      </a:effectRef>
+      <a:fontRef idx="minor">
+        <a:schemeClr val="lt1"/>
+      </a:fontRef>
+    </dgm:style>
+  </dgm:styleLbl>
+  <dgm:styleLbl name="sibTrans1D1">
+    <dgm:scene3d>
+      <a:camera prst="orthographicFront"/>
+      <a:lightRig rig="flat" dir="t"/>
+    </dgm:scene3d>
+    <dgm:sp3d z="-40000" prstMaterial="matte"/>
+    <dgm:txPr/>
+    <dgm:style>
+      <a:lnRef idx="1">
+        <a:scrgbClr r="0" g="0" b="0"/>
+      </a:lnRef>
+      <a:fillRef idx="0">
+        <a:scrgbClr r="0" g="0" b="0"/>
+      </a:fillRef>
+      <a:effectRef idx="0">
+        <a:scrgbClr r="0" g="0" b="0"/>
+      </a:effectRef>
+      <a:fontRef idx="minor"/>
+    </dgm:style>
+  </dgm:styleLbl>
+  <dgm:styleLbl name="callout">
+    <dgm:scene3d>
+      <a:camera prst="orthographicFront"/>
+      <a:lightRig rig="threePt" dir="t"/>
+    </dgm:scene3d>
+    <dgm:sp3d z="127000" prstMaterial="matte"/>
+    <dgm:txPr/>
+    <dgm:style>
+      <a:lnRef idx="2">
+        <a:scrgbClr r="0" g="0" b="0"/>
+      </a:lnRef>
+      <a:fillRef idx="1">
+        <a:scrgbClr r="0" g="0" b="0"/>
+      </a:fillRef>
+      <a:effectRef idx="0">
+        <a:scrgbClr r="0" g="0" b="0"/>
+      </a:effectRef>
+      <a:fontRef idx="minor"/>
+    </dgm:style>
+  </dgm:styleLbl>
+  <dgm:styleLbl name="asst0">
+    <dgm:scene3d>
+      <a:camera prst="orthographicFront"/>
+      <a:lightRig rig="flat" dir="t"/>
+    </dgm:scene3d>
+    <dgm:sp3d prstMaterial="plastic">
+      <a:bevelT w="120900" h="88900"/>
+      <a:bevelB w="88900" h="31750" prst="angle"/>
+    </dgm:sp3d>
+    <dgm:txPr/>
+    <dgm:style>
+      <a:lnRef idx="0">
+        <a:scrgbClr r="0" g="0" b="0"/>
+      </a:lnRef>
+      <a:fillRef idx="3">
+        <a:scrgbClr r="0" g="0" b="0"/>
+      </a:fillRef>
+      <a:effectRef idx="1">
+        <a:scrgbClr r="0" g="0" b="0"/>
+      </a:effectRef>
+      <a:fontRef idx="minor">
+        <a:schemeClr val="lt1"/>
+      </a:fontRef>
+    </dgm:style>
+  </dgm:styleLbl>
+  <dgm:styleLbl name="asst1">
+    <dgm:scene3d>
+      <a:camera prst="orthographicFront"/>
+      <a:lightRig rig="flat" dir="t"/>
+    </dgm:scene3d>
+    <dgm:sp3d prstMaterial="plastic">
+      <a:bevelT w="120900" h="88900"/>
+      <a:bevelB w="88900" h="31750" prst="angle"/>
+    </dgm:sp3d>
+    <dgm:txPr/>
+    <dgm:style>
+      <a:lnRef idx="0">
+        <a:scrgbClr r="0" g="0" b="0"/>
+      </a:lnRef>
+      <a:fillRef idx="3">
+        <a:scrgbClr r="0" g="0" b="0"/>
+      </a:fillRef>
+      <a:effectRef idx="1">
+        <a:scrgbClr r="0" g="0" b="0"/>
+      </a:effectRef>
+      <a:fontRef idx="minor">
+        <a:schemeClr val="lt1"/>
+      </a:fontRef>
+    </dgm:style>
+  </dgm:styleLbl>
+  <dgm:styleLbl name="asst2">
+    <dgm:scene3d>
+      <a:camera prst="orthographicFront"/>
+      <a:lightRig rig="flat" dir="t"/>
+    </dgm:scene3d>
+    <dgm:sp3d prstMaterial="plastic">
+      <a:bevelT w="120900" h="88900"/>
+      <a:bevelB w="88900" h="31750" prst="angle"/>
+    </dgm:sp3d>
+    <dgm:txPr/>
+    <dgm:style>
+      <a:lnRef idx="0">
+        <a:scrgbClr r="0" g="0" b="0"/>
+      </a:lnRef>
+      <a:fillRef idx="3">
+        <a:scrgbClr r="0" g="0" b="0"/>
+      </a:fillRef>
+      <a:effectRef idx="1">
+        <a:scrgbClr r="0" g="0" b="0"/>
+      </a:effectRef>
+      <a:fontRef idx="minor">
+        <a:schemeClr val="lt1"/>
+      </a:fontRef>
+    </dgm:style>
+  </dgm:styleLbl>
+  <dgm:styleLbl name="asst3">
+    <dgm:scene3d>
+      <a:camera prst="orthographicFront"/>
+      <a:lightRig rig="flat" dir="t"/>
+    </dgm:scene3d>
+    <dgm:sp3d prstMaterial="plastic">
+      <a:bevelT w="120900" h="88900"/>
+      <a:bevelB w="88900" h="31750" prst="angle"/>
+    </dgm:sp3d>
+    <dgm:txPr/>
+    <dgm:style>
+      <a:lnRef idx="0">
+        <a:scrgbClr r="0" g="0" b="0"/>
+      </a:lnRef>
+      <a:fillRef idx="3">
+        <a:scrgbClr r="0" g="0" b="0"/>
+      </a:fillRef>
+      <a:effectRef idx="1">
+        <a:scrgbClr r="0" g="0" b="0"/>
+      </a:effectRef>
+      <a:fontRef idx="minor">
+        <a:schemeClr val="lt1"/>
+      </a:fontRef>
+    </dgm:style>
+  </dgm:styleLbl>
+  <dgm:styleLbl name="parChTrans2D1">
+    <dgm:scene3d>
+      <a:camera prst="orthographicFront"/>
+      <a:lightRig rig="flat" dir="t"/>
+    </dgm:scene3d>
+    <dgm:sp3d z="-100000" prstMaterial="plastic">
+      <a:bevelT w="120900" h="88900"/>
+      <a:bevelB w="88900" h="31750" prst="angle"/>
+    </dgm:sp3d>
+    <dgm:txPr/>
+    <dgm:style>
+      <a:lnRef idx="0">
+        <a:scrgbClr r="0" g="0" b="0"/>
+      </a:lnRef>
+      <a:fillRef idx="3">
+        <a:scrgbClr r="0" g="0" b="0"/>
+      </a:fillRef>
+      <a:effectRef idx="1">
+        <a:scrgbClr r="0" g="0" b="0"/>
+      </a:effectRef>
+      <a:fontRef idx="minor">
+        <a:schemeClr val="lt1"/>
+      </a:fontRef>
+    </dgm:style>
+  </dgm:styleLbl>
+  <dgm:styleLbl name="parChTrans2D2">
+    <dgm:scene3d>
+      <a:camera prst="orthographicFront"/>
+      <a:lightRig rig="flat" dir="t"/>
+    </dgm:scene3d>
+    <dgm:sp3d z="-60000" prstMaterial="plastic">
+      <a:bevelT w="120900" h="88900"/>
+      <a:bevelB w="88900" h="31750" prst="angle"/>
+    </dgm:sp3d>
+    <dgm:txPr/>
+    <dgm:style>
+      <a:lnRef idx="0">
+        <a:scrgbClr r="0" g="0" b="0"/>
+      </a:lnRef>
+      <a:fillRef idx="3">
+        <a:scrgbClr r="0" g="0" b="0"/>
+      </a:fillRef>
+      <a:effectRef idx="1">
+        <a:scrgbClr r="0" g="0" b="0"/>
+      </a:effectRef>
+      <a:fontRef idx="minor">
+        <a:schemeClr val="lt1"/>
+      </a:fontRef>
+    </dgm:style>
+  </dgm:styleLbl>
+  <dgm:styleLbl name="parChTrans2D3">
+    <dgm:scene3d>
+      <a:camera prst="orthographicFront"/>
+      <a:lightRig rig="flat" dir="t"/>
+    </dgm:scene3d>
+    <dgm:sp3d z="-60000" prstMaterial="plastic">
+      <a:bevelT w="120900" h="88900"/>
+      <a:bevelB w="88900" h="31750" prst="angle"/>
+    </dgm:sp3d>
+    <dgm:txPr/>
+    <dgm:style>
+      <a:lnRef idx="0">
+        <a:scrgbClr r="0" g="0" b="0"/>
+      </a:lnRef>
+      <a:fillRef idx="3">
+        <a:scrgbClr r="0" g="0" b="0"/>
+      </a:fillRef>
+      <a:effectRef idx="1">
+        <a:scrgbClr r="0" g="0" b="0"/>
+      </a:effectRef>
+      <a:fontRef idx="minor">
+        <a:schemeClr val="lt1"/>
+      </a:fontRef>
+    </dgm:style>
+  </dgm:styleLbl>
+  <dgm:styleLbl name="parChTrans2D4">
+    <dgm:scene3d>
+      <a:camera prst="orthographicFront"/>
+      <a:lightRig rig="flat" dir="t"/>
+    </dgm:scene3d>
+    <dgm:sp3d z="-60000" prstMaterial="plastic">
+      <a:bevelT w="120900" h="88900"/>
+      <a:bevelB w="88900" h="31750" prst="angle"/>
+    </dgm:sp3d>
+    <dgm:txPr/>
+    <dgm:style>
+      <a:lnRef idx="0">
+        <a:scrgbClr r="0" g="0" b="0"/>
+      </a:lnRef>
+      <a:fillRef idx="3">
+        <a:scrgbClr r="0" g="0" b="0"/>
+      </a:fillRef>
+      <a:effectRef idx="1">
+        <a:scrgbClr r="0" g="0" b="0"/>
+      </a:effectRef>
+      <a:fontRef idx="minor">
+        <a:schemeClr val="lt1"/>
+      </a:fontRef>
+    </dgm:style>
+  </dgm:styleLbl>
+  <dgm:styleLbl name="parChTrans1D1">
+    <dgm:scene3d>
+      <a:camera prst="orthographicFront"/>
+      <a:lightRig rig="flat" dir="t"/>
+    </dgm:scene3d>
+    <dgm:sp3d prstMaterial="matte"/>
+    <dgm:txPr/>
+    <dgm:style>
+      <a:lnRef idx="2">
+        <a:scrgbClr r="0" g="0" b="0"/>
+      </a:lnRef>
+      <a:fillRef idx="0">
+        <a:scrgbClr r="0" g="0" b="0"/>
+      </a:fillRef>
+      <a:effectRef idx="0">
+        <a:scrgbClr r="0" g="0" b="0"/>
+      </a:effectRef>
+      <a:fontRef idx="minor"/>
+    </dgm:style>
+  </dgm:styleLbl>
+  <dgm:styleLbl name="parChTrans1D2">
+    <dgm:scene3d>
+      <a:camera prst="orthographicFront"/>
+      <a:lightRig rig="flat" dir="t"/>
+    </dgm:scene3d>
+    <dgm:sp3d prstMaterial="matte"/>
+    <dgm:txPr/>
+    <dgm:style>
+      <a:lnRef idx="2">
+        <a:scrgbClr r="0" g="0" b="0"/>
+      </a:lnRef>
+      <a:fillRef idx="0">
+        <a:scrgbClr r="0" g="0" b="0"/>
+      </a:fillRef>
+      <a:effectRef idx="0">
+        <a:scrgbClr r="0" g="0" b="0"/>
+      </a:effectRef>
+      <a:fontRef idx="minor"/>
+    </dgm:style>
+  </dgm:styleLbl>
+  <dgm:styleLbl name="parChTrans1D3">
+    <dgm:scene3d>
+      <a:camera prst="orthographicFront"/>
+      <a:lightRig rig="flat" dir="t"/>
+    </dgm:scene3d>
+    <dgm:sp3d prstMaterial="matte"/>
+    <dgm:txPr/>
+    <dgm:style>
+      <a:lnRef idx="2">
+        <a:scrgbClr r="0" g="0" b="0"/>
+      </a:lnRef>
+      <a:fillRef idx="0">
+        <a:scrgbClr r="0" g="0" b="0"/>
+      </a:fillRef>
+      <a:effectRef idx="0">
+        <a:scrgbClr r="0" g="0" b="0"/>
+      </a:effectRef>
+      <a:fontRef idx="minor"/>
+    </dgm:style>
+  </dgm:styleLbl>
+  <dgm:styleLbl name="parChTrans1D4">
+    <dgm:scene3d>
+      <a:camera prst="orthographicFront"/>
+      <a:lightRig rig="flat" dir="t"/>
+    </dgm:scene3d>
+    <dgm:sp3d prstMaterial="matte"/>
+    <dgm:txPr/>
+    <dgm:style>
+      <a:lnRef idx="2">
+        <a:scrgbClr r="0" g="0" b="0"/>
+      </a:lnRef>
+      <a:fillRef idx="0">
+        <a:scrgbClr r="0" g="0" b="0"/>
+      </a:fillRef>
+      <a:effectRef idx="0">
+        <a:scrgbClr r="0" g="0" b="0"/>
+      </a:effectRef>
+      <a:fontRef idx="minor"/>
+    </dgm:style>
+  </dgm:styleLbl>
+  <dgm:styleLbl name="fgAcc1">
+    <dgm:scene3d>
+      <a:camera prst="orthographicFront"/>
+      <a:lightRig rig="flat" dir="t"/>
+    </dgm:scene3d>
+    <dgm:sp3d z="190500" extrusionH="12700" prstMaterial="plastic">
+      <a:bevelT w="50800" h="50800"/>
+    </dgm:sp3d>
+    <dgm:txPr/>
+    <dgm:style>
+      <a:lnRef idx="1">
+        <a:scrgbClr r="0" g="0" b="0"/>
+      </a:lnRef>
+      <a:fillRef idx="1">
+        <a:scrgbClr r="0" g="0" b="0"/>
+      </a:fillRef>
+      <a:effectRef idx="2">
+        <a:scrgbClr r="0" g="0" b="0"/>
+      </a:effectRef>
+      <a:fontRef idx="minor"/>
+    </dgm:style>
+  </dgm:styleLbl>
+  <dgm:styleLbl name="conFgAcc1">
+    <dgm:scene3d>
+      <a:camera prst="orthographicFront"/>
+      <a:lightRig rig="flat" dir="t"/>
+    </dgm:scene3d>
+    <dgm:sp3d z="190500" extrusionH="12700" prstMaterial="plastic">
+      <a:bevelT w="50800" h="50800"/>
+    </dgm:sp3d>
+    <dgm:txPr/>
+    <dgm:style>
+      <a:lnRef idx="1">
+        <a:scrgbClr r="0" g="0" b="0"/>
+      </a:lnRef>
+      <a:fillRef idx="1">
+        <a:scrgbClr r="0" g="0" b="0"/>
+      </a:fillRef>
+      <a:effectRef idx="2">
+        <a:scrgbClr r="0" g="0" b="0"/>
+      </a:effectRef>
+      <a:fontRef idx="minor"/>
+    </dgm:style>
+  </dgm:styleLbl>
+  <dgm:styleLbl name="alignAcc1">
+    <dgm:scene3d>
+      <a:camera prst="orthographicFront"/>
+      <a:lightRig rig="flat" dir="t"/>
+    </dgm:scene3d>
+    <dgm:sp3d extrusionH="12700" prstMaterial="plastic">
+      <a:bevelT w="50800" h="50800"/>
+    </dgm:sp3d>
+    <dgm:txPr/>
+    <dgm:style>
+      <a:lnRef idx="1">
+        <a:scrgbClr r="0" g="0" b="0"/>
+      </a:lnRef>
+      <a:fillRef idx="1">
+        <a:scrgbClr r="0" g="0" b="0"/>
+      </a:fillRef>
+      <a:effectRef idx="2">
+        <a:scrgbClr r="0" g="0" b="0"/>
+      </a:effectRef>
+      <a:fontRef idx="minor"/>
+    </dgm:style>
+  </dgm:styleLbl>
+  <dgm:styleLbl name="trAlignAcc1">
+    <dgm:scene3d>
+      <a:camera prst="orthographicFront"/>
+      <a:lightRig rig="flat" dir="t"/>
+    </dgm:scene3d>
+    <dgm:sp3d extrusionH="12700" prstMaterial="plastic">
+      <a:bevelT w="50800" h="50800"/>
+    </dgm:sp3d>
+    <dgm:txPr/>
+    <dgm:style>
+      <a:lnRef idx="1">
+        <a:scrgbClr r="0" g="0" b="0"/>
+      </a:lnRef>
+      <a:fillRef idx="1">
+        <a:scrgbClr r="0" g="0" b="0"/>
+      </a:fillRef>
+      <a:effectRef idx="2">
+        <a:scrgbClr r="0" g="0" b="0"/>
+      </a:effectRef>
+      <a:fontRef idx="minor"/>
+    </dgm:style>
+  </dgm:styleLbl>
+  <dgm:styleLbl name="bgAcc1">
+    <dgm:scene3d>
+      <a:camera prst="orthographicFront"/>
+      <a:lightRig rig="flat" dir="t"/>
+    </dgm:scene3d>
+    <dgm:sp3d z="-190500" extrusionH="12700" prstMaterial="plastic">
+      <a:bevelT w="50800" h="50800"/>
+    </dgm:sp3d>
+    <dgm:txPr/>
+    <dgm:style>
+      <a:lnRef idx="1">
+        <a:scrgbClr r="0" g="0" b="0"/>
+      </a:lnRef>
+      <a:fillRef idx="1">
+        <a:scrgbClr r="0" g="0" b="0"/>
+      </a:fillRef>
+      <a:effectRef idx="2">
+        <a:scrgbClr r="0" g="0" b="0"/>
+      </a:effectRef>
+      <a:fontRef idx="minor"/>
+    </dgm:style>
+  </dgm:styleLbl>
+  <dgm:styleLbl name="solidFgAcc1">
+    <dgm:scene3d>
+      <a:camera prst="orthographicFront"/>
+      <a:lightRig rig="flat" dir="t"/>
+    </dgm:scene3d>
+    <dgm:sp3d z="190500" extrusionH="12700" prstMaterial="plastic">
+      <a:bevelT w="50800" h="50800"/>
+    </dgm:sp3d>
+    <dgm:txPr/>
+    <dgm:style>
+      <a:lnRef idx="1">
+        <a:scrgbClr r="0" g="0" b="0"/>
+      </a:lnRef>
+      <a:fillRef idx="1">
+        <a:scrgbClr r="0" g="0" b="0"/>
+      </a:fillRef>
+      <a:effectRef idx="2">
+        <a:scrgbClr r="0" g="0" b="0"/>
+      </a:effectRef>
+      <a:fontRef idx="minor"/>
+    </dgm:style>
+  </dgm:styleLbl>
+  <dgm:styleLbl name="solidAlignAcc1">
+    <dgm:scene3d>
+      <a:camera prst="orthographicFront"/>
+      <a:lightRig rig="flat" dir="t"/>
+    </dgm:scene3d>
+    <dgm:sp3d extrusionH="12700" prstMaterial="plastic">
+      <a:bevelT w="50800" h="50800"/>
+    </dgm:sp3d>
+    <dgm:txPr/>
+    <dgm:style>
+      <a:lnRef idx="1">
+        <a:scrgbClr r="0" g="0" b="0"/>
+      </a:lnRef>
+      <a:fillRef idx="1">
+        <a:scrgbClr r="0" g="0" b="0"/>
+      </a:fillRef>
+      <a:effectRef idx="2">
+        <a:scrgbClr r="0" g="0" b="0"/>
+      </a:effectRef>
+      <a:fontRef idx="minor"/>
+    </dgm:style>
+  </dgm:styleLbl>
+  <dgm:styleLbl name="solidBgAcc1">
+    <dgm:scene3d>
+      <a:camera prst="orthographicFront"/>
+      <a:lightRig rig="flat" dir="t"/>
+    </dgm:scene3d>
+    <dgm:sp3d z="-190500" extrusionH="12700" prstMaterial="plastic">
+      <a:bevelT w="50800" h="50800"/>
+    </dgm:sp3d>
+    <dgm:txPr/>
+    <dgm:style>
+      <a:lnRef idx="1">
+        <a:scrgbClr r="0" g="0" b="0"/>
+      </a:lnRef>
+      <a:fillRef idx="1">
+        <a:scrgbClr r="0" g="0" b="0"/>
+      </a:fillRef>
+      <a:effectRef idx="2">
+        <a:scrgbClr r="0" g="0" b="0"/>
+      </a:effectRef>
+      <a:fontRef idx="minor"/>
+    </dgm:style>
+  </dgm:styleLbl>
+  <dgm:styleLbl name="fgAccFollowNode1">
+    <dgm:scene3d>
+      <a:camera prst="orthographicFront"/>
+      <a:lightRig rig="flat" dir="t"/>
+    </dgm:scene3d>
+    <dgm:sp3d z="190500" extrusionH="12700" prstMaterial="plastic">
+      <a:bevelT w="50800" h="50800"/>
+    </dgm:sp3d>
+    <dgm:txPr/>
+    <dgm:style>
+      <a:lnRef idx="1">
+        <a:scrgbClr r="0" g="0" b="0"/>
+      </a:lnRef>
+      <a:fillRef idx="1">
+        <a:scrgbClr r="0" g="0" b="0"/>
+      </a:fillRef>
+      <a:effectRef idx="2">
+        <a:scrgbClr r="0" g="0" b="0"/>
+      </a:effectRef>
+      <a:fontRef idx="minor"/>
+    </dgm:style>
+  </dgm:styleLbl>
+  <dgm:styleLbl name="alignAccFollowNode1">
+    <dgm:scene3d>
+      <a:camera prst="orthographicFront"/>
+      <a:lightRig rig="flat" dir="t"/>
+    </dgm:scene3d>
+    <dgm:sp3d extrusionH="12700" prstMaterial="plastic">
+      <a:bevelT w="50800" h="50800"/>
+    </dgm:sp3d>
+    <dgm:txPr/>
+    <dgm:style>
+      <a:lnRef idx="1">
+        <a:scrgbClr r="0" g="0" b="0"/>
+      </a:lnRef>
+      <a:fillRef idx="1">
+        <a:scrgbClr r="0" g="0" b="0"/>
+      </a:fillRef>
+      <a:effectRef idx="2">
+        <a:scrgbClr r="0" g="0" b="0"/>
+      </a:effectRef>
+      <a:fontRef idx="minor"/>
+    </dgm:style>
+  </dgm:styleLbl>
+  <dgm:styleLbl name="bgAccFollowNode1">
+    <dgm:scene3d>
+      <a:camera prst="orthographicFront"/>
+      <a:lightRig rig="flat" dir="t"/>
+    </dgm:scene3d>
+    <dgm:sp3d z="-190500" extrusionH="12700" prstMaterial="plastic">
+      <a:bevelT w="50800" h="50800"/>
+    </dgm:sp3d>
+    <dgm:txPr/>
+    <dgm:style>
+      <a:lnRef idx="1">
+        <a:scrgbClr r="0" g="0" b="0"/>
+      </a:lnRef>
+      <a:fillRef idx="1">
+        <a:scrgbClr r="0" g="0" b="0"/>
+      </a:fillRef>
+      <a:effectRef idx="2">
+        <a:scrgbClr r="0" g="0" b="0"/>
+      </a:effectRef>
+      <a:fontRef idx="minor"/>
+    </dgm:style>
+  </dgm:styleLbl>
+  <dgm:styleLbl name="fgAcc0">
+    <dgm:scene3d>
+      <a:camera prst="orthographicFront"/>
+      <a:lightRig rig="flat" dir="t"/>
+    </dgm:scene3d>
+    <dgm:sp3d z="190500" extrusionH="12700" prstMaterial="plastic">
+      <a:bevelT w="50800" h="50800"/>
+    </dgm:sp3d>
+    <dgm:txPr/>
+    <dgm:style>
+      <a:lnRef idx="1">
+        <a:scrgbClr r="0" g="0" b="0"/>
+      </a:lnRef>
+      <a:fillRef idx="1">
+        <a:scrgbClr r="0" g="0" b="0"/>
+      </a:fillRef>
+      <a:effectRef idx="2">
+        <a:scrgbClr r="0" g="0" b="0"/>
+      </a:effectRef>
+      <a:fontRef idx="minor"/>
+    </dgm:style>
+  </dgm:styleLbl>
+  <dgm:styleLbl name="fgAcc2">
+    <dgm:scene3d>
+      <a:camera prst="orthographicFront"/>
+      <a:lightRig rig="flat" dir="t"/>
+    </dgm:scene3d>
+    <dgm:sp3d z="190500" extrusionH="12700" prstMaterial="plastic">
+      <a:bevelT w="50800" h="50800"/>
+    </dgm:sp3d>
+    <dgm:txPr/>
+    <dgm:style>
+      <a:lnRef idx="1">
+        <a:scrgbClr r="0" g="0" b="0"/>
+      </a:lnRef>
+      <a:fillRef idx="1">
+        <a:scrgbClr r="0" g="0" b="0"/>
+      </a:fillRef>
+      <a:effectRef idx="2">
+        <a:scrgbClr r="0" g="0" b="0"/>
+      </a:effectRef>
+      <a:fontRef idx="minor"/>
+    </dgm:style>
+  </dgm:styleLbl>
+  <dgm:styleLbl name="fgAcc3">
+    <dgm:scene3d>
+      <a:camera prst="orthographicFront"/>
+      <a:lightRig rig="flat" dir="t"/>
+    </dgm:scene3d>
+    <dgm:sp3d z="190500" extrusionH="12700" prstMaterial="plastic">
+      <a:bevelT w="50800" h="50800"/>
+    </dgm:sp3d>
+    <dgm:txPr/>
+    <dgm:style>
+      <a:lnRef idx="1">
+        <a:scrgbClr r="0" g="0" b="0"/>
+      </a:lnRef>
+      <a:fillRef idx="1">
+        <a:scrgbClr r="0" g="0" b="0"/>
+      </a:fillRef>
+      <a:effectRef idx="2">
+        <a:scrgbClr r="0" g="0" b="0"/>
+      </a:effectRef>
+      <a:fontRef idx="minor"/>
+    </dgm:style>
+  </dgm:styleLbl>
+  <dgm:styleLbl name="fgAcc4">
+    <dgm:scene3d>
+      <a:camera prst="orthographicFront"/>
+      <a:lightRig rig="flat" dir="t"/>
+    </dgm:scene3d>
+    <dgm:sp3d z="190500" extrusionH="12700" prstMaterial="plastic">
+      <a:bevelT w="50800" h="50800"/>
+    </dgm:sp3d>
+    <dgm:txPr/>
+    <dgm:style>
+      <a:lnRef idx="1">
+        <a:scrgbClr r="0" g="0" b="0"/>
+      </a:lnRef>
+      <a:fillRef idx="1">
+        <a:scrgbClr r="0" g="0" b="0"/>
+      </a:fillRef>
+      <a:effectRef idx="2">
+        <a:scrgbClr r="0" g="0" b="0"/>
+      </a:effectRef>
+      <a:fontRef idx="minor"/>
+    </dgm:style>
+  </dgm:styleLbl>
+  <dgm:styleLbl name="bgShp">
+    <dgm:scene3d>
+      <a:camera prst="orthographicFront"/>
+      <a:lightRig rig="flat" dir="t"/>
+    </dgm:scene3d>
+    <dgm:sp3d z="-190500" extrusionH="12700" prstMaterial="plastic">
+      <a:bevelT w="50800" h="50800"/>
+    </dgm:sp3d>
+    <dgm:txPr/>
+    <dgm:style>
+      <a:lnRef idx="0">
+        <a:scrgbClr r="0" g="0" b="0"/>
+      </a:lnRef>
+      <a:fillRef idx="3">
+        <a:scrgbClr r="0" g="0" b="0"/>
+      </a:fillRef>
+      <a:effectRef idx="0">
+        <a:scrgbClr r="0" g="0" b="0"/>
+      </a:effectRef>
+      <a:fontRef idx="minor"/>
+    </dgm:style>
+  </dgm:styleLbl>
+  <dgm:styleLbl name="dkBgShp">
+    <dgm:scene3d>
+      <a:camera prst="orthographicFront"/>
+      <a:lightRig rig="flat" dir="t"/>
+    </dgm:scene3d>
+    <dgm:sp3d z="-190500" extrusionH="12700" prstMaterial="plastic">
+      <a:bevelT w="50800" h="50800"/>
+    </dgm:sp3d>
+    <dgm:txPr/>
+    <dgm:style>
+      <a:lnRef idx="0">
+        <a:scrgbClr r="0" g="0" b="0"/>
+      </a:lnRef>
+      <a:fillRef idx="2">
+        <a:scrgbClr r="0" g="0" b="0"/>
+      </a:fillRef>
+      <a:effectRef idx="0">
+        <a:scrgbClr r="0" g="0" b="0"/>
+      </a:effectRef>
+      <a:fontRef idx="minor"/>
+    </dgm:style>
+  </dgm:styleLbl>
+  <dgm:styleLbl name="trBgShp">
+    <dgm:scene3d>
+      <a:camera prst="orthographicFront"/>
+      <a:lightRig rig="flat" dir="t"/>
+    </dgm:scene3d>
+    <dgm:sp3d z="-190500" extrusionH="12700" prstMaterial="matte"/>
+    <dgm:txPr/>
+    <dgm:style>
+      <a:lnRef idx="0">
+        <a:scrgbClr r="0" g="0" b="0"/>
+      </a:lnRef>
+      <a:fillRef idx="1">
+        <a:scrgbClr r="0" g="0" b="0"/>
+      </a:fillRef>
+      <a:effectRef idx="0">
+        <a:scrgbClr r="0" g="0" b="0"/>
+      </a:effectRef>
+      <a:fontRef idx="minor"/>
+    </dgm:style>
+  </dgm:styleLbl>
+  <dgm:styleLbl name="fgShp">
+    <dgm:scene3d>
+      <a:camera prst="orthographicFront"/>
+      <a:lightRig rig="flat" dir="t"/>
+    </dgm:scene3d>
+    <dgm:sp3d z="190500" prstMaterial="plastic">
+      <a:bevelT w="120900" h="88900"/>
+      <a:bevelB w="88900" h="31750" prst="angle"/>
+    </dgm:sp3d>
+    <dgm:txPr/>
+    <dgm:style>
+      <a:lnRef idx="0">
+        <a:scrgbClr r="0" g="0" b="0"/>
+      </a:lnRef>
+      <a:fillRef idx="1">
+        <a:scrgbClr r="0" g="0" b="0"/>
+      </a:fillRef>
+      <a:effectRef idx="3">
+        <a:scrgbClr r="0" g="0" b="0"/>
+      </a:effectRef>
+      <a:fontRef idx="minor">
+        <a:schemeClr val="lt1"/>
+      </a:fontRef>
+    </dgm:style>
+  </dgm:styleLbl>
+  <dgm:styleLbl name="revTx">
+    <dgm:scene3d>
+      <a:camera prst="orthographicFront"/>
+      <a:lightRig rig="threePt" dir="t"/>
+    </dgm:scene3d>
+    <dgm:sp3d/>
+    <dgm:txPr/>
+    <dgm:style>
+      <a:lnRef idx="0">
+        <a:scrgbClr r="0" g="0" b="0"/>
+      </a:lnRef>
+      <a:fillRef idx="0">
+        <a:scrgbClr r="0" g="0" b="0"/>
+      </a:fillRef>
+      <a:effectRef idx="0">
+        <a:scrgbClr r="0" g="0" b="0"/>
+      </a:effectRef>
+      <a:fontRef idx="minor"/>
+    </dgm:style>
+  </dgm:styleLbl>
+</dgm:styleDef>
 </file>
 
 <file path=ppt/notesMasters/notesMaster1.xml><?xml version="1.0" encoding="utf-8"?>
@@ -6803,7 +14372,7 @@
         </p:nvSpPr>
         <p:spPr>
           <a:xfrm>
-            <a:off x="1619672" y="483518"/>
+            <a:off x="1739238" y="555526"/>
             <a:ext cx="6321000" cy="680700"/>
           </a:xfrm>
         </p:spPr>
@@ -6863,15 +14432,32 @@
         </p:nvSpPr>
         <p:spPr>
           <a:xfrm>
-            <a:off x="1000100" y="1357304"/>
+            <a:off x="965076" y="1347614"/>
             <a:ext cx="7095162" cy="3095400"/>
           </a:xfrm>
         </p:spPr>
+        <p:style>
+          <a:lnRef idx="0">
+            <a:schemeClr val="accent2"/>
+          </a:lnRef>
+          <a:fillRef idx="3">
+            <a:schemeClr val="accent2"/>
+          </a:fillRef>
+          <a:effectRef idx="3">
+            <a:schemeClr val="accent2"/>
+          </a:effectRef>
+          <a:fontRef idx="minor">
+            <a:schemeClr val="lt1"/>
+          </a:fontRef>
+        </p:style>
         <p:txBody>
           <a:bodyPr/>
           <a:lstStyle/>
           <a:p>
             <a:pPr>
+              <a:lnSpc>
+                <a:spcPct val="150000"/>
+              </a:lnSpc>
               <a:buNone/>
             </a:pPr>
             <a:r>
@@ -6902,6 +14488,9 @@
           </a:p>
           <a:p>
             <a:pPr>
+              <a:lnSpc>
+                <a:spcPct val="150000"/>
+              </a:lnSpc>
               <a:buNone/>
             </a:pPr>
             <a:r>
@@ -7087,12 +14676,27 @@
         </p:nvSpPr>
         <p:spPr>
           <a:xfrm>
-            <a:off x="1000100" y="1357304"/>
-            <a:ext cx="8072494" cy="3095400"/>
+            <a:off x="827584" y="1347614"/>
+            <a:ext cx="7848872" cy="3095400"/>
           </a:xfrm>
+          <a:ln/>
         </p:spPr>
+        <p:style>
+          <a:lnRef idx="0">
+            <a:schemeClr val="accent2"/>
+          </a:lnRef>
+          <a:fillRef idx="3">
+            <a:schemeClr val="accent2"/>
+          </a:fillRef>
+          <a:effectRef idx="3">
+            <a:schemeClr val="accent2"/>
+          </a:effectRef>
+          <a:fontRef idx="minor">
+            <a:schemeClr val="lt1"/>
+          </a:fontRef>
+        </p:style>
         <p:txBody>
-          <a:bodyPr/>
+          <a:bodyPr lIns="91425" tIns="91425" rIns="91425" bIns="91425" anchor="t" anchorCtr="0"/>
           <a:lstStyle/>
           <a:p>
             <a:pPr marL="342900" indent="-342900">
@@ -7103,41 +14707,41 @@
               <a:buChar char="ü"/>
             </a:pPr>
             <a:r>
-              <a:rPr lang="zh-TW" altLang="en-US" sz="2400" dirty="0" smtClean="0">
+              <a:rPr lang="zh-TW" altLang="en-US" sz="2400" b="1" dirty="0">
                 <a:latin typeface="標楷體" pitchFamily="65" charset="-120"/>
                 <a:ea typeface="標楷體" pitchFamily="65" charset="-120"/>
               </a:rPr>
               <a:t>有許多高齡人口鮮少下載</a:t>
             </a:r>
             <a:r>
-              <a:rPr lang="en-US" altLang="zh-TW" sz="2400" dirty="0" smtClean="0">
+              <a:rPr lang="en-US" altLang="zh-TW" sz="2400" b="1" dirty="0">
                 <a:latin typeface="標楷體" pitchFamily="65" charset="-120"/>
                 <a:ea typeface="標楷體" pitchFamily="65" charset="-120"/>
               </a:rPr>
               <a:t>App</a:t>
             </a:r>
             <a:r>
-              <a:rPr lang="zh-TW" altLang="en-US" sz="2400" dirty="0" smtClean="0">
+              <a:rPr lang="zh-TW" altLang="en-US" sz="2400" b="1" dirty="0">
                 <a:latin typeface="標楷體" pitchFamily="65" charset="-120"/>
                 <a:ea typeface="標楷體" pitchFamily="65" charset="-120"/>
               </a:rPr>
               <a:t>，甚至半年不曾開啟</a:t>
             </a:r>
             <a:r>
-              <a:rPr lang="en-US" altLang="zh-TW" sz="2400" dirty="0" smtClean="0">
+              <a:rPr lang="en-US" altLang="zh-TW" sz="2400" b="1" dirty="0">
                 <a:latin typeface="標楷體" pitchFamily="65" charset="-120"/>
                 <a:ea typeface="標楷體" pitchFamily="65" charset="-120"/>
               </a:rPr>
               <a:t>App</a:t>
             </a:r>
             <a:r>
-              <a:rPr lang="zh-TW" altLang="en-US" sz="2400" dirty="0" smtClean="0">
+              <a:rPr lang="zh-TW" altLang="en-US" sz="2400" b="1" dirty="0">
                 <a:latin typeface="標楷體" pitchFamily="65" charset="-120"/>
                 <a:ea typeface="標楷體" pitchFamily="65" charset="-120"/>
               </a:rPr>
               <a:t>。</a:t>
             </a:r>
-            <a:endParaRPr lang="en-US" altLang="zh-TW" sz="2400" dirty="0" smtClean="0">
+            <a:endParaRPr lang="en-US" altLang="zh-TW" sz="2400" b="1" dirty="0">
               <a:latin typeface="標楷體" pitchFamily="65" charset="-120"/>
               <a:ea typeface="標楷體" pitchFamily="65" charset="-120"/>
             </a:endParaRPr>
@@ -7151,41 +14755,41 @@
               <a:buChar char="ü"/>
             </a:pPr>
             <a:r>
-              <a:rPr lang="zh-TW" altLang="en-US" sz="2400" dirty="0" smtClean="0">
+              <a:rPr lang="zh-TW" altLang="en-US" sz="2400" b="1" dirty="0">
                 <a:latin typeface="標楷體" pitchFamily="65" charset="-120"/>
                 <a:ea typeface="標楷體" pitchFamily="65" charset="-120"/>
               </a:rPr>
               <a:t>使用</a:t>
             </a:r>
             <a:r>
-              <a:rPr lang="en-US" altLang="zh-TW" sz="2400" dirty="0" smtClean="0">
+              <a:rPr lang="en-US" altLang="zh-TW" sz="2400" b="1" dirty="0">
                 <a:latin typeface="標楷體" pitchFamily="65" charset="-120"/>
                 <a:ea typeface="標楷體" pitchFamily="65" charset="-120"/>
               </a:rPr>
               <a:t>Html5</a:t>
             </a:r>
             <a:r>
-              <a:rPr lang="zh-TW" altLang="en-US" sz="2400" dirty="0" smtClean="0">
+              <a:rPr lang="zh-TW" altLang="en-US" sz="2400" b="1" dirty="0">
                 <a:latin typeface="標楷體" pitchFamily="65" charset="-120"/>
                 <a:ea typeface="標楷體" pitchFamily="65" charset="-120"/>
               </a:rPr>
               <a:t>編寫可使其省去下載</a:t>
             </a:r>
             <a:r>
-              <a:rPr lang="en-US" altLang="zh-TW" sz="2400" dirty="0" smtClean="0">
+              <a:rPr lang="en-US" altLang="zh-TW" sz="2400" b="1" dirty="0">
                 <a:latin typeface="標楷體" pitchFamily="65" charset="-120"/>
                 <a:ea typeface="標楷體" pitchFamily="65" charset="-120"/>
               </a:rPr>
               <a:t>App</a:t>
             </a:r>
             <a:r>
-              <a:rPr lang="zh-TW" altLang="en-US" sz="2400" dirty="0" smtClean="0">
+              <a:rPr lang="zh-TW" altLang="en-US" sz="2400" b="1" dirty="0">
                 <a:latin typeface="標楷體" pitchFamily="65" charset="-120"/>
                 <a:ea typeface="標楷體" pitchFamily="65" charset="-120"/>
               </a:rPr>
               <a:t>的步驟。</a:t>
             </a:r>
-            <a:endParaRPr lang="en-US" altLang="zh-TW" sz="2400" dirty="0" smtClean="0">
+            <a:endParaRPr lang="en-US" altLang="zh-TW" sz="2400" b="1" dirty="0">
               <a:latin typeface="標楷體" pitchFamily="65" charset="-120"/>
               <a:ea typeface="標楷體" pitchFamily="65" charset="-120"/>
             </a:endParaRPr>
@@ -7199,31 +14803,52 @@
               <a:buChar char="ü"/>
             </a:pPr>
             <a:r>
-              <a:rPr lang="zh-TW" altLang="en-US" sz="2400" dirty="0" smtClean="0">
+              <a:rPr lang="zh-TW" altLang="en-US" sz="2400" b="1" dirty="0">
                 <a:latin typeface="標楷體" pitchFamily="65" charset="-120"/>
                 <a:ea typeface="標楷體" pitchFamily="65" charset="-120"/>
               </a:rPr>
               <a:t>任何裝置都能用瀏覽器直接開啟使用。</a:t>
             </a:r>
-            <a:endParaRPr lang="en-US" altLang="zh-TW" sz="2400" dirty="0" smtClean="0">
+            <a:endParaRPr lang="en-US" altLang="zh-TW" sz="2400" b="1" dirty="0">
               <a:latin typeface="標楷體" pitchFamily="65" charset="-120"/>
               <a:ea typeface="標楷體" pitchFamily="65" charset="-120"/>
             </a:endParaRPr>
           </a:p>
           <a:p>
             <a:pPr>
+              <a:lnSpc>
+                <a:spcPct val="150000"/>
+              </a:lnSpc>
               <a:buNone/>
             </a:pPr>
-            <a:endParaRPr lang="en-US" altLang="zh-TW" sz="2400" dirty="0" smtClean="0">
+            <a:endParaRPr lang="en-US" altLang="zh-TW" sz="2400" b="1" dirty="0">
               <a:latin typeface="標楷體" pitchFamily="65" charset="-120"/>
               <a:ea typeface="標楷體" pitchFamily="65" charset="-120"/>
             </a:endParaRPr>
           </a:p>
           <a:p>
-            <a:endParaRPr lang="en-US" altLang="zh-TW" b="1" dirty="0"/>
+            <a:pPr>
+              <a:lnSpc>
+                <a:spcPct val="150000"/>
+              </a:lnSpc>
+              <a:buNone/>
+            </a:pPr>
+            <a:endParaRPr lang="en-US" altLang="zh-TW" sz="2400" b="1" dirty="0">
+              <a:latin typeface="標楷體" pitchFamily="65" charset="-120"/>
+              <a:ea typeface="標楷體" pitchFamily="65" charset="-120"/>
+            </a:endParaRPr>
           </a:p>
           <a:p>
-            <a:endParaRPr lang="zh-TW" altLang="zh-TW" b="1" dirty="0"/>
+            <a:pPr>
+              <a:lnSpc>
+                <a:spcPct val="150000"/>
+              </a:lnSpc>
+              <a:buNone/>
+            </a:pPr>
+            <a:endParaRPr lang="zh-TW" altLang="zh-TW" sz="2400" b="1" dirty="0">
+              <a:latin typeface="標楷體" pitchFamily="65" charset="-120"/>
+              <a:ea typeface="標楷體" pitchFamily="65" charset="-120"/>
+            </a:endParaRPr>
           </a:p>
         </p:txBody>
       </p:sp>
@@ -8077,8 +15702,8 @@
         </p:nvSpPr>
         <p:spPr>
           <a:xfrm>
-            <a:off x="5602490" y="2209273"/>
-            <a:ext cx="1620957" cy="307777"/>
+            <a:off x="5531083" y="2202449"/>
+            <a:ext cx="1826141" cy="338554"/>
           </a:xfrm>
           <a:prstGeom prst="rect">
             <a:avLst/>
@@ -8092,7 +15717,7 @@
           <a:p>
             <a:pPr lvl="0"/>
             <a:r>
-              <a:rPr lang="zh-TW" altLang="en-US" dirty="0">
+              <a:rPr lang="zh-TW" altLang="en-US" sz="1600" b="1" dirty="0">
                 <a:solidFill>
                   <a:srgbClr val="FF9800"/>
                 </a:solidFill>
@@ -8108,7 +15733,7 @@
               </a:rPr>
               <a:t>於安卓系統上使用</a:t>
             </a:r>
-            <a:endParaRPr lang="en" altLang="zh-TW" dirty="0">
+            <a:endParaRPr lang="en" altLang="zh-TW" sz="1600" b="1" dirty="0">
               <a:effectLst>
                 <a:outerShdw blurRad="38100" dist="38100" dir="2700000" algn="tl">
                   <a:srgbClr val="000000">
@@ -9919,7 +17544,7 @@
         <p:spPr>
           <a:xfrm>
             <a:off x="5506742" y="2263973"/>
-            <a:ext cx="1441420" cy="307777"/>
+            <a:ext cx="1620957" cy="338554"/>
           </a:xfrm>
           <a:prstGeom prst="rect">
             <a:avLst/>
@@ -9933,19 +17558,33 @@
           <a:p>
             <a:pPr lvl="0"/>
             <a:r>
-              <a:rPr lang="zh-TW" altLang="en-US" b="1" dirty="0">
+              <a:rPr lang="zh-TW" altLang="en-US" sz="1600" b="1" dirty="0">
                 <a:solidFill>
                   <a:srgbClr val="FF9800"/>
                 </a:solidFill>
+                <a:effectLst>
+                  <a:outerShdw blurRad="38100" dist="38100" dir="2700000" algn="tl">
+                    <a:srgbClr val="000000">
+                      <a:alpha val="43137"/>
+                    </a:srgbClr>
+                  </a:outerShdw>
+                </a:effectLst>
                 <a:latin typeface="華康中圓體" pitchFamily="49" charset="-120"/>
                 <a:ea typeface="華康中圓體" pitchFamily="49" charset="-120"/>
               </a:rPr>
               <a:t>於平板裝置使用</a:t>
             </a:r>
-            <a:endParaRPr lang="en-US" altLang="zh-TW" b="1" dirty="0">
+            <a:endParaRPr lang="en-US" altLang="zh-TW" sz="1600" b="1" dirty="0">
               <a:solidFill>
                 <a:srgbClr val="FF9800"/>
               </a:solidFill>
+              <a:effectLst>
+                <a:outerShdw blurRad="38100" dist="38100" dir="2700000" algn="tl">
+                  <a:srgbClr val="000000">
+                    <a:alpha val="43137"/>
+                  </a:srgbClr>
+                </a:outerShdw>
+              </a:effectLst>
               <a:latin typeface="華康中圓體" pitchFamily="49" charset="-120"/>
               <a:ea typeface="華康中圓體" pitchFamily="49" charset="-120"/>
             </a:endParaRPr>
@@ -10553,7 +18192,7 @@
         <p:spPr>
           <a:xfrm>
             <a:off x="5580112" y="2213428"/>
-            <a:ext cx="1082348" cy="307777"/>
+            <a:ext cx="1210588" cy="338554"/>
           </a:xfrm>
           <a:prstGeom prst="rect">
             <a:avLst/>
@@ -10567,7 +18206,7 @@
           <a:p>
             <a:pPr lvl="0"/>
             <a:r>
-              <a:rPr lang="zh-TW" altLang="en-US" b="1" dirty="0">
+              <a:rPr lang="zh-TW" altLang="en-US" sz="1600" b="1" dirty="0">
                 <a:solidFill>
                   <a:srgbClr val="FF9800"/>
                 </a:solidFill>
@@ -10576,7 +18215,7 @@
               </a:rPr>
               <a:t>於電腦使用</a:t>
             </a:r>
-            <a:endParaRPr lang="en-US" altLang="zh-TW" b="1" dirty="0">
+            <a:endParaRPr lang="en-US" altLang="zh-TW" sz="1600" b="1" dirty="0">
               <a:solidFill>
                 <a:srgbClr val="FF9800"/>
               </a:solidFill>
@@ -11038,7 +18677,7 @@
         </p:nvSpPr>
         <p:spPr>
           <a:xfrm>
-            <a:off x="1031425" y="1149725"/>
+            <a:off x="1907704" y="586906"/>
             <a:ext cx="5760300" cy="680700"/>
           </a:xfrm>
           <a:prstGeom prst="rect">
@@ -11154,8 +18793,8 @@
         </p:nvSpPr>
         <p:spPr>
           <a:xfrm>
-            <a:off x="1031424" y="1937074"/>
-            <a:ext cx="5844832" cy="2506883"/>
+            <a:off x="1066719" y="1419622"/>
+            <a:ext cx="5844832" cy="3456384"/>
           </a:xfrm>
           <a:prstGeom prst="rect">
             <a:avLst/>
@@ -11167,7 +18806,11 @@
           </a:bodyPr>
           <a:lstStyle/>
           <a:p>
-            <a:pPr marL="174625" indent="-174625"/>
+            <a:pPr marL="174625" indent="-174625">
+              <a:lnSpc>
+                <a:spcPct val="150000"/>
+              </a:lnSpc>
+            </a:pPr>
             <a:r>
               <a:rPr lang="zh-TW" altLang="en-US" sz="2000" b="1" dirty="0" smtClean="0">
                 <a:latin typeface="標楷體" pitchFamily="65" charset="-120"/>
@@ -11195,7 +18838,11 @@
             </a:endParaRPr>
           </a:p>
           <a:p>
-            <a:pPr marL="174625" indent="-174625"/>
+            <a:pPr marL="174625" indent="-174625">
+              <a:lnSpc>
+                <a:spcPct val="150000"/>
+              </a:lnSpc>
+            </a:pPr>
             <a:r>
               <a:rPr lang="zh-TW" altLang="en-US" sz="2000" b="1" dirty="0" smtClean="0">
                 <a:latin typeface="標楷體" pitchFamily="65" charset="-120"/>
@@ -11223,7 +18870,11 @@
             </a:endParaRPr>
           </a:p>
           <a:p>
-            <a:pPr marL="174625" indent="-174625"/>
+            <a:pPr marL="174625" indent="-174625">
+              <a:lnSpc>
+                <a:spcPct val="150000"/>
+              </a:lnSpc>
+            </a:pPr>
             <a:r>
               <a:rPr lang="zh-TW" altLang="en-US" sz="2000" b="1" dirty="0" smtClean="0">
                 <a:latin typeface="標楷體" pitchFamily="65" charset="-120"/>
@@ -11474,6 +19125,32 @@
           <a:chExt cx="0" cy="0"/>
         </a:xfrm>
       </p:grpSpPr>
+      <p:pic>
+        <p:nvPicPr>
+          <p:cNvPr id="43010" name="Picture 2" descr="「蔬菜」的圖片搜尋結果"/>
+          <p:cNvPicPr>
+            <a:picLocks noChangeAspect="1" noChangeArrowheads="1"/>
+          </p:cNvPicPr>
+          <p:nvPr/>
+        </p:nvPicPr>
+        <p:blipFill>
+          <a:blip r:embed="rId3"/>
+          <a:srcRect/>
+          <a:stretch>
+            <a:fillRect/>
+          </a:stretch>
+        </p:blipFill>
+        <p:spPr bwMode="auto">
+          <a:xfrm>
+            <a:off x="2214546" y="2859782"/>
+            <a:ext cx="3903179" cy="2143140"/>
+          </a:xfrm>
+          <a:prstGeom prst="rect">
+            <a:avLst/>
+          </a:prstGeom>
+          <a:noFill/>
+        </p:spPr>
+      </p:pic>
       <p:sp>
         <p:nvSpPr>
           <p:cNvPr id="162" name="Shape 162"/>
@@ -11618,187 +19295,28 @@
           </a:p>
         </p:txBody>
       </p:sp>
-      <p:sp>
-        <p:nvSpPr>
-          <p:cNvPr id="5" name="文字版面配置區 4"/>
-          <p:cNvSpPr>
-            <a:spLocks noGrp="1"/>
-          </p:cNvSpPr>
+      <p:graphicFrame>
+        <p:nvGraphicFramePr>
+          <p:cNvPr id="2" name="資料庫圖表 1"/>
+          <p:cNvGraphicFramePr/>
           <p:nvPr>
-            <p:ph type="body" idx="1"/>
+            <p:extLst>
+              <p:ext uri="{D42A27DB-BD31-4B8C-83A1-F6EECF244321}">
+                <p14:modId xmlns:p14="http://schemas.microsoft.com/office/powerpoint/2010/main" val="78548274"/>
+              </p:ext>
+            </p:extLst>
           </p:nvPr>
-        </p:nvSpPr>
-        <p:spPr>
-          <a:xfrm>
-            <a:off x="683568" y="1347614"/>
-            <a:ext cx="4104456" cy="3064800"/>
-          </a:xfrm>
-        </p:spPr>
-        <p:txBody>
-          <a:bodyPr/>
-          <a:lstStyle/>
-          <a:p>
-            <a:r>
-              <a:rPr lang="en-US" altLang="zh-TW" sz="2200" dirty="0" smtClean="0">
-                <a:latin typeface="標楷體" pitchFamily="65" charset="-120"/>
-                <a:ea typeface="標楷體" pitchFamily="65" charset="-120"/>
-              </a:rPr>
-              <a:t>1.</a:t>
-            </a:r>
-            <a:r>
-              <a:rPr lang="zh-TW" altLang="en-US" sz="2200" b="1" dirty="0" smtClean="0">
-                <a:latin typeface="標楷體" pitchFamily="65" charset="-120"/>
-                <a:ea typeface="標楷體" pitchFamily="65" charset="-120"/>
-              </a:rPr>
-              <a:t>查詢食譜</a:t>
-            </a:r>
-            <a:endParaRPr lang="en-US" altLang="zh-TW" sz="2200" b="1" dirty="0" smtClean="0">
-              <a:latin typeface="標楷體" pitchFamily="65" charset="-120"/>
-              <a:ea typeface="標楷體" pitchFamily="65" charset="-120"/>
-            </a:endParaRPr>
-          </a:p>
-          <a:p>
-            <a:r>
-              <a:rPr lang="en-US" altLang="zh-TW" sz="2200" b="1" dirty="0" smtClean="0">
-                <a:latin typeface="標楷體" pitchFamily="65" charset="-120"/>
-                <a:ea typeface="標楷體" pitchFamily="65" charset="-120"/>
-              </a:rPr>
-              <a:t>2.</a:t>
-            </a:r>
-            <a:r>
-              <a:rPr lang="zh-TW" altLang="en-US" sz="2200" b="1" dirty="0" smtClean="0">
-                <a:latin typeface="標楷體" pitchFamily="65" charset="-120"/>
-                <a:ea typeface="標楷體" pitchFamily="65" charset="-120"/>
-              </a:rPr>
-              <a:t>選擇需要的食譜</a:t>
-            </a:r>
-            <a:endParaRPr lang="en-US" altLang="zh-TW" sz="2200" b="1" dirty="0" smtClean="0">
-              <a:latin typeface="標楷體" pitchFamily="65" charset="-120"/>
-              <a:ea typeface="標楷體" pitchFamily="65" charset="-120"/>
-            </a:endParaRPr>
-          </a:p>
-          <a:p>
-            <a:r>
-              <a:rPr lang="en-US" altLang="zh-TW" sz="2200" b="1" dirty="0" smtClean="0">
-                <a:latin typeface="標楷體" pitchFamily="65" charset="-120"/>
-                <a:ea typeface="標楷體" pitchFamily="65" charset="-120"/>
-              </a:rPr>
-              <a:t>3.</a:t>
-            </a:r>
-            <a:r>
-              <a:rPr lang="zh-TW" altLang="en-US" sz="2200" b="1" dirty="0" smtClean="0">
-                <a:latin typeface="標楷體" pitchFamily="65" charset="-120"/>
-                <a:ea typeface="標楷體" pitchFamily="65" charset="-120"/>
-              </a:rPr>
-              <a:t>查看食譜的食材</a:t>
-            </a:r>
-            <a:endParaRPr lang="en-US" altLang="zh-TW" sz="2200" b="1" dirty="0" smtClean="0">
-              <a:latin typeface="標楷體" pitchFamily="65" charset="-120"/>
-              <a:ea typeface="標楷體" pitchFamily="65" charset="-120"/>
-            </a:endParaRPr>
-          </a:p>
-          <a:p>
-            <a:r>
-              <a:rPr lang="en-US" altLang="zh-TW" sz="2200" b="1" dirty="0" smtClean="0">
-                <a:latin typeface="標楷體" pitchFamily="65" charset="-120"/>
-                <a:ea typeface="標楷體" pitchFamily="65" charset="-120"/>
-              </a:rPr>
-              <a:t>4.</a:t>
-            </a:r>
-            <a:r>
-              <a:rPr lang="zh-TW" altLang="en-US" sz="2200" b="1" dirty="0" smtClean="0">
-                <a:latin typeface="標楷體" pitchFamily="65" charset="-120"/>
-                <a:ea typeface="標楷體" pitchFamily="65" charset="-120"/>
-              </a:rPr>
-              <a:t>點選所需食材</a:t>
-            </a:r>
-            <a:endParaRPr lang="en-US" altLang="zh-TW" sz="2200" b="1" dirty="0" smtClean="0">
-              <a:latin typeface="標楷體" pitchFamily="65" charset="-120"/>
-              <a:ea typeface="標楷體" pitchFamily="65" charset="-120"/>
-            </a:endParaRPr>
-          </a:p>
-          <a:p>
-            <a:r>
-              <a:rPr lang="en-US" altLang="zh-TW" sz="2200" b="1" dirty="0" smtClean="0">
-                <a:latin typeface="標楷體" pitchFamily="65" charset="-120"/>
-                <a:ea typeface="標楷體" pitchFamily="65" charset="-120"/>
-              </a:rPr>
-              <a:t>5.</a:t>
-            </a:r>
-            <a:r>
-              <a:rPr lang="zh-TW" altLang="en-US" sz="2200" b="1" dirty="0" smtClean="0">
-                <a:latin typeface="標楷體" pitchFamily="65" charset="-120"/>
-                <a:ea typeface="標楷體" pitchFamily="65" charset="-120"/>
-              </a:rPr>
-              <a:t>顯示抽驗合格的相關食材</a:t>
-            </a:r>
-            <a:endParaRPr lang="en-US" altLang="zh-TW" sz="2200" b="1" dirty="0" smtClean="0">
-              <a:latin typeface="標楷體" pitchFamily="65" charset="-120"/>
-              <a:ea typeface="標楷體" pitchFamily="65" charset="-120"/>
-            </a:endParaRPr>
-          </a:p>
-          <a:p>
-            <a:pPr marL="87313" indent="-87313"/>
-            <a:r>
-              <a:rPr lang="en-US" altLang="zh-TW" sz="2200" b="1" dirty="0" smtClean="0">
-                <a:latin typeface="標楷體" pitchFamily="65" charset="-120"/>
-                <a:ea typeface="標楷體" pitchFamily="65" charset="-120"/>
-              </a:rPr>
-              <a:t>6.</a:t>
-            </a:r>
-            <a:r>
-              <a:rPr lang="zh-TW" altLang="en-US" sz="2200" b="1" dirty="0" smtClean="0">
-                <a:latin typeface="標楷體" pitchFamily="65" charset="-120"/>
-                <a:ea typeface="標楷體" pitchFamily="65" charset="-120"/>
-              </a:rPr>
-              <a:t>詳細安心食品的廠商名稱</a:t>
-            </a:r>
-            <a:r>
-              <a:rPr lang="zh-TW" altLang="en-US" sz="2200" b="1" dirty="0" smtClean="0">
-                <a:latin typeface="標楷體" pitchFamily="65" charset="-120"/>
-                <a:ea typeface="標楷體" pitchFamily="65" charset="-120"/>
-              </a:rPr>
-              <a:t>、地址</a:t>
-            </a:r>
-            <a:r>
-              <a:rPr lang="zh-TW" altLang="en-US" sz="2200" b="1" dirty="0" smtClean="0">
-                <a:latin typeface="標楷體" pitchFamily="65" charset="-120"/>
-                <a:ea typeface="標楷體" pitchFamily="65" charset="-120"/>
-              </a:rPr>
-              <a:t>、電話、抽驗日期、地點、電話、結果 等項目</a:t>
-            </a:r>
-          </a:p>
-          <a:p>
-            <a:endParaRPr lang="zh-TW" altLang="en-US" sz="2200" dirty="0"/>
-          </a:p>
-        </p:txBody>
-      </p:sp>
-      <p:pic>
-        <p:nvPicPr>
-          <p:cNvPr id="43010" name="Picture 2" descr="「蔬菜」的圖片搜尋結果"/>
-          <p:cNvPicPr>
-            <a:picLocks noChangeAspect="1" noChangeArrowheads="1"/>
-          </p:cNvPicPr>
-          <p:nvPr/>
-        </p:nvPicPr>
-        <p:blipFill>
-          <a:blip r:embed="rId3"/>
-          <a:srcRect/>
-          <a:stretch>
-            <a:fillRect/>
-          </a:stretch>
-        </p:blipFill>
-        <p:spPr bwMode="auto">
-          <a:xfrm>
-            <a:off x="4788024" y="1463819"/>
-            <a:ext cx="3903179" cy="2143140"/>
-          </a:xfrm>
-          <a:prstGeom prst="rect">
-            <a:avLst/>
-          </a:prstGeom>
-          <a:noFill/>
-        </p:spPr>
-      </p:pic>
+        </p:nvGraphicFramePr>
+        <p:xfrm>
+          <a:off x="179512" y="357172"/>
+          <a:ext cx="8712968" cy="4064000"/>
+        </p:xfrm>
+        <a:graphic>
+          <a:graphicData uri="http://schemas.openxmlformats.org/drawingml/2006/diagram">
+            <dgm:relIds xmlns:dgm="http://schemas.openxmlformats.org/drawingml/2006/diagram" xmlns:r="http://schemas.openxmlformats.org/officeDocument/2006/relationships" r:dm="rId4" r:lo="rId5" r:qs="rId6" r:cs="rId7"/>
+          </a:graphicData>
+        </a:graphic>
+      </p:graphicFrame>
     </p:spTree>
     <p:extLst>
       <p:ext uri="{BB962C8B-B14F-4D97-AF65-F5344CB8AC3E}">
@@ -11829,6 +19347,28 @@
           <a:chExt cx="0" cy="0"/>
         </a:xfrm>
       </p:grpSpPr>
+      <p:graphicFrame>
+        <p:nvGraphicFramePr>
+          <p:cNvPr id="6" name="資料庫圖表 5"/>
+          <p:cNvGraphicFramePr/>
+          <p:nvPr>
+            <p:extLst>
+              <p:ext uri="{D42A27DB-BD31-4B8C-83A1-F6EECF244321}">
+                <p14:modId xmlns:p14="http://schemas.microsoft.com/office/powerpoint/2010/main" val="2073502936"/>
+              </p:ext>
+            </p:extLst>
+          </p:nvPr>
+        </p:nvGraphicFramePr>
+        <p:xfrm>
+          <a:off x="179512" y="1037872"/>
+          <a:ext cx="8712968" cy="4064000"/>
+        </p:xfrm>
+        <a:graphic>
+          <a:graphicData uri="http://schemas.openxmlformats.org/drawingml/2006/diagram">
+            <dgm:relIds xmlns:dgm="http://schemas.openxmlformats.org/drawingml/2006/diagram" xmlns:r="http://schemas.openxmlformats.org/officeDocument/2006/relationships" r:dm="rId3" r:lo="rId4" r:qs="rId5" r:cs="rId6"/>
+          </a:graphicData>
+        </a:graphic>
+      </p:graphicFrame>
       <p:sp>
         <p:nvSpPr>
           <p:cNvPr id="162" name="Shape 162"/>
@@ -11973,213 +19513,6 @@
           </a:p>
         </p:txBody>
       </p:sp>
-      <p:sp>
-        <p:nvSpPr>
-          <p:cNvPr id="5" name="文字版面配置區 4"/>
-          <p:cNvSpPr>
-            <a:spLocks noGrp="1"/>
-          </p:cNvSpPr>
-          <p:nvPr>
-            <p:ph type="body" idx="1"/>
-          </p:nvPr>
-        </p:nvSpPr>
-        <p:spPr>
-          <a:xfrm>
-            <a:off x="928662" y="1357304"/>
-            <a:ext cx="4363418" cy="3064800"/>
-          </a:xfrm>
-        </p:spPr>
-        <p:txBody>
-          <a:bodyPr/>
-          <a:lstStyle/>
-          <a:p>
-            <a:r>
-              <a:rPr lang="en-US" altLang="zh-TW" sz="2400" b="1" dirty="0" smtClean="0">
-                <a:effectLst>
-                  <a:outerShdw blurRad="38100" dist="38100" dir="2700000" algn="tl">
-                    <a:srgbClr val="000000">
-                      <a:alpha val="43137"/>
-                    </a:srgbClr>
-                  </a:outerShdw>
-                </a:effectLst>
-                <a:latin typeface="標楷體" pitchFamily="65" charset="-120"/>
-                <a:ea typeface="標楷體" pitchFamily="65" charset="-120"/>
-              </a:rPr>
-              <a:t>1.</a:t>
-            </a:r>
-            <a:r>
-              <a:rPr lang="zh-TW" altLang="en-US" sz="2400" b="1" dirty="0" smtClean="0">
-                <a:effectLst>
-                  <a:outerShdw blurRad="38100" dist="38100" dir="2700000" algn="tl">
-                    <a:srgbClr val="000000">
-                      <a:alpha val="43137"/>
-                    </a:srgbClr>
-                  </a:outerShdw>
-                </a:effectLst>
-                <a:latin typeface="標楷體" pitchFamily="65" charset="-120"/>
-                <a:ea typeface="標楷體" pitchFamily="65" charset="-120"/>
-              </a:rPr>
-              <a:t>輸入所需食材</a:t>
-            </a:r>
-            <a:endParaRPr lang="en-US" altLang="zh-TW" sz="2400" b="1" dirty="0" smtClean="0">
-              <a:effectLst>
-                <a:outerShdw blurRad="38100" dist="38100" dir="2700000" algn="tl">
-                  <a:srgbClr val="000000">
-                    <a:alpha val="43137"/>
-                  </a:srgbClr>
-                </a:outerShdw>
-              </a:effectLst>
-              <a:latin typeface="標楷體" pitchFamily="65" charset="-120"/>
-              <a:ea typeface="標楷體" pitchFamily="65" charset="-120"/>
-            </a:endParaRPr>
-          </a:p>
-          <a:p>
-            <a:r>
-              <a:rPr lang="en-US" altLang="zh-TW" sz="2400" b="1" dirty="0" smtClean="0">
-                <a:effectLst>
-                  <a:outerShdw blurRad="38100" dist="38100" dir="2700000" algn="tl">
-                    <a:srgbClr val="000000">
-                      <a:alpha val="43137"/>
-                    </a:srgbClr>
-                  </a:outerShdw>
-                </a:effectLst>
-                <a:latin typeface="標楷體" pitchFamily="65" charset="-120"/>
-                <a:ea typeface="標楷體" pitchFamily="65" charset="-120"/>
-              </a:rPr>
-              <a:t>2.</a:t>
-            </a:r>
-            <a:r>
-              <a:rPr lang="zh-TW" altLang="en-US" sz="2400" b="1" dirty="0" smtClean="0">
-                <a:effectLst>
-                  <a:outerShdw blurRad="38100" dist="38100" dir="2700000" algn="tl">
-                    <a:srgbClr val="000000">
-                      <a:alpha val="43137"/>
-                    </a:srgbClr>
-                  </a:outerShdw>
-                </a:effectLst>
-                <a:latin typeface="標楷體" pitchFamily="65" charset="-120"/>
-                <a:ea typeface="標楷體" pitchFamily="65" charset="-120"/>
-              </a:rPr>
-              <a:t>使用</a:t>
-            </a:r>
-            <a:r>
-              <a:rPr lang="en-US" altLang="zh-TW" sz="2400" b="1" dirty="0" smtClean="0">
-                <a:effectLst>
-                  <a:outerShdw blurRad="38100" dist="38100" dir="2700000" algn="tl">
-                    <a:srgbClr val="000000">
-                      <a:alpha val="43137"/>
-                    </a:srgbClr>
-                  </a:outerShdw>
-                </a:effectLst>
-                <a:latin typeface="標楷體" pitchFamily="65" charset="-120"/>
-                <a:ea typeface="標楷體" pitchFamily="65" charset="-120"/>
-              </a:rPr>
-              <a:t>GPS</a:t>
-            </a:r>
-            <a:r>
-              <a:rPr lang="zh-TW" altLang="en-US" sz="2400" b="1" dirty="0" smtClean="0">
-                <a:effectLst>
-                  <a:outerShdw blurRad="38100" dist="38100" dir="2700000" algn="tl">
-                    <a:srgbClr val="000000">
-                      <a:alpha val="43137"/>
-                    </a:srgbClr>
-                  </a:outerShdw>
-                </a:effectLst>
-                <a:latin typeface="標楷體" pitchFamily="65" charset="-120"/>
-                <a:ea typeface="標楷體" pitchFamily="65" charset="-120"/>
-              </a:rPr>
-              <a:t>定位或是輸入地點</a:t>
-            </a:r>
-            <a:endParaRPr lang="en-US" altLang="zh-TW" sz="2400" b="1" dirty="0" smtClean="0">
-              <a:effectLst>
-                <a:outerShdw blurRad="38100" dist="38100" dir="2700000" algn="tl">
-                  <a:srgbClr val="000000">
-                    <a:alpha val="43137"/>
-                  </a:srgbClr>
-                </a:outerShdw>
-              </a:effectLst>
-              <a:latin typeface="標楷體" pitchFamily="65" charset="-120"/>
-              <a:ea typeface="標楷體" pitchFamily="65" charset="-120"/>
-            </a:endParaRPr>
-          </a:p>
-          <a:p>
-            <a:pPr marL="174625" indent="-174625"/>
-            <a:r>
-              <a:rPr lang="en-US" altLang="zh-TW" sz="2400" b="1" dirty="0" smtClean="0">
-                <a:effectLst>
-                  <a:outerShdw blurRad="38100" dist="38100" dir="2700000" algn="tl">
-                    <a:srgbClr val="000000">
-                      <a:alpha val="43137"/>
-                    </a:srgbClr>
-                  </a:outerShdw>
-                </a:effectLst>
-                <a:latin typeface="標楷體" pitchFamily="65" charset="-120"/>
-                <a:ea typeface="標楷體" pitchFamily="65" charset="-120"/>
-              </a:rPr>
-              <a:t>3.</a:t>
-            </a:r>
-            <a:r>
-              <a:rPr lang="zh-TW" altLang="en-US" sz="2400" b="1" dirty="0" smtClean="0">
-                <a:effectLst>
-                  <a:outerShdw blurRad="38100" dist="38100" dir="2700000" algn="tl">
-                    <a:srgbClr val="000000">
-                      <a:alpha val="43137"/>
-                    </a:srgbClr>
-                  </a:outerShdw>
-                </a:effectLst>
-                <a:latin typeface="標楷體" pitchFamily="65" charset="-120"/>
-                <a:ea typeface="標楷體" pitchFamily="65" charset="-120"/>
-              </a:rPr>
-              <a:t>顯示地點附近抽驗合格的相關食材</a:t>
-            </a:r>
-            <a:endParaRPr lang="en-US" altLang="zh-TW" sz="2400" b="1" dirty="0" smtClean="0">
-              <a:effectLst>
-                <a:outerShdw blurRad="38100" dist="38100" dir="2700000" algn="tl">
-                  <a:srgbClr val="000000">
-                    <a:alpha val="43137"/>
-                  </a:srgbClr>
-                </a:outerShdw>
-              </a:effectLst>
-              <a:latin typeface="標楷體" pitchFamily="65" charset="-120"/>
-              <a:ea typeface="標楷體" pitchFamily="65" charset="-120"/>
-            </a:endParaRPr>
-          </a:p>
-          <a:p>
-            <a:pPr marL="174625" indent="-174625"/>
-            <a:r>
-              <a:rPr lang="en-US" altLang="zh-TW" sz="2400" b="1" dirty="0" smtClean="0">
-                <a:effectLst>
-                  <a:outerShdw blurRad="38100" dist="38100" dir="2700000" algn="tl">
-                    <a:srgbClr val="000000">
-                      <a:alpha val="43137"/>
-                    </a:srgbClr>
-                  </a:outerShdw>
-                </a:effectLst>
-                <a:latin typeface="標楷體" pitchFamily="65" charset="-120"/>
-                <a:ea typeface="標楷體" pitchFamily="65" charset="-120"/>
-              </a:rPr>
-              <a:t>4.</a:t>
-            </a:r>
-            <a:r>
-              <a:rPr lang="zh-TW" altLang="en-US" sz="2400" b="1" dirty="0" smtClean="0">
-                <a:effectLst>
-                  <a:outerShdw blurRad="38100" dist="38100" dir="2700000" algn="tl">
-                    <a:srgbClr val="000000">
-                      <a:alpha val="43137"/>
-                    </a:srgbClr>
-                  </a:outerShdw>
-                </a:effectLst>
-                <a:latin typeface="標楷體" pitchFamily="65" charset="-120"/>
-                <a:ea typeface="標楷體" pitchFamily="65" charset="-120"/>
-              </a:rPr>
-              <a:t>詳細安心食品的廠商名稱、地址、電話、抽驗日期、地點、電話、結果 等項目</a:t>
-            </a:r>
-          </a:p>
-          <a:p>
-            <a:endParaRPr lang="zh-TW" altLang="en-US" dirty="0"/>
-          </a:p>
-        </p:txBody>
-      </p:sp>
       <p:pic>
         <p:nvPicPr>
           <p:cNvPr id="57346" name="Picture 2" descr="「肉」的圖片搜尋結果"/>
@@ -12189,7 +19522,7 @@
           <p:nvPr/>
         </p:nvPicPr>
         <p:blipFill>
-          <a:blip r:embed="rId3"/>
+          <a:blip r:embed="rId8"/>
           <a:srcRect/>
           <a:stretch>
             <a:fillRect/>
@@ -12197,8 +19530,8 @@
         </p:blipFill>
         <p:spPr bwMode="auto">
           <a:xfrm>
-            <a:off x="5652120" y="1357304"/>
-            <a:ext cx="2833479" cy="2427982"/>
+            <a:off x="3347865" y="3247561"/>
+            <a:ext cx="2232248" cy="1912792"/>
           </a:xfrm>
           <a:prstGeom prst="rect">
             <a:avLst/>

--- a/黑克松簡報.pptx
+++ b/黑克松簡報.pptx
@@ -231,7 +231,7 @@
   </p:defaultTextStyle>
   <p:extLst>
     <p:ext uri="{EFAFB233-063F-42B5-8137-9DF3F51BA10A}">
-      <p15:sldGuideLst xmlns:p15="http://schemas.microsoft.com/office/powerpoint/2012/main">
+      <p15:sldGuideLst xmlns:p15="http://schemas.microsoft.com/office/powerpoint/2012/main" xmlns="">
         <p15:guide id="1" orient="horz" pos="1620">
           <p15:clr>
             <a:srgbClr val="A4A3A4"/>
@@ -2224,6 +2224,13 @@
         </dgm:presLayoutVars>
       </dgm:prSet>
       <dgm:spPr/>
+      <dgm:t>
+        <a:bodyPr/>
+        <a:lstStyle/>
+        <a:p>
+          <a:endParaRPr lang="zh-TW" altLang="en-US"/>
+        </a:p>
+      </dgm:t>
     </dgm:pt>
     <dgm:pt modelId="{217C7689-8AF1-4F03-A7AD-E7B3F7AB6F25}" type="pres">
       <dgm:prSet presAssocID="{7F51953B-5626-429E-9B3D-300A74A5D080}" presName="Triangle" presStyleLbl="alignNode1" presStyleIdx="1" presStyleCnt="11"/>
@@ -2254,6 +2261,13 @@
         </dgm:presLayoutVars>
       </dgm:prSet>
       <dgm:spPr/>
+      <dgm:t>
+        <a:bodyPr/>
+        <a:lstStyle/>
+        <a:p>
+          <a:endParaRPr lang="zh-TW" altLang="en-US"/>
+        </a:p>
+      </dgm:t>
     </dgm:pt>
     <dgm:pt modelId="{2747D39A-A6A9-4552-9148-4E14B2C59380}" type="pres">
       <dgm:prSet presAssocID="{BEBDFE9D-3ACB-4CB7-9143-A16831666060}" presName="Triangle" presStyleLbl="alignNode1" presStyleIdx="3" presStyleCnt="11"/>
@@ -2284,6 +2298,13 @@
         </dgm:presLayoutVars>
       </dgm:prSet>
       <dgm:spPr/>
+      <dgm:t>
+        <a:bodyPr/>
+        <a:lstStyle/>
+        <a:p>
+          <a:endParaRPr lang="zh-TW" altLang="en-US"/>
+        </a:p>
+      </dgm:t>
     </dgm:pt>
     <dgm:pt modelId="{3BD55416-61F5-45AB-BF79-A6CF91CD606E}" type="pres">
       <dgm:prSet presAssocID="{5EC97A28-FEFD-4E69-85ED-2AA35C5669D2}" presName="Triangle" presStyleLbl="alignNode1" presStyleIdx="5" presStyleCnt="11"/>
@@ -2314,6 +2335,13 @@
         </dgm:presLayoutVars>
       </dgm:prSet>
       <dgm:spPr/>
+      <dgm:t>
+        <a:bodyPr/>
+        <a:lstStyle/>
+        <a:p>
+          <a:endParaRPr lang="zh-TW" altLang="en-US"/>
+        </a:p>
+      </dgm:t>
     </dgm:pt>
     <dgm:pt modelId="{C9947BAB-AF93-418F-8A32-870BD4A393ED}" type="pres">
       <dgm:prSet presAssocID="{AD45F959-C584-430E-A958-9855970FECCE}" presName="Triangle" presStyleLbl="alignNode1" presStyleIdx="7" presStyleCnt="11"/>
@@ -2344,6 +2372,13 @@
         </dgm:presLayoutVars>
       </dgm:prSet>
       <dgm:spPr/>
+      <dgm:t>
+        <a:bodyPr/>
+        <a:lstStyle/>
+        <a:p>
+          <a:endParaRPr lang="zh-TW" altLang="en-US"/>
+        </a:p>
+      </dgm:t>
     </dgm:pt>
     <dgm:pt modelId="{CD7FE51E-220C-4582-88C9-C21D92BEB5A3}" type="pres">
       <dgm:prSet presAssocID="{19FABA07-2A6B-4F27-8D9F-B62C9302884F}" presName="Triangle" presStyleLbl="alignNode1" presStyleIdx="9" presStyleCnt="11"/>
@@ -2374,22 +2409,29 @@
         </dgm:presLayoutVars>
       </dgm:prSet>
       <dgm:spPr/>
+      <dgm:t>
+        <a:bodyPr/>
+        <a:lstStyle/>
+        <a:p>
+          <a:endParaRPr lang="zh-TW" altLang="en-US"/>
+        </a:p>
+      </dgm:t>
     </dgm:pt>
   </dgm:ptLst>
   <dgm:cxnLst>
     <dgm:cxn modelId="{F5BA87A1-2933-4DDC-B1E4-E44560FD9F36}" type="presOf" srcId="{AD45F959-C584-430E-A958-9855970FECCE}" destId="{6D9058BB-E0BC-46B0-A184-CBC9025C756C}" srcOrd="0" destOrd="0" presId="urn:microsoft.com/office/officeart/2009/3/layout/StepUpProcess"/>
+    <dgm:cxn modelId="{404326CF-3E78-4865-82FE-EB86F34E5822}" srcId="{6F863EC8-8499-42DA-9CDA-719F7EAC3223}" destId="{19FABA07-2A6B-4F27-8D9F-B62C9302884F}" srcOrd="4" destOrd="0" parTransId="{AFED3624-BD87-40DD-A811-A87153ECDA05}" sibTransId="{8C61FC4D-FD81-425F-91C1-BAAA9C8179F9}"/>
+    <dgm:cxn modelId="{D8C329B6-5421-4DE9-AFBA-5D63805502BF}" srcId="{6F863EC8-8499-42DA-9CDA-719F7EAC3223}" destId="{0CE3A6D0-6D57-490E-8C11-315704150CC7}" srcOrd="5" destOrd="0" parTransId="{725C0A4B-3980-4508-8196-14AB1462F725}" sibTransId="{19030EDB-AAC7-4335-883F-0D456D2A637F}"/>
+    <dgm:cxn modelId="{6F456ECD-A4E1-4268-92BE-8E2C6A70661E}" srcId="{6F863EC8-8499-42DA-9CDA-719F7EAC3223}" destId="{AD45F959-C584-430E-A958-9855970FECCE}" srcOrd="3" destOrd="0" parTransId="{DB7BFF0B-900C-4508-A02D-2BE9C3E6609F}" sibTransId="{22C9FC1D-A832-4A57-AC9F-CC91E6882C7B}"/>
+    <dgm:cxn modelId="{EF79BD14-6D18-40D3-A6FB-17E8F0C5C02C}" type="presOf" srcId="{0CE3A6D0-6D57-490E-8C11-315704150CC7}" destId="{645E831B-3F66-4CEC-91EA-13E3FFEA0864}" srcOrd="0" destOrd="0" presId="urn:microsoft.com/office/officeart/2009/3/layout/StepUpProcess"/>
+    <dgm:cxn modelId="{5CB5BF33-2A20-4939-B579-4AC81C1089A5}" srcId="{6F863EC8-8499-42DA-9CDA-719F7EAC3223}" destId="{7F51953B-5626-429E-9B3D-300A74A5D080}" srcOrd="0" destOrd="0" parTransId="{61CFEC76-C729-45F6-9DDE-6F6562ECC872}" sibTransId="{EC6F5AFE-0E87-429D-8E4B-CE86CCF950B2}"/>
+    <dgm:cxn modelId="{F0C61704-B67F-4026-9635-F3EA32CC9053}" type="presOf" srcId="{19FABA07-2A6B-4F27-8D9F-B62C9302884F}" destId="{C7B5E2D4-F41A-41D9-AB9D-12F1B53F572C}" srcOrd="0" destOrd="0" presId="urn:microsoft.com/office/officeart/2009/3/layout/StepUpProcess"/>
+    <dgm:cxn modelId="{67088BD2-0E14-4BA1-AC4D-66767B673DEF}" type="presOf" srcId="{6F863EC8-8499-42DA-9CDA-719F7EAC3223}" destId="{19B5CFE9-785C-4DFF-9BB9-668DF05BF83C}" srcOrd="0" destOrd="0" presId="urn:microsoft.com/office/officeart/2009/3/layout/StepUpProcess"/>
+    <dgm:cxn modelId="{1344DF9C-17DE-437B-AECE-167D716B3A4B}" type="presOf" srcId="{BEBDFE9D-3ACB-4CB7-9143-A16831666060}" destId="{F6EC8E80-E333-4A11-BE20-F3AFFC3B37F5}" srcOrd="0" destOrd="0" presId="urn:microsoft.com/office/officeart/2009/3/layout/StepUpProcess"/>
     <dgm:cxn modelId="{EF16E4F3-56FC-4076-B4ED-5AC3098FB690}" type="presOf" srcId="{7F51953B-5626-429E-9B3D-300A74A5D080}" destId="{F867D52C-D8B1-4722-B6F1-D840248BD607}" srcOrd="0" destOrd="0" presId="urn:microsoft.com/office/officeart/2009/3/layout/StepUpProcess"/>
-    <dgm:cxn modelId="{EF79BD14-6D18-40D3-A6FB-17E8F0C5C02C}" type="presOf" srcId="{0CE3A6D0-6D57-490E-8C11-315704150CC7}" destId="{645E831B-3F66-4CEC-91EA-13E3FFEA0864}" srcOrd="0" destOrd="0" presId="urn:microsoft.com/office/officeart/2009/3/layout/StepUpProcess"/>
+    <dgm:cxn modelId="{D4D8FF4F-CADC-4C01-86B1-D1C8B74EB96B}" srcId="{6F863EC8-8499-42DA-9CDA-719F7EAC3223}" destId="{BEBDFE9D-3ACB-4CB7-9143-A16831666060}" srcOrd="1" destOrd="0" parTransId="{027380C5-A9CB-4169-9E54-B4FEFE52A6D9}" sibTransId="{45D1F1BA-A7FF-439F-A414-B0A6AC1BDDAB}"/>
     <dgm:cxn modelId="{DE2ECDAF-5B45-4DE7-8F65-054B3C874BDC}" type="presOf" srcId="{5EC97A28-FEFD-4E69-85ED-2AA35C5669D2}" destId="{1CC17573-4528-4EA1-8E38-26D758E6DE29}" srcOrd="0" destOrd="0" presId="urn:microsoft.com/office/officeart/2009/3/layout/StepUpProcess"/>
-    <dgm:cxn modelId="{5CB5BF33-2A20-4939-B579-4AC81C1089A5}" srcId="{6F863EC8-8499-42DA-9CDA-719F7EAC3223}" destId="{7F51953B-5626-429E-9B3D-300A74A5D080}" srcOrd="0" destOrd="0" parTransId="{61CFEC76-C729-45F6-9DDE-6F6562ECC872}" sibTransId="{EC6F5AFE-0E87-429D-8E4B-CE86CCF950B2}"/>
-    <dgm:cxn modelId="{67088BD2-0E14-4BA1-AC4D-66767B673DEF}" type="presOf" srcId="{6F863EC8-8499-42DA-9CDA-719F7EAC3223}" destId="{19B5CFE9-785C-4DFF-9BB9-668DF05BF83C}" srcOrd="0" destOrd="0" presId="urn:microsoft.com/office/officeart/2009/3/layout/StepUpProcess"/>
     <dgm:cxn modelId="{A1C4DD17-141C-4678-8D4B-79605D4F8859}" srcId="{6F863EC8-8499-42DA-9CDA-719F7EAC3223}" destId="{5EC97A28-FEFD-4E69-85ED-2AA35C5669D2}" srcOrd="2" destOrd="0" parTransId="{97F42946-D51E-4C55-8265-6DEAF6A01BC8}" sibTransId="{34E47B24-31DD-415D-A646-91502D8BB236}"/>
-    <dgm:cxn modelId="{404326CF-3E78-4865-82FE-EB86F34E5822}" srcId="{6F863EC8-8499-42DA-9CDA-719F7EAC3223}" destId="{19FABA07-2A6B-4F27-8D9F-B62C9302884F}" srcOrd="4" destOrd="0" parTransId="{AFED3624-BD87-40DD-A811-A87153ECDA05}" sibTransId="{8C61FC4D-FD81-425F-91C1-BAAA9C8179F9}"/>
-    <dgm:cxn modelId="{6F456ECD-A4E1-4268-92BE-8E2C6A70661E}" srcId="{6F863EC8-8499-42DA-9CDA-719F7EAC3223}" destId="{AD45F959-C584-430E-A958-9855970FECCE}" srcOrd="3" destOrd="0" parTransId="{DB7BFF0B-900C-4508-A02D-2BE9C3E6609F}" sibTransId="{22C9FC1D-A832-4A57-AC9F-CC91E6882C7B}"/>
-    <dgm:cxn modelId="{D4D8FF4F-CADC-4C01-86B1-D1C8B74EB96B}" srcId="{6F863EC8-8499-42DA-9CDA-719F7EAC3223}" destId="{BEBDFE9D-3ACB-4CB7-9143-A16831666060}" srcOrd="1" destOrd="0" parTransId="{027380C5-A9CB-4169-9E54-B4FEFE52A6D9}" sibTransId="{45D1F1BA-A7FF-439F-A414-B0A6AC1BDDAB}"/>
-    <dgm:cxn modelId="{F0C61704-B67F-4026-9635-F3EA32CC9053}" type="presOf" srcId="{19FABA07-2A6B-4F27-8D9F-B62C9302884F}" destId="{C7B5E2D4-F41A-41D9-AB9D-12F1B53F572C}" srcOrd="0" destOrd="0" presId="urn:microsoft.com/office/officeart/2009/3/layout/StepUpProcess"/>
-    <dgm:cxn modelId="{D8C329B6-5421-4DE9-AFBA-5D63805502BF}" srcId="{6F863EC8-8499-42DA-9CDA-719F7EAC3223}" destId="{0CE3A6D0-6D57-490E-8C11-315704150CC7}" srcOrd="5" destOrd="0" parTransId="{725C0A4B-3980-4508-8196-14AB1462F725}" sibTransId="{19030EDB-AAC7-4335-883F-0D456D2A637F}"/>
-    <dgm:cxn modelId="{1344DF9C-17DE-437B-AECE-167D716B3A4B}" type="presOf" srcId="{BEBDFE9D-3ACB-4CB7-9143-A16831666060}" destId="{F6EC8E80-E333-4A11-BE20-F3AFFC3B37F5}" srcOrd="0" destOrd="0" presId="urn:microsoft.com/office/officeart/2009/3/layout/StepUpProcess"/>
     <dgm:cxn modelId="{452DBADE-AD9D-4728-9431-E925046BE9AD}" type="presParOf" srcId="{19B5CFE9-785C-4DFF-9BB9-668DF05BF83C}" destId="{DF757156-F124-48AC-BB83-FD1FA676031E}" srcOrd="0" destOrd="0" presId="urn:microsoft.com/office/officeart/2009/3/layout/StepUpProcess"/>
     <dgm:cxn modelId="{4C44F840-B041-4140-98B2-1B3D78573632}" type="presParOf" srcId="{DF757156-F124-48AC-BB83-FD1FA676031E}" destId="{DDE4222C-5260-4141-B408-A8E874DDB9D1}" srcOrd="0" destOrd="0" presId="urn:microsoft.com/office/officeart/2009/3/layout/StepUpProcess"/>
     <dgm:cxn modelId="{9BE3BC4F-1559-4E4A-B21F-F7C2C07CC7C7}" type="presParOf" srcId="{DF757156-F124-48AC-BB83-FD1FA676031E}" destId="{F867D52C-D8B1-4722-B6F1-D840248BD607}" srcOrd="1" destOrd="0" presId="urn:microsoft.com/office/officeart/2009/3/layout/StepUpProcess"/>
@@ -2806,15 +2848,15 @@
     </dgm:pt>
   </dgm:ptLst>
   <dgm:cxnLst>
-    <dgm:cxn modelId="{C1BD7772-214C-4809-A994-AF2BB4384F2F}" srcId="{6F863EC8-8499-42DA-9CDA-719F7EAC3223}" destId="{A2E068F4-24FE-4AC0-B3A7-F37805BB8C90}" srcOrd="2" destOrd="0" parTransId="{A1751232-64E1-46B6-92D9-42928F697659}" sibTransId="{B903D52D-9827-4F79-8A18-2D530603BF2B}"/>
+    <dgm:cxn modelId="{5CB5BF33-2A20-4939-B579-4AC81C1089A5}" srcId="{6F863EC8-8499-42DA-9CDA-719F7EAC3223}" destId="{7F51953B-5626-429E-9B3D-300A74A5D080}" srcOrd="0" destOrd="0" parTransId="{61CFEC76-C729-45F6-9DDE-6F6562ECC872}" sibTransId="{EC6F5AFE-0E87-429D-8E4B-CE86CCF950B2}"/>
     <dgm:cxn modelId="{7FDD6584-88D7-40CB-8203-5C2A0EB7EC36}" srcId="{6F863EC8-8499-42DA-9CDA-719F7EAC3223}" destId="{9D99A6A5-150B-47AD-BA70-AC3BE35D6B5E}" srcOrd="1" destOrd="0" parTransId="{61B02D49-61AC-4461-9995-C13175BE8E35}" sibTransId="{06F12F0C-EF44-4FBB-B682-EC167EF1836A}"/>
     <dgm:cxn modelId="{F7FAF28F-2F63-4F5A-AD8F-C8BF69A07AC5}" type="presOf" srcId="{A2E068F4-24FE-4AC0-B3A7-F37805BB8C90}" destId="{C2BC058C-26C0-4CA7-B72C-5822AE322F52}" srcOrd="0" destOrd="0" presId="urn:microsoft.com/office/officeart/2009/3/layout/StepUpProcess"/>
+    <dgm:cxn modelId="{BB96889C-30C8-4365-B373-F5BC56855E5C}" type="presOf" srcId="{6F01E1C7-28FD-449D-A78B-EF62C1B8FE1D}" destId="{F0D91889-6CAA-4364-9421-951B41C98604}" srcOrd="0" destOrd="0" presId="urn:microsoft.com/office/officeart/2009/3/layout/StepUpProcess"/>
+    <dgm:cxn modelId="{F8346367-3638-4D44-A8C1-C1C386B236B3}" type="presOf" srcId="{6F863EC8-8499-42DA-9CDA-719F7EAC3223}" destId="{19B5CFE9-785C-4DFF-9BB9-668DF05BF83C}" srcOrd="0" destOrd="0" presId="urn:microsoft.com/office/officeart/2009/3/layout/StepUpProcess"/>
+    <dgm:cxn modelId="{6D6DDC7D-8F6E-4E4B-BE18-640C3F1DBA30}" srcId="{6F863EC8-8499-42DA-9CDA-719F7EAC3223}" destId="{6F01E1C7-28FD-449D-A78B-EF62C1B8FE1D}" srcOrd="3" destOrd="0" parTransId="{0C1F8C4C-8602-40C5-94B7-939D45B3C34B}" sibTransId="{27B5CEAD-6004-495A-9C94-12E61285E68B}"/>
+    <dgm:cxn modelId="{C1BD7772-214C-4809-A994-AF2BB4384F2F}" srcId="{6F863EC8-8499-42DA-9CDA-719F7EAC3223}" destId="{A2E068F4-24FE-4AC0-B3A7-F37805BB8C90}" srcOrd="2" destOrd="0" parTransId="{A1751232-64E1-46B6-92D9-42928F697659}" sibTransId="{B903D52D-9827-4F79-8A18-2D530603BF2B}"/>
+    <dgm:cxn modelId="{369E272A-3F10-4778-B901-7ECAAE892114}" type="presOf" srcId="{9D99A6A5-150B-47AD-BA70-AC3BE35D6B5E}" destId="{3257873F-9C9E-4FBF-B2ED-20083FDF7C21}" srcOrd="0" destOrd="0" presId="urn:microsoft.com/office/officeart/2009/3/layout/StepUpProcess"/>
     <dgm:cxn modelId="{7DD71BC0-5C07-4CE6-85BA-01AE8E3A8058}" type="presOf" srcId="{7F51953B-5626-429E-9B3D-300A74A5D080}" destId="{F867D52C-D8B1-4722-B6F1-D840248BD607}" srcOrd="0" destOrd="0" presId="urn:microsoft.com/office/officeart/2009/3/layout/StepUpProcess"/>
-    <dgm:cxn modelId="{6D6DDC7D-8F6E-4E4B-BE18-640C3F1DBA30}" srcId="{6F863EC8-8499-42DA-9CDA-719F7EAC3223}" destId="{6F01E1C7-28FD-449D-A78B-EF62C1B8FE1D}" srcOrd="3" destOrd="0" parTransId="{0C1F8C4C-8602-40C5-94B7-939D45B3C34B}" sibTransId="{27B5CEAD-6004-495A-9C94-12E61285E68B}"/>
-    <dgm:cxn modelId="{F8346367-3638-4D44-A8C1-C1C386B236B3}" type="presOf" srcId="{6F863EC8-8499-42DA-9CDA-719F7EAC3223}" destId="{19B5CFE9-785C-4DFF-9BB9-668DF05BF83C}" srcOrd="0" destOrd="0" presId="urn:microsoft.com/office/officeart/2009/3/layout/StepUpProcess"/>
-    <dgm:cxn modelId="{5CB5BF33-2A20-4939-B579-4AC81C1089A5}" srcId="{6F863EC8-8499-42DA-9CDA-719F7EAC3223}" destId="{7F51953B-5626-429E-9B3D-300A74A5D080}" srcOrd="0" destOrd="0" parTransId="{61CFEC76-C729-45F6-9DDE-6F6562ECC872}" sibTransId="{EC6F5AFE-0E87-429D-8E4B-CE86CCF950B2}"/>
-    <dgm:cxn modelId="{369E272A-3F10-4778-B901-7ECAAE892114}" type="presOf" srcId="{9D99A6A5-150B-47AD-BA70-AC3BE35D6B5E}" destId="{3257873F-9C9E-4FBF-B2ED-20083FDF7C21}" srcOrd="0" destOrd="0" presId="urn:microsoft.com/office/officeart/2009/3/layout/StepUpProcess"/>
-    <dgm:cxn modelId="{BB96889C-30C8-4365-B373-F5BC56855E5C}" type="presOf" srcId="{6F01E1C7-28FD-449D-A78B-EF62C1B8FE1D}" destId="{F0D91889-6CAA-4364-9421-951B41C98604}" srcOrd="0" destOrd="0" presId="urn:microsoft.com/office/officeart/2009/3/layout/StepUpProcess"/>
     <dgm:cxn modelId="{C9BA4C65-11D3-4AA7-A356-9E9858C4CA6F}" type="presParOf" srcId="{19B5CFE9-785C-4DFF-9BB9-668DF05BF83C}" destId="{DF757156-F124-48AC-BB83-FD1FA676031E}" srcOrd="0" destOrd="0" presId="urn:microsoft.com/office/officeart/2009/3/layout/StepUpProcess"/>
     <dgm:cxn modelId="{9EC49BE5-AA49-4B99-8DF8-492FA4214FF8}" type="presParOf" srcId="{DF757156-F124-48AC-BB83-FD1FA676031E}" destId="{DDE4222C-5260-4141-B408-A8E874DDB9D1}" srcOrd="0" destOrd="0" presId="urn:microsoft.com/office/officeart/2009/3/layout/StepUpProcess"/>
     <dgm:cxn modelId="{0194AEE9-B731-47DC-81AE-2415541B28D7}" type="presParOf" srcId="{DF757156-F124-48AC-BB83-FD1FA676031E}" destId="{F867D52C-D8B1-4722-B6F1-D840248BD607}" srcOrd="1" destOrd="0" presId="urn:microsoft.com/office/officeart/2009/3/layout/StepUpProcess"/>
@@ -19816,6 +19858,7 @@
               <a:rPr lang="en-US" altLang="zh-TW" dirty="0" smtClean="0">
                 <a:latin typeface="華康中圓體" pitchFamily="49" charset="-120"/>
                 <a:ea typeface="華康中圓體" pitchFamily="49" charset="-120"/>
+                <a:hlinkClick r:id="rId3"/>
               </a:rPr>
               <a:t>https://alloo.com.tw/1125/</a:t>
             </a:r>
